--- a/media/Final Project - Employment Prosepects.pptx
+++ b/media/Final Project - Employment Prosepects.pptx
@@ -21,26 +21,30 @@
     <p:sldId id="266" r:id="rId16"/>
     <p:sldId id="267" r:id="rId17"/>
     <p:sldId id="268" r:id="rId18"/>
+    <p:sldId id="269" r:id="rId19"/>
+    <p:sldId id="270" r:id="rId20"/>
+    <p:sldId id="271" r:id="rId21"/>
+    <p:sldId id="272" r:id="rId22"/>
   </p:sldIdLst>
   <p:sldSz cy="5143500" cx="9144000"/>
   <p:notesSz cx="6858000" cy="9144000"/>
   <p:embeddedFontLst>
     <p:embeddedFont>
       <p:font typeface="Nunito"/>
-      <p:regular r:id="rId19"/>
-      <p:bold r:id="rId20"/>
-      <p:italic r:id="rId21"/>
-      <p:boldItalic r:id="rId22"/>
+      <p:regular r:id="rId23"/>
+      <p:bold r:id="rId24"/>
+      <p:italic r:id="rId25"/>
+      <p:boldItalic r:id="rId26"/>
     </p:embeddedFont>
     <p:embeddedFont>
       <p:font typeface="Maven Pro"/>
-      <p:regular r:id="rId23"/>
-      <p:bold r:id="rId24"/>
+      <p:regular r:id="rId27"/>
+      <p:bold r:id="rId28"/>
     </p:embeddedFont>
     <p:embeddedFont>
       <p:font typeface="Comfortaa"/>
-      <p:regular r:id="rId25"/>
-      <p:bold r:id="rId26"/>
+      <p:regular r:id="rId29"/>
+      <p:bold r:id="rId30"/>
     </p:embeddedFont>
   </p:embeddedFontLst>
   <p:defaultTextStyle>
@@ -835,7 +839,7 @@
       </p:grpSpPr>
       <p:sp>
         <p:nvSpPr>
-          <p:cNvPr id="336" name="Google Shape;336;g129b6330eb3_0_357:notes"/>
+          <p:cNvPr id="336" name="Google Shape;336;g129c47ed3ce_0_10:notes"/>
           <p:cNvSpPr/>
           <p:nvPr>
             <p:ph idx="2" type="sldImg"/>
@@ -870,7 +874,7 @@
       </p:sp>
       <p:sp>
         <p:nvSpPr>
-          <p:cNvPr id="337" name="Google Shape;337;g129b6330eb3_0_357:notes"/>
+          <p:cNvPr id="337" name="Google Shape;337;g129c47ed3ce_0_10:notes"/>
           <p:cNvSpPr txBox="1"/>
           <p:nvPr>
             <p:ph idx="1" type="body"/>
@@ -920,7 +924,7 @@
   <p:cSld>
     <p:spTree>
       <p:nvGrpSpPr>
-        <p:cNvPr id="340" name="Shape 340"/>
+        <p:cNvPr id="343" name="Shape 343"/>
         <p:cNvGrpSpPr/>
         <p:nvPr/>
       </p:nvGrpSpPr>
@@ -934,7 +938,7 @@
       </p:grpSpPr>
       <p:sp>
         <p:nvSpPr>
-          <p:cNvPr id="341" name="Google Shape;341;g129b6330eb3_0_361:notes"/>
+          <p:cNvPr id="344" name="Google Shape;344;g129c47ed3ce_0_17:notes"/>
           <p:cNvSpPr/>
           <p:nvPr>
             <p:ph idx="2" type="sldImg"/>
@@ -969,7 +973,7 @@
       </p:sp>
       <p:sp>
         <p:nvSpPr>
-          <p:cNvPr id="342" name="Google Shape;342;g129b6330eb3_0_361:notes"/>
+          <p:cNvPr id="345" name="Google Shape;345;g129c47ed3ce_0_17:notes"/>
           <p:cNvSpPr txBox="1"/>
           <p:nvPr>
             <p:ph idx="1" type="body"/>
@@ -1019,7 +1023,7 @@
   <p:cSld>
     <p:spTree>
       <p:nvGrpSpPr>
-        <p:cNvPr id="346" name="Shape 346"/>
+        <p:cNvPr id="350" name="Shape 350"/>
         <p:cNvGrpSpPr/>
         <p:nvPr/>
       </p:nvGrpSpPr>
@@ -1033,7 +1037,7 @@
       </p:grpSpPr>
       <p:sp>
         <p:nvSpPr>
-          <p:cNvPr id="347" name="Google Shape;347;g129b6330eb3_0_366:notes"/>
+          <p:cNvPr id="351" name="Google Shape;351;g129b6330eb3_0_357:notes"/>
           <p:cNvSpPr/>
           <p:nvPr>
             <p:ph idx="2" type="sldImg"/>
@@ -1068,7 +1072,7 @@
       </p:sp>
       <p:sp>
         <p:nvSpPr>
-          <p:cNvPr id="348" name="Google Shape;348;g129b6330eb3_0_366:notes"/>
+          <p:cNvPr id="352" name="Google Shape;352;g129b6330eb3_0_357:notes"/>
           <p:cNvSpPr txBox="1"/>
           <p:nvPr>
             <p:ph idx="1" type="body"/>
@@ -1118,7 +1122,7 @@
   <p:cSld>
     <p:spTree>
       <p:nvGrpSpPr>
-        <p:cNvPr id="351" name="Shape 351"/>
+        <p:cNvPr id="355" name="Shape 355"/>
         <p:cNvGrpSpPr/>
         <p:nvPr/>
       </p:nvGrpSpPr>
@@ -1132,7 +1136,7 @@
       </p:grpSpPr>
       <p:sp>
         <p:nvSpPr>
-          <p:cNvPr id="352" name="Google Shape;352;g129b6330eb3_0_370:notes"/>
+          <p:cNvPr id="356" name="Google Shape;356;g129b6330eb3_0_361:notes"/>
           <p:cNvSpPr/>
           <p:nvPr>
             <p:ph idx="2" type="sldImg"/>
@@ -1167,7 +1171,403 @@
       </p:sp>
       <p:sp>
         <p:nvSpPr>
-          <p:cNvPr id="353" name="Google Shape;353;g129b6330eb3_0_370:notes"/>
+          <p:cNvPr id="357" name="Google Shape;357;g129b6330eb3_0_361:notes"/>
+          <p:cNvSpPr txBox="1"/>
+          <p:nvPr>
+            <p:ph idx="1" type="body"/>
+          </p:nvPr>
+        </p:nvSpPr>
+        <p:spPr>
+          <a:xfrm>
+            <a:off x="685800" y="4343400"/>
+            <a:ext cx="5486400" cy="4114800"/>
+          </a:xfrm>
+          <a:prstGeom prst="rect">
+            <a:avLst/>
+          </a:prstGeom>
+        </p:spPr>
+        <p:txBody>
+          <a:bodyPr anchorCtr="0" anchor="t" bIns="91425" lIns="91425" spcFirstLastPara="1" rIns="91425" wrap="square" tIns="91425">
+            <a:noAutofit/>
+          </a:bodyPr>
+          <a:lstStyle/>
+          <a:p>
+            <a:pPr indent="0" lvl="0" marL="0" rtl="0" algn="l">
+              <a:spcBef>
+                <a:spcPts val="0"/>
+              </a:spcBef>
+              <a:spcAft>
+                <a:spcPts val="0"/>
+              </a:spcAft>
+              <a:buNone/>
+            </a:pPr>
+            <a:r>
+              <a:t/>
+            </a:r>
+            <a:endParaRPr/>
+          </a:p>
+        </p:txBody>
+      </p:sp>
+    </p:spTree>
+  </p:cSld>
+  <p:clrMapOvr>
+    <a:masterClrMapping/>
+  </p:clrMapOvr>
+</p:notes>
+</file>
+
+<file path=ppt/notesSlides/notesSlide14.xml><?xml version="1.0" encoding="utf-8"?>
+<p:notes xmlns:a="http://schemas.openxmlformats.org/drawingml/2006/main" xmlns:r="http://schemas.openxmlformats.org/officeDocument/2006/relationships" xmlns:mc="http://schemas.openxmlformats.org/markup-compatibility/2006" xmlns:mv="urn:schemas-microsoft-com:mac:vml" xmlns:p="http://schemas.openxmlformats.org/presentationml/2006/main" xmlns:c="http://schemas.openxmlformats.org/drawingml/2006/chart" xmlns:dgm="http://schemas.openxmlformats.org/drawingml/2006/diagram" xmlns:o="urn:schemas-microsoft-com:office:office" xmlns:v="urn:schemas-microsoft-com:vml" xmlns:pvml="urn:schemas-microsoft-com:office:powerpoint" xmlns:com="http://schemas.openxmlformats.org/drawingml/2006/compatibility" xmlns:p14="http://schemas.microsoft.com/office/powerpoint/2010/main" xmlns:p15="http://schemas.microsoft.com/office/powerpoint/2012/main" xmlns:ahyp="http://schemas.microsoft.com/office/drawing/2018/hyperlinkcolor" showMasterPhAnim="0" showMasterSp="0">
+  <p:cSld>
+    <p:spTree>
+      <p:nvGrpSpPr>
+        <p:cNvPr id="361" name="Shape 361"/>
+        <p:cNvGrpSpPr/>
+        <p:nvPr/>
+      </p:nvGrpSpPr>
+      <p:grpSpPr>
+        <a:xfrm>
+          <a:off x="0" y="0"/>
+          <a:ext cx="0" cy="0"/>
+          <a:chOff x="0" y="0"/>
+          <a:chExt cx="0" cy="0"/>
+        </a:xfrm>
+      </p:grpSpPr>
+      <p:sp>
+        <p:nvSpPr>
+          <p:cNvPr id="362" name="Google Shape;362;g129b6330eb3_0_366:notes"/>
+          <p:cNvSpPr/>
+          <p:nvPr>
+            <p:ph idx="2" type="sldImg"/>
+          </p:nvPr>
+        </p:nvSpPr>
+        <p:spPr>
+          <a:xfrm>
+            <a:off x="381300" y="685800"/>
+            <a:ext cx="6096000" cy="3429000"/>
+          </a:xfrm>
+          <a:custGeom>
+            <a:rect b="b" l="l" r="r" t="t"/>
+            <a:pathLst>
+              <a:path extrusionOk="0" h="120000" w="120000">
+                <a:moveTo>
+                  <a:pt x="0" y="0"/>
+                </a:moveTo>
+                <a:lnTo>
+                  <a:pt x="120000" y="0"/>
+                </a:lnTo>
+                <a:lnTo>
+                  <a:pt x="120000" y="120000"/>
+                </a:lnTo>
+                <a:lnTo>
+                  <a:pt x="0" y="120000"/>
+                </a:lnTo>
+                <a:close/>
+              </a:path>
+            </a:pathLst>
+          </a:custGeom>
+        </p:spPr>
+      </p:sp>
+      <p:sp>
+        <p:nvSpPr>
+          <p:cNvPr id="363" name="Google Shape;363;g129b6330eb3_0_366:notes"/>
+          <p:cNvSpPr txBox="1"/>
+          <p:nvPr>
+            <p:ph idx="1" type="body"/>
+          </p:nvPr>
+        </p:nvSpPr>
+        <p:spPr>
+          <a:xfrm>
+            <a:off x="685800" y="4343400"/>
+            <a:ext cx="5486400" cy="4114800"/>
+          </a:xfrm>
+          <a:prstGeom prst="rect">
+            <a:avLst/>
+          </a:prstGeom>
+        </p:spPr>
+        <p:txBody>
+          <a:bodyPr anchorCtr="0" anchor="t" bIns="91425" lIns="91425" spcFirstLastPara="1" rIns="91425" wrap="square" tIns="91425">
+            <a:noAutofit/>
+          </a:bodyPr>
+          <a:lstStyle/>
+          <a:p>
+            <a:pPr indent="0" lvl="0" marL="0" rtl="0" algn="l">
+              <a:spcBef>
+                <a:spcPts val="0"/>
+              </a:spcBef>
+              <a:spcAft>
+                <a:spcPts val="0"/>
+              </a:spcAft>
+              <a:buNone/>
+            </a:pPr>
+            <a:r>
+              <a:t/>
+            </a:r>
+            <a:endParaRPr/>
+          </a:p>
+        </p:txBody>
+      </p:sp>
+    </p:spTree>
+  </p:cSld>
+  <p:clrMapOvr>
+    <a:masterClrMapping/>
+  </p:clrMapOvr>
+</p:notes>
+</file>
+
+<file path=ppt/notesSlides/notesSlide15.xml><?xml version="1.0" encoding="utf-8"?>
+<p:notes xmlns:a="http://schemas.openxmlformats.org/drawingml/2006/main" xmlns:r="http://schemas.openxmlformats.org/officeDocument/2006/relationships" xmlns:mc="http://schemas.openxmlformats.org/markup-compatibility/2006" xmlns:mv="urn:schemas-microsoft-com:mac:vml" xmlns:p="http://schemas.openxmlformats.org/presentationml/2006/main" xmlns:c="http://schemas.openxmlformats.org/drawingml/2006/chart" xmlns:dgm="http://schemas.openxmlformats.org/drawingml/2006/diagram" xmlns:o="urn:schemas-microsoft-com:office:office" xmlns:v="urn:schemas-microsoft-com:vml" xmlns:pvml="urn:schemas-microsoft-com:office:powerpoint" xmlns:com="http://schemas.openxmlformats.org/drawingml/2006/compatibility" xmlns:p14="http://schemas.microsoft.com/office/powerpoint/2010/main" xmlns:p15="http://schemas.microsoft.com/office/powerpoint/2012/main" xmlns:ahyp="http://schemas.microsoft.com/office/drawing/2018/hyperlinkcolor" showMasterPhAnim="0" showMasterSp="0">
+  <p:cSld>
+    <p:spTree>
+      <p:nvGrpSpPr>
+        <p:cNvPr id="366" name="Shape 366"/>
+        <p:cNvGrpSpPr/>
+        <p:nvPr/>
+      </p:nvGrpSpPr>
+      <p:grpSpPr>
+        <a:xfrm>
+          <a:off x="0" y="0"/>
+          <a:ext cx="0" cy="0"/>
+          <a:chOff x="0" y="0"/>
+          <a:chExt cx="0" cy="0"/>
+        </a:xfrm>
+      </p:grpSpPr>
+      <p:sp>
+        <p:nvSpPr>
+          <p:cNvPr id="367" name="Google Shape;367;g129b6330eb3_0_370:notes"/>
+          <p:cNvSpPr/>
+          <p:nvPr>
+            <p:ph idx="2" type="sldImg"/>
+          </p:nvPr>
+        </p:nvSpPr>
+        <p:spPr>
+          <a:xfrm>
+            <a:off x="381300" y="685800"/>
+            <a:ext cx="6096000" cy="3429000"/>
+          </a:xfrm>
+          <a:custGeom>
+            <a:rect b="b" l="l" r="r" t="t"/>
+            <a:pathLst>
+              <a:path extrusionOk="0" h="120000" w="120000">
+                <a:moveTo>
+                  <a:pt x="0" y="0"/>
+                </a:moveTo>
+                <a:lnTo>
+                  <a:pt x="120000" y="0"/>
+                </a:lnTo>
+                <a:lnTo>
+                  <a:pt x="120000" y="120000"/>
+                </a:lnTo>
+                <a:lnTo>
+                  <a:pt x="0" y="120000"/>
+                </a:lnTo>
+                <a:close/>
+              </a:path>
+            </a:pathLst>
+          </a:custGeom>
+        </p:spPr>
+      </p:sp>
+      <p:sp>
+        <p:nvSpPr>
+          <p:cNvPr id="368" name="Google Shape;368;g129b6330eb3_0_370:notes"/>
+          <p:cNvSpPr txBox="1"/>
+          <p:nvPr>
+            <p:ph idx="1" type="body"/>
+          </p:nvPr>
+        </p:nvSpPr>
+        <p:spPr>
+          <a:xfrm>
+            <a:off x="685800" y="4343400"/>
+            <a:ext cx="5486400" cy="4114800"/>
+          </a:xfrm>
+          <a:prstGeom prst="rect">
+            <a:avLst/>
+          </a:prstGeom>
+        </p:spPr>
+        <p:txBody>
+          <a:bodyPr anchorCtr="0" anchor="t" bIns="91425" lIns="91425" spcFirstLastPara="1" rIns="91425" wrap="square" tIns="91425">
+            <a:noAutofit/>
+          </a:bodyPr>
+          <a:lstStyle/>
+          <a:p>
+            <a:pPr indent="0" lvl="0" marL="0" rtl="0" algn="l">
+              <a:spcBef>
+                <a:spcPts val="0"/>
+              </a:spcBef>
+              <a:spcAft>
+                <a:spcPts val="0"/>
+              </a:spcAft>
+              <a:buNone/>
+            </a:pPr>
+            <a:r>
+              <a:t/>
+            </a:r>
+            <a:endParaRPr/>
+          </a:p>
+        </p:txBody>
+      </p:sp>
+    </p:spTree>
+  </p:cSld>
+  <p:clrMapOvr>
+    <a:masterClrMapping/>
+  </p:clrMapOvr>
+</p:notes>
+</file>
+
+<file path=ppt/notesSlides/notesSlide16.xml><?xml version="1.0" encoding="utf-8"?>
+<p:notes xmlns:a="http://schemas.openxmlformats.org/drawingml/2006/main" xmlns:r="http://schemas.openxmlformats.org/officeDocument/2006/relationships" xmlns:mc="http://schemas.openxmlformats.org/markup-compatibility/2006" xmlns:mv="urn:schemas-microsoft-com:mac:vml" xmlns:p="http://schemas.openxmlformats.org/presentationml/2006/main" xmlns:c="http://schemas.openxmlformats.org/drawingml/2006/chart" xmlns:dgm="http://schemas.openxmlformats.org/drawingml/2006/diagram" xmlns:o="urn:schemas-microsoft-com:office:office" xmlns:v="urn:schemas-microsoft-com:vml" xmlns:pvml="urn:schemas-microsoft-com:office:powerpoint" xmlns:com="http://schemas.openxmlformats.org/drawingml/2006/compatibility" xmlns:p14="http://schemas.microsoft.com/office/powerpoint/2010/main" xmlns:p15="http://schemas.microsoft.com/office/powerpoint/2012/main" xmlns:ahyp="http://schemas.microsoft.com/office/drawing/2018/hyperlinkcolor" showMasterPhAnim="0" showMasterSp="0">
+  <p:cSld>
+    <p:spTree>
+      <p:nvGrpSpPr>
+        <p:cNvPr id="372" name="Shape 372"/>
+        <p:cNvGrpSpPr/>
+        <p:nvPr/>
+      </p:nvGrpSpPr>
+      <p:grpSpPr>
+        <a:xfrm>
+          <a:off x="0" y="0"/>
+          <a:ext cx="0" cy="0"/>
+          <a:chOff x="0" y="0"/>
+          <a:chExt cx="0" cy="0"/>
+        </a:xfrm>
+      </p:grpSpPr>
+      <p:sp>
+        <p:nvSpPr>
+          <p:cNvPr id="373" name="Google Shape;373;g129c47ed3ce_0_0:notes"/>
+          <p:cNvSpPr/>
+          <p:nvPr>
+            <p:ph idx="2" type="sldImg"/>
+          </p:nvPr>
+        </p:nvSpPr>
+        <p:spPr>
+          <a:xfrm>
+            <a:off x="381300" y="685800"/>
+            <a:ext cx="6096000" cy="3429000"/>
+          </a:xfrm>
+          <a:custGeom>
+            <a:rect b="b" l="l" r="r" t="t"/>
+            <a:pathLst>
+              <a:path extrusionOk="0" h="120000" w="120000">
+                <a:moveTo>
+                  <a:pt x="0" y="0"/>
+                </a:moveTo>
+                <a:lnTo>
+                  <a:pt x="120000" y="0"/>
+                </a:lnTo>
+                <a:lnTo>
+                  <a:pt x="120000" y="120000"/>
+                </a:lnTo>
+                <a:lnTo>
+                  <a:pt x="0" y="120000"/>
+                </a:lnTo>
+                <a:close/>
+              </a:path>
+            </a:pathLst>
+          </a:custGeom>
+        </p:spPr>
+      </p:sp>
+      <p:sp>
+        <p:nvSpPr>
+          <p:cNvPr id="374" name="Google Shape;374;g129c47ed3ce_0_0:notes"/>
+          <p:cNvSpPr txBox="1"/>
+          <p:nvPr>
+            <p:ph idx="1" type="body"/>
+          </p:nvPr>
+        </p:nvSpPr>
+        <p:spPr>
+          <a:xfrm>
+            <a:off x="685800" y="4343400"/>
+            <a:ext cx="5486400" cy="4114800"/>
+          </a:xfrm>
+          <a:prstGeom prst="rect">
+            <a:avLst/>
+          </a:prstGeom>
+        </p:spPr>
+        <p:txBody>
+          <a:bodyPr anchorCtr="0" anchor="t" bIns="91425" lIns="91425" spcFirstLastPara="1" rIns="91425" wrap="square" tIns="91425">
+            <a:noAutofit/>
+          </a:bodyPr>
+          <a:lstStyle/>
+          <a:p>
+            <a:pPr indent="0" lvl="0" marL="0" rtl="0" algn="l">
+              <a:spcBef>
+                <a:spcPts val="0"/>
+              </a:spcBef>
+              <a:spcAft>
+                <a:spcPts val="0"/>
+              </a:spcAft>
+              <a:buNone/>
+            </a:pPr>
+            <a:r>
+              <a:t/>
+            </a:r>
+            <a:endParaRPr/>
+          </a:p>
+        </p:txBody>
+      </p:sp>
+    </p:spTree>
+  </p:cSld>
+  <p:clrMapOvr>
+    <a:masterClrMapping/>
+  </p:clrMapOvr>
+</p:notes>
+</file>
+
+<file path=ppt/notesSlides/notesSlide17.xml><?xml version="1.0" encoding="utf-8"?>
+<p:notes xmlns:a="http://schemas.openxmlformats.org/drawingml/2006/main" xmlns:r="http://schemas.openxmlformats.org/officeDocument/2006/relationships" xmlns:mc="http://schemas.openxmlformats.org/markup-compatibility/2006" xmlns:mv="urn:schemas-microsoft-com:mac:vml" xmlns:p="http://schemas.openxmlformats.org/presentationml/2006/main" xmlns:c="http://schemas.openxmlformats.org/drawingml/2006/chart" xmlns:dgm="http://schemas.openxmlformats.org/drawingml/2006/diagram" xmlns:o="urn:schemas-microsoft-com:office:office" xmlns:v="urn:schemas-microsoft-com:vml" xmlns:pvml="urn:schemas-microsoft-com:office:powerpoint" xmlns:com="http://schemas.openxmlformats.org/drawingml/2006/compatibility" xmlns:p14="http://schemas.microsoft.com/office/powerpoint/2010/main" xmlns:p15="http://schemas.microsoft.com/office/powerpoint/2012/main" xmlns:ahyp="http://schemas.microsoft.com/office/drawing/2018/hyperlinkcolor" showMasterPhAnim="0" showMasterSp="0">
+  <p:cSld>
+    <p:spTree>
+      <p:nvGrpSpPr>
+        <p:cNvPr id="378" name="Shape 378"/>
+        <p:cNvGrpSpPr/>
+        <p:nvPr/>
+      </p:nvGrpSpPr>
+      <p:grpSpPr>
+        <a:xfrm>
+          <a:off x="0" y="0"/>
+          <a:ext cx="0" cy="0"/>
+          <a:chOff x="0" y="0"/>
+          <a:chExt cx="0" cy="0"/>
+        </a:xfrm>
+      </p:grpSpPr>
+      <p:sp>
+        <p:nvSpPr>
+          <p:cNvPr id="379" name="Google Shape;379;g129c47ed3ce_0_5:notes"/>
+          <p:cNvSpPr/>
+          <p:nvPr>
+            <p:ph idx="2" type="sldImg"/>
+          </p:nvPr>
+        </p:nvSpPr>
+        <p:spPr>
+          <a:xfrm>
+            <a:off x="381300" y="685800"/>
+            <a:ext cx="6096000" cy="3429000"/>
+          </a:xfrm>
+          <a:custGeom>
+            <a:rect b="b" l="l" r="r" t="t"/>
+            <a:pathLst>
+              <a:path extrusionOk="0" h="120000" w="120000">
+                <a:moveTo>
+                  <a:pt x="0" y="0"/>
+                </a:moveTo>
+                <a:lnTo>
+                  <a:pt x="120000" y="0"/>
+                </a:lnTo>
+                <a:lnTo>
+                  <a:pt x="120000" y="120000"/>
+                </a:lnTo>
+                <a:lnTo>
+                  <a:pt x="0" y="120000"/>
+                </a:lnTo>
+                <a:close/>
+              </a:path>
+            </a:pathLst>
+          </a:custGeom>
+        </p:spPr>
+      </p:sp>
+      <p:sp>
+        <p:nvSpPr>
+          <p:cNvPr id="380" name="Google Shape;380;g129c47ed3ce_0_5:notes"/>
           <p:cNvSpPr txBox="1"/>
           <p:nvPr>
             <p:ph idx="1" type="body"/>
@@ -16867,6 +17267,300 @@
         </p:nvSpPr>
         <p:spPr>
           <a:xfrm>
+            <a:off x="1303800" y="598575"/>
+            <a:ext cx="7030500" cy="999300"/>
+          </a:xfrm>
+          <a:prstGeom prst="rect">
+            <a:avLst/>
+          </a:prstGeom>
+        </p:spPr>
+        <p:txBody>
+          <a:bodyPr anchorCtr="0" anchor="t" bIns="91425" lIns="91425" spcFirstLastPara="1" rIns="91425" wrap="square" tIns="91425">
+            <a:normAutofit/>
+          </a:bodyPr>
+          <a:lstStyle/>
+          <a:p>
+            <a:pPr indent="0" lvl="0" marL="0" rtl="0" algn="l">
+              <a:spcBef>
+                <a:spcPts val="0"/>
+              </a:spcBef>
+              <a:spcAft>
+                <a:spcPts val="0"/>
+              </a:spcAft>
+              <a:buNone/>
+            </a:pPr>
+            <a:r>
+              <a:rPr lang="en"/>
+              <a:t>Looking for Null Values</a:t>
+            </a:r>
+            <a:endParaRPr/>
+          </a:p>
+        </p:txBody>
+      </p:sp>
+      <p:sp>
+        <p:nvSpPr>
+          <p:cNvPr id="340" name="Google Shape;340;p22"/>
+          <p:cNvSpPr txBox="1"/>
+          <p:nvPr>
+            <p:ph idx="1" type="body"/>
+          </p:nvPr>
+        </p:nvSpPr>
+        <p:spPr>
+          <a:xfrm>
+            <a:off x="674800" y="1945900"/>
+            <a:ext cx="2085300" cy="2541600"/>
+          </a:xfrm>
+          <a:prstGeom prst="rect">
+            <a:avLst/>
+          </a:prstGeom>
+        </p:spPr>
+        <p:txBody>
+          <a:bodyPr anchorCtr="0" anchor="t" bIns="91425" lIns="91425" spcFirstLastPara="1" rIns="91425" wrap="square" tIns="91425">
+            <a:normAutofit/>
+          </a:bodyPr>
+          <a:lstStyle/>
+          <a:p>
+            <a:pPr indent="0" lvl="0" marL="0" rtl="0" algn="l">
+              <a:spcBef>
+                <a:spcPts val="0"/>
+              </a:spcBef>
+              <a:spcAft>
+                <a:spcPts val="1200"/>
+              </a:spcAft>
+              <a:buNone/>
+            </a:pPr>
+            <a:r>
+              <a:rPr lang="en"/>
+              <a:t>Both the earnings and flows datasets have numerous rows that contain null values.</a:t>
+            </a:r>
+            <a:endParaRPr/>
+          </a:p>
+        </p:txBody>
+      </p:sp>
+      <p:pic>
+        <p:nvPicPr>
+          <p:cNvPr id="341" name="Google Shape;341;p22"/>
+          <p:cNvPicPr preferRelativeResize="0"/>
+          <p:nvPr/>
+        </p:nvPicPr>
+        <p:blipFill>
+          <a:blip r:embed="rId3">
+            <a:alphaModFix/>
+          </a:blip>
+          <a:stretch>
+            <a:fillRect/>
+          </a:stretch>
+        </p:blipFill>
+        <p:spPr>
+          <a:xfrm>
+            <a:off x="2809225" y="1750275"/>
+            <a:ext cx="2900425" cy="2737225"/>
+          </a:xfrm>
+          <a:prstGeom prst="rect">
+            <a:avLst/>
+          </a:prstGeom>
+          <a:noFill/>
+          <a:ln>
+            <a:noFill/>
+          </a:ln>
+        </p:spPr>
+      </p:pic>
+      <p:pic>
+        <p:nvPicPr>
+          <p:cNvPr id="342" name="Google Shape;342;p22"/>
+          <p:cNvPicPr preferRelativeResize="0"/>
+          <p:nvPr/>
+        </p:nvPicPr>
+        <p:blipFill>
+          <a:blip r:embed="rId4">
+            <a:alphaModFix/>
+          </a:blip>
+          <a:stretch>
+            <a:fillRect/>
+          </a:stretch>
+        </p:blipFill>
+        <p:spPr>
+          <a:xfrm>
+            <a:off x="5862050" y="1750275"/>
+            <a:ext cx="2900425" cy="2816551"/>
+          </a:xfrm>
+          <a:prstGeom prst="rect">
+            <a:avLst/>
+          </a:prstGeom>
+          <a:noFill/>
+          <a:ln>
+            <a:noFill/>
+          </a:ln>
+        </p:spPr>
+      </p:pic>
+    </p:spTree>
+  </p:cSld>
+  <p:clrMapOvr>
+    <a:masterClrMapping/>
+  </p:clrMapOvr>
+</p:sld>
+</file>
+
+<file path=ppt/slides/slide11.xml><?xml version="1.0" encoding="utf-8"?>
+<p:sld xmlns:a="http://schemas.openxmlformats.org/drawingml/2006/main" xmlns:r="http://schemas.openxmlformats.org/officeDocument/2006/relationships" xmlns:mc="http://schemas.openxmlformats.org/markup-compatibility/2006" xmlns:mv="urn:schemas-microsoft-com:mac:vml" xmlns:p="http://schemas.openxmlformats.org/presentationml/2006/main" xmlns:c="http://schemas.openxmlformats.org/drawingml/2006/chart" xmlns:dgm="http://schemas.openxmlformats.org/drawingml/2006/diagram" xmlns:o="urn:schemas-microsoft-com:office:office" xmlns:v="urn:schemas-microsoft-com:vml" xmlns:pvml="urn:schemas-microsoft-com:office:powerpoint" xmlns:com="http://schemas.openxmlformats.org/drawingml/2006/compatibility" xmlns:p14="http://schemas.microsoft.com/office/powerpoint/2010/main" xmlns:p15="http://schemas.microsoft.com/office/powerpoint/2012/main" xmlns:ahyp="http://schemas.microsoft.com/office/drawing/2018/hyperlinkcolor">
+  <p:cSld>
+    <p:spTree>
+      <p:nvGrpSpPr>
+        <p:cNvPr id="346" name="Shape 346"/>
+        <p:cNvGrpSpPr/>
+        <p:nvPr/>
+      </p:nvGrpSpPr>
+      <p:grpSpPr>
+        <a:xfrm>
+          <a:off x="0" y="0"/>
+          <a:ext cx="0" cy="0"/>
+          <a:chOff x="0" y="0"/>
+          <a:chExt cx="0" cy="0"/>
+        </a:xfrm>
+      </p:grpSpPr>
+      <p:sp>
+        <p:nvSpPr>
+          <p:cNvPr id="347" name="Google Shape;347;p23"/>
+          <p:cNvSpPr txBox="1"/>
+          <p:nvPr>
+            <p:ph type="title"/>
+          </p:nvPr>
+        </p:nvSpPr>
+        <p:spPr>
+          <a:xfrm>
+            <a:off x="1303800" y="598575"/>
+            <a:ext cx="3312000" cy="1590000"/>
+          </a:xfrm>
+          <a:prstGeom prst="rect">
+            <a:avLst/>
+          </a:prstGeom>
+        </p:spPr>
+        <p:txBody>
+          <a:bodyPr anchorCtr="0" anchor="t" bIns="91425" lIns="91425" spcFirstLastPara="1" rIns="91425" wrap="square" tIns="91425">
+            <a:normAutofit/>
+          </a:bodyPr>
+          <a:lstStyle/>
+          <a:p>
+            <a:pPr indent="0" lvl="0" marL="0" rtl="0" algn="l">
+              <a:spcBef>
+                <a:spcPts val="0"/>
+              </a:spcBef>
+              <a:spcAft>
+                <a:spcPts val="0"/>
+              </a:spcAft>
+              <a:buNone/>
+            </a:pPr>
+            <a:r>
+              <a:rPr lang="en"/>
+              <a:t>Checking Aggregation Levels</a:t>
+            </a:r>
+            <a:endParaRPr/>
+          </a:p>
+        </p:txBody>
+      </p:sp>
+      <p:sp>
+        <p:nvSpPr>
+          <p:cNvPr id="348" name="Google Shape;348;p23"/>
+          <p:cNvSpPr txBox="1"/>
+          <p:nvPr>
+            <p:ph idx="1" type="body"/>
+          </p:nvPr>
+        </p:nvSpPr>
+        <p:spPr>
+          <a:xfrm>
+            <a:off x="1303800" y="2309675"/>
+            <a:ext cx="3312000" cy="2221800"/>
+          </a:xfrm>
+          <a:prstGeom prst="rect">
+            <a:avLst/>
+          </a:prstGeom>
+        </p:spPr>
+        <p:txBody>
+          <a:bodyPr anchorCtr="0" anchor="t" bIns="91425" lIns="91425" spcFirstLastPara="1" rIns="91425" wrap="square" tIns="91425">
+            <a:normAutofit/>
+          </a:bodyPr>
+          <a:lstStyle/>
+          <a:p>
+            <a:pPr indent="0" lvl="0" marL="0" rtl="0" algn="l">
+              <a:spcBef>
+                <a:spcPts val="0"/>
+              </a:spcBef>
+              <a:spcAft>
+                <a:spcPts val="1200"/>
+              </a:spcAft>
+              <a:buNone/>
+            </a:pPr>
+            <a:r>
+              <a:rPr lang="en"/>
+              <a:t>Each record is associated with an aggregation level that signifies the level of detail</a:t>
+            </a:r>
+            <a:endParaRPr/>
+          </a:p>
+        </p:txBody>
+      </p:sp>
+      <p:pic>
+        <p:nvPicPr>
+          <p:cNvPr id="349" name="Google Shape;349;p23"/>
+          <p:cNvPicPr preferRelativeResize="0"/>
+          <p:nvPr/>
+        </p:nvPicPr>
+        <p:blipFill>
+          <a:blip r:embed="rId3">
+            <a:alphaModFix/>
+          </a:blip>
+          <a:stretch>
+            <a:fillRect/>
+          </a:stretch>
+        </p:blipFill>
+        <p:spPr>
+          <a:xfrm>
+            <a:off x="4758825" y="361738"/>
+            <a:ext cx="4223400" cy="4420036"/>
+          </a:xfrm>
+          <a:prstGeom prst="rect">
+            <a:avLst/>
+          </a:prstGeom>
+          <a:noFill/>
+          <a:ln>
+            <a:noFill/>
+          </a:ln>
+        </p:spPr>
+      </p:pic>
+    </p:spTree>
+  </p:cSld>
+  <p:clrMapOvr>
+    <a:masterClrMapping/>
+  </p:clrMapOvr>
+</p:sld>
+</file>
+
+<file path=ppt/slides/slide12.xml><?xml version="1.0" encoding="utf-8"?>
+<p:sld xmlns:a="http://schemas.openxmlformats.org/drawingml/2006/main" xmlns:r="http://schemas.openxmlformats.org/officeDocument/2006/relationships" xmlns:mc="http://schemas.openxmlformats.org/markup-compatibility/2006" xmlns:mv="urn:schemas-microsoft-com:mac:vml" xmlns:p="http://schemas.openxmlformats.org/presentationml/2006/main" xmlns:c="http://schemas.openxmlformats.org/drawingml/2006/chart" xmlns:dgm="http://schemas.openxmlformats.org/drawingml/2006/diagram" xmlns:o="urn:schemas-microsoft-com:office:office" xmlns:v="urn:schemas-microsoft-com:vml" xmlns:pvml="urn:schemas-microsoft-com:office:powerpoint" xmlns:com="http://schemas.openxmlformats.org/drawingml/2006/compatibility" xmlns:p14="http://schemas.microsoft.com/office/powerpoint/2010/main" xmlns:p15="http://schemas.microsoft.com/office/powerpoint/2012/main" xmlns:ahyp="http://schemas.microsoft.com/office/drawing/2018/hyperlinkcolor">
+  <p:cSld>
+    <p:spTree>
+      <p:nvGrpSpPr>
+        <p:cNvPr id="353" name="Shape 353"/>
+        <p:cNvGrpSpPr/>
+        <p:nvPr/>
+      </p:nvGrpSpPr>
+      <p:grpSpPr>
+        <a:xfrm>
+          <a:off x="0" y="0"/>
+          <a:ext cx="0" cy="0"/>
+          <a:chOff x="0" y="0"/>
+          <a:chExt cx="0" cy="0"/>
+        </a:xfrm>
+      </p:grpSpPr>
+      <p:sp>
+        <p:nvSpPr>
+          <p:cNvPr id="354" name="Google Shape;354;p24"/>
+          <p:cNvSpPr txBox="1"/>
+          <p:nvPr>
+            <p:ph type="title"/>
+          </p:nvPr>
+        </p:nvSpPr>
+        <p:spPr>
+          <a:xfrm>
             <a:off x="824000" y="1613825"/>
             <a:ext cx="5857800" cy="1872900"/>
           </a:xfrm>
@@ -16905,12 +17599,12 @@
 </p:sld>
 </file>
 
-<file path=ppt/slides/slide11.xml><?xml version="1.0" encoding="utf-8"?>
+<file path=ppt/slides/slide13.xml><?xml version="1.0" encoding="utf-8"?>
 <p:sld xmlns:a="http://schemas.openxmlformats.org/drawingml/2006/main" xmlns:r="http://schemas.openxmlformats.org/officeDocument/2006/relationships" xmlns:mc="http://schemas.openxmlformats.org/markup-compatibility/2006" xmlns:mv="urn:schemas-microsoft-com:mac:vml" xmlns:p="http://schemas.openxmlformats.org/presentationml/2006/main" xmlns:c="http://schemas.openxmlformats.org/drawingml/2006/chart" xmlns:dgm="http://schemas.openxmlformats.org/drawingml/2006/diagram" xmlns:o="urn:schemas-microsoft-com:office:office" xmlns:v="urn:schemas-microsoft-com:vml" xmlns:pvml="urn:schemas-microsoft-com:office:powerpoint" xmlns:com="http://schemas.openxmlformats.org/drawingml/2006/compatibility" xmlns:p14="http://schemas.microsoft.com/office/powerpoint/2010/main" xmlns:p15="http://schemas.microsoft.com/office/powerpoint/2012/main" xmlns:ahyp="http://schemas.microsoft.com/office/drawing/2018/hyperlinkcolor">
   <p:cSld>
     <p:spTree>
       <p:nvGrpSpPr>
-        <p:cNvPr id="343" name="Shape 343"/>
+        <p:cNvPr id="358" name="Shape 358"/>
         <p:cNvGrpSpPr/>
         <p:nvPr/>
       </p:nvGrpSpPr>
@@ -16924,7 +17618,7 @@
       </p:grpSpPr>
       <p:sp>
         <p:nvSpPr>
-          <p:cNvPr id="344" name="Google Shape;344;p23"/>
+          <p:cNvPr id="359" name="Google Shape;359;p25"/>
           <p:cNvSpPr txBox="1"/>
           <p:nvPr>
             <p:ph type="title"/>
@@ -16963,7 +17657,7 @@
       </p:sp>
       <p:sp>
         <p:nvSpPr>
-          <p:cNvPr id="345" name="Google Shape;345;p23"/>
+          <p:cNvPr id="360" name="Google Shape;360;p25"/>
           <p:cNvSpPr txBox="1"/>
           <p:nvPr>
             <p:ph idx="1" type="body"/>
@@ -17008,12 +17702,12 @@
 </p:sld>
 </file>
 
-<file path=ppt/slides/slide12.xml><?xml version="1.0" encoding="utf-8"?>
+<file path=ppt/slides/slide14.xml><?xml version="1.0" encoding="utf-8"?>
 <p:sld xmlns:a="http://schemas.openxmlformats.org/drawingml/2006/main" xmlns:r="http://schemas.openxmlformats.org/officeDocument/2006/relationships" xmlns:mc="http://schemas.openxmlformats.org/markup-compatibility/2006" xmlns:mv="urn:schemas-microsoft-com:mac:vml" xmlns:p="http://schemas.openxmlformats.org/presentationml/2006/main" xmlns:c="http://schemas.openxmlformats.org/drawingml/2006/chart" xmlns:dgm="http://schemas.openxmlformats.org/drawingml/2006/diagram" xmlns:o="urn:schemas-microsoft-com:office:office" xmlns:v="urn:schemas-microsoft-com:vml" xmlns:pvml="urn:schemas-microsoft-com:office:powerpoint" xmlns:com="http://schemas.openxmlformats.org/drawingml/2006/compatibility" xmlns:p14="http://schemas.microsoft.com/office/powerpoint/2010/main" xmlns:p15="http://schemas.microsoft.com/office/powerpoint/2012/main" xmlns:ahyp="http://schemas.microsoft.com/office/drawing/2018/hyperlinkcolor">
   <p:cSld>
     <p:spTree>
       <p:nvGrpSpPr>
-        <p:cNvPr id="349" name="Shape 349"/>
+        <p:cNvPr id="364" name="Shape 364"/>
         <p:cNvGrpSpPr/>
         <p:nvPr/>
       </p:nvGrpSpPr>
@@ -17027,7 +17721,7 @@
       </p:grpSpPr>
       <p:sp>
         <p:nvSpPr>
-          <p:cNvPr id="350" name="Google Shape;350;p24"/>
+          <p:cNvPr id="365" name="Google Shape;365;p26"/>
           <p:cNvSpPr txBox="1"/>
           <p:nvPr>
             <p:ph type="title"/>
@@ -17073,12 +17767,12 @@
 </p:sld>
 </file>
 
-<file path=ppt/slides/slide13.xml><?xml version="1.0" encoding="utf-8"?>
+<file path=ppt/slides/slide15.xml><?xml version="1.0" encoding="utf-8"?>
 <p:sld xmlns:a="http://schemas.openxmlformats.org/drawingml/2006/main" xmlns:r="http://schemas.openxmlformats.org/officeDocument/2006/relationships" xmlns:mc="http://schemas.openxmlformats.org/markup-compatibility/2006" xmlns:mv="urn:schemas-microsoft-com:mac:vml" xmlns:p="http://schemas.openxmlformats.org/presentationml/2006/main" xmlns:c="http://schemas.openxmlformats.org/drawingml/2006/chart" xmlns:dgm="http://schemas.openxmlformats.org/drawingml/2006/diagram" xmlns:o="urn:schemas-microsoft-com:office:office" xmlns:v="urn:schemas-microsoft-com:vml" xmlns:pvml="urn:schemas-microsoft-com:office:powerpoint" xmlns:com="http://schemas.openxmlformats.org/drawingml/2006/compatibility" xmlns:p14="http://schemas.microsoft.com/office/powerpoint/2010/main" xmlns:p15="http://schemas.microsoft.com/office/powerpoint/2012/main" xmlns:ahyp="http://schemas.microsoft.com/office/drawing/2018/hyperlinkcolor">
   <p:cSld>
     <p:spTree>
       <p:nvGrpSpPr>
-        <p:cNvPr id="354" name="Shape 354"/>
+        <p:cNvPr id="369" name="Shape 369"/>
         <p:cNvGrpSpPr/>
         <p:nvPr/>
       </p:nvGrpSpPr>
@@ -17092,7 +17786,7 @@
       </p:grpSpPr>
       <p:sp>
         <p:nvSpPr>
-          <p:cNvPr id="355" name="Google Shape;355;p25"/>
+          <p:cNvPr id="370" name="Google Shape;370;p27"/>
           <p:cNvSpPr txBox="1"/>
           <p:nvPr>
             <p:ph type="title"/>
@@ -17132,7 +17826,7 @@
       </p:sp>
       <p:sp>
         <p:nvSpPr>
-          <p:cNvPr id="356" name="Google Shape;356;p25"/>
+          <p:cNvPr id="371" name="Google Shape;371;p27"/>
           <p:cNvSpPr txBox="1"/>
           <p:nvPr/>
         </p:nvSpPr>
@@ -17185,6 +17879,251 @@
               <a:cs typeface="Nunito"/>
               <a:sym typeface="Nunito"/>
             </a:endParaRPr>
+          </a:p>
+        </p:txBody>
+      </p:sp>
+    </p:spTree>
+  </p:cSld>
+  <p:clrMapOvr>
+    <a:masterClrMapping/>
+  </p:clrMapOvr>
+</p:sld>
+</file>
+
+<file path=ppt/slides/slide16.xml><?xml version="1.0" encoding="utf-8"?>
+<p:sld xmlns:a="http://schemas.openxmlformats.org/drawingml/2006/main" xmlns:r="http://schemas.openxmlformats.org/officeDocument/2006/relationships" xmlns:mc="http://schemas.openxmlformats.org/markup-compatibility/2006" xmlns:mv="urn:schemas-microsoft-com:mac:vml" xmlns:p="http://schemas.openxmlformats.org/presentationml/2006/main" xmlns:c="http://schemas.openxmlformats.org/drawingml/2006/chart" xmlns:dgm="http://schemas.openxmlformats.org/drawingml/2006/diagram" xmlns:o="urn:schemas-microsoft-com:office:office" xmlns:v="urn:schemas-microsoft-com:vml" xmlns:pvml="urn:schemas-microsoft-com:office:powerpoint" xmlns:com="http://schemas.openxmlformats.org/drawingml/2006/compatibility" xmlns:p14="http://schemas.microsoft.com/office/powerpoint/2010/main" xmlns:p15="http://schemas.microsoft.com/office/powerpoint/2012/main" xmlns:ahyp="http://schemas.microsoft.com/office/drawing/2018/hyperlinkcolor">
+  <p:cSld>
+    <p:spTree>
+      <p:nvGrpSpPr>
+        <p:cNvPr id="375" name="Shape 375"/>
+        <p:cNvGrpSpPr/>
+        <p:nvPr/>
+      </p:nvGrpSpPr>
+      <p:grpSpPr>
+        <a:xfrm>
+          <a:off x="0" y="0"/>
+          <a:ext cx="0" cy="0"/>
+          <a:chOff x="0" y="0"/>
+          <a:chExt cx="0" cy="0"/>
+        </a:xfrm>
+      </p:grpSpPr>
+      <p:sp>
+        <p:nvSpPr>
+          <p:cNvPr id="376" name="Google Shape;376;p28"/>
+          <p:cNvSpPr txBox="1"/>
+          <p:nvPr>
+            <p:ph type="title"/>
+          </p:nvPr>
+        </p:nvSpPr>
+        <p:spPr>
+          <a:xfrm>
+            <a:off x="1303800" y="598575"/>
+            <a:ext cx="7030500" cy="999300"/>
+          </a:xfrm>
+          <a:prstGeom prst="rect">
+            <a:avLst/>
+          </a:prstGeom>
+        </p:spPr>
+        <p:txBody>
+          <a:bodyPr anchorCtr="0" anchor="t" bIns="91425" lIns="91425" spcFirstLastPara="1" rIns="91425" wrap="square" tIns="91425">
+            <a:normAutofit/>
+          </a:bodyPr>
+          <a:lstStyle/>
+          <a:p>
+            <a:pPr indent="0" lvl="0" marL="0" rtl="0" algn="l">
+              <a:spcBef>
+                <a:spcPts val="0"/>
+              </a:spcBef>
+              <a:spcAft>
+                <a:spcPts val="0"/>
+              </a:spcAft>
+              <a:buNone/>
+            </a:pPr>
+            <a:r>
+              <a:rPr lang="en"/>
+              <a:t>Interactive Elements</a:t>
+            </a:r>
+            <a:endParaRPr/>
+          </a:p>
+        </p:txBody>
+      </p:sp>
+      <p:sp>
+        <p:nvSpPr>
+          <p:cNvPr id="377" name="Google Shape;377;p28"/>
+          <p:cNvSpPr txBox="1"/>
+          <p:nvPr>
+            <p:ph idx="1" type="body"/>
+          </p:nvPr>
+        </p:nvSpPr>
+        <p:spPr>
+          <a:xfrm>
+            <a:off x="1303800" y="1990050"/>
+            <a:ext cx="7030500" cy="2541600"/>
+          </a:xfrm>
+          <a:prstGeom prst="rect">
+            <a:avLst/>
+          </a:prstGeom>
+        </p:spPr>
+        <p:txBody>
+          <a:bodyPr anchorCtr="0" anchor="t" bIns="91425" lIns="91425" spcFirstLastPara="1" rIns="91425" wrap="square" tIns="91425">
+            <a:normAutofit/>
+          </a:bodyPr>
+          <a:lstStyle/>
+          <a:p>
+            <a:pPr indent="-311150" lvl="0" marL="457200" rtl="0" algn="l">
+              <a:spcBef>
+                <a:spcPts val="0"/>
+              </a:spcBef>
+              <a:spcAft>
+                <a:spcPts val="0"/>
+              </a:spcAft>
+              <a:buSzPts val="1300"/>
+              <a:buChar char="❏"/>
+            </a:pPr>
+            <a:r>
+              <a:rPr lang="en"/>
+              <a:t>Searching and selecting a specific university</a:t>
+            </a:r>
+            <a:endParaRPr/>
+          </a:p>
+          <a:p>
+            <a:pPr indent="-311150" lvl="0" marL="457200" rtl="0" algn="l">
+              <a:spcBef>
+                <a:spcPts val="0"/>
+              </a:spcBef>
+              <a:spcAft>
+                <a:spcPts val="0"/>
+              </a:spcAft>
+              <a:buSzPts val="1300"/>
+              <a:buChar char="❏"/>
+            </a:pPr>
+            <a:r>
+              <a:rPr lang="en"/>
+              <a:t>Selecting state to see state outcomes and more details</a:t>
+            </a:r>
+            <a:endParaRPr/>
+          </a:p>
+          <a:p>
+            <a:pPr indent="-311150" lvl="0" marL="457200" rtl="0" algn="l">
+              <a:spcBef>
+                <a:spcPts val="0"/>
+              </a:spcBef>
+              <a:spcAft>
+                <a:spcPts val="0"/>
+              </a:spcAft>
+              <a:buSzPts val="1300"/>
+              <a:buChar char="❏"/>
+            </a:pPr>
+            <a:r>
+              <a:rPr lang="en"/>
+              <a:t>Filtering outcomes and seeing matching universities</a:t>
+            </a:r>
+            <a:endParaRPr/>
+          </a:p>
+        </p:txBody>
+      </p:sp>
+    </p:spTree>
+  </p:cSld>
+  <p:clrMapOvr>
+    <a:masterClrMapping/>
+  </p:clrMapOvr>
+</p:sld>
+</file>
+
+<file path=ppt/slides/slide17.xml><?xml version="1.0" encoding="utf-8"?>
+<p:sld xmlns:a="http://schemas.openxmlformats.org/drawingml/2006/main" xmlns:r="http://schemas.openxmlformats.org/officeDocument/2006/relationships" xmlns:mc="http://schemas.openxmlformats.org/markup-compatibility/2006" xmlns:mv="urn:schemas-microsoft-com:mac:vml" xmlns:p="http://schemas.openxmlformats.org/presentationml/2006/main" xmlns:c="http://schemas.openxmlformats.org/drawingml/2006/chart" xmlns:dgm="http://schemas.openxmlformats.org/drawingml/2006/diagram" xmlns:o="urn:schemas-microsoft-com:office:office" xmlns:v="urn:schemas-microsoft-com:vml" xmlns:pvml="urn:schemas-microsoft-com:office:powerpoint" xmlns:com="http://schemas.openxmlformats.org/drawingml/2006/compatibility" xmlns:p14="http://schemas.microsoft.com/office/powerpoint/2010/main" xmlns:p15="http://schemas.microsoft.com/office/powerpoint/2012/main" xmlns:ahyp="http://schemas.microsoft.com/office/drawing/2018/hyperlinkcolor">
+  <p:cSld>
+    <p:spTree>
+      <p:nvGrpSpPr>
+        <p:cNvPr id="381" name="Shape 381"/>
+        <p:cNvGrpSpPr/>
+        <p:nvPr/>
+      </p:nvGrpSpPr>
+      <p:grpSpPr>
+        <a:xfrm>
+          <a:off x="0" y="0"/>
+          <a:ext cx="0" cy="0"/>
+          <a:chOff x="0" y="0"/>
+          <a:chExt cx="0" cy="0"/>
+        </a:xfrm>
+      </p:grpSpPr>
+      <p:sp>
+        <p:nvSpPr>
+          <p:cNvPr id="382" name="Google Shape;382;p29"/>
+          <p:cNvSpPr txBox="1"/>
+          <p:nvPr>
+            <p:ph type="title"/>
+          </p:nvPr>
+        </p:nvSpPr>
+        <p:spPr>
+          <a:xfrm>
+            <a:off x="1303800" y="598575"/>
+            <a:ext cx="7030500" cy="999300"/>
+          </a:xfrm>
+          <a:prstGeom prst="rect">
+            <a:avLst/>
+          </a:prstGeom>
+        </p:spPr>
+        <p:txBody>
+          <a:bodyPr anchorCtr="0" anchor="t" bIns="91425" lIns="91425" spcFirstLastPara="1" rIns="91425" wrap="square" tIns="91425">
+            <a:normAutofit/>
+          </a:bodyPr>
+          <a:lstStyle/>
+          <a:p>
+            <a:pPr indent="0" lvl="0" marL="0" rtl="0" algn="l">
+              <a:spcBef>
+                <a:spcPts val="0"/>
+              </a:spcBef>
+              <a:spcAft>
+                <a:spcPts val="0"/>
+              </a:spcAft>
+              <a:buNone/>
+            </a:pPr>
+            <a:r>
+              <a:rPr lang="en"/>
+              <a:t>What we used</a:t>
+            </a:r>
+            <a:endParaRPr/>
+          </a:p>
+        </p:txBody>
+      </p:sp>
+      <p:sp>
+        <p:nvSpPr>
+          <p:cNvPr id="383" name="Google Shape;383;p29"/>
+          <p:cNvSpPr txBox="1"/>
+          <p:nvPr>
+            <p:ph idx="1" type="body"/>
+          </p:nvPr>
+        </p:nvSpPr>
+        <p:spPr>
+          <a:xfrm>
+            <a:off x="1303800" y="1990050"/>
+            <a:ext cx="7030500" cy="2541600"/>
+          </a:xfrm>
+          <a:prstGeom prst="rect">
+            <a:avLst/>
+          </a:prstGeom>
+        </p:spPr>
+        <p:txBody>
+          <a:bodyPr anchorCtr="0" anchor="t" bIns="91425" lIns="91425" spcFirstLastPara="1" rIns="91425" wrap="square" tIns="91425">
+            <a:normAutofit/>
+          </a:bodyPr>
+          <a:lstStyle/>
+          <a:p>
+            <a:pPr indent="0" lvl="0" marL="0" rtl="0" algn="l">
+              <a:spcBef>
+                <a:spcPts val="0"/>
+              </a:spcBef>
+              <a:spcAft>
+                <a:spcPts val="1200"/>
+              </a:spcAft>
+              <a:buNone/>
+            </a:pPr>
+            <a:r>
+              <a:rPr lang="en"/>
+              <a:t>The dashboard is going to be created using Tableau.</a:t>
+            </a:r>
+            <a:endParaRPr/>
           </a:p>
         </p:txBody>
       </p:sp>
@@ -17914,7 +18853,7 @@
         </p:spPr>
         <p:txBody>
           <a:bodyPr anchorCtr="0" anchor="t" bIns="91425" lIns="91425" spcFirstLastPara="1" rIns="91425" wrap="square" tIns="91425">
-            <a:normAutofit/>
+            <a:normAutofit fontScale="90000"/>
           </a:bodyPr>
           <a:lstStyle/>
           <a:p>
@@ -17928,7 +18867,8 @@
               <a:buNone/>
             </a:pPr>
             <a:r>
-              <a:t/>
+              <a:rPr lang="en"/>
+              <a:t>Finding out what each column represents</a:t>
             </a:r>
             <a:endParaRPr/>
           </a:p>
@@ -17967,7 +18907,35 @@
               <a:buNone/>
             </a:pPr>
             <a:r>
-              <a:t/>
+              <a:rPr lang="en"/>
+              <a:t>The names of many columns are vague or unclear. To find out what they stand for we referenced the </a:t>
+            </a:r>
+            <a:r>
+              <a:rPr lang="en" u="sng">
+                <a:solidFill>
+                  <a:schemeClr val="lt2"/>
+                </a:solidFill>
+                <a:hlinkClick r:id="rId3">
+                  <a:extLst>
+                    <a:ext uri="{A12FA001-AC4F-418D-AE19-62706E023703}">
+                      <ahyp:hlinkClr val="tx"/>
+                    </a:ext>
+                  </a:extLst>
+                </a:hlinkClick>
+              </a:rPr>
+              <a:t>LEHD Public Use Data Schema</a:t>
+            </a:r>
+            <a:r>
+              <a:rPr lang="en">
+                <a:solidFill>
+                  <a:schemeClr val="lt2"/>
+                </a:solidFill>
+              </a:rPr>
+              <a:t>.</a:t>
+            </a:r>
+            <a:r>
+              <a:rPr lang="en"/>
+              <a:t> </a:t>
             </a:r>
             <a:endParaRPr/>
           </a:p>
@@ -17982,6 +18950,285 @@
 </file>
 
 <file path=ppt/theme/theme1.xml><?xml version="1.0" encoding="utf-8"?>
+<a:theme xmlns:a="http://schemas.openxmlformats.org/drawingml/2006/main" xmlns:r="http://schemas.openxmlformats.org/officeDocument/2006/relationships">
+  <a:themeElements>
+    <a:clrScheme name="Default">
+      <a:dk1>
+        <a:srgbClr val="000000"/>
+      </a:dk1>
+      <a:lt1>
+        <a:srgbClr val="FFFFFF"/>
+      </a:lt1>
+      <a:dk2>
+        <a:srgbClr val="158158"/>
+      </a:dk2>
+      <a:lt2>
+        <a:srgbClr val="F3F3F3"/>
+      </a:lt2>
+      <a:accent1>
+        <a:srgbClr val="058DC7"/>
+      </a:accent1>
+      <a:accent2>
+        <a:srgbClr val="50B432"/>
+      </a:accent2>
+      <a:accent3>
+        <a:srgbClr val="ED561B"/>
+      </a:accent3>
+      <a:accent4>
+        <a:srgbClr val="EDEF00"/>
+      </a:accent4>
+      <a:accent5>
+        <a:srgbClr val="24CBE5"/>
+      </a:accent5>
+      <a:accent6>
+        <a:srgbClr val="64E572"/>
+      </a:accent6>
+      <a:hlink>
+        <a:srgbClr val="2200CC"/>
+      </a:hlink>
+      <a:folHlink>
+        <a:srgbClr val="551A8B"/>
+      </a:folHlink>
+    </a:clrScheme>
+    <a:fontScheme name="Office">
+      <a:majorFont>
+        <a:latin typeface="Arial"/>
+        <a:ea typeface=""/>
+        <a:cs typeface=""/>
+        <a:font script="Jpan" typeface="ＭＳ Ｐゴシック"/>
+        <a:font script="Hang" typeface="맑은 고딕"/>
+        <a:font script="Hans" typeface="宋体"/>
+        <a:font script="Hant" typeface="新細明體"/>
+        <a:font script="Arab" typeface="Times New Roman"/>
+        <a:font script="Hebr" typeface="Times New Roman"/>
+        <a:font script="Thai" typeface="Angsana New"/>
+        <a:font script="Ethi" typeface="Nyala"/>
+        <a:font script="Beng" typeface="Vrinda"/>
+        <a:font script="Gujr" typeface="Shruti"/>
+        <a:font script="Khmr" typeface="MoolBoran"/>
+        <a:font script="Knda" typeface="Tunga"/>
+        <a:font script="Guru" typeface="Raavi"/>
+        <a:font script="Cans" typeface="Euphemia"/>
+        <a:font script="Cher" typeface="Plantagenet Cherokee"/>
+        <a:font script="Yiii" typeface="Microsoft Yi Baiti"/>
+        <a:font script="Tibt" typeface="Microsoft Himalaya"/>
+        <a:font script="Thaa" typeface="MV Boli"/>
+        <a:font script="Deva" typeface="Mangal"/>
+        <a:font script="Telu" typeface="Gautami"/>
+        <a:font script="Taml" typeface="Latha"/>
+        <a:font script="Syrc" typeface="Estrangelo Edessa"/>
+        <a:font script="Orya" typeface="Kalinga"/>
+        <a:font script="Mlym" typeface="Kartika"/>
+        <a:font script="Laoo" typeface="DokChampa"/>
+        <a:font script="Sinh" typeface="Iskoola Pota"/>
+        <a:font script="Mong" typeface="Mongolian Baiti"/>
+        <a:font script="Viet" typeface="Times New Roman"/>
+        <a:font script="Uigh" typeface="Microsoft Uighur"/>
+        <a:font script="Geor" typeface="Sylfaen"/>
+      </a:majorFont>
+      <a:minorFont>
+        <a:latin typeface="Arial"/>
+        <a:ea typeface=""/>
+        <a:cs typeface=""/>
+        <a:font script="Jpan" typeface="ＭＳ Ｐゴシック"/>
+        <a:font script="Hang" typeface="맑은 고딕"/>
+        <a:font script="Hans" typeface="宋体"/>
+        <a:font script="Hant" typeface="新細明體"/>
+        <a:font script="Arab" typeface="Arial"/>
+        <a:font script="Hebr" typeface="Arial"/>
+        <a:font script="Thai" typeface="Cordia New"/>
+        <a:font script="Ethi" typeface="Nyala"/>
+        <a:font script="Beng" typeface="Vrinda"/>
+        <a:font script="Gujr" typeface="Shruti"/>
+        <a:font script="Khmr" typeface="DaunPenh"/>
+        <a:font script="Knda" typeface="Tunga"/>
+        <a:font script="Guru" typeface="Raavi"/>
+        <a:font script="Cans" typeface="Euphemia"/>
+        <a:font script="Cher" typeface="Plantagenet Cherokee"/>
+        <a:font script="Yiii" typeface="Microsoft Yi Baiti"/>
+        <a:font script="Tibt" typeface="Microsoft Himalaya"/>
+        <a:font script="Thaa" typeface="MV Boli"/>
+        <a:font script="Deva" typeface="Mangal"/>
+        <a:font script="Telu" typeface="Gautami"/>
+        <a:font script="Taml" typeface="Latha"/>
+        <a:font script="Syrc" typeface="Estrangelo Edessa"/>
+        <a:font script="Orya" typeface="Kalinga"/>
+        <a:font script="Mlym" typeface="Kartika"/>
+        <a:font script="Laoo" typeface="DokChampa"/>
+        <a:font script="Sinh" typeface="Iskoola Pota"/>
+        <a:font script="Mong" typeface="Mongolian Baiti"/>
+        <a:font script="Viet" typeface="Arial"/>
+        <a:font script="Uigh" typeface="Microsoft Uighur"/>
+        <a:font script="Geor" typeface="Sylfaen"/>
+      </a:minorFont>
+    </a:fontScheme>
+    <a:fmtScheme name="Office">
+      <a:fillStyleLst>
+        <a:solidFill>
+          <a:schemeClr val="phClr"/>
+        </a:solidFill>
+        <a:gradFill rotWithShape="1">
+          <a:gsLst>
+            <a:gs pos="0">
+              <a:schemeClr val="phClr">
+                <a:tint val="50000"/>
+                <a:satMod val="300000"/>
+              </a:schemeClr>
+            </a:gs>
+            <a:gs pos="35000">
+              <a:schemeClr val="phClr">
+                <a:tint val="37000"/>
+                <a:satMod val="300000"/>
+              </a:schemeClr>
+            </a:gs>
+            <a:gs pos="100000">
+              <a:schemeClr val="phClr">
+                <a:tint val="15000"/>
+                <a:satMod val="350000"/>
+              </a:schemeClr>
+            </a:gs>
+          </a:gsLst>
+          <a:lin ang="16200000" scaled="1"/>
+        </a:gradFill>
+        <a:gradFill rotWithShape="1">
+          <a:gsLst>
+            <a:gs pos="0">
+              <a:schemeClr val="phClr">
+                <a:tint val="100000"/>
+                <a:shade val="100000"/>
+                <a:satMod val="130000"/>
+              </a:schemeClr>
+            </a:gs>
+            <a:gs pos="100000">
+              <a:schemeClr val="phClr">
+                <a:tint val="50000"/>
+                <a:shade val="100000"/>
+                <a:satMod val="350000"/>
+              </a:schemeClr>
+            </a:gs>
+          </a:gsLst>
+          <a:lin ang="16200000" scaled="0"/>
+        </a:gradFill>
+      </a:fillStyleLst>
+      <a:lnStyleLst>
+        <a:ln w="9525" cap="flat" cmpd="sng" algn="ctr">
+          <a:solidFill>
+            <a:schemeClr val="phClr">
+              <a:shade val="95000"/>
+              <a:satMod val="105000"/>
+            </a:schemeClr>
+          </a:solidFill>
+          <a:prstDash val="solid"/>
+        </a:ln>
+        <a:ln w="25400" cap="flat" cmpd="sng" algn="ctr">
+          <a:solidFill>
+            <a:schemeClr val="phClr"/>
+          </a:solidFill>
+          <a:prstDash val="solid"/>
+        </a:ln>
+        <a:ln w="38100" cap="flat" cmpd="sng" algn="ctr">
+          <a:solidFill>
+            <a:schemeClr val="phClr"/>
+          </a:solidFill>
+          <a:prstDash val="solid"/>
+        </a:ln>
+      </a:lnStyleLst>
+      <a:effectStyleLst>
+        <a:effectStyle>
+          <a:effectLst>
+            <a:outerShdw blurRad="40000" dist="20000" dir="5400000" rotWithShape="0">
+              <a:srgbClr val="000000">
+                <a:alpha val="38000"/>
+              </a:srgbClr>
+            </a:outerShdw>
+          </a:effectLst>
+        </a:effectStyle>
+        <a:effectStyle>
+          <a:effectLst>
+            <a:outerShdw blurRad="40000" dist="23000" dir="5400000" rotWithShape="0">
+              <a:srgbClr val="000000">
+                <a:alpha val="35000"/>
+              </a:srgbClr>
+            </a:outerShdw>
+          </a:effectLst>
+        </a:effectStyle>
+        <a:effectStyle>
+          <a:effectLst>
+            <a:outerShdw blurRad="40000" dist="23000" dir="5400000" rotWithShape="0">
+              <a:srgbClr val="000000">
+                <a:alpha val="35000"/>
+              </a:srgbClr>
+            </a:outerShdw>
+          </a:effectLst>
+          <a:scene3d>
+            <a:camera prst="orthographicFront">
+              <a:rot lat="0" lon="0" rev="0"/>
+            </a:camera>
+            <a:lightRig rig="threePt" dir="t">
+              <a:rot lat="0" lon="0" rev="1200000"/>
+            </a:lightRig>
+          </a:scene3d>
+          <a:sp3d>
+            <a:bevelT w="63500" h="25400"/>
+          </a:sp3d>
+        </a:effectStyle>
+      </a:effectStyleLst>
+      <a:bgFillStyleLst>
+        <a:solidFill>
+          <a:schemeClr val="phClr"/>
+        </a:solidFill>
+        <a:gradFill rotWithShape="1">
+          <a:gsLst>
+            <a:gs pos="0">
+              <a:schemeClr val="phClr">
+                <a:tint val="40000"/>
+                <a:satMod val="350000"/>
+              </a:schemeClr>
+            </a:gs>
+            <a:gs pos="40000">
+              <a:schemeClr val="phClr">
+                <a:tint val="45000"/>
+                <a:shade val="99000"/>
+                <a:satMod val="350000"/>
+              </a:schemeClr>
+            </a:gs>
+            <a:gs pos="100000">
+              <a:schemeClr val="phClr">
+                <a:shade val="20000"/>
+                <a:satMod val="255000"/>
+              </a:schemeClr>
+            </a:gs>
+          </a:gsLst>
+          <a:path path="circle">
+            <a:fillToRect l="50000" t="-80000" r="50000" b="180000"/>
+          </a:path>
+        </a:gradFill>
+        <a:gradFill rotWithShape="1">
+          <a:gsLst>
+            <a:gs pos="0">
+              <a:schemeClr val="phClr">
+                <a:tint val="80000"/>
+                <a:satMod val="300000"/>
+              </a:schemeClr>
+            </a:gs>
+            <a:gs pos="100000">
+              <a:schemeClr val="phClr">
+                <a:shade val="30000"/>
+                <a:satMod val="200000"/>
+              </a:schemeClr>
+            </a:gs>
+          </a:gsLst>
+          <a:path path="circle">
+            <a:fillToRect l="50000" t="50000" r="50000" b="50000"/>
+          </a:path>
+        </a:gradFill>
+      </a:bgFillStyleLst>
+    </a:fmtScheme>
+  </a:themeElements>
+</a:theme>
+</file>
+
+<file path=ppt/theme/theme2.xml><?xml version="1.0" encoding="utf-8"?>
 <a:theme xmlns:a="http://schemas.openxmlformats.org/drawingml/2006/main" xmlns:r="http://schemas.openxmlformats.org/officeDocument/2006/relationships" name="Inertia">
   <a:themeElements>
     <a:clrScheme name="Momentum">
@@ -18258,283 +19505,4 @@
     </a:fmtScheme>
   </a:themeElements>
 </a:theme>
-</file>
-
-<file path=ppt/theme/theme2.xml><?xml version="1.0" encoding="utf-8"?>
-<a:theme xmlns:a="http://schemas.openxmlformats.org/drawingml/2006/main" xmlns:r="http://schemas.openxmlformats.org/officeDocument/2006/relationships">
-  <a:themeElements>
-    <a:clrScheme name="Default">
-      <a:dk1>
-        <a:srgbClr val="000000"/>
-      </a:dk1>
-      <a:lt1>
-        <a:srgbClr val="FFFFFF"/>
-      </a:lt1>
-      <a:dk2>
-        <a:srgbClr val="158158"/>
-      </a:dk2>
-      <a:lt2>
-        <a:srgbClr val="F3F3F3"/>
-      </a:lt2>
-      <a:accent1>
-        <a:srgbClr val="058DC7"/>
-      </a:accent1>
-      <a:accent2>
-        <a:srgbClr val="50B432"/>
-      </a:accent2>
-      <a:accent3>
-        <a:srgbClr val="ED561B"/>
-      </a:accent3>
-      <a:accent4>
-        <a:srgbClr val="EDEF00"/>
-      </a:accent4>
-      <a:accent5>
-        <a:srgbClr val="24CBE5"/>
-      </a:accent5>
-      <a:accent6>
-        <a:srgbClr val="64E572"/>
-      </a:accent6>
-      <a:hlink>
-        <a:srgbClr val="2200CC"/>
-      </a:hlink>
-      <a:folHlink>
-        <a:srgbClr val="551A8B"/>
-      </a:folHlink>
-    </a:clrScheme>
-    <a:fontScheme name="Office">
-      <a:majorFont>
-        <a:latin typeface="Arial"/>
-        <a:ea typeface=""/>
-        <a:cs typeface=""/>
-        <a:font script="Jpan" typeface="ＭＳ Ｐゴシック"/>
-        <a:font script="Hang" typeface="맑은 고딕"/>
-        <a:font script="Hans" typeface="宋体"/>
-        <a:font script="Hant" typeface="新細明體"/>
-        <a:font script="Arab" typeface="Times New Roman"/>
-        <a:font script="Hebr" typeface="Times New Roman"/>
-        <a:font script="Thai" typeface="Angsana New"/>
-        <a:font script="Ethi" typeface="Nyala"/>
-        <a:font script="Beng" typeface="Vrinda"/>
-        <a:font script="Gujr" typeface="Shruti"/>
-        <a:font script="Khmr" typeface="MoolBoran"/>
-        <a:font script="Knda" typeface="Tunga"/>
-        <a:font script="Guru" typeface="Raavi"/>
-        <a:font script="Cans" typeface="Euphemia"/>
-        <a:font script="Cher" typeface="Plantagenet Cherokee"/>
-        <a:font script="Yiii" typeface="Microsoft Yi Baiti"/>
-        <a:font script="Tibt" typeface="Microsoft Himalaya"/>
-        <a:font script="Thaa" typeface="MV Boli"/>
-        <a:font script="Deva" typeface="Mangal"/>
-        <a:font script="Telu" typeface="Gautami"/>
-        <a:font script="Taml" typeface="Latha"/>
-        <a:font script="Syrc" typeface="Estrangelo Edessa"/>
-        <a:font script="Orya" typeface="Kalinga"/>
-        <a:font script="Mlym" typeface="Kartika"/>
-        <a:font script="Laoo" typeface="DokChampa"/>
-        <a:font script="Sinh" typeface="Iskoola Pota"/>
-        <a:font script="Mong" typeface="Mongolian Baiti"/>
-        <a:font script="Viet" typeface="Times New Roman"/>
-        <a:font script="Uigh" typeface="Microsoft Uighur"/>
-        <a:font script="Geor" typeface="Sylfaen"/>
-      </a:majorFont>
-      <a:minorFont>
-        <a:latin typeface="Arial"/>
-        <a:ea typeface=""/>
-        <a:cs typeface=""/>
-        <a:font script="Jpan" typeface="ＭＳ Ｐゴシック"/>
-        <a:font script="Hang" typeface="맑은 고딕"/>
-        <a:font script="Hans" typeface="宋体"/>
-        <a:font script="Hant" typeface="新細明體"/>
-        <a:font script="Arab" typeface="Arial"/>
-        <a:font script="Hebr" typeface="Arial"/>
-        <a:font script="Thai" typeface="Cordia New"/>
-        <a:font script="Ethi" typeface="Nyala"/>
-        <a:font script="Beng" typeface="Vrinda"/>
-        <a:font script="Gujr" typeface="Shruti"/>
-        <a:font script="Khmr" typeface="DaunPenh"/>
-        <a:font script="Knda" typeface="Tunga"/>
-        <a:font script="Guru" typeface="Raavi"/>
-        <a:font script="Cans" typeface="Euphemia"/>
-        <a:font script="Cher" typeface="Plantagenet Cherokee"/>
-        <a:font script="Yiii" typeface="Microsoft Yi Baiti"/>
-        <a:font script="Tibt" typeface="Microsoft Himalaya"/>
-        <a:font script="Thaa" typeface="MV Boli"/>
-        <a:font script="Deva" typeface="Mangal"/>
-        <a:font script="Telu" typeface="Gautami"/>
-        <a:font script="Taml" typeface="Latha"/>
-        <a:font script="Syrc" typeface="Estrangelo Edessa"/>
-        <a:font script="Orya" typeface="Kalinga"/>
-        <a:font script="Mlym" typeface="Kartika"/>
-        <a:font script="Laoo" typeface="DokChampa"/>
-        <a:font script="Sinh" typeface="Iskoola Pota"/>
-        <a:font script="Mong" typeface="Mongolian Baiti"/>
-        <a:font script="Viet" typeface="Arial"/>
-        <a:font script="Uigh" typeface="Microsoft Uighur"/>
-        <a:font script="Geor" typeface="Sylfaen"/>
-      </a:minorFont>
-    </a:fontScheme>
-    <a:fmtScheme name="Office">
-      <a:fillStyleLst>
-        <a:solidFill>
-          <a:schemeClr val="phClr"/>
-        </a:solidFill>
-        <a:gradFill rotWithShape="1">
-          <a:gsLst>
-            <a:gs pos="0">
-              <a:schemeClr val="phClr">
-                <a:tint val="50000"/>
-                <a:satMod val="300000"/>
-              </a:schemeClr>
-            </a:gs>
-            <a:gs pos="35000">
-              <a:schemeClr val="phClr">
-                <a:tint val="37000"/>
-                <a:satMod val="300000"/>
-              </a:schemeClr>
-            </a:gs>
-            <a:gs pos="100000">
-              <a:schemeClr val="phClr">
-                <a:tint val="15000"/>
-                <a:satMod val="350000"/>
-              </a:schemeClr>
-            </a:gs>
-          </a:gsLst>
-          <a:lin ang="16200000" scaled="1"/>
-        </a:gradFill>
-        <a:gradFill rotWithShape="1">
-          <a:gsLst>
-            <a:gs pos="0">
-              <a:schemeClr val="phClr">
-                <a:tint val="100000"/>
-                <a:shade val="100000"/>
-                <a:satMod val="130000"/>
-              </a:schemeClr>
-            </a:gs>
-            <a:gs pos="100000">
-              <a:schemeClr val="phClr">
-                <a:tint val="50000"/>
-                <a:shade val="100000"/>
-                <a:satMod val="350000"/>
-              </a:schemeClr>
-            </a:gs>
-          </a:gsLst>
-          <a:lin ang="16200000" scaled="0"/>
-        </a:gradFill>
-      </a:fillStyleLst>
-      <a:lnStyleLst>
-        <a:ln w="9525" cap="flat" cmpd="sng" algn="ctr">
-          <a:solidFill>
-            <a:schemeClr val="phClr">
-              <a:shade val="95000"/>
-              <a:satMod val="105000"/>
-            </a:schemeClr>
-          </a:solidFill>
-          <a:prstDash val="solid"/>
-        </a:ln>
-        <a:ln w="25400" cap="flat" cmpd="sng" algn="ctr">
-          <a:solidFill>
-            <a:schemeClr val="phClr"/>
-          </a:solidFill>
-          <a:prstDash val="solid"/>
-        </a:ln>
-        <a:ln w="38100" cap="flat" cmpd="sng" algn="ctr">
-          <a:solidFill>
-            <a:schemeClr val="phClr"/>
-          </a:solidFill>
-          <a:prstDash val="solid"/>
-        </a:ln>
-      </a:lnStyleLst>
-      <a:effectStyleLst>
-        <a:effectStyle>
-          <a:effectLst>
-            <a:outerShdw blurRad="40000" dist="20000" dir="5400000" rotWithShape="0">
-              <a:srgbClr val="000000">
-                <a:alpha val="38000"/>
-              </a:srgbClr>
-            </a:outerShdw>
-          </a:effectLst>
-        </a:effectStyle>
-        <a:effectStyle>
-          <a:effectLst>
-            <a:outerShdw blurRad="40000" dist="23000" dir="5400000" rotWithShape="0">
-              <a:srgbClr val="000000">
-                <a:alpha val="35000"/>
-              </a:srgbClr>
-            </a:outerShdw>
-          </a:effectLst>
-        </a:effectStyle>
-        <a:effectStyle>
-          <a:effectLst>
-            <a:outerShdw blurRad="40000" dist="23000" dir="5400000" rotWithShape="0">
-              <a:srgbClr val="000000">
-                <a:alpha val="35000"/>
-              </a:srgbClr>
-            </a:outerShdw>
-          </a:effectLst>
-          <a:scene3d>
-            <a:camera prst="orthographicFront">
-              <a:rot lat="0" lon="0" rev="0"/>
-            </a:camera>
-            <a:lightRig rig="threePt" dir="t">
-              <a:rot lat="0" lon="0" rev="1200000"/>
-            </a:lightRig>
-          </a:scene3d>
-          <a:sp3d>
-            <a:bevelT w="63500" h="25400"/>
-          </a:sp3d>
-        </a:effectStyle>
-      </a:effectStyleLst>
-      <a:bgFillStyleLst>
-        <a:solidFill>
-          <a:schemeClr val="phClr"/>
-        </a:solidFill>
-        <a:gradFill rotWithShape="1">
-          <a:gsLst>
-            <a:gs pos="0">
-              <a:schemeClr val="phClr">
-                <a:tint val="40000"/>
-                <a:satMod val="350000"/>
-              </a:schemeClr>
-            </a:gs>
-            <a:gs pos="40000">
-              <a:schemeClr val="phClr">
-                <a:tint val="45000"/>
-                <a:shade val="99000"/>
-                <a:satMod val="350000"/>
-              </a:schemeClr>
-            </a:gs>
-            <a:gs pos="100000">
-              <a:schemeClr val="phClr">
-                <a:shade val="20000"/>
-                <a:satMod val="255000"/>
-              </a:schemeClr>
-            </a:gs>
-          </a:gsLst>
-          <a:path path="circle">
-            <a:fillToRect l="50000" t="-80000" r="50000" b="180000"/>
-          </a:path>
-        </a:gradFill>
-        <a:gradFill rotWithShape="1">
-          <a:gsLst>
-            <a:gs pos="0">
-              <a:schemeClr val="phClr">
-                <a:tint val="80000"/>
-                <a:satMod val="300000"/>
-              </a:schemeClr>
-            </a:gs>
-            <a:gs pos="100000">
-              <a:schemeClr val="phClr">
-                <a:shade val="30000"/>
-                <a:satMod val="200000"/>
-              </a:schemeClr>
-            </a:gs>
-          </a:gsLst>
-          <a:path path="circle">
-            <a:fillToRect l="50000" t="50000" r="50000" b="50000"/>
-          </a:path>
-        </a:gradFill>
-      </a:bgFillStyleLst>
-    </a:fmtScheme>
-  </a:themeElements>
-</a:theme>
 </file>
--- a/media/Final Project - Employment Prosepects.pptx
+++ b/media/Final Project - Employment Prosepects.pptx
@@ -25,26 +25,27 @@
     <p:sldId id="270" r:id="rId20"/>
     <p:sldId id="271" r:id="rId21"/>
     <p:sldId id="272" r:id="rId22"/>
+    <p:sldId id="273" r:id="rId23"/>
   </p:sldIdLst>
   <p:sldSz cy="5143500" cx="9144000"/>
   <p:notesSz cx="6858000" cy="9144000"/>
   <p:embeddedFontLst>
     <p:embeddedFont>
       <p:font typeface="Nunito"/>
-      <p:regular r:id="rId23"/>
-      <p:bold r:id="rId24"/>
-      <p:italic r:id="rId25"/>
-      <p:boldItalic r:id="rId26"/>
+      <p:regular r:id="rId24"/>
+      <p:bold r:id="rId25"/>
+      <p:italic r:id="rId26"/>
+      <p:boldItalic r:id="rId27"/>
     </p:embeddedFont>
     <p:embeddedFont>
       <p:font typeface="Maven Pro"/>
-      <p:regular r:id="rId27"/>
-      <p:bold r:id="rId28"/>
+      <p:regular r:id="rId28"/>
+      <p:bold r:id="rId29"/>
     </p:embeddedFont>
     <p:embeddedFont>
       <p:font typeface="Comfortaa"/>
-      <p:regular r:id="rId29"/>
-      <p:bold r:id="rId30"/>
+      <p:regular r:id="rId30"/>
+      <p:bold r:id="rId31"/>
     </p:embeddedFont>
   </p:embeddedFontLst>
   <p:defaultTextStyle>
@@ -1221,7 +1222,7 @@
   <p:cSld>
     <p:spTree>
       <p:nvGrpSpPr>
-        <p:cNvPr id="361" name="Shape 361"/>
+        <p:cNvPr id="362" name="Shape 362"/>
         <p:cNvGrpSpPr/>
         <p:nvPr/>
       </p:nvGrpSpPr>
@@ -1235,7 +1236,7 @@
       </p:grpSpPr>
       <p:sp>
         <p:nvSpPr>
-          <p:cNvPr id="362" name="Google Shape;362;g129b6330eb3_0_366:notes"/>
+          <p:cNvPr id="363" name="Google Shape;363;g129c47ed3ce_0_24:notes"/>
           <p:cNvSpPr/>
           <p:nvPr>
             <p:ph idx="2" type="sldImg"/>
@@ -1270,7 +1271,7 @@
       </p:sp>
       <p:sp>
         <p:nvSpPr>
-          <p:cNvPr id="363" name="Google Shape;363;g129b6330eb3_0_366:notes"/>
+          <p:cNvPr id="364" name="Google Shape;364;g129c47ed3ce_0_24:notes"/>
           <p:cNvSpPr txBox="1"/>
           <p:nvPr>
             <p:ph idx="1" type="body"/>
@@ -1320,7 +1321,7 @@
   <p:cSld>
     <p:spTree>
       <p:nvGrpSpPr>
-        <p:cNvPr id="366" name="Shape 366"/>
+        <p:cNvPr id="368" name="Shape 368"/>
         <p:cNvGrpSpPr/>
         <p:nvPr/>
       </p:nvGrpSpPr>
@@ -1334,7 +1335,7 @@
       </p:grpSpPr>
       <p:sp>
         <p:nvSpPr>
-          <p:cNvPr id="367" name="Google Shape;367;g129b6330eb3_0_370:notes"/>
+          <p:cNvPr id="369" name="Google Shape;369;g129b6330eb3_0_366:notes"/>
           <p:cNvSpPr/>
           <p:nvPr>
             <p:ph idx="2" type="sldImg"/>
@@ -1369,7 +1370,7 @@
       </p:sp>
       <p:sp>
         <p:nvSpPr>
-          <p:cNvPr id="368" name="Google Shape;368;g129b6330eb3_0_370:notes"/>
+          <p:cNvPr id="370" name="Google Shape;370;g129b6330eb3_0_366:notes"/>
           <p:cNvSpPr txBox="1"/>
           <p:nvPr>
             <p:ph idx="1" type="body"/>
@@ -1419,7 +1420,7 @@
   <p:cSld>
     <p:spTree>
       <p:nvGrpSpPr>
-        <p:cNvPr id="372" name="Shape 372"/>
+        <p:cNvPr id="373" name="Shape 373"/>
         <p:cNvGrpSpPr/>
         <p:nvPr/>
       </p:nvGrpSpPr>
@@ -1433,7 +1434,7 @@
       </p:grpSpPr>
       <p:sp>
         <p:nvSpPr>
-          <p:cNvPr id="373" name="Google Shape;373;g129c47ed3ce_0_0:notes"/>
+          <p:cNvPr id="374" name="Google Shape;374;g129b6330eb3_0_370:notes"/>
           <p:cNvSpPr/>
           <p:nvPr>
             <p:ph idx="2" type="sldImg"/>
@@ -1468,7 +1469,7 @@
       </p:sp>
       <p:sp>
         <p:nvSpPr>
-          <p:cNvPr id="374" name="Google Shape;374;g129c47ed3ce_0_0:notes"/>
+          <p:cNvPr id="375" name="Google Shape;375;g129b6330eb3_0_370:notes"/>
           <p:cNvSpPr txBox="1"/>
           <p:nvPr>
             <p:ph idx="1" type="body"/>
@@ -1518,7 +1519,7 @@
   <p:cSld>
     <p:spTree>
       <p:nvGrpSpPr>
-        <p:cNvPr id="378" name="Shape 378"/>
+        <p:cNvPr id="379" name="Shape 379"/>
         <p:cNvGrpSpPr/>
         <p:nvPr/>
       </p:nvGrpSpPr>
@@ -1532,7 +1533,7 @@
       </p:grpSpPr>
       <p:sp>
         <p:nvSpPr>
-          <p:cNvPr id="379" name="Google Shape;379;g129c47ed3ce_0_5:notes"/>
+          <p:cNvPr id="380" name="Google Shape;380;g129c47ed3ce_0_0:notes"/>
           <p:cNvSpPr/>
           <p:nvPr>
             <p:ph idx="2" type="sldImg"/>
@@ -1567,7 +1568,106 @@
       </p:sp>
       <p:sp>
         <p:nvSpPr>
-          <p:cNvPr id="380" name="Google Shape;380;g129c47ed3ce_0_5:notes"/>
+          <p:cNvPr id="381" name="Google Shape;381;g129c47ed3ce_0_0:notes"/>
+          <p:cNvSpPr txBox="1"/>
+          <p:nvPr>
+            <p:ph idx="1" type="body"/>
+          </p:nvPr>
+        </p:nvSpPr>
+        <p:spPr>
+          <a:xfrm>
+            <a:off x="685800" y="4343400"/>
+            <a:ext cx="5486400" cy="4114800"/>
+          </a:xfrm>
+          <a:prstGeom prst="rect">
+            <a:avLst/>
+          </a:prstGeom>
+        </p:spPr>
+        <p:txBody>
+          <a:bodyPr anchorCtr="0" anchor="t" bIns="91425" lIns="91425" spcFirstLastPara="1" rIns="91425" wrap="square" tIns="91425">
+            <a:noAutofit/>
+          </a:bodyPr>
+          <a:lstStyle/>
+          <a:p>
+            <a:pPr indent="0" lvl="0" marL="0" rtl="0" algn="l">
+              <a:spcBef>
+                <a:spcPts val="0"/>
+              </a:spcBef>
+              <a:spcAft>
+                <a:spcPts val="0"/>
+              </a:spcAft>
+              <a:buNone/>
+            </a:pPr>
+            <a:r>
+              <a:t/>
+            </a:r>
+            <a:endParaRPr/>
+          </a:p>
+        </p:txBody>
+      </p:sp>
+    </p:spTree>
+  </p:cSld>
+  <p:clrMapOvr>
+    <a:masterClrMapping/>
+  </p:clrMapOvr>
+</p:notes>
+</file>
+
+<file path=ppt/notesSlides/notesSlide18.xml><?xml version="1.0" encoding="utf-8"?>
+<p:notes xmlns:a="http://schemas.openxmlformats.org/drawingml/2006/main" xmlns:r="http://schemas.openxmlformats.org/officeDocument/2006/relationships" xmlns:mc="http://schemas.openxmlformats.org/markup-compatibility/2006" xmlns:mv="urn:schemas-microsoft-com:mac:vml" xmlns:p="http://schemas.openxmlformats.org/presentationml/2006/main" xmlns:c="http://schemas.openxmlformats.org/drawingml/2006/chart" xmlns:dgm="http://schemas.openxmlformats.org/drawingml/2006/diagram" xmlns:o="urn:schemas-microsoft-com:office:office" xmlns:v="urn:schemas-microsoft-com:vml" xmlns:pvml="urn:schemas-microsoft-com:office:powerpoint" xmlns:com="http://schemas.openxmlformats.org/drawingml/2006/compatibility" xmlns:p14="http://schemas.microsoft.com/office/powerpoint/2010/main" xmlns:p15="http://schemas.microsoft.com/office/powerpoint/2012/main" xmlns:ahyp="http://schemas.microsoft.com/office/drawing/2018/hyperlinkcolor" showMasterPhAnim="0" showMasterSp="0">
+  <p:cSld>
+    <p:spTree>
+      <p:nvGrpSpPr>
+        <p:cNvPr id="385" name="Shape 385"/>
+        <p:cNvGrpSpPr/>
+        <p:nvPr/>
+      </p:nvGrpSpPr>
+      <p:grpSpPr>
+        <a:xfrm>
+          <a:off x="0" y="0"/>
+          <a:ext cx="0" cy="0"/>
+          <a:chOff x="0" y="0"/>
+          <a:chExt cx="0" cy="0"/>
+        </a:xfrm>
+      </p:grpSpPr>
+      <p:sp>
+        <p:nvSpPr>
+          <p:cNvPr id="386" name="Google Shape;386;g129c47ed3ce_0_5:notes"/>
+          <p:cNvSpPr/>
+          <p:nvPr>
+            <p:ph idx="2" type="sldImg"/>
+          </p:nvPr>
+        </p:nvSpPr>
+        <p:spPr>
+          <a:xfrm>
+            <a:off x="381300" y="685800"/>
+            <a:ext cx="6096000" cy="3429000"/>
+          </a:xfrm>
+          <a:custGeom>
+            <a:rect b="b" l="l" r="r" t="t"/>
+            <a:pathLst>
+              <a:path extrusionOk="0" h="120000" w="120000">
+                <a:moveTo>
+                  <a:pt x="0" y="0"/>
+                </a:moveTo>
+                <a:lnTo>
+                  <a:pt x="120000" y="0"/>
+                </a:lnTo>
+                <a:lnTo>
+                  <a:pt x="120000" y="120000"/>
+                </a:lnTo>
+                <a:lnTo>
+                  <a:pt x="0" y="120000"/>
+                </a:lnTo>
+                <a:close/>
+              </a:path>
+            </a:pathLst>
+          </a:custGeom>
+        </p:spPr>
+      </p:sp>
+      <p:sp>
+        <p:nvSpPr>
+          <p:cNvPr id="387" name="Google Shape;387;g129c47ed3ce_0_5:notes"/>
           <p:cNvSpPr txBox="1"/>
           <p:nvPr>
             <p:ph idx="1" type="body"/>
@@ -17649,7 +17749,8 @@
               <a:buNone/>
             </a:pPr>
             <a:r>
-              <a:t/>
+              <a:rPr lang="en"/>
+              <a:t>Deciding which columns to keep</a:t>
             </a:r>
             <a:endParaRPr/>
           </a:p>
@@ -17658,6 +17759,139 @@
       <p:sp>
         <p:nvSpPr>
           <p:cNvPr id="360" name="Google Shape;360;p25"/>
+          <p:cNvSpPr txBox="1"/>
+          <p:nvPr>
+            <p:ph idx="1" type="body"/>
+          </p:nvPr>
+        </p:nvSpPr>
+        <p:spPr>
+          <a:xfrm>
+            <a:off x="1303800" y="1597875"/>
+            <a:ext cx="7030500" cy="2541600"/>
+          </a:xfrm>
+          <a:prstGeom prst="rect">
+            <a:avLst/>
+          </a:prstGeom>
+        </p:spPr>
+        <p:txBody>
+          <a:bodyPr anchorCtr="0" anchor="t" bIns="91425" lIns="91425" spcFirstLastPara="1" rIns="91425" wrap="square" tIns="91425">
+            <a:normAutofit/>
+          </a:bodyPr>
+          <a:lstStyle/>
+          <a:p>
+            <a:pPr indent="0" lvl="0" marL="0" rtl="0" algn="l">
+              <a:spcBef>
+                <a:spcPts val="0"/>
+              </a:spcBef>
+              <a:spcAft>
+                <a:spcPts val="1200"/>
+              </a:spcAft>
+              <a:buNone/>
+            </a:pPr>
+            <a:r>
+              <a:rPr lang="en"/>
+              <a:t>We looked at how excluding records containing NaN values in the 1, 5, and 10 year outcome columns affected the data we had remaining.</a:t>
+            </a:r>
+            <a:endParaRPr/>
+          </a:p>
+        </p:txBody>
+      </p:sp>
+      <p:pic>
+        <p:nvPicPr>
+          <p:cNvPr id="361" name="Google Shape;361;p25"/>
+          <p:cNvPicPr preferRelativeResize="0"/>
+          <p:nvPr/>
+        </p:nvPicPr>
+        <p:blipFill>
+          <a:blip r:embed="rId3">
+            <a:alphaModFix/>
+          </a:blip>
+          <a:stretch>
+            <a:fillRect/>
+          </a:stretch>
+        </p:blipFill>
+        <p:spPr>
+          <a:xfrm>
+            <a:off x="1839413" y="2314475"/>
+            <a:ext cx="5465169" cy="2541600"/>
+          </a:xfrm>
+          <a:prstGeom prst="rect">
+            <a:avLst/>
+          </a:prstGeom>
+          <a:noFill/>
+          <a:ln>
+            <a:noFill/>
+          </a:ln>
+        </p:spPr>
+      </p:pic>
+    </p:spTree>
+  </p:cSld>
+  <p:clrMapOvr>
+    <a:masterClrMapping/>
+  </p:clrMapOvr>
+</p:sld>
+</file>
+
+<file path=ppt/slides/slide14.xml><?xml version="1.0" encoding="utf-8"?>
+<p:sld xmlns:a="http://schemas.openxmlformats.org/drawingml/2006/main" xmlns:r="http://schemas.openxmlformats.org/officeDocument/2006/relationships" xmlns:mc="http://schemas.openxmlformats.org/markup-compatibility/2006" xmlns:mv="urn:schemas-microsoft-com:mac:vml" xmlns:p="http://schemas.openxmlformats.org/presentationml/2006/main" xmlns:c="http://schemas.openxmlformats.org/drawingml/2006/chart" xmlns:dgm="http://schemas.openxmlformats.org/drawingml/2006/diagram" xmlns:o="urn:schemas-microsoft-com:office:office" xmlns:v="urn:schemas-microsoft-com:vml" xmlns:pvml="urn:schemas-microsoft-com:office:powerpoint" xmlns:com="http://schemas.openxmlformats.org/drawingml/2006/compatibility" xmlns:p14="http://schemas.microsoft.com/office/powerpoint/2010/main" xmlns:p15="http://schemas.microsoft.com/office/powerpoint/2012/main" xmlns:ahyp="http://schemas.microsoft.com/office/drawing/2018/hyperlinkcolor">
+  <p:cSld>
+    <p:spTree>
+      <p:nvGrpSpPr>
+        <p:cNvPr id="365" name="Shape 365"/>
+        <p:cNvGrpSpPr/>
+        <p:nvPr/>
+      </p:nvGrpSpPr>
+      <p:grpSpPr>
+        <a:xfrm>
+          <a:off x="0" y="0"/>
+          <a:ext cx="0" cy="0"/>
+          <a:chOff x="0" y="0"/>
+          <a:chExt cx="0" cy="0"/>
+        </a:xfrm>
+      </p:grpSpPr>
+      <p:sp>
+        <p:nvSpPr>
+          <p:cNvPr id="366" name="Google Shape;366;p26"/>
+          <p:cNvSpPr txBox="1"/>
+          <p:nvPr>
+            <p:ph type="title"/>
+          </p:nvPr>
+        </p:nvSpPr>
+        <p:spPr>
+          <a:xfrm>
+            <a:off x="1303800" y="598575"/>
+            <a:ext cx="7030500" cy="999300"/>
+          </a:xfrm>
+          <a:prstGeom prst="rect">
+            <a:avLst/>
+          </a:prstGeom>
+        </p:spPr>
+        <p:txBody>
+          <a:bodyPr anchorCtr="0" anchor="t" bIns="91425" lIns="91425" spcFirstLastPara="1" rIns="91425" wrap="square" tIns="91425">
+            <a:normAutofit/>
+          </a:bodyPr>
+          <a:lstStyle/>
+          <a:p>
+            <a:pPr indent="0" lvl="0" marL="0" rtl="0" algn="l">
+              <a:spcBef>
+                <a:spcPts val="0"/>
+              </a:spcBef>
+              <a:spcAft>
+                <a:spcPts val="0"/>
+              </a:spcAft>
+              <a:buNone/>
+            </a:pPr>
+            <a:r>
+              <a:rPr lang="en"/>
+              <a:t>Merging the two datasets</a:t>
+            </a:r>
+            <a:endParaRPr/>
+          </a:p>
+        </p:txBody>
+      </p:sp>
+      <p:sp>
+        <p:nvSpPr>
+          <p:cNvPr id="367" name="Google Shape;367;p26"/>
           <p:cNvSpPr txBox="1"/>
           <p:nvPr>
             <p:ph idx="1" type="body"/>
@@ -17683,12 +17917,29 @@
                 <a:spcPts val="0"/>
               </a:spcBef>
               <a:spcAft>
-                <a:spcPts val="1200"/>
+                <a:spcPts val="0"/>
               </a:spcAft>
               <a:buNone/>
             </a:pPr>
             <a:r>
-              <a:t/>
+              <a:rPr lang="en"/>
+              <a:t>To keep things easier and cleaner we merged the flows and earnings datasets into one dataset.</a:t>
+            </a:r>
+            <a:endParaRPr/>
+          </a:p>
+          <a:p>
+            <a:pPr indent="0" lvl="0" marL="0" rtl="0" algn="l">
+              <a:spcBef>
+                <a:spcPts val="1200"/>
+              </a:spcBef>
+              <a:spcAft>
+                <a:spcPts val="1200"/>
+              </a:spcAft>
+              <a:buNone/>
+            </a:pPr>
+            <a:r>
+              <a:rPr lang="en"/>
+              <a:t>A primary key column was created by merging column values that would uniquely identify each record. </a:t>
             </a:r>
             <a:endParaRPr/>
           </a:p>
@@ -17702,12 +17953,12 @@
 </p:sld>
 </file>
 
-<file path=ppt/slides/slide14.xml><?xml version="1.0" encoding="utf-8"?>
+<file path=ppt/slides/slide15.xml><?xml version="1.0" encoding="utf-8"?>
 <p:sld xmlns:a="http://schemas.openxmlformats.org/drawingml/2006/main" xmlns:r="http://schemas.openxmlformats.org/officeDocument/2006/relationships" xmlns:mc="http://schemas.openxmlformats.org/markup-compatibility/2006" xmlns:mv="urn:schemas-microsoft-com:mac:vml" xmlns:p="http://schemas.openxmlformats.org/presentationml/2006/main" xmlns:c="http://schemas.openxmlformats.org/drawingml/2006/chart" xmlns:dgm="http://schemas.openxmlformats.org/drawingml/2006/diagram" xmlns:o="urn:schemas-microsoft-com:office:office" xmlns:v="urn:schemas-microsoft-com:vml" xmlns:pvml="urn:schemas-microsoft-com:office:powerpoint" xmlns:com="http://schemas.openxmlformats.org/drawingml/2006/compatibility" xmlns:p14="http://schemas.microsoft.com/office/powerpoint/2010/main" xmlns:p15="http://schemas.microsoft.com/office/powerpoint/2012/main" xmlns:ahyp="http://schemas.microsoft.com/office/drawing/2018/hyperlinkcolor">
   <p:cSld>
     <p:spTree>
       <p:nvGrpSpPr>
-        <p:cNvPr id="364" name="Shape 364"/>
+        <p:cNvPr id="371" name="Shape 371"/>
         <p:cNvGrpSpPr/>
         <p:nvPr/>
       </p:nvGrpSpPr>
@@ -17721,7 +17972,7 @@
       </p:grpSpPr>
       <p:sp>
         <p:nvSpPr>
-          <p:cNvPr id="365" name="Google Shape;365;p26"/>
+          <p:cNvPr id="372" name="Google Shape;372;p27"/>
           <p:cNvSpPr txBox="1"/>
           <p:nvPr>
             <p:ph type="title"/>
@@ -17767,12 +18018,12 @@
 </p:sld>
 </file>
 
-<file path=ppt/slides/slide15.xml><?xml version="1.0" encoding="utf-8"?>
+<file path=ppt/slides/slide16.xml><?xml version="1.0" encoding="utf-8"?>
 <p:sld xmlns:a="http://schemas.openxmlformats.org/drawingml/2006/main" xmlns:r="http://schemas.openxmlformats.org/officeDocument/2006/relationships" xmlns:mc="http://schemas.openxmlformats.org/markup-compatibility/2006" xmlns:mv="urn:schemas-microsoft-com:mac:vml" xmlns:p="http://schemas.openxmlformats.org/presentationml/2006/main" xmlns:c="http://schemas.openxmlformats.org/drawingml/2006/chart" xmlns:dgm="http://schemas.openxmlformats.org/drawingml/2006/diagram" xmlns:o="urn:schemas-microsoft-com:office:office" xmlns:v="urn:schemas-microsoft-com:vml" xmlns:pvml="urn:schemas-microsoft-com:office:powerpoint" xmlns:com="http://schemas.openxmlformats.org/drawingml/2006/compatibility" xmlns:p14="http://schemas.microsoft.com/office/powerpoint/2010/main" xmlns:p15="http://schemas.microsoft.com/office/powerpoint/2012/main" xmlns:ahyp="http://schemas.microsoft.com/office/drawing/2018/hyperlinkcolor">
   <p:cSld>
     <p:spTree>
       <p:nvGrpSpPr>
-        <p:cNvPr id="369" name="Shape 369"/>
+        <p:cNvPr id="376" name="Shape 376"/>
         <p:cNvGrpSpPr/>
         <p:nvPr/>
       </p:nvGrpSpPr>
@@ -17786,7 +18037,7 @@
       </p:grpSpPr>
       <p:sp>
         <p:nvSpPr>
-          <p:cNvPr id="370" name="Google Shape;370;p27"/>
+          <p:cNvPr id="377" name="Google Shape;377;p28"/>
           <p:cNvSpPr txBox="1"/>
           <p:nvPr>
             <p:ph type="title"/>
@@ -17826,7 +18077,7 @@
       </p:sp>
       <p:sp>
         <p:nvSpPr>
-          <p:cNvPr id="371" name="Google Shape;371;p27"/>
+          <p:cNvPr id="378" name="Google Shape;378;p28"/>
           <p:cNvSpPr txBox="1"/>
           <p:nvPr/>
         </p:nvSpPr>
@@ -17890,12 +18141,12 @@
 </p:sld>
 </file>
 
-<file path=ppt/slides/slide16.xml><?xml version="1.0" encoding="utf-8"?>
+<file path=ppt/slides/slide17.xml><?xml version="1.0" encoding="utf-8"?>
 <p:sld xmlns:a="http://schemas.openxmlformats.org/drawingml/2006/main" xmlns:r="http://schemas.openxmlformats.org/officeDocument/2006/relationships" xmlns:mc="http://schemas.openxmlformats.org/markup-compatibility/2006" xmlns:mv="urn:schemas-microsoft-com:mac:vml" xmlns:p="http://schemas.openxmlformats.org/presentationml/2006/main" xmlns:c="http://schemas.openxmlformats.org/drawingml/2006/chart" xmlns:dgm="http://schemas.openxmlformats.org/drawingml/2006/diagram" xmlns:o="urn:schemas-microsoft-com:office:office" xmlns:v="urn:schemas-microsoft-com:vml" xmlns:pvml="urn:schemas-microsoft-com:office:powerpoint" xmlns:com="http://schemas.openxmlformats.org/drawingml/2006/compatibility" xmlns:p14="http://schemas.microsoft.com/office/powerpoint/2010/main" xmlns:p15="http://schemas.microsoft.com/office/powerpoint/2012/main" xmlns:ahyp="http://schemas.microsoft.com/office/drawing/2018/hyperlinkcolor">
   <p:cSld>
     <p:spTree>
       <p:nvGrpSpPr>
-        <p:cNvPr id="375" name="Shape 375"/>
+        <p:cNvPr id="382" name="Shape 382"/>
         <p:cNvGrpSpPr/>
         <p:nvPr/>
       </p:nvGrpSpPr>
@@ -17909,7 +18160,7 @@
       </p:grpSpPr>
       <p:sp>
         <p:nvSpPr>
-          <p:cNvPr id="376" name="Google Shape;376;p28"/>
+          <p:cNvPr id="383" name="Google Shape;383;p29"/>
           <p:cNvSpPr txBox="1"/>
           <p:nvPr>
             <p:ph type="title"/>
@@ -17949,7 +18200,7 @@
       </p:sp>
       <p:sp>
         <p:nvSpPr>
-          <p:cNvPr id="377" name="Google Shape;377;p28"/>
+          <p:cNvPr id="384" name="Google Shape;384;p29"/>
           <p:cNvSpPr txBox="1"/>
           <p:nvPr>
             <p:ph idx="1" type="body"/>
@@ -18030,12 +18281,12 @@
 </p:sld>
 </file>
 
-<file path=ppt/slides/slide17.xml><?xml version="1.0" encoding="utf-8"?>
+<file path=ppt/slides/slide18.xml><?xml version="1.0" encoding="utf-8"?>
 <p:sld xmlns:a="http://schemas.openxmlformats.org/drawingml/2006/main" xmlns:r="http://schemas.openxmlformats.org/officeDocument/2006/relationships" xmlns:mc="http://schemas.openxmlformats.org/markup-compatibility/2006" xmlns:mv="urn:schemas-microsoft-com:mac:vml" xmlns:p="http://schemas.openxmlformats.org/presentationml/2006/main" xmlns:c="http://schemas.openxmlformats.org/drawingml/2006/chart" xmlns:dgm="http://schemas.openxmlformats.org/drawingml/2006/diagram" xmlns:o="urn:schemas-microsoft-com:office:office" xmlns:v="urn:schemas-microsoft-com:vml" xmlns:pvml="urn:schemas-microsoft-com:office:powerpoint" xmlns:com="http://schemas.openxmlformats.org/drawingml/2006/compatibility" xmlns:p14="http://schemas.microsoft.com/office/powerpoint/2010/main" xmlns:p15="http://schemas.microsoft.com/office/powerpoint/2012/main" xmlns:ahyp="http://schemas.microsoft.com/office/drawing/2018/hyperlinkcolor">
   <p:cSld>
     <p:spTree>
       <p:nvGrpSpPr>
-        <p:cNvPr id="381" name="Shape 381"/>
+        <p:cNvPr id="388" name="Shape 388"/>
         <p:cNvGrpSpPr/>
         <p:nvPr/>
       </p:nvGrpSpPr>
@@ -18049,7 +18300,7 @@
       </p:grpSpPr>
       <p:sp>
         <p:nvSpPr>
-          <p:cNvPr id="382" name="Google Shape;382;p29"/>
+          <p:cNvPr id="389" name="Google Shape;389;p30"/>
           <p:cNvSpPr txBox="1"/>
           <p:nvPr>
             <p:ph type="title"/>
@@ -18089,7 +18340,7 @@
       </p:sp>
       <p:sp>
         <p:nvSpPr>
-          <p:cNvPr id="383" name="Google Shape;383;p29"/>
+          <p:cNvPr id="390" name="Google Shape;390;p30"/>
           <p:cNvSpPr txBox="1"/>
           <p:nvPr>
             <p:ph idx="1" type="body"/>
@@ -18950,6 +19201,285 @@
 </file>
 
 <file path=ppt/theme/theme1.xml><?xml version="1.0" encoding="utf-8"?>
+<a:theme xmlns:a="http://schemas.openxmlformats.org/drawingml/2006/main" xmlns:r="http://schemas.openxmlformats.org/officeDocument/2006/relationships" name="Inertia">
+  <a:themeElements>
+    <a:clrScheme name="Momentum">
+      <a:dk1>
+        <a:srgbClr val="F3F3F3"/>
+      </a:dk1>
+      <a:lt1>
+        <a:srgbClr val="161616"/>
+      </a:lt1>
+      <a:dk2>
+        <a:srgbClr val="FFF2CC"/>
+      </a:dk2>
+      <a:lt2>
+        <a:srgbClr val="8DD8D3"/>
+      </a:lt2>
+      <a:accent1>
+        <a:srgbClr val="0B6374"/>
+      </a:accent1>
+      <a:accent2>
+        <a:srgbClr val="FD5B58"/>
+      </a:accent2>
+      <a:accent3>
+        <a:srgbClr val="F6B26B"/>
+      </a:accent3>
+      <a:accent4>
+        <a:srgbClr val="D7E6A3"/>
+      </a:accent4>
+      <a:accent5>
+        <a:srgbClr val="27278B"/>
+      </a:accent5>
+      <a:accent6>
+        <a:srgbClr val="D558AB"/>
+      </a:accent6>
+      <a:hlink>
+        <a:srgbClr val="27278B"/>
+      </a:hlink>
+      <a:folHlink>
+        <a:srgbClr val="27278B"/>
+      </a:folHlink>
+    </a:clrScheme>
+    <a:fontScheme name="Office">
+      <a:majorFont>
+        <a:latin typeface="Arial"/>
+        <a:ea typeface=""/>
+        <a:cs typeface=""/>
+        <a:font script="Jpan" typeface="ＭＳ Ｐゴシック"/>
+        <a:font script="Hang" typeface="맑은 고딕"/>
+        <a:font script="Hans" typeface="宋体"/>
+        <a:font script="Hant" typeface="新細明體"/>
+        <a:font script="Arab" typeface="Times New Roman"/>
+        <a:font script="Hebr" typeface="Times New Roman"/>
+        <a:font script="Thai" typeface="Angsana New"/>
+        <a:font script="Ethi" typeface="Nyala"/>
+        <a:font script="Beng" typeface="Vrinda"/>
+        <a:font script="Gujr" typeface="Shruti"/>
+        <a:font script="Khmr" typeface="MoolBoran"/>
+        <a:font script="Knda" typeface="Tunga"/>
+        <a:font script="Guru" typeface="Raavi"/>
+        <a:font script="Cans" typeface="Euphemia"/>
+        <a:font script="Cher" typeface="Plantagenet Cherokee"/>
+        <a:font script="Yiii" typeface="Microsoft Yi Baiti"/>
+        <a:font script="Tibt" typeface="Microsoft Himalaya"/>
+        <a:font script="Thaa" typeface="MV Boli"/>
+        <a:font script="Deva" typeface="Mangal"/>
+        <a:font script="Telu" typeface="Gautami"/>
+        <a:font script="Taml" typeface="Latha"/>
+        <a:font script="Syrc" typeface="Estrangelo Edessa"/>
+        <a:font script="Orya" typeface="Kalinga"/>
+        <a:font script="Mlym" typeface="Kartika"/>
+        <a:font script="Laoo" typeface="DokChampa"/>
+        <a:font script="Sinh" typeface="Iskoola Pota"/>
+        <a:font script="Mong" typeface="Mongolian Baiti"/>
+        <a:font script="Viet" typeface="Times New Roman"/>
+        <a:font script="Uigh" typeface="Microsoft Uighur"/>
+        <a:font script="Geor" typeface="Sylfaen"/>
+      </a:majorFont>
+      <a:minorFont>
+        <a:latin typeface="Arial"/>
+        <a:ea typeface=""/>
+        <a:cs typeface=""/>
+        <a:font script="Jpan" typeface="ＭＳ Ｐゴシック"/>
+        <a:font script="Hang" typeface="맑은 고딕"/>
+        <a:font script="Hans" typeface="宋体"/>
+        <a:font script="Hant" typeface="新細明體"/>
+        <a:font script="Arab" typeface="Arial"/>
+        <a:font script="Hebr" typeface="Arial"/>
+        <a:font script="Thai" typeface="Cordia New"/>
+        <a:font script="Ethi" typeface="Nyala"/>
+        <a:font script="Beng" typeface="Vrinda"/>
+        <a:font script="Gujr" typeface="Shruti"/>
+        <a:font script="Khmr" typeface="DaunPenh"/>
+        <a:font script="Knda" typeface="Tunga"/>
+        <a:font script="Guru" typeface="Raavi"/>
+        <a:font script="Cans" typeface="Euphemia"/>
+        <a:font script="Cher" typeface="Plantagenet Cherokee"/>
+        <a:font script="Yiii" typeface="Microsoft Yi Baiti"/>
+        <a:font script="Tibt" typeface="Microsoft Himalaya"/>
+        <a:font script="Thaa" typeface="MV Boli"/>
+        <a:font script="Deva" typeface="Mangal"/>
+        <a:font script="Telu" typeface="Gautami"/>
+        <a:font script="Taml" typeface="Latha"/>
+        <a:font script="Syrc" typeface="Estrangelo Edessa"/>
+        <a:font script="Orya" typeface="Kalinga"/>
+        <a:font script="Mlym" typeface="Kartika"/>
+        <a:font script="Laoo" typeface="DokChampa"/>
+        <a:font script="Sinh" typeface="Iskoola Pota"/>
+        <a:font script="Mong" typeface="Mongolian Baiti"/>
+        <a:font script="Viet" typeface="Arial"/>
+        <a:font script="Uigh" typeface="Microsoft Uighur"/>
+        <a:font script="Geor" typeface="Sylfaen"/>
+      </a:minorFont>
+    </a:fontScheme>
+    <a:fmtScheme name="Office">
+      <a:fillStyleLst>
+        <a:solidFill>
+          <a:schemeClr val="phClr"/>
+        </a:solidFill>
+        <a:gradFill rotWithShape="1">
+          <a:gsLst>
+            <a:gs pos="0">
+              <a:schemeClr val="phClr">
+                <a:tint val="50000"/>
+                <a:satMod val="300000"/>
+              </a:schemeClr>
+            </a:gs>
+            <a:gs pos="35000">
+              <a:schemeClr val="phClr">
+                <a:tint val="37000"/>
+                <a:satMod val="300000"/>
+              </a:schemeClr>
+            </a:gs>
+            <a:gs pos="100000">
+              <a:schemeClr val="phClr">
+                <a:tint val="15000"/>
+                <a:satMod val="350000"/>
+              </a:schemeClr>
+            </a:gs>
+          </a:gsLst>
+          <a:lin ang="16200000" scaled="1"/>
+        </a:gradFill>
+        <a:gradFill rotWithShape="1">
+          <a:gsLst>
+            <a:gs pos="0">
+              <a:schemeClr val="phClr">
+                <a:tint val="100000"/>
+                <a:shade val="100000"/>
+                <a:satMod val="130000"/>
+              </a:schemeClr>
+            </a:gs>
+            <a:gs pos="100000">
+              <a:schemeClr val="phClr">
+                <a:tint val="50000"/>
+                <a:shade val="100000"/>
+                <a:satMod val="350000"/>
+              </a:schemeClr>
+            </a:gs>
+          </a:gsLst>
+          <a:lin ang="16200000" scaled="0"/>
+        </a:gradFill>
+      </a:fillStyleLst>
+      <a:lnStyleLst>
+        <a:ln w="9525" cap="flat" cmpd="sng" algn="ctr">
+          <a:solidFill>
+            <a:schemeClr val="phClr">
+              <a:shade val="95000"/>
+              <a:satMod val="105000"/>
+            </a:schemeClr>
+          </a:solidFill>
+          <a:prstDash val="solid"/>
+        </a:ln>
+        <a:ln w="25400" cap="flat" cmpd="sng" algn="ctr">
+          <a:solidFill>
+            <a:schemeClr val="phClr"/>
+          </a:solidFill>
+          <a:prstDash val="solid"/>
+        </a:ln>
+        <a:ln w="38100" cap="flat" cmpd="sng" algn="ctr">
+          <a:solidFill>
+            <a:schemeClr val="phClr"/>
+          </a:solidFill>
+          <a:prstDash val="solid"/>
+        </a:ln>
+      </a:lnStyleLst>
+      <a:effectStyleLst>
+        <a:effectStyle>
+          <a:effectLst>
+            <a:outerShdw blurRad="40000" dist="20000" dir="5400000" rotWithShape="0">
+              <a:srgbClr val="000000">
+                <a:alpha val="38000"/>
+              </a:srgbClr>
+            </a:outerShdw>
+          </a:effectLst>
+        </a:effectStyle>
+        <a:effectStyle>
+          <a:effectLst>
+            <a:outerShdw blurRad="40000" dist="23000" dir="5400000" rotWithShape="0">
+              <a:srgbClr val="000000">
+                <a:alpha val="35000"/>
+              </a:srgbClr>
+            </a:outerShdw>
+          </a:effectLst>
+        </a:effectStyle>
+        <a:effectStyle>
+          <a:effectLst>
+            <a:outerShdw blurRad="40000" dist="23000" dir="5400000" rotWithShape="0">
+              <a:srgbClr val="000000">
+                <a:alpha val="35000"/>
+              </a:srgbClr>
+            </a:outerShdw>
+          </a:effectLst>
+          <a:scene3d>
+            <a:camera prst="orthographicFront">
+              <a:rot lat="0" lon="0" rev="0"/>
+            </a:camera>
+            <a:lightRig rig="threePt" dir="t">
+              <a:rot lat="0" lon="0" rev="1200000"/>
+            </a:lightRig>
+          </a:scene3d>
+          <a:sp3d>
+            <a:bevelT w="63500" h="25400"/>
+          </a:sp3d>
+        </a:effectStyle>
+      </a:effectStyleLst>
+      <a:bgFillStyleLst>
+        <a:solidFill>
+          <a:schemeClr val="phClr"/>
+        </a:solidFill>
+        <a:gradFill rotWithShape="1">
+          <a:gsLst>
+            <a:gs pos="0">
+              <a:schemeClr val="phClr">
+                <a:tint val="40000"/>
+                <a:satMod val="350000"/>
+              </a:schemeClr>
+            </a:gs>
+            <a:gs pos="40000">
+              <a:schemeClr val="phClr">
+                <a:tint val="45000"/>
+                <a:shade val="99000"/>
+                <a:satMod val="350000"/>
+              </a:schemeClr>
+            </a:gs>
+            <a:gs pos="100000">
+              <a:schemeClr val="phClr">
+                <a:shade val="20000"/>
+                <a:satMod val="255000"/>
+              </a:schemeClr>
+            </a:gs>
+          </a:gsLst>
+          <a:path path="circle">
+            <a:fillToRect l="50000" t="-80000" r="50000" b="180000"/>
+          </a:path>
+        </a:gradFill>
+        <a:gradFill rotWithShape="1">
+          <a:gsLst>
+            <a:gs pos="0">
+              <a:schemeClr val="phClr">
+                <a:tint val="80000"/>
+                <a:satMod val="300000"/>
+              </a:schemeClr>
+            </a:gs>
+            <a:gs pos="100000">
+              <a:schemeClr val="phClr">
+                <a:shade val="30000"/>
+                <a:satMod val="200000"/>
+              </a:schemeClr>
+            </a:gs>
+          </a:gsLst>
+          <a:path path="circle">
+            <a:fillToRect l="50000" t="50000" r="50000" b="50000"/>
+          </a:path>
+        </a:gradFill>
+      </a:bgFillStyleLst>
+    </a:fmtScheme>
+  </a:themeElements>
+</a:theme>
+</file>
+
+<file path=ppt/theme/theme2.xml><?xml version="1.0" encoding="utf-8"?>
 <a:theme xmlns:a="http://schemas.openxmlformats.org/drawingml/2006/main" xmlns:r="http://schemas.openxmlformats.org/officeDocument/2006/relationships">
   <a:themeElements>
     <a:clrScheme name="Default">
@@ -19226,283 +19756,4 @@
     </a:fmtScheme>
   </a:themeElements>
 </a:theme>
-</file>
-
-<file path=ppt/theme/theme2.xml><?xml version="1.0" encoding="utf-8"?>
-<a:theme xmlns:a="http://schemas.openxmlformats.org/drawingml/2006/main" xmlns:r="http://schemas.openxmlformats.org/officeDocument/2006/relationships" name="Inertia">
-  <a:themeElements>
-    <a:clrScheme name="Momentum">
-      <a:dk1>
-        <a:srgbClr val="F3F3F3"/>
-      </a:dk1>
-      <a:lt1>
-        <a:srgbClr val="161616"/>
-      </a:lt1>
-      <a:dk2>
-        <a:srgbClr val="FFF2CC"/>
-      </a:dk2>
-      <a:lt2>
-        <a:srgbClr val="8DD8D3"/>
-      </a:lt2>
-      <a:accent1>
-        <a:srgbClr val="0B6374"/>
-      </a:accent1>
-      <a:accent2>
-        <a:srgbClr val="FD5B58"/>
-      </a:accent2>
-      <a:accent3>
-        <a:srgbClr val="F6B26B"/>
-      </a:accent3>
-      <a:accent4>
-        <a:srgbClr val="D7E6A3"/>
-      </a:accent4>
-      <a:accent5>
-        <a:srgbClr val="27278B"/>
-      </a:accent5>
-      <a:accent6>
-        <a:srgbClr val="D558AB"/>
-      </a:accent6>
-      <a:hlink>
-        <a:srgbClr val="27278B"/>
-      </a:hlink>
-      <a:folHlink>
-        <a:srgbClr val="27278B"/>
-      </a:folHlink>
-    </a:clrScheme>
-    <a:fontScheme name="Office">
-      <a:majorFont>
-        <a:latin typeface="Arial"/>
-        <a:ea typeface=""/>
-        <a:cs typeface=""/>
-        <a:font script="Jpan" typeface="ＭＳ Ｐゴシック"/>
-        <a:font script="Hang" typeface="맑은 고딕"/>
-        <a:font script="Hans" typeface="宋体"/>
-        <a:font script="Hant" typeface="新細明體"/>
-        <a:font script="Arab" typeface="Times New Roman"/>
-        <a:font script="Hebr" typeface="Times New Roman"/>
-        <a:font script="Thai" typeface="Angsana New"/>
-        <a:font script="Ethi" typeface="Nyala"/>
-        <a:font script="Beng" typeface="Vrinda"/>
-        <a:font script="Gujr" typeface="Shruti"/>
-        <a:font script="Khmr" typeface="MoolBoran"/>
-        <a:font script="Knda" typeface="Tunga"/>
-        <a:font script="Guru" typeface="Raavi"/>
-        <a:font script="Cans" typeface="Euphemia"/>
-        <a:font script="Cher" typeface="Plantagenet Cherokee"/>
-        <a:font script="Yiii" typeface="Microsoft Yi Baiti"/>
-        <a:font script="Tibt" typeface="Microsoft Himalaya"/>
-        <a:font script="Thaa" typeface="MV Boli"/>
-        <a:font script="Deva" typeface="Mangal"/>
-        <a:font script="Telu" typeface="Gautami"/>
-        <a:font script="Taml" typeface="Latha"/>
-        <a:font script="Syrc" typeface="Estrangelo Edessa"/>
-        <a:font script="Orya" typeface="Kalinga"/>
-        <a:font script="Mlym" typeface="Kartika"/>
-        <a:font script="Laoo" typeface="DokChampa"/>
-        <a:font script="Sinh" typeface="Iskoola Pota"/>
-        <a:font script="Mong" typeface="Mongolian Baiti"/>
-        <a:font script="Viet" typeface="Times New Roman"/>
-        <a:font script="Uigh" typeface="Microsoft Uighur"/>
-        <a:font script="Geor" typeface="Sylfaen"/>
-      </a:majorFont>
-      <a:minorFont>
-        <a:latin typeface="Arial"/>
-        <a:ea typeface=""/>
-        <a:cs typeface=""/>
-        <a:font script="Jpan" typeface="ＭＳ Ｐゴシック"/>
-        <a:font script="Hang" typeface="맑은 고딕"/>
-        <a:font script="Hans" typeface="宋体"/>
-        <a:font script="Hant" typeface="新細明體"/>
-        <a:font script="Arab" typeface="Arial"/>
-        <a:font script="Hebr" typeface="Arial"/>
-        <a:font script="Thai" typeface="Cordia New"/>
-        <a:font script="Ethi" typeface="Nyala"/>
-        <a:font script="Beng" typeface="Vrinda"/>
-        <a:font script="Gujr" typeface="Shruti"/>
-        <a:font script="Khmr" typeface="DaunPenh"/>
-        <a:font script="Knda" typeface="Tunga"/>
-        <a:font script="Guru" typeface="Raavi"/>
-        <a:font script="Cans" typeface="Euphemia"/>
-        <a:font script="Cher" typeface="Plantagenet Cherokee"/>
-        <a:font script="Yiii" typeface="Microsoft Yi Baiti"/>
-        <a:font script="Tibt" typeface="Microsoft Himalaya"/>
-        <a:font script="Thaa" typeface="MV Boli"/>
-        <a:font script="Deva" typeface="Mangal"/>
-        <a:font script="Telu" typeface="Gautami"/>
-        <a:font script="Taml" typeface="Latha"/>
-        <a:font script="Syrc" typeface="Estrangelo Edessa"/>
-        <a:font script="Orya" typeface="Kalinga"/>
-        <a:font script="Mlym" typeface="Kartika"/>
-        <a:font script="Laoo" typeface="DokChampa"/>
-        <a:font script="Sinh" typeface="Iskoola Pota"/>
-        <a:font script="Mong" typeface="Mongolian Baiti"/>
-        <a:font script="Viet" typeface="Arial"/>
-        <a:font script="Uigh" typeface="Microsoft Uighur"/>
-        <a:font script="Geor" typeface="Sylfaen"/>
-      </a:minorFont>
-    </a:fontScheme>
-    <a:fmtScheme name="Office">
-      <a:fillStyleLst>
-        <a:solidFill>
-          <a:schemeClr val="phClr"/>
-        </a:solidFill>
-        <a:gradFill rotWithShape="1">
-          <a:gsLst>
-            <a:gs pos="0">
-              <a:schemeClr val="phClr">
-                <a:tint val="50000"/>
-                <a:satMod val="300000"/>
-              </a:schemeClr>
-            </a:gs>
-            <a:gs pos="35000">
-              <a:schemeClr val="phClr">
-                <a:tint val="37000"/>
-                <a:satMod val="300000"/>
-              </a:schemeClr>
-            </a:gs>
-            <a:gs pos="100000">
-              <a:schemeClr val="phClr">
-                <a:tint val="15000"/>
-                <a:satMod val="350000"/>
-              </a:schemeClr>
-            </a:gs>
-          </a:gsLst>
-          <a:lin ang="16200000" scaled="1"/>
-        </a:gradFill>
-        <a:gradFill rotWithShape="1">
-          <a:gsLst>
-            <a:gs pos="0">
-              <a:schemeClr val="phClr">
-                <a:tint val="100000"/>
-                <a:shade val="100000"/>
-                <a:satMod val="130000"/>
-              </a:schemeClr>
-            </a:gs>
-            <a:gs pos="100000">
-              <a:schemeClr val="phClr">
-                <a:tint val="50000"/>
-                <a:shade val="100000"/>
-                <a:satMod val="350000"/>
-              </a:schemeClr>
-            </a:gs>
-          </a:gsLst>
-          <a:lin ang="16200000" scaled="0"/>
-        </a:gradFill>
-      </a:fillStyleLst>
-      <a:lnStyleLst>
-        <a:ln w="9525" cap="flat" cmpd="sng" algn="ctr">
-          <a:solidFill>
-            <a:schemeClr val="phClr">
-              <a:shade val="95000"/>
-              <a:satMod val="105000"/>
-            </a:schemeClr>
-          </a:solidFill>
-          <a:prstDash val="solid"/>
-        </a:ln>
-        <a:ln w="25400" cap="flat" cmpd="sng" algn="ctr">
-          <a:solidFill>
-            <a:schemeClr val="phClr"/>
-          </a:solidFill>
-          <a:prstDash val="solid"/>
-        </a:ln>
-        <a:ln w="38100" cap="flat" cmpd="sng" algn="ctr">
-          <a:solidFill>
-            <a:schemeClr val="phClr"/>
-          </a:solidFill>
-          <a:prstDash val="solid"/>
-        </a:ln>
-      </a:lnStyleLst>
-      <a:effectStyleLst>
-        <a:effectStyle>
-          <a:effectLst>
-            <a:outerShdw blurRad="40000" dist="20000" dir="5400000" rotWithShape="0">
-              <a:srgbClr val="000000">
-                <a:alpha val="38000"/>
-              </a:srgbClr>
-            </a:outerShdw>
-          </a:effectLst>
-        </a:effectStyle>
-        <a:effectStyle>
-          <a:effectLst>
-            <a:outerShdw blurRad="40000" dist="23000" dir="5400000" rotWithShape="0">
-              <a:srgbClr val="000000">
-                <a:alpha val="35000"/>
-              </a:srgbClr>
-            </a:outerShdw>
-          </a:effectLst>
-        </a:effectStyle>
-        <a:effectStyle>
-          <a:effectLst>
-            <a:outerShdw blurRad="40000" dist="23000" dir="5400000" rotWithShape="0">
-              <a:srgbClr val="000000">
-                <a:alpha val="35000"/>
-              </a:srgbClr>
-            </a:outerShdw>
-          </a:effectLst>
-          <a:scene3d>
-            <a:camera prst="orthographicFront">
-              <a:rot lat="0" lon="0" rev="0"/>
-            </a:camera>
-            <a:lightRig rig="threePt" dir="t">
-              <a:rot lat="0" lon="0" rev="1200000"/>
-            </a:lightRig>
-          </a:scene3d>
-          <a:sp3d>
-            <a:bevelT w="63500" h="25400"/>
-          </a:sp3d>
-        </a:effectStyle>
-      </a:effectStyleLst>
-      <a:bgFillStyleLst>
-        <a:solidFill>
-          <a:schemeClr val="phClr"/>
-        </a:solidFill>
-        <a:gradFill rotWithShape="1">
-          <a:gsLst>
-            <a:gs pos="0">
-              <a:schemeClr val="phClr">
-                <a:tint val="40000"/>
-                <a:satMod val="350000"/>
-              </a:schemeClr>
-            </a:gs>
-            <a:gs pos="40000">
-              <a:schemeClr val="phClr">
-                <a:tint val="45000"/>
-                <a:shade val="99000"/>
-                <a:satMod val="350000"/>
-              </a:schemeClr>
-            </a:gs>
-            <a:gs pos="100000">
-              <a:schemeClr val="phClr">
-                <a:shade val="20000"/>
-                <a:satMod val="255000"/>
-              </a:schemeClr>
-            </a:gs>
-          </a:gsLst>
-          <a:path path="circle">
-            <a:fillToRect l="50000" t="-80000" r="50000" b="180000"/>
-          </a:path>
-        </a:gradFill>
-        <a:gradFill rotWithShape="1">
-          <a:gsLst>
-            <a:gs pos="0">
-              <a:schemeClr val="phClr">
-                <a:tint val="80000"/>
-                <a:satMod val="300000"/>
-              </a:schemeClr>
-            </a:gs>
-            <a:gs pos="100000">
-              <a:schemeClr val="phClr">
-                <a:shade val="30000"/>
-                <a:satMod val="200000"/>
-              </a:schemeClr>
-            </a:gs>
-          </a:gsLst>
-          <a:path path="circle">
-            <a:fillToRect l="50000" t="50000" r="50000" b="50000"/>
-          </a:path>
-        </a:gradFill>
-      </a:bgFillStyleLst>
-    </a:fmtScheme>
-  </a:themeElements>
-</a:theme>
 </file>
--- a/media/Final Project - Employment Prosepects.pptx
+++ b/media/Final Project - Employment Prosepects.pptx
@@ -1519,7 +1519,7 @@
   <p:cSld>
     <p:spTree>
       <p:nvGrpSpPr>
-        <p:cNvPr id="379" name="Shape 379"/>
+        <p:cNvPr id="389" name="Shape 389"/>
         <p:cNvGrpSpPr/>
         <p:nvPr/>
       </p:nvGrpSpPr>
@@ -1533,7 +1533,7 @@
       </p:grpSpPr>
       <p:sp>
         <p:nvSpPr>
-          <p:cNvPr id="380" name="Google Shape;380;g129c47ed3ce_0_0:notes"/>
+          <p:cNvPr id="390" name="Google Shape;390;g129c47ed3ce_0_0:notes"/>
           <p:cNvSpPr/>
           <p:nvPr>
             <p:ph idx="2" type="sldImg"/>
@@ -1568,7 +1568,7 @@
       </p:sp>
       <p:sp>
         <p:nvSpPr>
-          <p:cNvPr id="381" name="Google Shape;381;g129c47ed3ce_0_0:notes"/>
+          <p:cNvPr id="391" name="Google Shape;391;g129c47ed3ce_0_0:notes"/>
           <p:cNvSpPr txBox="1"/>
           <p:nvPr>
             <p:ph idx="1" type="body"/>
@@ -1618,7 +1618,7 @@
   <p:cSld>
     <p:spTree>
       <p:nvGrpSpPr>
-        <p:cNvPr id="385" name="Shape 385"/>
+        <p:cNvPr id="395" name="Shape 395"/>
         <p:cNvGrpSpPr/>
         <p:nvPr/>
       </p:nvGrpSpPr>
@@ -1632,7 +1632,7 @@
       </p:grpSpPr>
       <p:sp>
         <p:nvSpPr>
-          <p:cNvPr id="386" name="Google Shape;386;g129c47ed3ce_0_5:notes"/>
+          <p:cNvPr id="396" name="Google Shape;396;g129c47ed3ce_0_5:notes"/>
           <p:cNvSpPr/>
           <p:nvPr>
             <p:ph idx="2" type="sldImg"/>
@@ -1667,7 +1667,7 @@
       </p:sp>
       <p:sp>
         <p:nvSpPr>
-          <p:cNvPr id="387" name="Google Shape;387;g129c47ed3ce_0_5:notes"/>
+          <p:cNvPr id="397" name="Google Shape;397;g129c47ed3ce_0_5:notes"/>
           <p:cNvSpPr txBox="1"/>
           <p:nvPr>
             <p:ph idx="1" type="body"/>
@@ -18083,7 +18083,7 @@
         </p:nvSpPr>
         <p:spPr>
           <a:xfrm>
-            <a:off x="2923850" y="2194875"/>
+            <a:off x="3242250" y="4501925"/>
             <a:ext cx="3153600" cy="477000"/>
           </a:xfrm>
           <a:prstGeom prst="rect">
@@ -18100,7 +18100,7 @@
           </a:bodyPr>
           <a:lstStyle/>
           <a:p>
-            <a:pPr indent="0" lvl="0" marL="0" rtl="0" algn="l">
+            <a:pPr indent="0" lvl="0" marL="0" rtl="0" algn="ctr">
               <a:spcBef>
                 <a:spcPts val="0"/>
               </a:spcBef>
@@ -18119,12 +18119,773 @@
                 <a:cs typeface="Nunito"/>
                 <a:sym typeface="Nunito"/>
               </a:rPr>
-              <a:t>Placeholder for storyboard</a:t>
+              <a:t>Storyboard</a:t>
             </a:r>
             <a:endParaRPr sz="1900">
               <a:solidFill>
                 <a:schemeClr val="dk1"/>
               </a:solidFill>
+              <a:latin typeface="Nunito"/>
+              <a:ea typeface="Nunito"/>
+              <a:cs typeface="Nunito"/>
+              <a:sym typeface="Nunito"/>
+            </a:endParaRPr>
+          </a:p>
+        </p:txBody>
+      </p:sp>
+      <p:sp>
+        <p:nvSpPr>
+          <p:cNvPr id="379" name="Google Shape;379;p28"/>
+          <p:cNvSpPr/>
+          <p:nvPr/>
+        </p:nvSpPr>
+        <p:spPr>
+          <a:xfrm>
+            <a:off x="779200" y="1182900"/>
+            <a:ext cx="7555200" cy="3229500"/>
+          </a:xfrm>
+          <a:prstGeom prst="rect">
+            <a:avLst/>
+          </a:prstGeom>
+          <a:solidFill>
+            <a:schemeClr val="dk1"/>
+          </a:solidFill>
+          <a:ln cap="flat" cmpd="sng" w="9525">
+            <a:solidFill>
+              <a:schemeClr val="dk2"/>
+            </a:solidFill>
+            <a:prstDash val="solid"/>
+            <a:round/>
+            <a:headEnd len="sm" w="sm" type="none"/>
+            <a:tailEnd len="sm" w="sm" type="none"/>
+          </a:ln>
+        </p:spPr>
+        <p:txBody>
+          <a:bodyPr anchorCtr="0" anchor="ctr" bIns="91425" lIns="91425" spcFirstLastPara="1" rIns="91425" wrap="square" tIns="91425">
+            <a:noAutofit/>
+          </a:bodyPr>
+          <a:lstStyle/>
+          <a:p>
+            <a:pPr indent="0" lvl="0" marL="0" rtl="0" algn="l">
+              <a:spcBef>
+                <a:spcPts val="0"/>
+              </a:spcBef>
+              <a:spcAft>
+                <a:spcPts val="0"/>
+              </a:spcAft>
+              <a:buNone/>
+            </a:pPr>
+            <a:r>
+              <a:t/>
+            </a:r>
+            <a:endParaRPr/>
+          </a:p>
+        </p:txBody>
+      </p:sp>
+      <p:sp>
+        <p:nvSpPr>
+          <p:cNvPr id="380" name="Google Shape;380;p28"/>
+          <p:cNvSpPr/>
+          <p:nvPr/>
+        </p:nvSpPr>
+        <p:spPr>
+          <a:xfrm>
+            <a:off x="2703775" y="1276775"/>
+            <a:ext cx="4158900" cy="2027700"/>
+          </a:xfrm>
+          <a:prstGeom prst="rect">
+            <a:avLst/>
+          </a:prstGeom>
+          <a:noFill/>
+          <a:ln cap="flat" cmpd="sng" w="19050">
+            <a:solidFill>
+              <a:schemeClr val="lt1"/>
+            </a:solidFill>
+            <a:prstDash val="solid"/>
+            <a:round/>
+            <a:headEnd len="sm" w="sm" type="none"/>
+            <a:tailEnd len="sm" w="sm" type="none"/>
+          </a:ln>
+        </p:spPr>
+        <p:txBody>
+          <a:bodyPr anchorCtr="0" anchor="ctr" bIns="91425" lIns="91425" spcFirstLastPara="1" rIns="91425" wrap="square" tIns="91425">
+            <a:noAutofit/>
+          </a:bodyPr>
+          <a:lstStyle/>
+          <a:p>
+            <a:pPr indent="0" lvl="0" marL="0" rtl="0" algn="l">
+              <a:spcBef>
+                <a:spcPts val="0"/>
+              </a:spcBef>
+              <a:spcAft>
+                <a:spcPts val="0"/>
+              </a:spcAft>
+              <a:buNone/>
+            </a:pPr>
+            <a:r>
+              <a:t/>
+            </a:r>
+            <a:endParaRPr/>
+          </a:p>
+        </p:txBody>
+      </p:sp>
+      <p:sp>
+        <p:nvSpPr>
+          <p:cNvPr id="381" name="Google Shape;381;p28"/>
+          <p:cNvSpPr/>
+          <p:nvPr/>
+        </p:nvSpPr>
+        <p:spPr>
+          <a:xfrm>
+            <a:off x="854325" y="1276775"/>
+            <a:ext cx="1746300" cy="3032400"/>
+          </a:xfrm>
+          <a:prstGeom prst="rect">
+            <a:avLst/>
+          </a:prstGeom>
+          <a:noFill/>
+          <a:ln cap="flat" cmpd="sng" w="19050">
+            <a:solidFill>
+              <a:schemeClr val="lt1"/>
+            </a:solidFill>
+            <a:prstDash val="solid"/>
+            <a:round/>
+            <a:headEnd len="sm" w="sm" type="none"/>
+            <a:tailEnd len="sm" w="sm" type="none"/>
+          </a:ln>
+        </p:spPr>
+        <p:txBody>
+          <a:bodyPr anchorCtr="0" anchor="ctr" bIns="91425" lIns="91425" spcFirstLastPara="1" rIns="91425" wrap="square" tIns="91425">
+            <a:noAutofit/>
+          </a:bodyPr>
+          <a:lstStyle/>
+          <a:p>
+            <a:pPr indent="0" lvl="0" marL="0" rtl="0" algn="l">
+              <a:spcBef>
+                <a:spcPts val="0"/>
+              </a:spcBef>
+              <a:spcAft>
+                <a:spcPts val="0"/>
+              </a:spcAft>
+              <a:buNone/>
+            </a:pPr>
+            <a:r>
+              <a:t/>
+            </a:r>
+            <a:endParaRPr/>
+          </a:p>
+        </p:txBody>
+      </p:sp>
+      <p:sp>
+        <p:nvSpPr>
+          <p:cNvPr id="382" name="Google Shape;382;p28"/>
+          <p:cNvSpPr/>
+          <p:nvPr/>
+        </p:nvSpPr>
+        <p:spPr>
+          <a:xfrm>
+            <a:off x="6947175" y="1276775"/>
+            <a:ext cx="1305000" cy="3032400"/>
+          </a:xfrm>
+          <a:prstGeom prst="rect">
+            <a:avLst/>
+          </a:prstGeom>
+          <a:noFill/>
+          <a:ln cap="flat" cmpd="sng" w="19050">
+            <a:solidFill>
+              <a:schemeClr val="lt1"/>
+            </a:solidFill>
+            <a:prstDash val="solid"/>
+            <a:round/>
+            <a:headEnd len="sm" w="sm" type="none"/>
+            <a:tailEnd len="sm" w="sm" type="none"/>
+          </a:ln>
+        </p:spPr>
+        <p:txBody>
+          <a:bodyPr anchorCtr="0" anchor="ctr" bIns="91425" lIns="91425" spcFirstLastPara="1" rIns="91425" wrap="square" tIns="91425">
+            <a:noAutofit/>
+          </a:bodyPr>
+          <a:lstStyle/>
+          <a:p>
+            <a:pPr indent="0" lvl="0" marL="0" rtl="0" algn="l">
+              <a:spcBef>
+                <a:spcPts val="0"/>
+              </a:spcBef>
+              <a:spcAft>
+                <a:spcPts val="0"/>
+              </a:spcAft>
+              <a:buNone/>
+            </a:pPr>
+            <a:r>
+              <a:t/>
+            </a:r>
+            <a:endParaRPr/>
+          </a:p>
+        </p:txBody>
+      </p:sp>
+      <p:sp>
+        <p:nvSpPr>
+          <p:cNvPr id="383" name="Google Shape;383;p28"/>
+          <p:cNvSpPr txBox="1"/>
+          <p:nvPr/>
+        </p:nvSpPr>
+        <p:spPr>
+          <a:xfrm>
+            <a:off x="938800" y="1380050"/>
+            <a:ext cx="1464600" cy="400200"/>
+          </a:xfrm>
+          <a:prstGeom prst="rect">
+            <a:avLst/>
+          </a:prstGeom>
+          <a:noFill/>
+          <a:ln cap="flat" cmpd="sng" w="9525">
+            <a:solidFill>
+              <a:schemeClr val="lt1"/>
+            </a:solidFill>
+            <a:prstDash val="solid"/>
+            <a:round/>
+            <a:headEnd len="sm" w="sm" type="none"/>
+            <a:tailEnd len="sm" w="sm" type="none"/>
+          </a:ln>
+        </p:spPr>
+        <p:txBody>
+          <a:bodyPr anchorCtr="0" anchor="t" bIns="91425" lIns="91425" spcFirstLastPara="1" rIns="91425" wrap="square" tIns="91425">
+            <a:spAutoFit/>
+          </a:bodyPr>
+          <a:lstStyle/>
+          <a:p>
+            <a:pPr indent="0" lvl="0" marL="0" rtl="0" algn="l">
+              <a:spcBef>
+                <a:spcPts val="0"/>
+              </a:spcBef>
+              <a:spcAft>
+                <a:spcPts val="0"/>
+              </a:spcAft>
+              <a:buNone/>
+            </a:pPr>
+            <a:r>
+              <a:rPr lang="en">
+                <a:latin typeface="Nunito"/>
+                <a:ea typeface="Nunito"/>
+                <a:cs typeface="Nunito"/>
+                <a:sym typeface="Nunito"/>
+              </a:rPr>
+              <a:t>Search by name</a:t>
+            </a:r>
+            <a:endParaRPr>
+              <a:latin typeface="Nunito"/>
+              <a:ea typeface="Nunito"/>
+              <a:cs typeface="Nunito"/>
+              <a:sym typeface="Nunito"/>
+            </a:endParaRPr>
+          </a:p>
+        </p:txBody>
+      </p:sp>
+      <p:sp>
+        <p:nvSpPr>
+          <p:cNvPr id="384" name="Google Shape;384;p28"/>
+          <p:cNvSpPr txBox="1"/>
+          <p:nvPr/>
+        </p:nvSpPr>
+        <p:spPr>
+          <a:xfrm>
+            <a:off x="957575" y="1877625"/>
+            <a:ext cx="1464600" cy="2339700"/>
+          </a:xfrm>
+          <a:prstGeom prst="rect">
+            <a:avLst/>
+          </a:prstGeom>
+          <a:noFill/>
+          <a:ln cap="flat" cmpd="sng" w="9525">
+            <a:solidFill>
+              <a:schemeClr val="lt1"/>
+            </a:solidFill>
+            <a:prstDash val="solid"/>
+            <a:round/>
+            <a:headEnd len="sm" w="sm" type="none"/>
+            <a:tailEnd len="sm" w="sm" type="none"/>
+          </a:ln>
+        </p:spPr>
+        <p:txBody>
+          <a:bodyPr anchorCtr="0" anchor="t" bIns="91425" lIns="91425" spcFirstLastPara="1" rIns="91425" wrap="square" tIns="91425">
+            <a:spAutoFit/>
+          </a:bodyPr>
+          <a:lstStyle/>
+          <a:p>
+            <a:pPr indent="0" lvl="0" marL="0" rtl="0" algn="l">
+              <a:spcBef>
+                <a:spcPts val="0"/>
+              </a:spcBef>
+              <a:spcAft>
+                <a:spcPts val="0"/>
+              </a:spcAft>
+              <a:buNone/>
+            </a:pPr>
+            <a:r>
+              <a:rPr lang="en">
+                <a:latin typeface="Nunito"/>
+                <a:ea typeface="Nunito"/>
+                <a:cs typeface="Nunito"/>
+                <a:sym typeface="Nunito"/>
+              </a:rPr>
+              <a:t>Filters</a:t>
+            </a:r>
+            <a:endParaRPr>
+              <a:latin typeface="Nunito"/>
+              <a:ea typeface="Nunito"/>
+              <a:cs typeface="Nunito"/>
+              <a:sym typeface="Nunito"/>
+            </a:endParaRPr>
+          </a:p>
+          <a:p>
+            <a:pPr indent="-317500" lvl="0" marL="457200" rtl="0" algn="l">
+              <a:spcBef>
+                <a:spcPts val="0"/>
+              </a:spcBef>
+              <a:spcAft>
+                <a:spcPts val="0"/>
+              </a:spcAft>
+              <a:buSzPts val="1400"/>
+              <a:buFont typeface="Nunito"/>
+              <a:buChar char="❏"/>
+            </a:pPr>
+            <a:r>
+              <a:rPr lang="en">
+                <a:latin typeface="Nunito"/>
+                <a:ea typeface="Nunito"/>
+                <a:cs typeface="Nunito"/>
+                <a:sym typeface="Nunito"/>
+              </a:rPr>
+              <a:t>Cat 1</a:t>
+            </a:r>
+            <a:endParaRPr>
+              <a:latin typeface="Nunito"/>
+              <a:ea typeface="Nunito"/>
+              <a:cs typeface="Nunito"/>
+              <a:sym typeface="Nunito"/>
+            </a:endParaRPr>
+          </a:p>
+          <a:p>
+            <a:pPr indent="-317500" lvl="1" marL="914400" rtl="0" algn="l">
+              <a:spcBef>
+                <a:spcPts val="0"/>
+              </a:spcBef>
+              <a:spcAft>
+                <a:spcPts val="0"/>
+              </a:spcAft>
+              <a:buSzPts val="1400"/>
+              <a:buFont typeface="Nunito"/>
+              <a:buChar char="❏"/>
+            </a:pPr>
+            <a:r>
+              <a:rPr lang="en">
+                <a:latin typeface="Nunito"/>
+                <a:ea typeface="Nunito"/>
+                <a:cs typeface="Nunito"/>
+                <a:sym typeface="Nunito"/>
+              </a:rPr>
+              <a:t>1</a:t>
+            </a:r>
+            <a:endParaRPr>
+              <a:latin typeface="Nunito"/>
+              <a:ea typeface="Nunito"/>
+              <a:cs typeface="Nunito"/>
+              <a:sym typeface="Nunito"/>
+            </a:endParaRPr>
+          </a:p>
+          <a:p>
+            <a:pPr indent="-317500" lvl="1" marL="914400" rtl="0" algn="l">
+              <a:spcBef>
+                <a:spcPts val="0"/>
+              </a:spcBef>
+              <a:spcAft>
+                <a:spcPts val="0"/>
+              </a:spcAft>
+              <a:buSzPts val="1400"/>
+              <a:buFont typeface="Nunito"/>
+              <a:buChar char="❏"/>
+            </a:pPr>
+            <a:r>
+              <a:rPr lang="en">
+                <a:latin typeface="Nunito"/>
+                <a:ea typeface="Nunito"/>
+                <a:cs typeface="Nunito"/>
+                <a:sym typeface="Nunito"/>
+              </a:rPr>
+              <a:t>2</a:t>
+            </a:r>
+            <a:endParaRPr>
+              <a:latin typeface="Nunito"/>
+              <a:ea typeface="Nunito"/>
+              <a:cs typeface="Nunito"/>
+              <a:sym typeface="Nunito"/>
+            </a:endParaRPr>
+          </a:p>
+          <a:p>
+            <a:pPr indent="-317500" lvl="1" marL="914400" rtl="0" algn="l">
+              <a:spcBef>
+                <a:spcPts val="0"/>
+              </a:spcBef>
+              <a:spcAft>
+                <a:spcPts val="0"/>
+              </a:spcAft>
+              <a:buSzPts val="1400"/>
+              <a:buFont typeface="Nunito"/>
+              <a:buChar char="❏"/>
+            </a:pPr>
+            <a:r>
+              <a:rPr lang="en">
+                <a:latin typeface="Nunito"/>
+                <a:ea typeface="Nunito"/>
+                <a:cs typeface="Nunito"/>
+                <a:sym typeface="Nunito"/>
+              </a:rPr>
+              <a:t>3</a:t>
+            </a:r>
+            <a:endParaRPr>
+              <a:latin typeface="Nunito"/>
+              <a:ea typeface="Nunito"/>
+              <a:cs typeface="Nunito"/>
+              <a:sym typeface="Nunito"/>
+            </a:endParaRPr>
+          </a:p>
+          <a:p>
+            <a:pPr indent="-317500" lvl="0" marL="457200" rtl="0" algn="l">
+              <a:spcBef>
+                <a:spcPts val="0"/>
+              </a:spcBef>
+              <a:spcAft>
+                <a:spcPts val="0"/>
+              </a:spcAft>
+              <a:buSzPts val="1400"/>
+              <a:buFont typeface="Nunito"/>
+              <a:buChar char="❏"/>
+            </a:pPr>
+            <a:r>
+              <a:rPr lang="en">
+                <a:latin typeface="Nunito"/>
+                <a:ea typeface="Nunito"/>
+                <a:cs typeface="Nunito"/>
+                <a:sym typeface="Nunito"/>
+              </a:rPr>
+              <a:t>Cat 2</a:t>
+            </a:r>
+            <a:endParaRPr>
+              <a:latin typeface="Nunito"/>
+              <a:ea typeface="Nunito"/>
+              <a:cs typeface="Nunito"/>
+              <a:sym typeface="Nunito"/>
+            </a:endParaRPr>
+          </a:p>
+          <a:p>
+            <a:pPr indent="-317500" lvl="0" marL="457200" rtl="0" algn="l">
+              <a:spcBef>
+                <a:spcPts val="0"/>
+              </a:spcBef>
+              <a:spcAft>
+                <a:spcPts val="0"/>
+              </a:spcAft>
+              <a:buSzPts val="1400"/>
+              <a:buFont typeface="Nunito"/>
+              <a:buChar char="❏"/>
+            </a:pPr>
+            <a:r>
+              <a:rPr lang="en">
+                <a:latin typeface="Nunito"/>
+                <a:ea typeface="Nunito"/>
+                <a:cs typeface="Nunito"/>
+                <a:sym typeface="Nunito"/>
+              </a:rPr>
+              <a:t>…</a:t>
+            </a:r>
+            <a:endParaRPr>
+              <a:latin typeface="Nunito"/>
+              <a:ea typeface="Nunito"/>
+              <a:cs typeface="Nunito"/>
+              <a:sym typeface="Nunito"/>
+            </a:endParaRPr>
+          </a:p>
+          <a:p>
+            <a:pPr indent="-317500" lvl="0" marL="457200" rtl="0" algn="l">
+              <a:spcBef>
+                <a:spcPts val="0"/>
+              </a:spcBef>
+              <a:spcAft>
+                <a:spcPts val="0"/>
+              </a:spcAft>
+              <a:buSzPts val="1400"/>
+              <a:buFont typeface="Nunito"/>
+              <a:buChar char="❏"/>
+            </a:pPr>
+            <a:r>
+              <a:rPr lang="en">
+                <a:latin typeface="Nunito"/>
+                <a:ea typeface="Nunito"/>
+                <a:cs typeface="Nunito"/>
+                <a:sym typeface="Nunito"/>
+              </a:rPr>
+              <a:t>…</a:t>
+            </a:r>
+            <a:endParaRPr>
+              <a:latin typeface="Nunito"/>
+              <a:ea typeface="Nunito"/>
+              <a:cs typeface="Nunito"/>
+              <a:sym typeface="Nunito"/>
+            </a:endParaRPr>
+          </a:p>
+          <a:p>
+            <a:pPr indent="-317500" lvl="0" marL="457200" rtl="0" algn="l">
+              <a:spcBef>
+                <a:spcPts val="0"/>
+              </a:spcBef>
+              <a:spcAft>
+                <a:spcPts val="0"/>
+              </a:spcAft>
+              <a:buSzPts val="1400"/>
+              <a:buFont typeface="Nunito"/>
+              <a:buChar char="❏"/>
+            </a:pPr>
+            <a:r>
+              <a:rPr lang="en">
+                <a:latin typeface="Nunito"/>
+                <a:ea typeface="Nunito"/>
+                <a:cs typeface="Nunito"/>
+                <a:sym typeface="Nunito"/>
+              </a:rPr>
+              <a:t>…</a:t>
+            </a:r>
+            <a:endParaRPr>
+              <a:latin typeface="Nunito"/>
+              <a:ea typeface="Nunito"/>
+              <a:cs typeface="Nunito"/>
+              <a:sym typeface="Nunito"/>
+            </a:endParaRPr>
+          </a:p>
+          <a:p>
+            <a:pPr indent="-317500" lvl="0" marL="457200" rtl="0" algn="l">
+              <a:spcBef>
+                <a:spcPts val="0"/>
+              </a:spcBef>
+              <a:spcAft>
+                <a:spcPts val="0"/>
+              </a:spcAft>
+              <a:buSzPts val="1400"/>
+              <a:buFont typeface="Nunito"/>
+              <a:buChar char="❏"/>
+            </a:pPr>
+            <a:r>
+              <a:rPr lang="en">
+                <a:latin typeface="Nunito"/>
+                <a:ea typeface="Nunito"/>
+                <a:cs typeface="Nunito"/>
+                <a:sym typeface="Nunito"/>
+              </a:rPr>
+              <a:t>Cat X</a:t>
+            </a:r>
+            <a:endParaRPr>
+              <a:latin typeface="Nunito"/>
+              <a:ea typeface="Nunito"/>
+              <a:cs typeface="Nunito"/>
+              <a:sym typeface="Nunito"/>
+            </a:endParaRPr>
+          </a:p>
+        </p:txBody>
+      </p:sp>
+      <p:sp>
+        <p:nvSpPr>
+          <p:cNvPr id="385" name="Google Shape;385;p28"/>
+          <p:cNvSpPr txBox="1"/>
+          <p:nvPr/>
+        </p:nvSpPr>
+        <p:spPr>
+          <a:xfrm>
+            <a:off x="7116175" y="1492700"/>
+            <a:ext cx="938700" cy="400200"/>
+          </a:xfrm>
+          <a:prstGeom prst="rect">
+            <a:avLst/>
+          </a:prstGeom>
+          <a:noFill/>
+          <a:ln>
+            <a:noFill/>
+          </a:ln>
+        </p:spPr>
+        <p:txBody>
+          <a:bodyPr anchorCtr="0" anchor="t" bIns="91425" lIns="91425" spcFirstLastPara="1" rIns="91425" wrap="square" tIns="91425">
+            <a:spAutoFit/>
+          </a:bodyPr>
+          <a:lstStyle/>
+          <a:p>
+            <a:pPr indent="0" lvl="0" marL="0" rtl="0" algn="l">
+              <a:spcBef>
+                <a:spcPts val="0"/>
+              </a:spcBef>
+              <a:spcAft>
+                <a:spcPts val="0"/>
+              </a:spcAft>
+              <a:buNone/>
+            </a:pPr>
+            <a:r>
+              <a:rPr lang="en">
+                <a:latin typeface="Nunito"/>
+                <a:ea typeface="Nunito"/>
+                <a:cs typeface="Nunito"/>
+                <a:sym typeface="Nunito"/>
+              </a:rPr>
+              <a:t>Results</a:t>
+            </a:r>
+            <a:endParaRPr>
+              <a:latin typeface="Nunito"/>
+              <a:ea typeface="Nunito"/>
+              <a:cs typeface="Nunito"/>
+              <a:sym typeface="Nunito"/>
+            </a:endParaRPr>
+          </a:p>
+        </p:txBody>
+      </p:sp>
+      <p:sp>
+        <p:nvSpPr>
+          <p:cNvPr id="386" name="Google Shape;386;p28"/>
+          <p:cNvSpPr txBox="1"/>
+          <p:nvPr/>
+        </p:nvSpPr>
+        <p:spPr>
+          <a:xfrm>
+            <a:off x="3581575" y="1990275"/>
+            <a:ext cx="2206200" cy="400200"/>
+          </a:xfrm>
+          <a:prstGeom prst="rect">
+            <a:avLst/>
+          </a:prstGeom>
+          <a:noFill/>
+          <a:ln>
+            <a:noFill/>
+          </a:ln>
+        </p:spPr>
+        <p:txBody>
+          <a:bodyPr anchorCtr="0" anchor="t" bIns="91425" lIns="91425" spcFirstLastPara="1" rIns="91425" wrap="square" tIns="91425">
+            <a:spAutoFit/>
+          </a:bodyPr>
+          <a:lstStyle/>
+          <a:p>
+            <a:pPr indent="0" lvl="0" marL="0" rtl="0" algn="l">
+              <a:spcBef>
+                <a:spcPts val="0"/>
+              </a:spcBef>
+              <a:spcAft>
+                <a:spcPts val="0"/>
+              </a:spcAft>
+              <a:buNone/>
+            </a:pPr>
+            <a:r>
+              <a:rPr lang="en">
+                <a:latin typeface="Nunito"/>
+                <a:ea typeface="Nunito"/>
+                <a:cs typeface="Nunito"/>
+                <a:sym typeface="Nunito"/>
+              </a:rPr>
+              <a:t>Map of United States</a:t>
+            </a:r>
+            <a:endParaRPr>
+              <a:latin typeface="Nunito"/>
+              <a:ea typeface="Nunito"/>
+              <a:cs typeface="Nunito"/>
+              <a:sym typeface="Nunito"/>
+            </a:endParaRPr>
+          </a:p>
+        </p:txBody>
+      </p:sp>
+      <p:sp>
+        <p:nvSpPr>
+          <p:cNvPr id="387" name="Google Shape;387;p28"/>
+          <p:cNvSpPr/>
+          <p:nvPr/>
+        </p:nvSpPr>
+        <p:spPr>
+          <a:xfrm>
+            <a:off x="2713150" y="3436050"/>
+            <a:ext cx="4158900" cy="873000"/>
+          </a:xfrm>
+          <a:prstGeom prst="rect">
+            <a:avLst/>
+          </a:prstGeom>
+          <a:noFill/>
+          <a:ln cap="flat" cmpd="sng" w="19050">
+            <a:solidFill>
+              <a:schemeClr val="lt1"/>
+            </a:solidFill>
+            <a:prstDash val="solid"/>
+            <a:round/>
+            <a:headEnd len="sm" w="sm" type="none"/>
+            <a:tailEnd len="sm" w="sm" type="none"/>
+          </a:ln>
+        </p:spPr>
+        <p:txBody>
+          <a:bodyPr anchorCtr="0" anchor="ctr" bIns="91425" lIns="91425" spcFirstLastPara="1" rIns="91425" wrap="square" tIns="91425">
+            <a:noAutofit/>
+          </a:bodyPr>
+          <a:lstStyle/>
+          <a:p>
+            <a:pPr indent="0" lvl="0" marL="0" rtl="0" algn="l">
+              <a:spcBef>
+                <a:spcPts val="0"/>
+              </a:spcBef>
+              <a:spcAft>
+                <a:spcPts val="0"/>
+              </a:spcAft>
+              <a:buNone/>
+            </a:pPr>
+            <a:r>
+              <a:t/>
+            </a:r>
+            <a:endParaRPr/>
+          </a:p>
+        </p:txBody>
+      </p:sp>
+      <p:sp>
+        <p:nvSpPr>
+          <p:cNvPr id="388" name="Google Shape;388;p28"/>
+          <p:cNvSpPr txBox="1"/>
+          <p:nvPr/>
+        </p:nvSpPr>
+        <p:spPr>
+          <a:xfrm>
+            <a:off x="3511150" y="3670750"/>
+            <a:ext cx="2502000" cy="400200"/>
+          </a:xfrm>
+          <a:prstGeom prst="rect">
+            <a:avLst/>
+          </a:prstGeom>
+          <a:noFill/>
+          <a:ln>
+            <a:noFill/>
+          </a:ln>
+        </p:spPr>
+        <p:txBody>
+          <a:bodyPr anchorCtr="0" anchor="t" bIns="91425" lIns="91425" spcFirstLastPara="1" rIns="91425" wrap="square" tIns="91425">
+            <a:spAutoFit/>
+          </a:bodyPr>
+          <a:lstStyle/>
+          <a:p>
+            <a:pPr indent="0" lvl="0" marL="0" rtl="0" algn="l">
+              <a:spcBef>
+                <a:spcPts val="0"/>
+              </a:spcBef>
+              <a:spcAft>
+                <a:spcPts val="0"/>
+              </a:spcAft>
+              <a:buNone/>
+            </a:pPr>
+            <a:r>
+              <a:rPr lang="en">
+                <a:latin typeface="Nunito"/>
+                <a:ea typeface="Nunito"/>
+                <a:cs typeface="Nunito"/>
+                <a:sym typeface="Nunito"/>
+              </a:rPr>
+              <a:t>Graphs aggregating results</a:t>
+            </a:r>
+            <a:endParaRPr>
               <a:latin typeface="Nunito"/>
               <a:ea typeface="Nunito"/>
               <a:cs typeface="Nunito"/>
@@ -18146,7 +18907,7 @@
   <p:cSld>
     <p:spTree>
       <p:nvGrpSpPr>
-        <p:cNvPr id="382" name="Shape 382"/>
+        <p:cNvPr id="392" name="Shape 392"/>
         <p:cNvGrpSpPr/>
         <p:nvPr/>
       </p:nvGrpSpPr>
@@ -18160,7 +18921,7 @@
       </p:grpSpPr>
       <p:sp>
         <p:nvSpPr>
-          <p:cNvPr id="383" name="Google Shape;383;p29"/>
+          <p:cNvPr id="393" name="Google Shape;393;p29"/>
           <p:cNvSpPr txBox="1"/>
           <p:nvPr>
             <p:ph type="title"/>
@@ -18200,7 +18961,7 @@
       </p:sp>
       <p:sp>
         <p:nvSpPr>
-          <p:cNvPr id="384" name="Google Shape;384;p29"/>
+          <p:cNvPr id="394" name="Google Shape;394;p29"/>
           <p:cNvSpPr txBox="1"/>
           <p:nvPr>
             <p:ph idx="1" type="body"/>
@@ -18286,7 +19047,7 @@
   <p:cSld>
     <p:spTree>
       <p:nvGrpSpPr>
-        <p:cNvPr id="388" name="Shape 388"/>
+        <p:cNvPr id="398" name="Shape 398"/>
         <p:cNvGrpSpPr/>
         <p:nvPr/>
       </p:nvGrpSpPr>
@@ -18300,7 +19061,7 @@
       </p:grpSpPr>
       <p:sp>
         <p:nvSpPr>
-          <p:cNvPr id="389" name="Google Shape;389;p30"/>
+          <p:cNvPr id="399" name="Google Shape;399;p30"/>
           <p:cNvSpPr txBox="1"/>
           <p:nvPr>
             <p:ph type="title"/>
@@ -18340,7 +19101,7 @@
       </p:sp>
       <p:sp>
         <p:nvSpPr>
-          <p:cNvPr id="390" name="Google Shape;390;p30"/>
+          <p:cNvPr id="400" name="Google Shape;400;p30"/>
           <p:cNvSpPr txBox="1"/>
           <p:nvPr>
             <p:ph idx="1" type="body"/>

--- a/media/Final Project - Employment Prosepects.pptx
+++ b/media/Final Project - Employment Prosepects.pptx
@@ -26,26 +26,35 @@
     <p:sldId id="271" r:id="rId21"/>
     <p:sldId id="272" r:id="rId22"/>
     <p:sldId id="273" r:id="rId23"/>
+    <p:sldId id="274" r:id="rId24"/>
+    <p:sldId id="275" r:id="rId25"/>
+    <p:sldId id="276" r:id="rId26"/>
+    <p:sldId id="277" r:id="rId27"/>
+    <p:sldId id="278" r:id="rId28"/>
+    <p:sldId id="279" r:id="rId29"/>
+    <p:sldId id="280" r:id="rId30"/>
+    <p:sldId id="281" r:id="rId31"/>
+    <p:sldId id="282" r:id="rId32"/>
   </p:sldIdLst>
   <p:sldSz cy="5143500" cx="9144000"/>
   <p:notesSz cx="6858000" cy="9144000"/>
   <p:embeddedFontLst>
     <p:embeddedFont>
       <p:font typeface="Nunito"/>
-      <p:regular r:id="rId24"/>
-      <p:bold r:id="rId25"/>
-      <p:italic r:id="rId26"/>
-      <p:boldItalic r:id="rId27"/>
+      <p:regular r:id="rId33"/>
+      <p:bold r:id="rId34"/>
+      <p:italic r:id="rId35"/>
+      <p:boldItalic r:id="rId36"/>
     </p:embeddedFont>
     <p:embeddedFont>
       <p:font typeface="Maven Pro"/>
-      <p:regular r:id="rId28"/>
-      <p:bold r:id="rId29"/>
+      <p:regular r:id="rId37"/>
+      <p:bold r:id="rId38"/>
     </p:embeddedFont>
     <p:embeddedFont>
       <p:font typeface="Comfortaa"/>
-      <p:regular r:id="rId30"/>
-      <p:bold r:id="rId31"/>
+      <p:regular r:id="rId39"/>
+      <p:bold r:id="rId40"/>
     </p:embeddedFont>
   </p:embeddedFontLst>
   <p:defaultTextStyle>
@@ -840,7 +849,7 @@
       </p:grpSpPr>
       <p:sp>
         <p:nvSpPr>
-          <p:cNvPr id="336" name="Google Shape;336;g129c47ed3ce_0_10:notes"/>
+          <p:cNvPr id="336" name="Google Shape;336;g12edd4bb9c8_0_10:notes"/>
           <p:cNvSpPr/>
           <p:nvPr>
             <p:ph idx="2" type="sldImg"/>
@@ -875,7 +884,7 @@
       </p:sp>
       <p:sp>
         <p:nvSpPr>
-          <p:cNvPr id="337" name="Google Shape;337;g129c47ed3ce_0_10:notes"/>
+          <p:cNvPr id="337" name="Google Shape;337;g12edd4bb9c8_0_10:notes"/>
           <p:cNvSpPr txBox="1"/>
           <p:nvPr>
             <p:ph idx="1" type="body"/>
@@ -906,7 +915,8 @@
               <a:buNone/>
             </a:pPr>
             <a:r>
-              <a:t/>
+              <a:rPr lang="en"/>
+              <a:t>Using AWS RDS, was able to load and upload data to PostgreSQL</a:t>
             </a:r>
             <a:endParaRPr/>
           </a:p>
@@ -925,7 +935,7 @@
   <p:cSld>
     <p:spTree>
       <p:nvGrpSpPr>
-        <p:cNvPr id="343" name="Shape 343"/>
+        <p:cNvPr id="342" name="Shape 342"/>
         <p:cNvGrpSpPr/>
         <p:nvPr/>
       </p:nvGrpSpPr>
@@ -939,7 +949,7 @@
       </p:grpSpPr>
       <p:sp>
         <p:nvSpPr>
-          <p:cNvPr id="344" name="Google Shape;344;g129c47ed3ce_0_17:notes"/>
+          <p:cNvPr id="343" name="Google Shape;343;g12edd4bb9c8_0_17:notes"/>
           <p:cNvSpPr/>
           <p:nvPr>
             <p:ph idx="2" type="sldImg"/>
@@ -974,7 +984,7 @@
       </p:sp>
       <p:sp>
         <p:nvSpPr>
-          <p:cNvPr id="345" name="Google Shape;345;g129c47ed3ce_0_17:notes"/>
+          <p:cNvPr id="344" name="Google Shape;344;g12edd4bb9c8_0_17:notes"/>
           <p:cNvSpPr txBox="1"/>
           <p:nvPr>
             <p:ph idx="1" type="body"/>
@@ -1005,7 +1015,8 @@
               <a:buNone/>
             </a:pPr>
             <a:r>
-              <a:t/>
+              <a:rPr lang="en"/>
+              <a:t>After tables were created, data uploaded, we ran a query to make sure everything was correctly done.</a:t>
             </a:r>
             <a:endParaRPr/>
           </a:p>
@@ -1024,7 +1035,7 @@
   <p:cSld>
     <p:spTree>
       <p:nvGrpSpPr>
-        <p:cNvPr id="350" name="Shape 350"/>
+        <p:cNvPr id="348" name="Shape 348"/>
         <p:cNvGrpSpPr/>
         <p:nvPr/>
       </p:nvGrpSpPr>
@@ -1038,7 +1049,7 @@
       </p:grpSpPr>
       <p:sp>
         <p:nvSpPr>
-          <p:cNvPr id="351" name="Google Shape;351;g129b6330eb3_0_357:notes"/>
+          <p:cNvPr id="349" name="Google Shape;349;g12edd4bb9c8_0_24:notes"/>
           <p:cNvSpPr/>
           <p:nvPr>
             <p:ph idx="2" type="sldImg"/>
@@ -1073,7 +1084,7 @@
       </p:sp>
       <p:sp>
         <p:nvSpPr>
-          <p:cNvPr id="352" name="Google Shape;352;g129b6330eb3_0_357:notes"/>
+          <p:cNvPr id="350" name="Google Shape;350;g12edd4bb9c8_0_24:notes"/>
           <p:cNvSpPr txBox="1"/>
           <p:nvPr>
             <p:ph idx="1" type="body"/>
@@ -1104,7 +1115,8 @@
               <a:buNone/>
             </a:pPr>
             <a:r>
-              <a:t/>
+              <a:rPr lang="en"/>
+              <a:t>Two tables were then joined based on 5 different criteria to ensure the data is joined correctly.</a:t>
             </a:r>
             <a:endParaRPr/>
           </a:p>
@@ -1123,7 +1135,7 @@
   <p:cSld>
     <p:spTree>
       <p:nvGrpSpPr>
-        <p:cNvPr id="355" name="Shape 355"/>
+        <p:cNvPr id="354" name="Shape 354"/>
         <p:cNvGrpSpPr/>
         <p:nvPr/>
       </p:nvGrpSpPr>
@@ -1137,7 +1149,7 @@
       </p:grpSpPr>
       <p:sp>
         <p:nvSpPr>
-          <p:cNvPr id="356" name="Google Shape;356;g129b6330eb3_0_361:notes"/>
+          <p:cNvPr id="355" name="Google Shape;355;g129b6330eb3_0_348:notes"/>
           <p:cNvSpPr/>
           <p:nvPr>
             <p:ph idx="2" type="sldImg"/>
@@ -1172,7 +1184,7 @@
       </p:sp>
       <p:sp>
         <p:nvSpPr>
-          <p:cNvPr id="357" name="Google Shape;357;g129b6330eb3_0_361:notes"/>
+          <p:cNvPr id="356" name="Google Shape;356;g129b6330eb3_0_348:notes"/>
           <p:cNvSpPr txBox="1"/>
           <p:nvPr>
             <p:ph idx="1" type="body"/>
@@ -1222,7 +1234,7 @@
   <p:cSld>
     <p:spTree>
       <p:nvGrpSpPr>
-        <p:cNvPr id="362" name="Shape 362"/>
+        <p:cNvPr id="359" name="Shape 359"/>
         <p:cNvGrpSpPr/>
         <p:nvPr/>
       </p:nvGrpSpPr>
@@ -1236,7 +1248,7 @@
       </p:grpSpPr>
       <p:sp>
         <p:nvSpPr>
-          <p:cNvPr id="363" name="Google Shape;363;g129c47ed3ce_0_24:notes"/>
+          <p:cNvPr id="360" name="Google Shape;360;g129b6330eb3_0_352:notes"/>
           <p:cNvSpPr/>
           <p:nvPr>
             <p:ph idx="2" type="sldImg"/>
@@ -1271,7 +1283,7 @@
       </p:sp>
       <p:sp>
         <p:nvSpPr>
-          <p:cNvPr id="364" name="Google Shape;364;g129c47ed3ce_0_24:notes"/>
+          <p:cNvPr id="361" name="Google Shape;361;g129b6330eb3_0_352:notes"/>
           <p:cNvSpPr txBox="1"/>
           <p:nvPr>
             <p:ph idx="1" type="body"/>
@@ -1321,7 +1333,7 @@
   <p:cSld>
     <p:spTree>
       <p:nvGrpSpPr>
-        <p:cNvPr id="368" name="Shape 368"/>
+        <p:cNvPr id="365" name="Shape 365"/>
         <p:cNvGrpSpPr/>
         <p:nvPr/>
       </p:nvGrpSpPr>
@@ -1335,7 +1347,7 @@
       </p:grpSpPr>
       <p:sp>
         <p:nvSpPr>
-          <p:cNvPr id="369" name="Google Shape;369;g129b6330eb3_0_366:notes"/>
+          <p:cNvPr id="366" name="Google Shape;366;g129c47ed3ce_0_10:notes"/>
           <p:cNvSpPr/>
           <p:nvPr>
             <p:ph idx="2" type="sldImg"/>
@@ -1370,7 +1382,7 @@
       </p:sp>
       <p:sp>
         <p:nvSpPr>
-          <p:cNvPr id="370" name="Google Shape;370;g129b6330eb3_0_366:notes"/>
+          <p:cNvPr id="367" name="Google Shape;367;g129c47ed3ce_0_10:notes"/>
           <p:cNvSpPr txBox="1"/>
           <p:nvPr>
             <p:ph idx="1" type="body"/>
@@ -1434,7 +1446,7 @@
       </p:grpSpPr>
       <p:sp>
         <p:nvSpPr>
-          <p:cNvPr id="374" name="Google Shape;374;g129b6330eb3_0_370:notes"/>
+          <p:cNvPr id="374" name="Google Shape;374;g129c47ed3ce_0_17:notes"/>
           <p:cNvSpPr/>
           <p:nvPr>
             <p:ph idx="2" type="sldImg"/>
@@ -1469,7 +1481,7 @@
       </p:sp>
       <p:sp>
         <p:nvSpPr>
-          <p:cNvPr id="375" name="Google Shape;375;g129b6330eb3_0_370:notes"/>
+          <p:cNvPr id="375" name="Google Shape;375;g129c47ed3ce_0_17:notes"/>
           <p:cNvSpPr txBox="1"/>
           <p:nvPr>
             <p:ph idx="1" type="body"/>
@@ -1519,7 +1531,7 @@
   <p:cSld>
     <p:spTree>
       <p:nvGrpSpPr>
-        <p:cNvPr id="389" name="Shape 389"/>
+        <p:cNvPr id="380" name="Shape 380"/>
         <p:cNvGrpSpPr/>
         <p:nvPr/>
       </p:nvGrpSpPr>
@@ -1533,7 +1545,7 @@
       </p:grpSpPr>
       <p:sp>
         <p:nvSpPr>
-          <p:cNvPr id="390" name="Google Shape;390;g129c47ed3ce_0_0:notes"/>
+          <p:cNvPr id="381" name="Google Shape;381;g129b6330eb3_0_357:notes"/>
           <p:cNvSpPr/>
           <p:nvPr>
             <p:ph idx="2" type="sldImg"/>
@@ -1568,7 +1580,7 @@
       </p:sp>
       <p:sp>
         <p:nvSpPr>
-          <p:cNvPr id="391" name="Google Shape;391;g129c47ed3ce_0_0:notes"/>
+          <p:cNvPr id="382" name="Google Shape;382;g129b6330eb3_0_357:notes"/>
           <p:cNvSpPr txBox="1"/>
           <p:nvPr>
             <p:ph idx="1" type="body"/>
@@ -1618,7 +1630,7 @@
   <p:cSld>
     <p:spTree>
       <p:nvGrpSpPr>
-        <p:cNvPr id="395" name="Shape 395"/>
+        <p:cNvPr id="385" name="Shape 385"/>
         <p:cNvGrpSpPr/>
         <p:nvPr/>
       </p:nvGrpSpPr>
@@ -1632,7 +1644,7 @@
       </p:grpSpPr>
       <p:sp>
         <p:nvSpPr>
-          <p:cNvPr id="396" name="Google Shape;396;g129c47ed3ce_0_5:notes"/>
+          <p:cNvPr id="386" name="Google Shape;386;g129b6330eb3_0_361:notes"/>
           <p:cNvSpPr/>
           <p:nvPr>
             <p:ph idx="2" type="sldImg"/>
@@ -1667,7 +1679,106 @@
       </p:sp>
       <p:sp>
         <p:nvSpPr>
-          <p:cNvPr id="397" name="Google Shape;397;g129c47ed3ce_0_5:notes"/>
+          <p:cNvPr id="387" name="Google Shape;387;g129b6330eb3_0_361:notes"/>
+          <p:cNvSpPr txBox="1"/>
+          <p:nvPr>
+            <p:ph idx="1" type="body"/>
+          </p:nvPr>
+        </p:nvSpPr>
+        <p:spPr>
+          <a:xfrm>
+            <a:off x="685800" y="4343400"/>
+            <a:ext cx="5486400" cy="4114800"/>
+          </a:xfrm>
+          <a:prstGeom prst="rect">
+            <a:avLst/>
+          </a:prstGeom>
+        </p:spPr>
+        <p:txBody>
+          <a:bodyPr anchorCtr="0" anchor="t" bIns="91425" lIns="91425" spcFirstLastPara="1" rIns="91425" wrap="square" tIns="91425">
+            <a:noAutofit/>
+          </a:bodyPr>
+          <a:lstStyle/>
+          <a:p>
+            <a:pPr indent="0" lvl="0" marL="0" rtl="0" algn="l">
+              <a:spcBef>
+                <a:spcPts val="0"/>
+              </a:spcBef>
+              <a:spcAft>
+                <a:spcPts val="0"/>
+              </a:spcAft>
+              <a:buNone/>
+            </a:pPr>
+            <a:r>
+              <a:t/>
+            </a:r>
+            <a:endParaRPr/>
+          </a:p>
+        </p:txBody>
+      </p:sp>
+    </p:spTree>
+  </p:cSld>
+  <p:clrMapOvr>
+    <a:masterClrMapping/>
+  </p:clrMapOvr>
+</p:notes>
+</file>
+
+<file path=ppt/notesSlides/notesSlide19.xml><?xml version="1.0" encoding="utf-8"?>
+<p:notes xmlns:a="http://schemas.openxmlformats.org/drawingml/2006/main" xmlns:r="http://schemas.openxmlformats.org/officeDocument/2006/relationships" xmlns:mc="http://schemas.openxmlformats.org/markup-compatibility/2006" xmlns:mv="urn:schemas-microsoft-com:mac:vml" xmlns:p="http://schemas.openxmlformats.org/presentationml/2006/main" xmlns:c="http://schemas.openxmlformats.org/drawingml/2006/chart" xmlns:dgm="http://schemas.openxmlformats.org/drawingml/2006/diagram" xmlns:o="urn:schemas-microsoft-com:office:office" xmlns:v="urn:schemas-microsoft-com:vml" xmlns:pvml="urn:schemas-microsoft-com:office:powerpoint" xmlns:com="http://schemas.openxmlformats.org/drawingml/2006/compatibility" xmlns:p14="http://schemas.microsoft.com/office/powerpoint/2010/main" xmlns:p15="http://schemas.microsoft.com/office/powerpoint/2012/main" xmlns:ahyp="http://schemas.microsoft.com/office/drawing/2018/hyperlinkcolor" showMasterPhAnim="0" showMasterSp="0">
+  <p:cSld>
+    <p:spTree>
+      <p:nvGrpSpPr>
+        <p:cNvPr id="392" name="Shape 392"/>
+        <p:cNvGrpSpPr/>
+        <p:nvPr/>
+      </p:nvGrpSpPr>
+      <p:grpSpPr>
+        <a:xfrm>
+          <a:off x="0" y="0"/>
+          <a:ext cx="0" cy="0"/>
+          <a:chOff x="0" y="0"/>
+          <a:chExt cx="0" cy="0"/>
+        </a:xfrm>
+      </p:grpSpPr>
+      <p:sp>
+        <p:nvSpPr>
+          <p:cNvPr id="393" name="Google Shape;393;g129c47ed3ce_0_24:notes"/>
+          <p:cNvSpPr/>
+          <p:nvPr>
+            <p:ph idx="2" type="sldImg"/>
+          </p:nvPr>
+        </p:nvSpPr>
+        <p:spPr>
+          <a:xfrm>
+            <a:off x="381300" y="685800"/>
+            <a:ext cx="6096000" cy="3429000"/>
+          </a:xfrm>
+          <a:custGeom>
+            <a:rect b="b" l="l" r="r" t="t"/>
+            <a:pathLst>
+              <a:path extrusionOk="0" h="120000" w="120000">
+                <a:moveTo>
+                  <a:pt x="0" y="0"/>
+                </a:moveTo>
+                <a:lnTo>
+                  <a:pt x="120000" y="0"/>
+                </a:lnTo>
+                <a:lnTo>
+                  <a:pt x="120000" y="120000"/>
+                </a:lnTo>
+                <a:lnTo>
+                  <a:pt x="0" y="120000"/>
+                </a:lnTo>
+                <a:close/>
+              </a:path>
+            </a:pathLst>
+          </a:custGeom>
+        </p:spPr>
+      </p:sp>
+      <p:sp>
+        <p:nvSpPr>
+          <p:cNvPr id="394" name="Google Shape;394;g129c47ed3ce_0_24:notes"/>
           <p:cNvSpPr txBox="1"/>
           <p:nvPr>
             <p:ph idx="1" type="body"/>
@@ -1811,6 +1922,821 @@
 </p:notes>
 </file>
 
+<file path=ppt/notesSlides/notesSlide20.xml><?xml version="1.0" encoding="utf-8"?>
+<p:notes xmlns:a="http://schemas.openxmlformats.org/drawingml/2006/main" xmlns:r="http://schemas.openxmlformats.org/officeDocument/2006/relationships" xmlns:mc="http://schemas.openxmlformats.org/markup-compatibility/2006" xmlns:mv="urn:schemas-microsoft-com:mac:vml" xmlns:p="http://schemas.openxmlformats.org/presentationml/2006/main" xmlns:c="http://schemas.openxmlformats.org/drawingml/2006/chart" xmlns:dgm="http://schemas.openxmlformats.org/drawingml/2006/diagram" xmlns:o="urn:schemas-microsoft-com:office:office" xmlns:v="urn:schemas-microsoft-com:vml" xmlns:pvml="urn:schemas-microsoft-com:office:powerpoint" xmlns:com="http://schemas.openxmlformats.org/drawingml/2006/compatibility" xmlns:p14="http://schemas.microsoft.com/office/powerpoint/2010/main" xmlns:p15="http://schemas.microsoft.com/office/powerpoint/2012/main" xmlns:ahyp="http://schemas.microsoft.com/office/drawing/2018/hyperlinkcolor" showMasterPhAnim="0" showMasterSp="0">
+  <p:cSld>
+    <p:spTree>
+      <p:nvGrpSpPr>
+        <p:cNvPr id="398" name="Shape 398"/>
+        <p:cNvGrpSpPr/>
+        <p:nvPr/>
+      </p:nvGrpSpPr>
+      <p:grpSpPr>
+        <a:xfrm>
+          <a:off x="0" y="0"/>
+          <a:ext cx="0" cy="0"/>
+          <a:chOff x="0" y="0"/>
+          <a:chExt cx="0" cy="0"/>
+        </a:xfrm>
+      </p:grpSpPr>
+      <p:sp>
+        <p:nvSpPr>
+          <p:cNvPr id="399" name="Google Shape;399;g129b6330eb3_0_366:notes"/>
+          <p:cNvSpPr/>
+          <p:nvPr>
+            <p:ph idx="2" type="sldImg"/>
+          </p:nvPr>
+        </p:nvSpPr>
+        <p:spPr>
+          <a:xfrm>
+            <a:off x="381300" y="685800"/>
+            <a:ext cx="6096000" cy="3429000"/>
+          </a:xfrm>
+          <a:custGeom>
+            <a:rect b="b" l="l" r="r" t="t"/>
+            <a:pathLst>
+              <a:path extrusionOk="0" h="120000" w="120000">
+                <a:moveTo>
+                  <a:pt x="0" y="0"/>
+                </a:moveTo>
+                <a:lnTo>
+                  <a:pt x="120000" y="0"/>
+                </a:lnTo>
+                <a:lnTo>
+                  <a:pt x="120000" y="120000"/>
+                </a:lnTo>
+                <a:lnTo>
+                  <a:pt x="0" y="120000"/>
+                </a:lnTo>
+                <a:close/>
+              </a:path>
+            </a:pathLst>
+          </a:custGeom>
+        </p:spPr>
+      </p:sp>
+      <p:sp>
+        <p:nvSpPr>
+          <p:cNvPr id="400" name="Google Shape;400;g129b6330eb3_0_366:notes"/>
+          <p:cNvSpPr txBox="1"/>
+          <p:nvPr>
+            <p:ph idx="1" type="body"/>
+          </p:nvPr>
+        </p:nvSpPr>
+        <p:spPr>
+          <a:xfrm>
+            <a:off x="685800" y="4343400"/>
+            <a:ext cx="5486400" cy="4114800"/>
+          </a:xfrm>
+          <a:prstGeom prst="rect">
+            <a:avLst/>
+          </a:prstGeom>
+        </p:spPr>
+        <p:txBody>
+          <a:bodyPr anchorCtr="0" anchor="t" bIns="91425" lIns="91425" spcFirstLastPara="1" rIns="91425" wrap="square" tIns="91425">
+            <a:noAutofit/>
+          </a:bodyPr>
+          <a:lstStyle/>
+          <a:p>
+            <a:pPr indent="0" lvl="0" marL="0" rtl="0" algn="l">
+              <a:spcBef>
+                <a:spcPts val="0"/>
+              </a:spcBef>
+              <a:spcAft>
+                <a:spcPts val="0"/>
+              </a:spcAft>
+              <a:buNone/>
+            </a:pPr>
+            <a:r>
+              <a:t/>
+            </a:r>
+            <a:endParaRPr/>
+          </a:p>
+        </p:txBody>
+      </p:sp>
+    </p:spTree>
+  </p:cSld>
+  <p:clrMapOvr>
+    <a:masterClrMapping/>
+  </p:clrMapOvr>
+</p:notes>
+</file>
+
+<file path=ppt/notesSlides/notesSlide21.xml><?xml version="1.0" encoding="utf-8"?>
+<p:notes xmlns:a="http://schemas.openxmlformats.org/drawingml/2006/main" xmlns:r="http://schemas.openxmlformats.org/officeDocument/2006/relationships" xmlns:mc="http://schemas.openxmlformats.org/markup-compatibility/2006" xmlns:mv="urn:schemas-microsoft-com:mac:vml" xmlns:p="http://schemas.openxmlformats.org/presentationml/2006/main" xmlns:c="http://schemas.openxmlformats.org/drawingml/2006/chart" xmlns:dgm="http://schemas.openxmlformats.org/drawingml/2006/diagram" xmlns:o="urn:schemas-microsoft-com:office:office" xmlns:v="urn:schemas-microsoft-com:vml" xmlns:pvml="urn:schemas-microsoft-com:office:powerpoint" xmlns:com="http://schemas.openxmlformats.org/drawingml/2006/compatibility" xmlns:p14="http://schemas.microsoft.com/office/powerpoint/2010/main" xmlns:p15="http://schemas.microsoft.com/office/powerpoint/2012/main" xmlns:ahyp="http://schemas.microsoft.com/office/drawing/2018/hyperlinkcolor" showMasterPhAnim="0" showMasterSp="0">
+  <p:cSld>
+    <p:spTree>
+      <p:nvGrpSpPr>
+        <p:cNvPr id="403" name="Shape 403"/>
+        <p:cNvGrpSpPr/>
+        <p:nvPr/>
+      </p:nvGrpSpPr>
+      <p:grpSpPr>
+        <a:xfrm>
+          <a:off x="0" y="0"/>
+          <a:ext cx="0" cy="0"/>
+          <a:chOff x="0" y="0"/>
+          <a:chExt cx="0" cy="0"/>
+        </a:xfrm>
+      </p:grpSpPr>
+      <p:sp>
+        <p:nvSpPr>
+          <p:cNvPr id="404" name="Google Shape;404;g129b6330eb3_0_370:notes"/>
+          <p:cNvSpPr/>
+          <p:nvPr>
+            <p:ph idx="2" type="sldImg"/>
+          </p:nvPr>
+        </p:nvSpPr>
+        <p:spPr>
+          <a:xfrm>
+            <a:off x="381300" y="685800"/>
+            <a:ext cx="6096000" cy="3429000"/>
+          </a:xfrm>
+          <a:custGeom>
+            <a:rect b="b" l="l" r="r" t="t"/>
+            <a:pathLst>
+              <a:path extrusionOk="0" h="120000" w="120000">
+                <a:moveTo>
+                  <a:pt x="0" y="0"/>
+                </a:moveTo>
+                <a:lnTo>
+                  <a:pt x="120000" y="0"/>
+                </a:lnTo>
+                <a:lnTo>
+                  <a:pt x="120000" y="120000"/>
+                </a:lnTo>
+                <a:lnTo>
+                  <a:pt x="0" y="120000"/>
+                </a:lnTo>
+                <a:close/>
+              </a:path>
+            </a:pathLst>
+          </a:custGeom>
+        </p:spPr>
+      </p:sp>
+      <p:sp>
+        <p:nvSpPr>
+          <p:cNvPr id="405" name="Google Shape;405;g129b6330eb3_0_370:notes"/>
+          <p:cNvSpPr txBox="1"/>
+          <p:nvPr>
+            <p:ph idx="1" type="body"/>
+          </p:nvPr>
+        </p:nvSpPr>
+        <p:spPr>
+          <a:xfrm>
+            <a:off x="685800" y="4343400"/>
+            <a:ext cx="5486400" cy="4114800"/>
+          </a:xfrm>
+          <a:prstGeom prst="rect">
+            <a:avLst/>
+          </a:prstGeom>
+        </p:spPr>
+        <p:txBody>
+          <a:bodyPr anchorCtr="0" anchor="t" bIns="91425" lIns="91425" spcFirstLastPara="1" rIns="91425" wrap="square" tIns="91425">
+            <a:noAutofit/>
+          </a:bodyPr>
+          <a:lstStyle/>
+          <a:p>
+            <a:pPr indent="0" lvl="0" marL="0" rtl="0" algn="l">
+              <a:spcBef>
+                <a:spcPts val="0"/>
+              </a:spcBef>
+              <a:spcAft>
+                <a:spcPts val="0"/>
+              </a:spcAft>
+              <a:buNone/>
+            </a:pPr>
+            <a:r>
+              <a:rPr lang="en"/>
+              <a:t>After analysis on Tableau, we solidified our theory that the most important factors to one’s earnings are: degree </a:t>
+            </a:r>
+            <a:r>
+              <a:rPr lang="en"/>
+              <a:t>level, institution, and cip-code, all of which are encoded with numbers. Will show you what they are in the next slide. In blue, we have the average earnings of all the groups in the 1st year of employment and in orange, the 5th year of employment. In the degree vs earnings graph you can see that the higher the degree, the higher the average 1st year income. In institution vs earnings, you can see only a handful of institutions can give you an average 1st year income of more than 100k. In cip-code vs earnings, you can see that almost all fields of study are the same except for number 60. Interestingly, we discovered 2 things. 1. If you make more the first year, you are likely to make more the 5th year as well. 2. If you make more than 100k the first year, you income will increase less dramatically than those who make less than 60k the first year.</a:t>
+            </a:r>
+            <a:endParaRPr/>
+          </a:p>
+        </p:txBody>
+      </p:sp>
+    </p:spTree>
+  </p:cSld>
+  <p:clrMapOvr>
+    <a:masterClrMapping/>
+  </p:clrMapOvr>
+</p:notes>
+</file>
+
+<file path=ppt/notesSlides/notesSlide22.xml><?xml version="1.0" encoding="utf-8"?>
+<p:notes xmlns:a="http://schemas.openxmlformats.org/drawingml/2006/main" xmlns:r="http://schemas.openxmlformats.org/officeDocument/2006/relationships" xmlns:mc="http://schemas.openxmlformats.org/markup-compatibility/2006" xmlns:mv="urn:schemas-microsoft-com:mac:vml" xmlns:p="http://schemas.openxmlformats.org/presentationml/2006/main" xmlns:c="http://schemas.openxmlformats.org/drawingml/2006/chart" xmlns:dgm="http://schemas.openxmlformats.org/drawingml/2006/diagram" xmlns:o="urn:schemas-microsoft-com:office:office" xmlns:v="urn:schemas-microsoft-com:vml" xmlns:pvml="urn:schemas-microsoft-com:office:powerpoint" xmlns:com="http://schemas.openxmlformats.org/drawingml/2006/compatibility" xmlns:p14="http://schemas.microsoft.com/office/powerpoint/2010/main" xmlns:p15="http://schemas.microsoft.com/office/powerpoint/2012/main" xmlns:ahyp="http://schemas.microsoft.com/office/drawing/2018/hyperlinkcolor" showMasterPhAnim="0" showMasterSp="0">
+  <p:cSld>
+    <p:spTree>
+      <p:nvGrpSpPr>
+        <p:cNvPr id="418" name="Shape 418"/>
+        <p:cNvGrpSpPr/>
+        <p:nvPr/>
+      </p:nvGrpSpPr>
+      <p:grpSpPr>
+        <a:xfrm>
+          <a:off x="0" y="0"/>
+          <a:ext cx="0" cy="0"/>
+          <a:chOff x="0" y="0"/>
+          <a:chExt cx="0" cy="0"/>
+        </a:xfrm>
+      </p:grpSpPr>
+      <p:sp>
+        <p:nvSpPr>
+          <p:cNvPr id="419" name="Google Shape;419;g129c47ed3ce_0_5:notes"/>
+          <p:cNvSpPr/>
+          <p:nvPr>
+            <p:ph idx="2" type="sldImg"/>
+          </p:nvPr>
+        </p:nvSpPr>
+        <p:spPr>
+          <a:xfrm>
+            <a:off x="381300" y="685800"/>
+            <a:ext cx="6096000" cy="3429000"/>
+          </a:xfrm>
+          <a:custGeom>
+            <a:rect b="b" l="l" r="r" t="t"/>
+            <a:pathLst>
+              <a:path extrusionOk="0" h="120000" w="120000">
+                <a:moveTo>
+                  <a:pt x="0" y="0"/>
+                </a:moveTo>
+                <a:lnTo>
+                  <a:pt x="120000" y="0"/>
+                </a:lnTo>
+                <a:lnTo>
+                  <a:pt x="120000" y="120000"/>
+                </a:lnTo>
+                <a:lnTo>
+                  <a:pt x="0" y="120000"/>
+                </a:lnTo>
+                <a:close/>
+              </a:path>
+            </a:pathLst>
+          </a:custGeom>
+        </p:spPr>
+      </p:sp>
+      <p:sp>
+        <p:nvSpPr>
+          <p:cNvPr id="420" name="Google Shape;420;g129c47ed3ce_0_5:notes"/>
+          <p:cNvSpPr txBox="1"/>
+          <p:nvPr>
+            <p:ph idx="1" type="body"/>
+          </p:nvPr>
+        </p:nvSpPr>
+        <p:spPr>
+          <a:xfrm>
+            <a:off x="685800" y="4343400"/>
+            <a:ext cx="5486400" cy="4114800"/>
+          </a:xfrm>
+          <a:prstGeom prst="rect">
+            <a:avLst/>
+          </a:prstGeom>
+        </p:spPr>
+        <p:txBody>
+          <a:bodyPr anchorCtr="0" anchor="t" bIns="91425" lIns="91425" spcFirstLastPara="1" rIns="91425" wrap="square" tIns="91425">
+            <a:noAutofit/>
+          </a:bodyPr>
+          <a:lstStyle/>
+          <a:p>
+            <a:pPr indent="0" lvl="0" marL="0" rtl="0" algn="l">
+              <a:spcBef>
+                <a:spcPts val="0"/>
+              </a:spcBef>
+              <a:spcAft>
+                <a:spcPts val="0"/>
+              </a:spcAft>
+              <a:buNone/>
+            </a:pPr>
+            <a:r>
+              <a:rPr lang="en"/>
+              <a:t>Did relationship analysis on several features vs earnings: degree level, aggregation level, grad cohort, and institution. Grad cohort and aggregation level along with other features like geography and industry that have only one unique variable had little to no effect on average income. Whether there’s a high or low percentage of students who were employed </a:t>
+            </a:r>
+            <a:r>
+              <a:rPr lang="en"/>
+              <a:t>in state</a:t>
+            </a:r>
+            <a:r>
+              <a:rPr lang="en"/>
+              <a:t> didn’t seem to matter either.</a:t>
+            </a:r>
+            <a:r>
+              <a:rPr lang="en">
+                <a:solidFill>
+                  <a:schemeClr val="dk1"/>
+                </a:solidFill>
+              </a:rPr>
+              <a:t> Higher the degree, higher the average 1st year income. Only a handful of institutions can produce students with an average income of more than 60k the 1st year. Almost all fields of study are the same except for residency programs with an average 1st year income of $148k. Here again, we see that it’s more common to see an increase in income of more than 30k in groups that make less than 60k the 1st year.</a:t>
+            </a:r>
+            <a:endParaRPr/>
+          </a:p>
+        </p:txBody>
+      </p:sp>
+    </p:spTree>
+  </p:cSld>
+  <p:clrMapOvr>
+    <a:masterClrMapping/>
+  </p:clrMapOvr>
+</p:notes>
+</file>
+
+<file path=ppt/notesSlides/notesSlide23.xml><?xml version="1.0" encoding="utf-8"?>
+<p:notes xmlns:a="http://schemas.openxmlformats.org/drawingml/2006/main" xmlns:r="http://schemas.openxmlformats.org/officeDocument/2006/relationships" xmlns:mc="http://schemas.openxmlformats.org/markup-compatibility/2006" xmlns:mv="urn:schemas-microsoft-com:mac:vml" xmlns:p="http://schemas.openxmlformats.org/presentationml/2006/main" xmlns:c="http://schemas.openxmlformats.org/drawingml/2006/chart" xmlns:dgm="http://schemas.openxmlformats.org/drawingml/2006/diagram" xmlns:o="urn:schemas-microsoft-com:office:office" xmlns:v="urn:schemas-microsoft-com:vml" xmlns:pvml="urn:schemas-microsoft-com:office:powerpoint" xmlns:com="http://schemas.openxmlformats.org/drawingml/2006/compatibility" xmlns:p14="http://schemas.microsoft.com/office/powerpoint/2010/main" xmlns:p15="http://schemas.microsoft.com/office/powerpoint/2012/main" xmlns:ahyp="http://schemas.microsoft.com/office/drawing/2018/hyperlinkcolor" showMasterPhAnim="0" showMasterSp="0">
+  <p:cSld>
+    <p:spTree>
+      <p:nvGrpSpPr>
+        <p:cNvPr id="424" name="Shape 424"/>
+        <p:cNvGrpSpPr/>
+        <p:nvPr/>
+      </p:nvGrpSpPr>
+      <p:grpSpPr>
+        <a:xfrm>
+          <a:off x="0" y="0"/>
+          <a:ext cx="0" cy="0"/>
+          <a:chOff x="0" y="0"/>
+          <a:chExt cx="0" cy="0"/>
+        </a:xfrm>
+      </p:grpSpPr>
+      <p:sp>
+        <p:nvSpPr>
+          <p:cNvPr id="425" name="Google Shape;425;g12edd4bb9c8_0_30:notes"/>
+          <p:cNvSpPr/>
+          <p:nvPr>
+            <p:ph idx="2" type="sldImg"/>
+          </p:nvPr>
+        </p:nvSpPr>
+        <p:spPr>
+          <a:xfrm>
+            <a:off x="381300" y="685800"/>
+            <a:ext cx="6096000" cy="3429000"/>
+          </a:xfrm>
+          <a:custGeom>
+            <a:rect b="b" l="l" r="r" t="t"/>
+            <a:pathLst>
+              <a:path extrusionOk="0" h="120000" w="120000">
+                <a:moveTo>
+                  <a:pt x="0" y="0"/>
+                </a:moveTo>
+                <a:lnTo>
+                  <a:pt x="120000" y="0"/>
+                </a:lnTo>
+                <a:lnTo>
+                  <a:pt x="120000" y="120000"/>
+                </a:lnTo>
+                <a:lnTo>
+                  <a:pt x="0" y="120000"/>
+                </a:lnTo>
+                <a:close/>
+              </a:path>
+            </a:pathLst>
+          </a:custGeom>
+        </p:spPr>
+      </p:sp>
+      <p:sp>
+        <p:nvSpPr>
+          <p:cNvPr id="426" name="Google Shape;426;g12edd4bb9c8_0_30:notes"/>
+          <p:cNvSpPr txBox="1"/>
+          <p:nvPr>
+            <p:ph idx="1" type="body"/>
+          </p:nvPr>
+        </p:nvSpPr>
+        <p:spPr>
+          <a:xfrm>
+            <a:off x="685800" y="4343400"/>
+            <a:ext cx="5486400" cy="4114800"/>
+          </a:xfrm>
+          <a:prstGeom prst="rect">
+            <a:avLst/>
+          </a:prstGeom>
+        </p:spPr>
+        <p:txBody>
+          <a:bodyPr anchorCtr="0" anchor="t" bIns="91425" lIns="91425" spcFirstLastPara="1" rIns="91425" wrap="square" tIns="91425">
+            <a:noAutofit/>
+          </a:bodyPr>
+          <a:lstStyle/>
+          <a:p>
+            <a:pPr indent="0" lvl="0" marL="0" rtl="0" algn="l">
+              <a:spcBef>
+                <a:spcPts val="0"/>
+              </a:spcBef>
+              <a:spcAft>
+                <a:spcPts val="0"/>
+              </a:spcAft>
+              <a:buNone/>
+            </a:pPr>
+            <a:r>
+              <a:rPr lang="en"/>
+              <a:t>If we take all the highest income groups and mash them together, we get the group who has a masters in a residency program and studied at Texas A&amp;M System Health Science Center with an average 5th year income of $300,000!</a:t>
+            </a:r>
+            <a:endParaRPr/>
+          </a:p>
+        </p:txBody>
+      </p:sp>
+    </p:spTree>
+  </p:cSld>
+  <p:clrMapOvr>
+    <a:masterClrMapping/>
+  </p:clrMapOvr>
+</p:notes>
+</file>
+
+<file path=ppt/notesSlides/notesSlide24.xml><?xml version="1.0" encoding="utf-8"?>
+<p:notes xmlns:a="http://schemas.openxmlformats.org/drawingml/2006/main" xmlns:r="http://schemas.openxmlformats.org/officeDocument/2006/relationships" xmlns:mc="http://schemas.openxmlformats.org/markup-compatibility/2006" xmlns:mv="urn:schemas-microsoft-com:mac:vml" xmlns:p="http://schemas.openxmlformats.org/presentationml/2006/main" xmlns:c="http://schemas.openxmlformats.org/drawingml/2006/chart" xmlns:dgm="http://schemas.openxmlformats.org/drawingml/2006/diagram" xmlns:o="urn:schemas-microsoft-com:office:office" xmlns:v="urn:schemas-microsoft-com:vml" xmlns:pvml="urn:schemas-microsoft-com:office:powerpoint" xmlns:com="http://schemas.openxmlformats.org/drawingml/2006/compatibility" xmlns:p14="http://schemas.microsoft.com/office/powerpoint/2010/main" xmlns:p15="http://schemas.microsoft.com/office/powerpoint/2012/main" xmlns:ahyp="http://schemas.microsoft.com/office/drawing/2018/hyperlinkcolor" showMasterPhAnim="0" showMasterSp="0">
+  <p:cSld>
+    <p:spTree>
+      <p:nvGrpSpPr>
+        <p:cNvPr id="430" name="Shape 430"/>
+        <p:cNvGrpSpPr/>
+        <p:nvPr/>
+      </p:nvGrpSpPr>
+      <p:grpSpPr>
+        <a:xfrm>
+          <a:off x="0" y="0"/>
+          <a:ext cx="0" cy="0"/>
+          <a:chOff x="0" y="0"/>
+          <a:chExt cx="0" cy="0"/>
+        </a:xfrm>
+      </p:grpSpPr>
+      <p:sp>
+        <p:nvSpPr>
+          <p:cNvPr id="431" name="Google Shape;431;g12cdbbe22b3_0_0:notes"/>
+          <p:cNvSpPr/>
+          <p:nvPr>
+            <p:ph idx="2" type="sldImg"/>
+          </p:nvPr>
+        </p:nvSpPr>
+        <p:spPr>
+          <a:xfrm>
+            <a:off x="381300" y="685800"/>
+            <a:ext cx="6096000" cy="3429000"/>
+          </a:xfrm>
+          <a:custGeom>
+            <a:rect b="b" l="l" r="r" t="t"/>
+            <a:pathLst>
+              <a:path extrusionOk="0" h="120000" w="120000">
+                <a:moveTo>
+                  <a:pt x="0" y="0"/>
+                </a:moveTo>
+                <a:lnTo>
+                  <a:pt x="120000" y="0"/>
+                </a:lnTo>
+                <a:lnTo>
+                  <a:pt x="120000" y="120000"/>
+                </a:lnTo>
+                <a:lnTo>
+                  <a:pt x="0" y="120000"/>
+                </a:lnTo>
+                <a:close/>
+              </a:path>
+            </a:pathLst>
+          </a:custGeom>
+        </p:spPr>
+      </p:sp>
+      <p:sp>
+        <p:nvSpPr>
+          <p:cNvPr id="432" name="Google Shape;432;g12cdbbe22b3_0_0:notes"/>
+          <p:cNvSpPr txBox="1"/>
+          <p:nvPr>
+            <p:ph idx="1" type="body"/>
+          </p:nvPr>
+        </p:nvSpPr>
+        <p:spPr>
+          <a:xfrm>
+            <a:off x="685800" y="4343400"/>
+            <a:ext cx="5486400" cy="4114800"/>
+          </a:xfrm>
+          <a:prstGeom prst="rect">
+            <a:avLst/>
+          </a:prstGeom>
+        </p:spPr>
+        <p:txBody>
+          <a:bodyPr anchorCtr="0" anchor="t" bIns="91425" lIns="91425" spcFirstLastPara="1" rIns="91425" wrap="square" tIns="91425">
+            <a:noAutofit/>
+          </a:bodyPr>
+          <a:lstStyle/>
+          <a:p>
+            <a:pPr indent="0" lvl="0" marL="0" rtl="0" algn="l">
+              <a:spcBef>
+                <a:spcPts val="0"/>
+              </a:spcBef>
+              <a:spcAft>
+                <a:spcPts val="0"/>
+              </a:spcAft>
+              <a:buNone/>
+            </a:pPr>
+            <a:r>
+              <a:t/>
+            </a:r>
+            <a:endParaRPr/>
+          </a:p>
+        </p:txBody>
+      </p:sp>
+    </p:spTree>
+  </p:cSld>
+  <p:clrMapOvr>
+    <a:masterClrMapping/>
+  </p:clrMapOvr>
+</p:notes>
+</file>
+
+<file path=ppt/notesSlides/notesSlide25.xml><?xml version="1.0" encoding="utf-8"?>
+<p:notes xmlns:a="http://schemas.openxmlformats.org/drawingml/2006/main" xmlns:r="http://schemas.openxmlformats.org/officeDocument/2006/relationships" xmlns:mc="http://schemas.openxmlformats.org/markup-compatibility/2006" xmlns:mv="urn:schemas-microsoft-com:mac:vml" xmlns:p="http://schemas.openxmlformats.org/presentationml/2006/main" xmlns:c="http://schemas.openxmlformats.org/drawingml/2006/chart" xmlns:dgm="http://schemas.openxmlformats.org/drawingml/2006/diagram" xmlns:o="urn:schemas-microsoft-com:office:office" xmlns:v="urn:schemas-microsoft-com:vml" xmlns:pvml="urn:schemas-microsoft-com:office:powerpoint" xmlns:com="http://schemas.openxmlformats.org/drawingml/2006/compatibility" xmlns:p14="http://schemas.microsoft.com/office/powerpoint/2010/main" xmlns:p15="http://schemas.microsoft.com/office/powerpoint/2012/main" xmlns:ahyp="http://schemas.microsoft.com/office/drawing/2018/hyperlinkcolor" showMasterPhAnim="0" showMasterSp="0">
+  <p:cSld>
+    <p:spTree>
+      <p:nvGrpSpPr>
+        <p:cNvPr id="435" name="Shape 435"/>
+        <p:cNvGrpSpPr/>
+        <p:nvPr/>
+      </p:nvGrpSpPr>
+      <p:grpSpPr>
+        <a:xfrm>
+          <a:off x="0" y="0"/>
+          <a:ext cx="0" cy="0"/>
+          <a:chOff x="0" y="0"/>
+          <a:chExt cx="0" cy="0"/>
+        </a:xfrm>
+      </p:grpSpPr>
+      <p:sp>
+        <p:nvSpPr>
+          <p:cNvPr id="436" name="Google Shape;436;g12cdbbe22b3_0_5:notes"/>
+          <p:cNvSpPr/>
+          <p:nvPr>
+            <p:ph idx="2" type="sldImg"/>
+          </p:nvPr>
+        </p:nvSpPr>
+        <p:spPr>
+          <a:xfrm>
+            <a:off x="381300" y="685800"/>
+            <a:ext cx="6096000" cy="3429000"/>
+          </a:xfrm>
+          <a:custGeom>
+            <a:rect b="b" l="l" r="r" t="t"/>
+            <a:pathLst>
+              <a:path extrusionOk="0" h="120000" w="120000">
+                <a:moveTo>
+                  <a:pt x="0" y="0"/>
+                </a:moveTo>
+                <a:lnTo>
+                  <a:pt x="120000" y="0"/>
+                </a:lnTo>
+                <a:lnTo>
+                  <a:pt x="120000" y="120000"/>
+                </a:lnTo>
+                <a:lnTo>
+                  <a:pt x="0" y="120000"/>
+                </a:lnTo>
+                <a:close/>
+              </a:path>
+            </a:pathLst>
+          </a:custGeom>
+        </p:spPr>
+      </p:sp>
+      <p:sp>
+        <p:nvSpPr>
+          <p:cNvPr id="437" name="Google Shape;437;g12cdbbe22b3_0_5:notes"/>
+          <p:cNvSpPr txBox="1"/>
+          <p:nvPr>
+            <p:ph idx="1" type="body"/>
+          </p:nvPr>
+        </p:nvSpPr>
+        <p:spPr>
+          <a:xfrm>
+            <a:off x="685800" y="4343400"/>
+            <a:ext cx="5486400" cy="4114800"/>
+          </a:xfrm>
+          <a:prstGeom prst="rect">
+            <a:avLst/>
+          </a:prstGeom>
+        </p:spPr>
+        <p:txBody>
+          <a:bodyPr anchorCtr="0" anchor="t" bIns="91425" lIns="91425" spcFirstLastPara="1" rIns="91425" wrap="square" tIns="91425">
+            <a:noAutofit/>
+          </a:bodyPr>
+          <a:lstStyle/>
+          <a:p>
+            <a:pPr indent="0" lvl="0" marL="0" rtl="0" algn="l">
+              <a:spcBef>
+                <a:spcPts val="0"/>
+              </a:spcBef>
+              <a:spcAft>
+                <a:spcPts val="0"/>
+              </a:spcAft>
+              <a:buNone/>
+            </a:pPr>
+            <a:r>
+              <a:t/>
+            </a:r>
+            <a:endParaRPr/>
+          </a:p>
+        </p:txBody>
+      </p:sp>
+    </p:spTree>
+  </p:cSld>
+  <p:clrMapOvr>
+    <a:masterClrMapping/>
+  </p:clrMapOvr>
+</p:notes>
+</file>
+
+<file path=ppt/notesSlides/notesSlide26.xml><?xml version="1.0" encoding="utf-8"?>
+<p:notes xmlns:a="http://schemas.openxmlformats.org/drawingml/2006/main" xmlns:r="http://schemas.openxmlformats.org/officeDocument/2006/relationships" xmlns:mc="http://schemas.openxmlformats.org/markup-compatibility/2006" xmlns:mv="urn:schemas-microsoft-com:mac:vml" xmlns:p="http://schemas.openxmlformats.org/presentationml/2006/main" xmlns:c="http://schemas.openxmlformats.org/drawingml/2006/chart" xmlns:dgm="http://schemas.openxmlformats.org/drawingml/2006/diagram" xmlns:o="urn:schemas-microsoft-com:office:office" xmlns:v="urn:schemas-microsoft-com:vml" xmlns:pvml="urn:schemas-microsoft-com:office:powerpoint" xmlns:com="http://schemas.openxmlformats.org/drawingml/2006/compatibility" xmlns:p14="http://schemas.microsoft.com/office/powerpoint/2010/main" xmlns:p15="http://schemas.microsoft.com/office/powerpoint/2012/main" xmlns:ahyp="http://schemas.microsoft.com/office/drawing/2018/hyperlinkcolor" showMasterPhAnim="0" showMasterSp="0">
+  <p:cSld>
+    <p:spTree>
+      <p:nvGrpSpPr>
+        <p:cNvPr id="441" name="Shape 441"/>
+        <p:cNvGrpSpPr/>
+        <p:nvPr/>
+      </p:nvGrpSpPr>
+      <p:grpSpPr>
+        <a:xfrm>
+          <a:off x="0" y="0"/>
+          <a:ext cx="0" cy="0"/>
+          <a:chOff x="0" y="0"/>
+          <a:chExt cx="0" cy="0"/>
+        </a:xfrm>
+      </p:grpSpPr>
+      <p:sp>
+        <p:nvSpPr>
+          <p:cNvPr id="442" name="Google Shape;442;g12cdbbe22b3_0_10:notes"/>
+          <p:cNvSpPr/>
+          <p:nvPr>
+            <p:ph idx="2" type="sldImg"/>
+          </p:nvPr>
+        </p:nvSpPr>
+        <p:spPr>
+          <a:xfrm>
+            <a:off x="381300" y="685800"/>
+            <a:ext cx="6096000" cy="3429000"/>
+          </a:xfrm>
+          <a:custGeom>
+            <a:rect b="b" l="l" r="r" t="t"/>
+            <a:pathLst>
+              <a:path extrusionOk="0" h="120000" w="120000">
+                <a:moveTo>
+                  <a:pt x="0" y="0"/>
+                </a:moveTo>
+                <a:lnTo>
+                  <a:pt x="120000" y="0"/>
+                </a:lnTo>
+                <a:lnTo>
+                  <a:pt x="120000" y="120000"/>
+                </a:lnTo>
+                <a:lnTo>
+                  <a:pt x="0" y="120000"/>
+                </a:lnTo>
+                <a:close/>
+              </a:path>
+            </a:pathLst>
+          </a:custGeom>
+        </p:spPr>
+      </p:sp>
+      <p:sp>
+        <p:nvSpPr>
+          <p:cNvPr id="443" name="Google Shape;443;g12cdbbe22b3_0_10:notes"/>
+          <p:cNvSpPr txBox="1"/>
+          <p:nvPr>
+            <p:ph idx="1" type="body"/>
+          </p:nvPr>
+        </p:nvSpPr>
+        <p:spPr>
+          <a:xfrm>
+            <a:off x="685800" y="4343400"/>
+            <a:ext cx="5486400" cy="4114800"/>
+          </a:xfrm>
+          <a:prstGeom prst="rect">
+            <a:avLst/>
+          </a:prstGeom>
+        </p:spPr>
+        <p:txBody>
+          <a:bodyPr anchorCtr="0" anchor="t" bIns="91425" lIns="91425" spcFirstLastPara="1" rIns="91425" wrap="square" tIns="91425">
+            <a:noAutofit/>
+          </a:bodyPr>
+          <a:lstStyle/>
+          <a:p>
+            <a:pPr indent="0" lvl="0" marL="0" rtl="0" algn="l">
+              <a:spcBef>
+                <a:spcPts val="0"/>
+              </a:spcBef>
+              <a:spcAft>
+                <a:spcPts val="0"/>
+              </a:spcAft>
+              <a:buNone/>
+            </a:pPr>
+            <a:r>
+              <a:t/>
+            </a:r>
+            <a:endParaRPr/>
+          </a:p>
+        </p:txBody>
+      </p:sp>
+    </p:spTree>
+  </p:cSld>
+  <p:clrMapOvr>
+    <a:masterClrMapping/>
+  </p:clrMapOvr>
+</p:notes>
+</file>
+
+<file path=ppt/notesSlides/notesSlide27.xml><?xml version="1.0" encoding="utf-8"?>
+<p:notes xmlns:a="http://schemas.openxmlformats.org/drawingml/2006/main" xmlns:r="http://schemas.openxmlformats.org/officeDocument/2006/relationships" xmlns:mc="http://schemas.openxmlformats.org/markup-compatibility/2006" xmlns:mv="urn:schemas-microsoft-com:mac:vml" xmlns:p="http://schemas.openxmlformats.org/presentationml/2006/main" xmlns:c="http://schemas.openxmlformats.org/drawingml/2006/chart" xmlns:dgm="http://schemas.openxmlformats.org/drawingml/2006/diagram" xmlns:o="urn:schemas-microsoft-com:office:office" xmlns:v="urn:schemas-microsoft-com:vml" xmlns:pvml="urn:schemas-microsoft-com:office:powerpoint" xmlns:com="http://schemas.openxmlformats.org/drawingml/2006/compatibility" xmlns:p14="http://schemas.microsoft.com/office/powerpoint/2010/main" xmlns:p15="http://schemas.microsoft.com/office/powerpoint/2012/main" xmlns:ahyp="http://schemas.microsoft.com/office/drawing/2018/hyperlinkcolor" showMasterPhAnim="0" showMasterSp="0">
+  <p:cSld>
+    <p:spTree>
+      <p:nvGrpSpPr>
+        <p:cNvPr id="447" name="Shape 447"/>
+        <p:cNvGrpSpPr/>
+        <p:nvPr/>
+      </p:nvGrpSpPr>
+      <p:grpSpPr>
+        <a:xfrm>
+          <a:off x="0" y="0"/>
+          <a:ext cx="0" cy="0"/>
+          <a:chOff x="0" y="0"/>
+          <a:chExt cx="0" cy="0"/>
+        </a:xfrm>
+      </p:grpSpPr>
+      <p:sp>
+        <p:nvSpPr>
+          <p:cNvPr id="448" name="Google Shape;448;g12cdbbe22b3_0_15:notes"/>
+          <p:cNvSpPr/>
+          <p:nvPr>
+            <p:ph idx="2" type="sldImg"/>
+          </p:nvPr>
+        </p:nvSpPr>
+        <p:spPr>
+          <a:xfrm>
+            <a:off x="381300" y="685800"/>
+            <a:ext cx="6096000" cy="3429000"/>
+          </a:xfrm>
+          <a:custGeom>
+            <a:rect b="b" l="l" r="r" t="t"/>
+            <a:pathLst>
+              <a:path extrusionOk="0" h="120000" w="120000">
+                <a:moveTo>
+                  <a:pt x="0" y="0"/>
+                </a:moveTo>
+                <a:lnTo>
+                  <a:pt x="120000" y="0"/>
+                </a:lnTo>
+                <a:lnTo>
+                  <a:pt x="120000" y="120000"/>
+                </a:lnTo>
+                <a:lnTo>
+                  <a:pt x="0" y="120000"/>
+                </a:lnTo>
+                <a:close/>
+              </a:path>
+            </a:pathLst>
+          </a:custGeom>
+        </p:spPr>
+      </p:sp>
+      <p:sp>
+        <p:nvSpPr>
+          <p:cNvPr id="449" name="Google Shape;449;g12cdbbe22b3_0_15:notes"/>
+          <p:cNvSpPr txBox="1"/>
+          <p:nvPr>
+            <p:ph idx="1" type="body"/>
+          </p:nvPr>
+        </p:nvSpPr>
+        <p:spPr>
+          <a:xfrm>
+            <a:off x="685800" y="4343400"/>
+            <a:ext cx="5486400" cy="4114800"/>
+          </a:xfrm>
+          <a:prstGeom prst="rect">
+            <a:avLst/>
+          </a:prstGeom>
+        </p:spPr>
+        <p:txBody>
+          <a:bodyPr anchorCtr="0" anchor="t" bIns="91425" lIns="91425" spcFirstLastPara="1" rIns="91425" wrap="square" tIns="91425">
+            <a:noAutofit/>
+          </a:bodyPr>
+          <a:lstStyle/>
+          <a:p>
+            <a:pPr indent="0" lvl="0" marL="0" rtl="0" algn="l">
+              <a:spcBef>
+                <a:spcPts val="0"/>
+              </a:spcBef>
+              <a:spcAft>
+                <a:spcPts val="0"/>
+              </a:spcAft>
+              <a:buNone/>
+            </a:pPr>
+            <a:r>
+              <a:t/>
+            </a:r>
+            <a:endParaRPr/>
+          </a:p>
+        </p:txBody>
+      </p:sp>
+    </p:spTree>
+  </p:cSld>
+  <p:clrMapOvr>
+    <a:masterClrMapping/>
+  </p:clrMapOvr>
+</p:notes>
+</file>
+
 <file path=ppt/notesSlides/notesSlide3.xml><?xml version="1.0" encoding="utf-8"?>
 <p:notes xmlns:a="http://schemas.openxmlformats.org/drawingml/2006/main" xmlns:r="http://schemas.openxmlformats.org/officeDocument/2006/relationships" xmlns:mc="http://schemas.openxmlformats.org/markup-compatibility/2006" xmlns:mv="urn:schemas-microsoft-com:mac:vml" xmlns:p="http://schemas.openxmlformats.org/presentationml/2006/main" xmlns:c="http://schemas.openxmlformats.org/drawingml/2006/chart" xmlns:dgm="http://schemas.openxmlformats.org/drawingml/2006/diagram" xmlns:o="urn:schemas-microsoft-com:office:office" xmlns:v="urn:schemas-microsoft-com:vml" xmlns:pvml="urn:schemas-microsoft-com:office:powerpoint" xmlns:com="http://schemas.openxmlformats.org/drawingml/2006/compatibility" xmlns:p14="http://schemas.microsoft.com/office/powerpoint/2010/main" xmlns:p15="http://schemas.microsoft.com/office/powerpoint/2012/main" xmlns:ahyp="http://schemas.microsoft.com/office/drawing/2018/hyperlinkcolor" showMasterPhAnim="0" showMasterSp="0">
   <p:cSld>
@@ -1885,6 +2811,78 @@
             <a:noAutofit/>
           </a:bodyPr>
           <a:lstStyle/>
+          <a:p>
+            <a:pPr indent="0" lvl="0" marL="0" rtl="0" algn="l">
+              <a:spcBef>
+                <a:spcPts val="0"/>
+              </a:spcBef>
+              <a:spcAft>
+                <a:spcPts val="0"/>
+              </a:spcAft>
+              <a:buNone/>
+            </a:pPr>
+            <a:r>
+              <a:rPr lang="en"/>
+              <a:t>The US Census Bureau collects many more sets of data than just the 10 year </a:t>
+            </a:r>
+            <a:r>
+              <a:rPr lang="en"/>
+              <a:t>census</a:t>
+            </a:r>
+            <a:r>
+              <a:rPr lang="en"/>
+              <a:t>.</a:t>
+            </a:r>
+            <a:endParaRPr/>
+          </a:p>
+          <a:p>
+            <a:pPr indent="0" lvl="0" marL="0" rtl="0" algn="l">
+              <a:spcBef>
+                <a:spcPts val="0"/>
+              </a:spcBef>
+              <a:spcAft>
+                <a:spcPts val="0"/>
+              </a:spcAft>
+              <a:buNone/>
+            </a:pPr>
+            <a:r>
+              <a:rPr lang="en"/>
+              <a:t>Covers many different areas: housing, economy, race, health, employment</a:t>
+            </a:r>
+            <a:endParaRPr/>
+          </a:p>
+          <a:p>
+            <a:pPr indent="0" lvl="0" marL="0" rtl="0" algn="l">
+              <a:spcBef>
+                <a:spcPts val="0"/>
+              </a:spcBef>
+              <a:spcAft>
+                <a:spcPts val="0"/>
+              </a:spcAft>
+              <a:buNone/>
+            </a:pPr>
+            <a:r>
+              <a:rPr lang="en"/>
+              <a:t>Some suverys don’t have enough data to be a national survey. </a:t>
+            </a:r>
+            <a:endParaRPr/>
+          </a:p>
+          <a:p>
+            <a:pPr indent="0" lvl="0" marL="0" rtl="0" algn="l">
+              <a:spcBef>
+                <a:spcPts val="0"/>
+              </a:spcBef>
+              <a:spcAft>
+                <a:spcPts val="0"/>
+              </a:spcAft>
+              <a:buNone/>
+            </a:pPr>
+            <a:r>
+              <a:rPr lang="en"/>
+              <a:t>PSEO is voluntary for state education systems</a:t>
+            </a:r>
+            <a:endParaRPr/>
+          </a:p>
           <a:p>
             <a:pPr indent="0" lvl="0" marL="0" rtl="0" algn="l">
               <a:spcBef>
@@ -1995,7 +2993,40 @@
               <a:buNone/>
             </a:pPr>
             <a:r>
-              <a:t/>
+              <a:rPr lang="en"/>
+              <a:t>Since data is collected through data-sharing partnerships with State and University systems, many states don’t have data. </a:t>
+            </a:r>
+            <a:endParaRPr/>
+          </a:p>
+          <a:p>
+            <a:pPr indent="0" lvl="0" marL="0" rtl="0" algn="l">
+              <a:spcBef>
+                <a:spcPts val="0"/>
+              </a:spcBef>
+              <a:spcAft>
+                <a:spcPts val="0"/>
+              </a:spcAft>
+              <a:buNone/>
+            </a:pPr>
+            <a:r>
+              <a:rPr lang="en"/>
+              <a:t>Texas, Indiana, and Virginia have the most coverage.</a:t>
+            </a:r>
+            <a:endParaRPr/>
+          </a:p>
+          <a:p>
+            <a:pPr indent="0" lvl="0" marL="0" rtl="0" algn="l">
+              <a:spcBef>
+                <a:spcPts val="0"/>
+              </a:spcBef>
+              <a:spcAft>
+                <a:spcPts val="0"/>
+              </a:spcAft>
+              <a:buNone/>
+            </a:pPr>
+            <a:r>
+              <a:rPr lang="en"/>
+              <a:t>UT system and Texas Higher Education Coordinating Board share data for Texas Graduates</a:t>
             </a:r>
             <a:endParaRPr/>
           </a:p>
@@ -2094,7 +3125,8 @@
               <a:buNone/>
             </a:pPr>
             <a:r>
-              <a:t/>
+              <a:rPr lang="en"/>
+              <a:t>Post Secondary Employment Outcome dataset has minimal information on the Universities and Colleges themselves. IPEDS fills that gap.</a:t>
             </a:r>
             <a:endParaRPr/>
           </a:p>
@@ -2292,7 +3324,8 @@
               <a:buNone/>
             </a:pPr>
             <a:r>
-              <a:t/>
+              <a:rPr lang="en"/>
+              <a:t>We looked at degree level, type, and institution as predictors of earnings after graduation. </a:t>
             </a:r>
             <a:endParaRPr/>
           </a:p>
@@ -2325,7 +3358,7 @@
       </p:grpSpPr>
       <p:sp>
         <p:nvSpPr>
-          <p:cNvPr id="325" name="Google Shape;325;g129b6330eb3_0_348:notes"/>
+          <p:cNvPr id="325" name="Google Shape;325;g12edd4bb9c8_0_0:notes"/>
           <p:cNvSpPr/>
           <p:nvPr>
             <p:ph idx="2" type="sldImg"/>
@@ -2360,7 +3393,7 @@
       </p:sp>
       <p:sp>
         <p:nvSpPr>
-          <p:cNvPr id="326" name="Google Shape;326;g129b6330eb3_0_348:notes"/>
+          <p:cNvPr id="326" name="Google Shape;326;g12edd4bb9c8_0_0:notes"/>
           <p:cNvSpPr txBox="1"/>
           <p:nvPr>
             <p:ph idx="1" type="body"/>
@@ -2424,7 +3457,7 @@
       </p:grpSpPr>
       <p:sp>
         <p:nvSpPr>
-          <p:cNvPr id="330" name="Google Shape;330;g129b6330eb3_0_352:notes"/>
+          <p:cNvPr id="330" name="Google Shape;330;g12edd4bb9c8_0_4:notes"/>
           <p:cNvSpPr/>
           <p:nvPr>
             <p:ph idx="2" type="sldImg"/>
@@ -2459,7 +3492,7 @@
       </p:sp>
       <p:sp>
         <p:nvSpPr>
-          <p:cNvPr id="331" name="Google Shape;331;g129b6330eb3_0_352:notes"/>
+          <p:cNvPr id="331" name="Google Shape;331;g12edd4bb9c8_0_4:notes"/>
           <p:cNvSpPr txBox="1"/>
           <p:nvPr>
             <p:ph idx="1" type="body"/>
@@ -2490,7 +3523,12 @@
               <a:buNone/>
             </a:pPr>
             <a:r>
-              <a:t/>
+              <a:rPr lang="en"/>
+              <a:t>Data was too big to easily transfer from one place to another, so decided to use S3 </a:t>
+            </a:r>
+            <a:r>
+              <a:rPr lang="en"/>
+              <a:t>bucket to store.</a:t>
             </a:r>
             <a:endParaRPr/>
           </a:p>
@@ -17368,6 +18406,510 @@
         <p:spPr>
           <a:xfrm>
             <a:off x="1303800" y="598575"/>
+            <a:ext cx="7030500" cy="673800"/>
+          </a:xfrm>
+          <a:prstGeom prst="rect">
+            <a:avLst/>
+          </a:prstGeom>
+        </p:spPr>
+        <p:txBody>
+          <a:bodyPr anchorCtr="0" anchor="t" bIns="91425" lIns="91425" spcFirstLastPara="1" rIns="91425" wrap="square" tIns="91425">
+            <a:normAutofit/>
+          </a:bodyPr>
+          <a:lstStyle/>
+          <a:p>
+            <a:pPr indent="0" lvl="0" marL="0" rtl="0" algn="l">
+              <a:spcBef>
+                <a:spcPts val="0"/>
+              </a:spcBef>
+              <a:spcAft>
+                <a:spcPts val="0"/>
+              </a:spcAft>
+              <a:buNone/>
+            </a:pPr>
+            <a:r>
+              <a:rPr lang="en"/>
+              <a:t>AWS RDS</a:t>
+            </a:r>
+            <a:endParaRPr/>
+          </a:p>
+        </p:txBody>
+      </p:sp>
+      <p:pic>
+        <p:nvPicPr>
+          <p:cNvPr id="340" name="Google Shape;340;p22"/>
+          <p:cNvPicPr preferRelativeResize="0"/>
+          <p:nvPr/>
+        </p:nvPicPr>
+        <p:blipFill>
+          <a:blip r:embed="rId3">
+            <a:alphaModFix/>
+          </a:blip>
+          <a:stretch>
+            <a:fillRect/>
+          </a:stretch>
+        </p:blipFill>
+        <p:spPr>
+          <a:xfrm>
+            <a:off x="118400" y="3341575"/>
+            <a:ext cx="8839198" cy="1774703"/>
+          </a:xfrm>
+          <a:prstGeom prst="rect">
+            <a:avLst/>
+          </a:prstGeom>
+          <a:noFill/>
+          <a:ln>
+            <a:noFill/>
+          </a:ln>
+        </p:spPr>
+      </p:pic>
+      <p:pic>
+        <p:nvPicPr>
+          <p:cNvPr id="341" name="Google Shape;341;p22"/>
+          <p:cNvPicPr preferRelativeResize="0"/>
+          <p:nvPr/>
+        </p:nvPicPr>
+        <p:blipFill>
+          <a:blip r:embed="rId4">
+            <a:alphaModFix/>
+          </a:blip>
+          <a:stretch>
+            <a:fillRect/>
+          </a:stretch>
+        </p:blipFill>
+        <p:spPr>
+          <a:xfrm>
+            <a:off x="3330825" y="139750"/>
+            <a:ext cx="5704299" cy="3167825"/>
+          </a:xfrm>
+          <a:prstGeom prst="rect">
+            <a:avLst/>
+          </a:prstGeom>
+          <a:noFill/>
+          <a:ln>
+            <a:noFill/>
+          </a:ln>
+        </p:spPr>
+      </p:pic>
+    </p:spTree>
+  </p:cSld>
+  <p:clrMapOvr>
+    <a:masterClrMapping/>
+  </p:clrMapOvr>
+</p:sld>
+</file>
+
+<file path=ppt/slides/slide11.xml><?xml version="1.0" encoding="utf-8"?>
+<p:sld xmlns:a="http://schemas.openxmlformats.org/drawingml/2006/main" xmlns:r="http://schemas.openxmlformats.org/officeDocument/2006/relationships" xmlns:mc="http://schemas.openxmlformats.org/markup-compatibility/2006" xmlns:mv="urn:schemas-microsoft-com:mac:vml" xmlns:p="http://schemas.openxmlformats.org/presentationml/2006/main" xmlns:c="http://schemas.openxmlformats.org/drawingml/2006/chart" xmlns:dgm="http://schemas.openxmlformats.org/drawingml/2006/diagram" xmlns:o="urn:schemas-microsoft-com:office:office" xmlns:v="urn:schemas-microsoft-com:vml" xmlns:pvml="urn:schemas-microsoft-com:office:powerpoint" xmlns:com="http://schemas.openxmlformats.org/drawingml/2006/compatibility" xmlns:p14="http://schemas.microsoft.com/office/powerpoint/2010/main" xmlns:p15="http://schemas.microsoft.com/office/powerpoint/2012/main" xmlns:ahyp="http://schemas.microsoft.com/office/drawing/2018/hyperlinkcolor">
+  <p:cSld>
+    <p:spTree>
+      <p:nvGrpSpPr>
+        <p:cNvPr id="345" name="Shape 345"/>
+        <p:cNvGrpSpPr/>
+        <p:nvPr/>
+      </p:nvGrpSpPr>
+      <p:grpSpPr>
+        <a:xfrm>
+          <a:off x="0" y="0"/>
+          <a:ext cx="0" cy="0"/>
+          <a:chOff x="0" y="0"/>
+          <a:chExt cx="0" cy="0"/>
+        </a:xfrm>
+      </p:grpSpPr>
+      <p:sp>
+        <p:nvSpPr>
+          <p:cNvPr id="346" name="Google Shape;346;p23"/>
+          <p:cNvSpPr txBox="1"/>
+          <p:nvPr>
+            <p:ph type="title"/>
+          </p:nvPr>
+        </p:nvSpPr>
+        <p:spPr>
+          <a:xfrm>
+            <a:off x="1303800" y="598575"/>
+            <a:ext cx="7030500" cy="673800"/>
+          </a:xfrm>
+          <a:prstGeom prst="rect">
+            <a:avLst/>
+          </a:prstGeom>
+        </p:spPr>
+        <p:txBody>
+          <a:bodyPr anchorCtr="0" anchor="t" bIns="91425" lIns="91425" spcFirstLastPara="1" rIns="91425" wrap="square" tIns="91425">
+            <a:normAutofit/>
+          </a:bodyPr>
+          <a:lstStyle/>
+          <a:p>
+            <a:pPr indent="0" lvl="0" marL="0" rtl="0" algn="l">
+              <a:spcBef>
+                <a:spcPts val="0"/>
+              </a:spcBef>
+              <a:spcAft>
+                <a:spcPts val="0"/>
+              </a:spcAft>
+              <a:buNone/>
+            </a:pPr>
+            <a:r>
+              <a:rPr lang="en"/>
+              <a:t>SQL</a:t>
+            </a:r>
+            <a:endParaRPr/>
+          </a:p>
+        </p:txBody>
+      </p:sp>
+      <p:pic>
+        <p:nvPicPr>
+          <p:cNvPr id="347" name="Google Shape;347;p23"/>
+          <p:cNvPicPr preferRelativeResize="0"/>
+          <p:nvPr/>
+        </p:nvPicPr>
+        <p:blipFill>
+          <a:blip r:embed="rId3">
+            <a:alphaModFix/>
+          </a:blip>
+          <a:stretch>
+            <a:fillRect/>
+          </a:stretch>
+        </p:blipFill>
+        <p:spPr>
+          <a:xfrm>
+            <a:off x="1148888" y="1272375"/>
+            <a:ext cx="6846224" cy="3690001"/>
+          </a:xfrm>
+          <a:prstGeom prst="rect">
+            <a:avLst/>
+          </a:prstGeom>
+          <a:noFill/>
+          <a:ln>
+            <a:noFill/>
+          </a:ln>
+        </p:spPr>
+      </p:pic>
+    </p:spTree>
+  </p:cSld>
+  <p:clrMapOvr>
+    <a:masterClrMapping/>
+  </p:clrMapOvr>
+</p:sld>
+</file>
+
+<file path=ppt/slides/slide12.xml><?xml version="1.0" encoding="utf-8"?>
+<p:sld xmlns:a="http://schemas.openxmlformats.org/drawingml/2006/main" xmlns:r="http://schemas.openxmlformats.org/officeDocument/2006/relationships" xmlns:mc="http://schemas.openxmlformats.org/markup-compatibility/2006" xmlns:mv="urn:schemas-microsoft-com:mac:vml" xmlns:p="http://schemas.openxmlformats.org/presentationml/2006/main" xmlns:c="http://schemas.openxmlformats.org/drawingml/2006/chart" xmlns:dgm="http://schemas.openxmlformats.org/drawingml/2006/diagram" xmlns:o="urn:schemas-microsoft-com:office:office" xmlns:v="urn:schemas-microsoft-com:vml" xmlns:pvml="urn:schemas-microsoft-com:office:powerpoint" xmlns:com="http://schemas.openxmlformats.org/drawingml/2006/compatibility" xmlns:p14="http://schemas.microsoft.com/office/powerpoint/2010/main" xmlns:p15="http://schemas.microsoft.com/office/powerpoint/2012/main" xmlns:ahyp="http://schemas.microsoft.com/office/drawing/2018/hyperlinkcolor">
+  <p:cSld>
+    <p:spTree>
+      <p:nvGrpSpPr>
+        <p:cNvPr id="351" name="Shape 351"/>
+        <p:cNvGrpSpPr/>
+        <p:nvPr/>
+      </p:nvGrpSpPr>
+      <p:grpSpPr>
+        <a:xfrm>
+          <a:off x="0" y="0"/>
+          <a:ext cx="0" cy="0"/>
+          <a:chOff x="0" y="0"/>
+          <a:chExt cx="0" cy="0"/>
+        </a:xfrm>
+      </p:grpSpPr>
+      <p:sp>
+        <p:nvSpPr>
+          <p:cNvPr id="352" name="Google Shape;352;p24"/>
+          <p:cNvSpPr txBox="1"/>
+          <p:nvPr>
+            <p:ph type="title"/>
+          </p:nvPr>
+        </p:nvSpPr>
+        <p:spPr>
+          <a:xfrm>
+            <a:off x="1303800" y="598575"/>
+            <a:ext cx="7030500" cy="673800"/>
+          </a:xfrm>
+          <a:prstGeom prst="rect">
+            <a:avLst/>
+          </a:prstGeom>
+        </p:spPr>
+        <p:txBody>
+          <a:bodyPr anchorCtr="0" anchor="t" bIns="91425" lIns="91425" spcFirstLastPara="1" rIns="91425" wrap="square" tIns="91425">
+            <a:normAutofit/>
+          </a:bodyPr>
+          <a:lstStyle/>
+          <a:p>
+            <a:pPr indent="0" lvl="0" marL="0" rtl="0" algn="l">
+              <a:spcBef>
+                <a:spcPts val="0"/>
+              </a:spcBef>
+              <a:spcAft>
+                <a:spcPts val="0"/>
+              </a:spcAft>
+              <a:buNone/>
+            </a:pPr>
+            <a:r>
+              <a:rPr lang="en"/>
+              <a:t>SQL Join</a:t>
+            </a:r>
+            <a:endParaRPr/>
+          </a:p>
+        </p:txBody>
+      </p:sp>
+      <p:pic>
+        <p:nvPicPr>
+          <p:cNvPr id="353" name="Google Shape;353;p24"/>
+          <p:cNvPicPr preferRelativeResize="0"/>
+          <p:nvPr/>
+        </p:nvPicPr>
+        <p:blipFill>
+          <a:blip r:embed="rId3">
+            <a:alphaModFix/>
+          </a:blip>
+          <a:stretch>
+            <a:fillRect/>
+          </a:stretch>
+        </p:blipFill>
+        <p:spPr>
+          <a:xfrm>
+            <a:off x="1174975" y="1272375"/>
+            <a:ext cx="6794049" cy="3660526"/>
+          </a:xfrm>
+          <a:prstGeom prst="rect">
+            <a:avLst/>
+          </a:prstGeom>
+          <a:noFill/>
+          <a:ln>
+            <a:noFill/>
+          </a:ln>
+        </p:spPr>
+      </p:pic>
+    </p:spTree>
+  </p:cSld>
+  <p:clrMapOvr>
+    <a:masterClrMapping/>
+  </p:clrMapOvr>
+</p:sld>
+</file>
+
+<file path=ppt/slides/slide13.xml><?xml version="1.0" encoding="utf-8"?>
+<p:sld xmlns:a="http://schemas.openxmlformats.org/drawingml/2006/main" xmlns:r="http://schemas.openxmlformats.org/officeDocument/2006/relationships" xmlns:mc="http://schemas.openxmlformats.org/markup-compatibility/2006" xmlns:mv="urn:schemas-microsoft-com:mac:vml" xmlns:p="http://schemas.openxmlformats.org/presentationml/2006/main" xmlns:c="http://schemas.openxmlformats.org/drawingml/2006/chart" xmlns:dgm="http://schemas.openxmlformats.org/drawingml/2006/diagram" xmlns:o="urn:schemas-microsoft-com:office:office" xmlns:v="urn:schemas-microsoft-com:vml" xmlns:pvml="urn:schemas-microsoft-com:office:powerpoint" xmlns:com="http://schemas.openxmlformats.org/drawingml/2006/compatibility" xmlns:p14="http://schemas.microsoft.com/office/powerpoint/2010/main" xmlns:p15="http://schemas.microsoft.com/office/powerpoint/2012/main" xmlns:ahyp="http://schemas.microsoft.com/office/drawing/2018/hyperlinkcolor">
+  <p:cSld>
+    <p:spTree>
+      <p:nvGrpSpPr>
+        <p:cNvPr id="357" name="Shape 357"/>
+        <p:cNvGrpSpPr/>
+        <p:nvPr/>
+      </p:nvGrpSpPr>
+      <p:grpSpPr>
+        <a:xfrm>
+          <a:off x="0" y="0"/>
+          <a:ext cx="0" cy="0"/>
+          <a:chOff x="0" y="0"/>
+          <a:chExt cx="0" cy="0"/>
+        </a:xfrm>
+      </p:grpSpPr>
+      <p:sp>
+        <p:nvSpPr>
+          <p:cNvPr id="358" name="Google Shape;358;p25"/>
+          <p:cNvSpPr txBox="1"/>
+          <p:nvPr>
+            <p:ph type="title"/>
+          </p:nvPr>
+        </p:nvSpPr>
+        <p:spPr>
+          <a:xfrm>
+            <a:off x="824000" y="1613825"/>
+            <a:ext cx="5857800" cy="1872900"/>
+          </a:xfrm>
+          <a:prstGeom prst="rect">
+            <a:avLst/>
+          </a:prstGeom>
+        </p:spPr>
+        <p:txBody>
+          <a:bodyPr anchorCtr="0" anchor="ctr" bIns="91425" lIns="91425" spcFirstLastPara="1" rIns="91425" wrap="square" tIns="91425">
+            <a:normAutofit/>
+          </a:bodyPr>
+          <a:lstStyle/>
+          <a:p>
+            <a:pPr indent="0" lvl="0" marL="0" rtl="0" algn="l">
+              <a:spcBef>
+                <a:spcPts val="0"/>
+              </a:spcBef>
+              <a:spcAft>
+                <a:spcPts val="0"/>
+              </a:spcAft>
+              <a:buNone/>
+            </a:pPr>
+            <a:r>
+              <a:rPr lang="en"/>
+              <a:t>The Exploration</a:t>
+            </a:r>
+            <a:endParaRPr/>
+          </a:p>
+        </p:txBody>
+      </p:sp>
+    </p:spTree>
+  </p:cSld>
+  <p:clrMapOvr>
+    <a:masterClrMapping/>
+  </p:clrMapOvr>
+</p:sld>
+</file>
+
+<file path=ppt/slides/slide14.xml><?xml version="1.0" encoding="utf-8"?>
+<p:sld xmlns:a="http://schemas.openxmlformats.org/drawingml/2006/main" xmlns:r="http://schemas.openxmlformats.org/officeDocument/2006/relationships" xmlns:mc="http://schemas.openxmlformats.org/markup-compatibility/2006" xmlns:mv="urn:schemas-microsoft-com:mac:vml" xmlns:p="http://schemas.openxmlformats.org/presentationml/2006/main" xmlns:c="http://schemas.openxmlformats.org/drawingml/2006/chart" xmlns:dgm="http://schemas.openxmlformats.org/drawingml/2006/diagram" xmlns:o="urn:schemas-microsoft-com:office:office" xmlns:v="urn:schemas-microsoft-com:vml" xmlns:pvml="urn:schemas-microsoft-com:office:powerpoint" xmlns:com="http://schemas.openxmlformats.org/drawingml/2006/compatibility" xmlns:p14="http://schemas.microsoft.com/office/powerpoint/2010/main" xmlns:p15="http://schemas.microsoft.com/office/powerpoint/2012/main" xmlns:ahyp="http://schemas.microsoft.com/office/drawing/2018/hyperlinkcolor">
+  <p:cSld>
+    <p:spTree>
+      <p:nvGrpSpPr>
+        <p:cNvPr id="362" name="Shape 362"/>
+        <p:cNvGrpSpPr/>
+        <p:nvPr/>
+      </p:nvGrpSpPr>
+      <p:grpSpPr>
+        <a:xfrm>
+          <a:off x="0" y="0"/>
+          <a:ext cx="0" cy="0"/>
+          <a:chOff x="0" y="0"/>
+          <a:chExt cx="0" cy="0"/>
+        </a:xfrm>
+      </p:grpSpPr>
+      <p:sp>
+        <p:nvSpPr>
+          <p:cNvPr id="363" name="Google Shape;363;p26"/>
+          <p:cNvSpPr txBox="1"/>
+          <p:nvPr>
+            <p:ph type="title"/>
+          </p:nvPr>
+        </p:nvSpPr>
+        <p:spPr>
+          <a:xfrm>
+            <a:off x="1303800" y="598575"/>
+            <a:ext cx="7030500" cy="999300"/>
+          </a:xfrm>
+          <a:prstGeom prst="rect">
+            <a:avLst/>
+          </a:prstGeom>
+        </p:spPr>
+        <p:txBody>
+          <a:bodyPr anchorCtr="0" anchor="t" bIns="91425" lIns="91425" spcFirstLastPara="1" rIns="91425" wrap="square" tIns="91425">
+            <a:normAutofit fontScale="90000"/>
+          </a:bodyPr>
+          <a:lstStyle/>
+          <a:p>
+            <a:pPr indent="0" lvl="0" marL="0" rtl="0" algn="l">
+              <a:spcBef>
+                <a:spcPts val="0"/>
+              </a:spcBef>
+              <a:spcAft>
+                <a:spcPts val="0"/>
+              </a:spcAft>
+              <a:buNone/>
+            </a:pPr>
+            <a:r>
+              <a:rPr lang="en"/>
+              <a:t>Finding out what each column represents</a:t>
+            </a:r>
+            <a:endParaRPr/>
+          </a:p>
+        </p:txBody>
+      </p:sp>
+      <p:sp>
+        <p:nvSpPr>
+          <p:cNvPr id="364" name="Google Shape;364;p26"/>
+          <p:cNvSpPr txBox="1"/>
+          <p:nvPr>
+            <p:ph idx="1" type="body"/>
+          </p:nvPr>
+        </p:nvSpPr>
+        <p:spPr>
+          <a:xfrm>
+            <a:off x="1303800" y="1990050"/>
+            <a:ext cx="7030500" cy="2541600"/>
+          </a:xfrm>
+          <a:prstGeom prst="rect">
+            <a:avLst/>
+          </a:prstGeom>
+        </p:spPr>
+        <p:txBody>
+          <a:bodyPr anchorCtr="0" anchor="t" bIns="91425" lIns="91425" spcFirstLastPara="1" rIns="91425" wrap="square" tIns="91425">
+            <a:normAutofit/>
+          </a:bodyPr>
+          <a:lstStyle/>
+          <a:p>
+            <a:pPr indent="0" lvl="0" marL="0" rtl="0" algn="l">
+              <a:spcBef>
+                <a:spcPts val="0"/>
+              </a:spcBef>
+              <a:spcAft>
+                <a:spcPts val="1200"/>
+              </a:spcAft>
+              <a:buNone/>
+            </a:pPr>
+            <a:r>
+              <a:rPr lang="en"/>
+              <a:t>The names of many columns are vague or unclear. To find out what they stand for we referenced the </a:t>
+            </a:r>
+            <a:r>
+              <a:rPr lang="en" u="sng">
+                <a:solidFill>
+                  <a:schemeClr val="lt2"/>
+                </a:solidFill>
+                <a:hlinkClick r:id="rId3">
+                  <a:extLst>
+                    <a:ext uri="{A12FA001-AC4F-418D-AE19-62706E023703}">
+                      <ahyp:hlinkClr val="tx"/>
+                    </a:ext>
+                  </a:extLst>
+                </a:hlinkClick>
+              </a:rPr>
+              <a:t>LEHD Public Use Data Schema</a:t>
+            </a:r>
+            <a:r>
+              <a:rPr lang="en">
+                <a:solidFill>
+                  <a:schemeClr val="lt2"/>
+                </a:solidFill>
+              </a:rPr>
+              <a:t>.</a:t>
+            </a:r>
+            <a:r>
+              <a:rPr lang="en"/>
+              <a:t> </a:t>
+            </a:r>
+            <a:endParaRPr/>
+          </a:p>
+        </p:txBody>
+      </p:sp>
+    </p:spTree>
+  </p:cSld>
+  <p:clrMapOvr>
+    <a:masterClrMapping/>
+  </p:clrMapOvr>
+</p:sld>
+</file>
+
+<file path=ppt/slides/slide15.xml><?xml version="1.0" encoding="utf-8"?>
+<p:sld xmlns:a="http://schemas.openxmlformats.org/drawingml/2006/main" xmlns:r="http://schemas.openxmlformats.org/officeDocument/2006/relationships" xmlns:mc="http://schemas.openxmlformats.org/markup-compatibility/2006" xmlns:mv="urn:schemas-microsoft-com:mac:vml" xmlns:p="http://schemas.openxmlformats.org/presentationml/2006/main" xmlns:c="http://schemas.openxmlformats.org/drawingml/2006/chart" xmlns:dgm="http://schemas.openxmlformats.org/drawingml/2006/diagram" xmlns:o="urn:schemas-microsoft-com:office:office" xmlns:v="urn:schemas-microsoft-com:vml" xmlns:pvml="urn:schemas-microsoft-com:office:powerpoint" xmlns:com="http://schemas.openxmlformats.org/drawingml/2006/compatibility" xmlns:p14="http://schemas.microsoft.com/office/powerpoint/2010/main" xmlns:p15="http://schemas.microsoft.com/office/powerpoint/2012/main" xmlns:ahyp="http://schemas.microsoft.com/office/drawing/2018/hyperlinkcolor">
+  <p:cSld>
+    <p:spTree>
+      <p:nvGrpSpPr>
+        <p:cNvPr id="368" name="Shape 368"/>
+        <p:cNvGrpSpPr/>
+        <p:nvPr/>
+      </p:nvGrpSpPr>
+      <p:grpSpPr>
+        <a:xfrm>
+          <a:off x="0" y="0"/>
+          <a:ext cx="0" cy="0"/>
+          <a:chOff x="0" y="0"/>
+          <a:chExt cx="0" cy="0"/>
+        </a:xfrm>
+      </p:grpSpPr>
+      <p:sp>
+        <p:nvSpPr>
+          <p:cNvPr id="369" name="Google Shape;369;p27"/>
+          <p:cNvSpPr txBox="1"/>
+          <p:nvPr>
+            <p:ph type="title"/>
+          </p:nvPr>
+        </p:nvSpPr>
+        <p:spPr>
+          <a:xfrm>
+            <a:off x="1303800" y="598575"/>
             <a:ext cx="7030500" cy="999300"/>
           </a:xfrm>
           <a:prstGeom prst="rect">
@@ -17399,7 +18941,7 @@
       </p:sp>
       <p:sp>
         <p:nvSpPr>
-          <p:cNvPr id="340" name="Google Shape;340;p22"/>
+          <p:cNvPr id="370" name="Google Shape;370;p27"/>
           <p:cNvSpPr txBox="1"/>
           <p:nvPr>
             <p:ph idx="1" type="body"/>
@@ -17439,7 +18981,7 @@
       </p:sp>
       <p:pic>
         <p:nvPicPr>
-          <p:cNvPr id="341" name="Google Shape;341;p22"/>
+          <p:cNvPr id="371" name="Google Shape;371;p27"/>
           <p:cNvPicPr preferRelativeResize="0"/>
           <p:nvPr/>
         </p:nvPicPr>
@@ -17467,7 +19009,7 @@
       </p:pic>
       <p:pic>
         <p:nvPicPr>
-          <p:cNvPr id="342" name="Google Shape;342;p22"/>
+          <p:cNvPr id="372" name="Google Shape;372;p27"/>
           <p:cNvPicPr preferRelativeResize="0"/>
           <p:nvPr/>
         </p:nvPicPr>
@@ -17493,523 +19035,6 @@
           </a:ln>
         </p:spPr>
       </p:pic>
-    </p:spTree>
-  </p:cSld>
-  <p:clrMapOvr>
-    <a:masterClrMapping/>
-  </p:clrMapOvr>
-</p:sld>
-</file>
-
-<file path=ppt/slides/slide11.xml><?xml version="1.0" encoding="utf-8"?>
-<p:sld xmlns:a="http://schemas.openxmlformats.org/drawingml/2006/main" xmlns:r="http://schemas.openxmlformats.org/officeDocument/2006/relationships" xmlns:mc="http://schemas.openxmlformats.org/markup-compatibility/2006" xmlns:mv="urn:schemas-microsoft-com:mac:vml" xmlns:p="http://schemas.openxmlformats.org/presentationml/2006/main" xmlns:c="http://schemas.openxmlformats.org/drawingml/2006/chart" xmlns:dgm="http://schemas.openxmlformats.org/drawingml/2006/diagram" xmlns:o="urn:schemas-microsoft-com:office:office" xmlns:v="urn:schemas-microsoft-com:vml" xmlns:pvml="urn:schemas-microsoft-com:office:powerpoint" xmlns:com="http://schemas.openxmlformats.org/drawingml/2006/compatibility" xmlns:p14="http://schemas.microsoft.com/office/powerpoint/2010/main" xmlns:p15="http://schemas.microsoft.com/office/powerpoint/2012/main" xmlns:ahyp="http://schemas.microsoft.com/office/drawing/2018/hyperlinkcolor">
-  <p:cSld>
-    <p:spTree>
-      <p:nvGrpSpPr>
-        <p:cNvPr id="346" name="Shape 346"/>
-        <p:cNvGrpSpPr/>
-        <p:nvPr/>
-      </p:nvGrpSpPr>
-      <p:grpSpPr>
-        <a:xfrm>
-          <a:off x="0" y="0"/>
-          <a:ext cx="0" cy="0"/>
-          <a:chOff x="0" y="0"/>
-          <a:chExt cx="0" cy="0"/>
-        </a:xfrm>
-      </p:grpSpPr>
-      <p:sp>
-        <p:nvSpPr>
-          <p:cNvPr id="347" name="Google Shape;347;p23"/>
-          <p:cNvSpPr txBox="1"/>
-          <p:nvPr>
-            <p:ph type="title"/>
-          </p:nvPr>
-        </p:nvSpPr>
-        <p:spPr>
-          <a:xfrm>
-            <a:off x="1303800" y="598575"/>
-            <a:ext cx="3312000" cy="1590000"/>
-          </a:xfrm>
-          <a:prstGeom prst="rect">
-            <a:avLst/>
-          </a:prstGeom>
-        </p:spPr>
-        <p:txBody>
-          <a:bodyPr anchorCtr="0" anchor="t" bIns="91425" lIns="91425" spcFirstLastPara="1" rIns="91425" wrap="square" tIns="91425">
-            <a:normAutofit/>
-          </a:bodyPr>
-          <a:lstStyle/>
-          <a:p>
-            <a:pPr indent="0" lvl="0" marL="0" rtl="0" algn="l">
-              <a:spcBef>
-                <a:spcPts val="0"/>
-              </a:spcBef>
-              <a:spcAft>
-                <a:spcPts val="0"/>
-              </a:spcAft>
-              <a:buNone/>
-            </a:pPr>
-            <a:r>
-              <a:rPr lang="en"/>
-              <a:t>Checking Aggregation Levels</a:t>
-            </a:r>
-            <a:endParaRPr/>
-          </a:p>
-        </p:txBody>
-      </p:sp>
-      <p:sp>
-        <p:nvSpPr>
-          <p:cNvPr id="348" name="Google Shape;348;p23"/>
-          <p:cNvSpPr txBox="1"/>
-          <p:nvPr>
-            <p:ph idx="1" type="body"/>
-          </p:nvPr>
-        </p:nvSpPr>
-        <p:spPr>
-          <a:xfrm>
-            <a:off x="1303800" y="2309675"/>
-            <a:ext cx="3312000" cy="2221800"/>
-          </a:xfrm>
-          <a:prstGeom prst="rect">
-            <a:avLst/>
-          </a:prstGeom>
-        </p:spPr>
-        <p:txBody>
-          <a:bodyPr anchorCtr="0" anchor="t" bIns="91425" lIns="91425" spcFirstLastPara="1" rIns="91425" wrap="square" tIns="91425">
-            <a:normAutofit/>
-          </a:bodyPr>
-          <a:lstStyle/>
-          <a:p>
-            <a:pPr indent="0" lvl="0" marL="0" rtl="0" algn="l">
-              <a:spcBef>
-                <a:spcPts val="0"/>
-              </a:spcBef>
-              <a:spcAft>
-                <a:spcPts val="1200"/>
-              </a:spcAft>
-              <a:buNone/>
-            </a:pPr>
-            <a:r>
-              <a:rPr lang="en"/>
-              <a:t>Each record is associated with an aggregation level that signifies the level of detail</a:t>
-            </a:r>
-            <a:endParaRPr/>
-          </a:p>
-        </p:txBody>
-      </p:sp>
-      <p:pic>
-        <p:nvPicPr>
-          <p:cNvPr id="349" name="Google Shape;349;p23"/>
-          <p:cNvPicPr preferRelativeResize="0"/>
-          <p:nvPr/>
-        </p:nvPicPr>
-        <p:blipFill>
-          <a:blip r:embed="rId3">
-            <a:alphaModFix/>
-          </a:blip>
-          <a:stretch>
-            <a:fillRect/>
-          </a:stretch>
-        </p:blipFill>
-        <p:spPr>
-          <a:xfrm>
-            <a:off x="4758825" y="361738"/>
-            <a:ext cx="4223400" cy="4420036"/>
-          </a:xfrm>
-          <a:prstGeom prst="rect">
-            <a:avLst/>
-          </a:prstGeom>
-          <a:noFill/>
-          <a:ln>
-            <a:noFill/>
-          </a:ln>
-        </p:spPr>
-      </p:pic>
-    </p:spTree>
-  </p:cSld>
-  <p:clrMapOvr>
-    <a:masterClrMapping/>
-  </p:clrMapOvr>
-</p:sld>
-</file>
-
-<file path=ppt/slides/slide12.xml><?xml version="1.0" encoding="utf-8"?>
-<p:sld xmlns:a="http://schemas.openxmlformats.org/drawingml/2006/main" xmlns:r="http://schemas.openxmlformats.org/officeDocument/2006/relationships" xmlns:mc="http://schemas.openxmlformats.org/markup-compatibility/2006" xmlns:mv="urn:schemas-microsoft-com:mac:vml" xmlns:p="http://schemas.openxmlformats.org/presentationml/2006/main" xmlns:c="http://schemas.openxmlformats.org/drawingml/2006/chart" xmlns:dgm="http://schemas.openxmlformats.org/drawingml/2006/diagram" xmlns:o="urn:schemas-microsoft-com:office:office" xmlns:v="urn:schemas-microsoft-com:vml" xmlns:pvml="urn:schemas-microsoft-com:office:powerpoint" xmlns:com="http://schemas.openxmlformats.org/drawingml/2006/compatibility" xmlns:p14="http://schemas.microsoft.com/office/powerpoint/2010/main" xmlns:p15="http://schemas.microsoft.com/office/powerpoint/2012/main" xmlns:ahyp="http://schemas.microsoft.com/office/drawing/2018/hyperlinkcolor">
-  <p:cSld>
-    <p:spTree>
-      <p:nvGrpSpPr>
-        <p:cNvPr id="353" name="Shape 353"/>
-        <p:cNvGrpSpPr/>
-        <p:nvPr/>
-      </p:nvGrpSpPr>
-      <p:grpSpPr>
-        <a:xfrm>
-          <a:off x="0" y="0"/>
-          <a:ext cx="0" cy="0"/>
-          <a:chOff x="0" y="0"/>
-          <a:chExt cx="0" cy="0"/>
-        </a:xfrm>
-      </p:grpSpPr>
-      <p:sp>
-        <p:nvSpPr>
-          <p:cNvPr id="354" name="Google Shape;354;p24"/>
-          <p:cNvSpPr txBox="1"/>
-          <p:nvPr>
-            <p:ph type="title"/>
-          </p:nvPr>
-        </p:nvSpPr>
-        <p:spPr>
-          <a:xfrm>
-            <a:off x="824000" y="1613825"/>
-            <a:ext cx="5857800" cy="1872900"/>
-          </a:xfrm>
-          <a:prstGeom prst="rect">
-            <a:avLst/>
-          </a:prstGeom>
-        </p:spPr>
-        <p:txBody>
-          <a:bodyPr anchorCtr="0" anchor="ctr" bIns="91425" lIns="91425" spcFirstLastPara="1" rIns="91425" wrap="square" tIns="91425">
-            <a:normAutofit/>
-          </a:bodyPr>
-          <a:lstStyle/>
-          <a:p>
-            <a:pPr indent="0" lvl="0" marL="0" rtl="0" algn="l">
-              <a:spcBef>
-                <a:spcPts val="0"/>
-              </a:spcBef>
-              <a:spcAft>
-                <a:spcPts val="0"/>
-              </a:spcAft>
-              <a:buNone/>
-            </a:pPr>
-            <a:r>
-              <a:rPr lang="en"/>
-              <a:t>The Analysis</a:t>
-            </a:r>
-            <a:endParaRPr/>
-          </a:p>
-        </p:txBody>
-      </p:sp>
-    </p:spTree>
-  </p:cSld>
-  <p:clrMapOvr>
-    <a:masterClrMapping/>
-  </p:clrMapOvr>
-</p:sld>
-</file>
-
-<file path=ppt/slides/slide13.xml><?xml version="1.0" encoding="utf-8"?>
-<p:sld xmlns:a="http://schemas.openxmlformats.org/drawingml/2006/main" xmlns:r="http://schemas.openxmlformats.org/officeDocument/2006/relationships" xmlns:mc="http://schemas.openxmlformats.org/markup-compatibility/2006" xmlns:mv="urn:schemas-microsoft-com:mac:vml" xmlns:p="http://schemas.openxmlformats.org/presentationml/2006/main" xmlns:c="http://schemas.openxmlformats.org/drawingml/2006/chart" xmlns:dgm="http://schemas.openxmlformats.org/drawingml/2006/diagram" xmlns:o="urn:schemas-microsoft-com:office:office" xmlns:v="urn:schemas-microsoft-com:vml" xmlns:pvml="urn:schemas-microsoft-com:office:powerpoint" xmlns:com="http://schemas.openxmlformats.org/drawingml/2006/compatibility" xmlns:p14="http://schemas.microsoft.com/office/powerpoint/2010/main" xmlns:p15="http://schemas.microsoft.com/office/powerpoint/2012/main" xmlns:ahyp="http://schemas.microsoft.com/office/drawing/2018/hyperlinkcolor">
-  <p:cSld>
-    <p:spTree>
-      <p:nvGrpSpPr>
-        <p:cNvPr id="358" name="Shape 358"/>
-        <p:cNvGrpSpPr/>
-        <p:nvPr/>
-      </p:nvGrpSpPr>
-      <p:grpSpPr>
-        <a:xfrm>
-          <a:off x="0" y="0"/>
-          <a:ext cx="0" cy="0"/>
-          <a:chOff x="0" y="0"/>
-          <a:chExt cx="0" cy="0"/>
-        </a:xfrm>
-      </p:grpSpPr>
-      <p:sp>
-        <p:nvSpPr>
-          <p:cNvPr id="359" name="Google Shape;359;p25"/>
-          <p:cNvSpPr txBox="1"/>
-          <p:nvPr>
-            <p:ph type="title"/>
-          </p:nvPr>
-        </p:nvSpPr>
-        <p:spPr>
-          <a:xfrm>
-            <a:off x="1303800" y="598575"/>
-            <a:ext cx="7030500" cy="999300"/>
-          </a:xfrm>
-          <a:prstGeom prst="rect">
-            <a:avLst/>
-          </a:prstGeom>
-        </p:spPr>
-        <p:txBody>
-          <a:bodyPr anchorCtr="0" anchor="t" bIns="91425" lIns="91425" spcFirstLastPara="1" rIns="91425" wrap="square" tIns="91425">
-            <a:normAutofit/>
-          </a:bodyPr>
-          <a:lstStyle/>
-          <a:p>
-            <a:pPr indent="0" lvl="0" marL="0" rtl="0" algn="l">
-              <a:spcBef>
-                <a:spcPts val="0"/>
-              </a:spcBef>
-              <a:spcAft>
-                <a:spcPts val="0"/>
-              </a:spcAft>
-              <a:buNone/>
-            </a:pPr>
-            <a:r>
-              <a:rPr lang="en"/>
-              <a:t>Deciding which columns to keep</a:t>
-            </a:r>
-            <a:endParaRPr/>
-          </a:p>
-        </p:txBody>
-      </p:sp>
-      <p:sp>
-        <p:nvSpPr>
-          <p:cNvPr id="360" name="Google Shape;360;p25"/>
-          <p:cNvSpPr txBox="1"/>
-          <p:nvPr>
-            <p:ph idx="1" type="body"/>
-          </p:nvPr>
-        </p:nvSpPr>
-        <p:spPr>
-          <a:xfrm>
-            <a:off x="1303800" y="1597875"/>
-            <a:ext cx="7030500" cy="2541600"/>
-          </a:xfrm>
-          <a:prstGeom prst="rect">
-            <a:avLst/>
-          </a:prstGeom>
-        </p:spPr>
-        <p:txBody>
-          <a:bodyPr anchorCtr="0" anchor="t" bIns="91425" lIns="91425" spcFirstLastPara="1" rIns="91425" wrap="square" tIns="91425">
-            <a:normAutofit/>
-          </a:bodyPr>
-          <a:lstStyle/>
-          <a:p>
-            <a:pPr indent="0" lvl="0" marL="0" rtl="0" algn="l">
-              <a:spcBef>
-                <a:spcPts val="0"/>
-              </a:spcBef>
-              <a:spcAft>
-                <a:spcPts val="1200"/>
-              </a:spcAft>
-              <a:buNone/>
-            </a:pPr>
-            <a:r>
-              <a:rPr lang="en"/>
-              <a:t>We looked at how excluding records containing NaN values in the 1, 5, and 10 year outcome columns affected the data we had remaining.</a:t>
-            </a:r>
-            <a:endParaRPr/>
-          </a:p>
-        </p:txBody>
-      </p:sp>
-      <p:pic>
-        <p:nvPicPr>
-          <p:cNvPr id="361" name="Google Shape;361;p25"/>
-          <p:cNvPicPr preferRelativeResize="0"/>
-          <p:nvPr/>
-        </p:nvPicPr>
-        <p:blipFill>
-          <a:blip r:embed="rId3">
-            <a:alphaModFix/>
-          </a:blip>
-          <a:stretch>
-            <a:fillRect/>
-          </a:stretch>
-        </p:blipFill>
-        <p:spPr>
-          <a:xfrm>
-            <a:off x="1839413" y="2314475"/>
-            <a:ext cx="5465169" cy="2541600"/>
-          </a:xfrm>
-          <a:prstGeom prst="rect">
-            <a:avLst/>
-          </a:prstGeom>
-          <a:noFill/>
-          <a:ln>
-            <a:noFill/>
-          </a:ln>
-        </p:spPr>
-      </p:pic>
-    </p:spTree>
-  </p:cSld>
-  <p:clrMapOvr>
-    <a:masterClrMapping/>
-  </p:clrMapOvr>
-</p:sld>
-</file>
-
-<file path=ppt/slides/slide14.xml><?xml version="1.0" encoding="utf-8"?>
-<p:sld xmlns:a="http://schemas.openxmlformats.org/drawingml/2006/main" xmlns:r="http://schemas.openxmlformats.org/officeDocument/2006/relationships" xmlns:mc="http://schemas.openxmlformats.org/markup-compatibility/2006" xmlns:mv="urn:schemas-microsoft-com:mac:vml" xmlns:p="http://schemas.openxmlformats.org/presentationml/2006/main" xmlns:c="http://schemas.openxmlformats.org/drawingml/2006/chart" xmlns:dgm="http://schemas.openxmlformats.org/drawingml/2006/diagram" xmlns:o="urn:schemas-microsoft-com:office:office" xmlns:v="urn:schemas-microsoft-com:vml" xmlns:pvml="urn:schemas-microsoft-com:office:powerpoint" xmlns:com="http://schemas.openxmlformats.org/drawingml/2006/compatibility" xmlns:p14="http://schemas.microsoft.com/office/powerpoint/2010/main" xmlns:p15="http://schemas.microsoft.com/office/powerpoint/2012/main" xmlns:ahyp="http://schemas.microsoft.com/office/drawing/2018/hyperlinkcolor">
-  <p:cSld>
-    <p:spTree>
-      <p:nvGrpSpPr>
-        <p:cNvPr id="365" name="Shape 365"/>
-        <p:cNvGrpSpPr/>
-        <p:nvPr/>
-      </p:nvGrpSpPr>
-      <p:grpSpPr>
-        <a:xfrm>
-          <a:off x="0" y="0"/>
-          <a:ext cx="0" cy="0"/>
-          <a:chOff x="0" y="0"/>
-          <a:chExt cx="0" cy="0"/>
-        </a:xfrm>
-      </p:grpSpPr>
-      <p:sp>
-        <p:nvSpPr>
-          <p:cNvPr id="366" name="Google Shape;366;p26"/>
-          <p:cNvSpPr txBox="1"/>
-          <p:nvPr>
-            <p:ph type="title"/>
-          </p:nvPr>
-        </p:nvSpPr>
-        <p:spPr>
-          <a:xfrm>
-            <a:off x="1303800" y="598575"/>
-            <a:ext cx="7030500" cy="999300"/>
-          </a:xfrm>
-          <a:prstGeom prst="rect">
-            <a:avLst/>
-          </a:prstGeom>
-        </p:spPr>
-        <p:txBody>
-          <a:bodyPr anchorCtr="0" anchor="t" bIns="91425" lIns="91425" spcFirstLastPara="1" rIns="91425" wrap="square" tIns="91425">
-            <a:normAutofit/>
-          </a:bodyPr>
-          <a:lstStyle/>
-          <a:p>
-            <a:pPr indent="0" lvl="0" marL="0" rtl="0" algn="l">
-              <a:spcBef>
-                <a:spcPts val="0"/>
-              </a:spcBef>
-              <a:spcAft>
-                <a:spcPts val="0"/>
-              </a:spcAft>
-              <a:buNone/>
-            </a:pPr>
-            <a:r>
-              <a:rPr lang="en"/>
-              <a:t>Merging the two datasets</a:t>
-            </a:r>
-            <a:endParaRPr/>
-          </a:p>
-        </p:txBody>
-      </p:sp>
-      <p:sp>
-        <p:nvSpPr>
-          <p:cNvPr id="367" name="Google Shape;367;p26"/>
-          <p:cNvSpPr txBox="1"/>
-          <p:nvPr>
-            <p:ph idx="1" type="body"/>
-          </p:nvPr>
-        </p:nvSpPr>
-        <p:spPr>
-          <a:xfrm>
-            <a:off x="1303800" y="1990050"/>
-            <a:ext cx="7030500" cy="2541600"/>
-          </a:xfrm>
-          <a:prstGeom prst="rect">
-            <a:avLst/>
-          </a:prstGeom>
-        </p:spPr>
-        <p:txBody>
-          <a:bodyPr anchorCtr="0" anchor="t" bIns="91425" lIns="91425" spcFirstLastPara="1" rIns="91425" wrap="square" tIns="91425">
-            <a:normAutofit/>
-          </a:bodyPr>
-          <a:lstStyle/>
-          <a:p>
-            <a:pPr indent="0" lvl="0" marL="0" rtl="0" algn="l">
-              <a:spcBef>
-                <a:spcPts val="0"/>
-              </a:spcBef>
-              <a:spcAft>
-                <a:spcPts val="0"/>
-              </a:spcAft>
-              <a:buNone/>
-            </a:pPr>
-            <a:r>
-              <a:rPr lang="en"/>
-              <a:t>To keep things easier and cleaner we merged the flows and earnings datasets into one dataset.</a:t>
-            </a:r>
-            <a:endParaRPr/>
-          </a:p>
-          <a:p>
-            <a:pPr indent="0" lvl="0" marL="0" rtl="0" algn="l">
-              <a:spcBef>
-                <a:spcPts val="1200"/>
-              </a:spcBef>
-              <a:spcAft>
-                <a:spcPts val="1200"/>
-              </a:spcAft>
-              <a:buNone/>
-            </a:pPr>
-            <a:r>
-              <a:rPr lang="en"/>
-              <a:t>A primary key column was created by merging column values that would uniquely identify each record. </a:t>
-            </a:r>
-            <a:endParaRPr/>
-          </a:p>
-        </p:txBody>
-      </p:sp>
-    </p:spTree>
-  </p:cSld>
-  <p:clrMapOvr>
-    <a:masterClrMapping/>
-  </p:clrMapOvr>
-</p:sld>
-</file>
-
-<file path=ppt/slides/slide15.xml><?xml version="1.0" encoding="utf-8"?>
-<p:sld xmlns:a="http://schemas.openxmlformats.org/drawingml/2006/main" xmlns:r="http://schemas.openxmlformats.org/officeDocument/2006/relationships" xmlns:mc="http://schemas.openxmlformats.org/markup-compatibility/2006" xmlns:mv="urn:schemas-microsoft-com:mac:vml" xmlns:p="http://schemas.openxmlformats.org/presentationml/2006/main" xmlns:c="http://schemas.openxmlformats.org/drawingml/2006/chart" xmlns:dgm="http://schemas.openxmlformats.org/drawingml/2006/diagram" xmlns:o="urn:schemas-microsoft-com:office:office" xmlns:v="urn:schemas-microsoft-com:vml" xmlns:pvml="urn:schemas-microsoft-com:office:powerpoint" xmlns:com="http://schemas.openxmlformats.org/drawingml/2006/compatibility" xmlns:p14="http://schemas.microsoft.com/office/powerpoint/2010/main" xmlns:p15="http://schemas.microsoft.com/office/powerpoint/2012/main" xmlns:ahyp="http://schemas.microsoft.com/office/drawing/2018/hyperlinkcolor">
-  <p:cSld>
-    <p:spTree>
-      <p:nvGrpSpPr>
-        <p:cNvPr id="371" name="Shape 371"/>
-        <p:cNvGrpSpPr/>
-        <p:nvPr/>
-      </p:nvGrpSpPr>
-      <p:grpSpPr>
-        <a:xfrm>
-          <a:off x="0" y="0"/>
-          <a:ext cx="0" cy="0"/>
-          <a:chOff x="0" y="0"/>
-          <a:chExt cx="0" cy="0"/>
-        </a:xfrm>
-      </p:grpSpPr>
-      <p:sp>
-        <p:nvSpPr>
-          <p:cNvPr id="372" name="Google Shape;372;p27"/>
-          <p:cNvSpPr txBox="1"/>
-          <p:nvPr>
-            <p:ph type="title"/>
-          </p:nvPr>
-        </p:nvSpPr>
-        <p:spPr>
-          <a:xfrm>
-            <a:off x="824000" y="1613825"/>
-            <a:ext cx="5857800" cy="1872900"/>
-          </a:xfrm>
-          <a:prstGeom prst="rect">
-            <a:avLst/>
-          </a:prstGeom>
-        </p:spPr>
-        <p:txBody>
-          <a:bodyPr anchorCtr="0" anchor="ctr" bIns="91425" lIns="91425" spcFirstLastPara="1" rIns="91425" wrap="square" tIns="91425">
-            <a:normAutofit/>
-          </a:bodyPr>
-          <a:lstStyle/>
-          <a:p>
-            <a:pPr indent="0" lvl="0" marL="0" rtl="0" algn="l">
-              <a:spcBef>
-                <a:spcPts val="0"/>
-              </a:spcBef>
-              <a:spcAft>
-                <a:spcPts val="0"/>
-              </a:spcAft>
-              <a:buNone/>
-            </a:pPr>
-            <a:r>
-              <a:rPr lang="en"/>
-              <a:t>The Dashboard</a:t>
-            </a:r>
-            <a:endParaRPr/>
-          </a:p>
-        </p:txBody>
-      </p:sp>
     </p:spTree>
   </p:cSld>
   <p:clrMapOvr>
@@ -18046,7 +19071,7 @@
         <p:spPr>
           <a:xfrm>
             <a:off x="1303800" y="598575"/>
-            <a:ext cx="7030500" cy="999300"/>
+            <a:ext cx="3312000" cy="1590000"/>
           </a:xfrm>
           <a:prstGeom prst="rect">
             <a:avLst/>
@@ -18069,7 +19094,7 @@
             </a:pPr>
             <a:r>
               <a:rPr lang="en"/>
-              <a:t>What it will look like</a:t>
+              <a:t>Checking Aggregation Levels</a:t>
             </a:r>
             <a:endParaRPr/>
           </a:p>
@@ -18079,12 +19104,60 @@
         <p:nvSpPr>
           <p:cNvPr id="378" name="Google Shape;378;p28"/>
           <p:cNvSpPr txBox="1"/>
-          <p:nvPr/>
+          <p:nvPr>
+            <p:ph idx="1" type="body"/>
+          </p:nvPr>
         </p:nvSpPr>
         <p:spPr>
           <a:xfrm>
-            <a:off x="3242250" y="4501925"/>
-            <a:ext cx="3153600" cy="477000"/>
+            <a:off x="1303800" y="2309675"/>
+            <a:ext cx="3312000" cy="2221800"/>
+          </a:xfrm>
+          <a:prstGeom prst="rect">
+            <a:avLst/>
+          </a:prstGeom>
+        </p:spPr>
+        <p:txBody>
+          <a:bodyPr anchorCtr="0" anchor="t" bIns="91425" lIns="91425" spcFirstLastPara="1" rIns="91425" wrap="square" tIns="91425">
+            <a:normAutofit/>
+          </a:bodyPr>
+          <a:lstStyle/>
+          <a:p>
+            <a:pPr indent="0" lvl="0" marL="0" rtl="0" algn="l">
+              <a:spcBef>
+                <a:spcPts val="0"/>
+              </a:spcBef>
+              <a:spcAft>
+                <a:spcPts val="1200"/>
+              </a:spcAft>
+              <a:buNone/>
+            </a:pPr>
+            <a:r>
+              <a:rPr lang="en"/>
+              <a:t>Each record is associated with an aggregation level that signifies the level of detail</a:t>
+            </a:r>
+            <a:endParaRPr/>
+          </a:p>
+        </p:txBody>
+      </p:sp>
+      <p:pic>
+        <p:nvPicPr>
+          <p:cNvPr id="379" name="Google Shape;379;p28"/>
+          <p:cNvPicPr preferRelativeResize="0"/>
+          <p:nvPr/>
+        </p:nvPicPr>
+        <p:blipFill>
+          <a:blip r:embed="rId3">
+            <a:alphaModFix/>
+          </a:blip>
+          <a:stretch>
+            <a:fillRect/>
+          </a:stretch>
+        </p:blipFill>
+        <p:spPr>
+          <a:xfrm>
+            <a:off x="4758825" y="361738"/>
+            <a:ext cx="4223400" cy="4420036"/>
           </a:xfrm>
           <a:prstGeom prst="rect">
             <a:avLst/>
@@ -18094,806 +19167,7 @@
             <a:noFill/>
           </a:ln>
         </p:spPr>
-        <p:txBody>
-          <a:bodyPr anchorCtr="0" anchor="t" bIns="91425" lIns="91425" spcFirstLastPara="1" rIns="91425" wrap="square" tIns="91425">
-            <a:spAutoFit/>
-          </a:bodyPr>
-          <a:lstStyle/>
-          <a:p>
-            <a:pPr indent="0" lvl="0" marL="0" rtl="0" algn="ctr">
-              <a:spcBef>
-                <a:spcPts val="0"/>
-              </a:spcBef>
-              <a:spcAft>
-                <a:spcPts val="0"/>
-              </a:spcAft>
-              <a:buNone/>
-            </a:pPr>
-            <a:r>
-              <a:rPr lang="en" sz="1900">
-                <a:solidFill>
-                  <a:schemeClr val="dk1"/>
-                </a:solidFill>
-                <a:latin typeface="Nunito"/>
-                <a:ea typeface="Nunito"/>
-                <a:cs typeface="Nunito"/>
-                <a:sym typeface="Nunito"/>
-              </a:rPr>
-              <a:t>Storyboard</a:t>
-            </a:r>
-            <a:endParaRPr sz="1900">
-              <a:solidFill>
-                <a:schemeClr val="dk1"/>
-              </a:solidFill>
-              <a:latin typeface="Nunito"/>
-              <a:ea typeface="Nunito"/>
-              <a:cs typeface="Nunito"/>
-              <a:sym typeface="Nunito"/>
-            </a:endParaRPr>
-          </a:p>
-        </p:txBody>
-      </p:sp>
-      <p:sp>
-        <p:nvSpPr>
-          <p:cNvPr id="379" name="Google Shape;379;p28"/>
-          <p:cNvSpPr/>
-          <p:nvPr/>
-        </p:nvSpPr>
-        <p:spPr>
-          <a:xfrm>
-            <a:off x="779200" y="1182900"/>
-            <a:ext cx="7555200" cy="3229500"/>
-          </a:xfrm>
-          <a:prstGeom prst="rect">
-            <a:avLst/>
-          </a:prstGeom>
-          <a:solidFill>
-            <a:schemeClr val="dk1"/>
-          </a:solidFill>
-          <a:ln cap="flat" cmpd="sng" w="9525">
-            <a:solidFill>
-              <a:schemeClr val="dk2"/>
-            </a:solidFill>
-            <a:prstDash val="solid"/>
-            <a:round/>
-            <a:headEnd len="sm" w="sm" type="none"/>
-            <a:tailEnd len="sm" w="sm" type="none"/>
-          </a:ln>
-        </p:spPr>
-        <p:txBody>
-          <a:bodyPr anchorCtr="0" anchor="ctr" bIns="91425" lIns="91425" spcFirstLastPara="1" rIns="91425" wrap="square" tIns="91425">
-            <a:noAutofit/>
-          </a:bodyPr>
-          <a:lstStyle/>
-          <a:p>
-            <a:pPr indent="0" lvl="0" marL="0" rtl="0" algn="l">
-              <a:spcBef>
-                <a:spcPts val="0"/>
-              </a:spcBef>
-              <a:spcAft>
-                <a:spcPts val="0"/>
-              </a:spcAft>
-              <a:buNone/>
-            </a:pPr>
-            <a:r>
-              <a:t/>
-            </a:r>
-            <a:endParaRPr/>
-          </a:p>
-        </p:txBody>
-      </p:sp>
-      <p:sp>
-        <p:nvSpPr>
-          <p:cNvPr id="380" name="Google Shape;380;p28"/>
-          <p:cNvSpPr/>
-          <p:nvPr/>
-        </p:nvSpPr>
-        <p:spPr>
-          <a:xfrm>
-            <a:off x="2703775" y="1276775"/>
-            <a:ext cx="4158900" cy="2027700"/>
-          </a:xfrm>
-          <a:prstGeom prst="rect">
-            <a:avLst/>
-          </a:prstGeom>
-          <a:noFill/>
-          <a:ln cap="flat" cmpd="sng" w="19050">
-            <a:solidFill>
-              <a:schemeClr val="lt1"/>
-            </a:solidFill>
-            <a:prstDash val="solid"/>
-            <a:round/>
-            <a:headEnd len="sm" w="sm" type="none"/>
-            <a:tailEnd len="sm" w="sm" type="none"/>
-          </a:ln>
-        </p:spPr>
-        <p:txBody>
-          <a:bodyPr anchorCtr="0" anchor="ctr" bIns="91425" lIns="91425" spcFirstLastPara="1" rIns="91425" wrap="square" tIns="91425">
-            <a:noAutofit/>
-          </a:bodyPr>
-          <a:lstStyle/>
-          <a:p>
-            <a:pPr indent="0" lvl="0" marL="0" rtl="0" algn="l">
-              <a:spcBef>
-                <a:spcPts val="0"/>
-              </a:spcBef>
-              <a:spcAft>
-                <a:spcPts val="0"/>
-              </a:spcAft>
-              <a:buNone/>
-            </a:pPr>
-            <a:r>
-              <a:t/>
-            </a:r>
-            <a:endParaRPr/>
-          </a:p>
-        </p:txBody>
-      </p:sp>
-      <p:sp>
-        <p:nvSpPr>
-          <p:cNvPr id="381" name="Google Shape;381;p28"/>
-          <p:cNvSpPr/>
-          <p:nvPr/>
-        </p:nvSpPr>
-        <p:spPr>
-          <a:xfrm>
-            <a:off x="854325" y="1276775"/>
-            <a:ext cx="1746300" cy="3032400"/>
-          </a:xfrm>
-          <a:prstGeom prst="rect">
-            <a:avLst/>
-          </a:prstGeom>
-          <a:noFill/>
-          <a:ln cap="flat" cmpd="sng" w="19050">
-            <a:solidFill>
-              <a:schemeClr val="lt1"/>
-            </a:solidFill>
-            <a:prstDash val="solid"/>
-            <a:round/>
-            <a:headEnd len="sm" w="sm" type="none"/>
-            <a:tailEnd len="sm" w="sm" type="none"/>
-          </a:ln>
-        </p:spPr>
-        <p:txBody>
-          <a:bodyPr anchorCtr="0" anchor="ctr" bIns="91425" lIns="91425" spcFirstLastPara="1" rIns="91425" wrap="square" tIns="91425">
-            <a:noAutofit/>
-          </a:bodyPr>
-          <a:lstStyle/>
-          <a:p>
-            <a:pPr indent="0" lvl="0" marL="0" rtl="0" algn="l">
-              <a:spcBef>
-                <a:spcPts val="0"/>
-              </a:spcBef>
-              <a:spcAft>
-                <a:spcPts val="0"/>
-              </a:spcAft>
-              <a:buNone/>
-            </a:pPr>
-            <a:r>
-              <a:t/>
-            </a:r>
-            <a:endParaRPr/>
-          </a:p>
-        </p:txBody>
-      </p:sp>
-      <p:sp>
-        <p:nvSpPr>
-          <p:cNvPr id="382" name="Google Shape;382;p28"/>
-          <p:cNvSpPr/>
-          <p:nvPr/>
-        </p:nvSpPr>
-        <p:spPr>
-          <a:xfrm>
-            <a:off x="6947175" y="1276775"/>
-            <a:ext cx="1305000" cy="3032400"/>
-          </a:xfrm>
-          <a:prstGeom prst="rect">
-            <a:avLst/>
-          </a:prstGeom>
-          <a:noFill/>
-          <a:ln cap="flat" cmpd="sng" w="19050">
-            <a:solidFill>
-              <a:schemeClr val="lt1"/>
-            </a:solidFill>
-            <a:prstDash val="solid"/>
-            <a:round/>
-            <a:headEnd len="sm" w="sm" type="none"/>
-            <a:tailEnd len="sm" w="sm" type="none"/>
-          </a:ln>
-        </p:spPr>
-        <p:txBody>
-          <a:bodyPr anchorCtr="0" anchor="ctr" bIns="91425" lIns="91425" spcFirstLastPara="1" rIns="91425" wrap="square" tIns="91425">
-            <a:noAutofit/>
-          </a:bodyPr>
-          <a:lstStyle/>
-          <a:p>
-            <a:pPr indent="0" lvl="0" marL="0" rtl="0" algn="l">
-              <a:spcBef>
-                <a:spcPts val="0"/>
-              </a:spcBef>
-              <a:spcAft>
-                <a:spcPts val="0"/>
-              </a:spcAft>
-              <a:buNone/>
-            </a:pPr>
-            <a:r>
-              <a:t/>
-            </a:r>
-            <a:endParaRPr/>
-          </a:p>
-        </p:txBody>
-      </p:sp>
-      <p:sp>
-        <p:nvSpPr>
-          <p:cNvPr id="383" name="Google Shape;383;p28"/>
-          <p:cNvSpPr txBox="1"/>
-          <p:nvPr/>
-        </p:nvSpPr>
-        <p:spPr>
-          <a:xfrm>
-            <a:off x="938800" y="1380050"/>
-            <a:ext cx="1464600" cy="400200"/>
-          </a:xfrm>
-          <a:prstGeom prst="rect">
-            <a:avLst/>
-          </a:prstGeom>
-          <a:noFill/>
-          <a:ln cap="flat" cmpd="sng" w="9525">
-            <a:solidFill>
-              <a:schemeClr val="lt1"/>
-            </a:solidFill>
-            <a:prstDash val="solid"/>
-            <a:round/>
-            <a:headEnd len="sm" w="sm" type="none"/>
-            <a:tailEnd len="sm" w="sm" type="none"/>
-          </a:ln>
-        </p:spPr>
-        <p:txBody>
-          <a:bodyPr anchorCtr="0" anchor="t" bIns="91425" lIns="91425" spcFirstLastPara="1" rIns="91425" wrap="square" tIns="91425">
-            <a:spAutoFit/>
-          </a:bodyPr>
-          <a:lstStyle/>
-          <a:p>
-            <a:pPr indent="0" lvl="0" marL="0" rtl="0" algn="l">
-              <a:spcBef>
-                <a:spcPts val="0"/>
-              </a:spcBef>
-              <a:spcAft>
-                <a:spcPts val="0"/>
-              </a:spcAft>
-              <a:buNone/>
-            </a:pPr>
-            <a:r>
-              <a:rPr lang="en">
-                <a:latin typeface="Nunito"/>
-                <a:ea typeface="Nunito"/>
-                <a:cs typeface="Nunito"/>
-                <a:sym typeface="Nunito"/>
-              </a:rPr>
-              <a:t>Search by name</a:t>
-            </a:r>
-            <a:endParaRPr>
-              <a:latin typeface="Nunito"/>
-              <a:ea typeface="Nunito"/>
-              <a:cs typeface="Nunito"/>
-              <a:sym typeface="Nunito"/>
-            </a:endParaRPr>
-          </a:p>
-        </p:txBody>
-      </p:sp>
-      <p:sp>
-        <p:nvSpPr>
-          <p:cNvPr id="384" name="Google Shape;384;p28"/>
-          <p:cNvSpPr txBox="1"/>
-          <p:nvPr/>
-        </p:nvSpPr>
-        <p:spPr>
-          <a:xfrm>
-            <a:off x="957575" y="1877625"/>
-            <a:ext cx="1464600" cy="2339700"/>
-          </a:xfrm>
-          <a:prstGeom prst="rect">
-            <a:avLst/>
-          </a:prstGeom>
-          <a:noFill/>
-          <a:ln cap="flat" cmpd="sng" w="9525">
-            <a:solidFill>
-              <a:schemeClr val="lt1"/>
-            </a:solidFill>
-            <a:prstDash val="solid"/>
-            <a:round/>
-            <a:headEnd len="sm" w="sm" type="none"/>
-            <a:tailEnd len="sm" w="sm" type="none"/>
-          </a:ln>
-        </p:spPr>
-        <p:txBody>
-          <a:bodyPr anchorCtr="0" anchor="t" bIns="91425" lIns="91425" spcFirstLastPara="1" rIns="91425" wrap="square" tIns="91425">
-            <a:spAutoFit/>
-          </a:bodyPr>
-          <a:lstStyle/>
-          <a:p>
-            <a:pPr indent="0" lvl="0" marL="0" rtl="0" algn="l">
-              <a:spcBef>
-                <a:spcPts val="0"/>
-              </a:spcBef>
-              <a:spcAft>
-                <a:spcPts val="0"/>
-              </a:spcAft>
-              <a:buNone/>
-            </a:pPr>
-            <a:r>
-              <a:rPr lang="en">
-                <a:latin typeface="Nunito"/>
-                <a:ea typeface="Nunito"/>
-                <a:cs typeface="Nunito"/>
-                <a:sym typeface="Nunito"/>
-              </a:rPr>
-              <a:t>Filters</a:t>
-            </a:r>
-            <a:endParaRPr>
-              <a:latin typeface="Nunito"/>
-              <a:ea typeface="Nunito"/>
-              <a:cs typeface="Nunito"/>
-              <a:sym typeface="Nunito"/>
-            </a:endParaRPr>
-          </a:p>
-          <a:p>
-            <a:pPr indent="-317500" lvl="0" marL="457200" rtl="0" algn="l">
-              <a:spcBef>
-                <a:spcPts val="0"/>
-              </a:spcBef>
-              <a:spcAft>
-                <a:spcPts val="0"/>
-              </a:spcAft>
-              <a:buSzPts val="1400"/>
-              <a:buFont typeface="Nunito"/>
-              <a:buChar char="❏"/>
-            </a:pPr>
-            <a:r>
-              <a:rPr lang="en">
-                <a:latin typeface="Nunito"/>
-                <a:ea typeface="Nunito"/>
-                <a:cs typeface="Nunito"/>
-                <a:sym typeface="Nunito"/>
-              </a:rPr>
-              <a:t>Cat 1</a:t>
-            </a:r>
-            <a:endParaRPr>
-              <a:latin typeface="Nunito"/>
-              <a:ea typeface="Nunito"/>
-              <a:cs typeface="Nunito"/>
-              <a:sym typeface="Nunito"/>
-            </a:endParaRPr>
-          </a:p>
-          <a:p>
-            <a:pPr indent="-317500" lvl="1" marL="914400" rtl="0" algn="l">
-              <a:spcBef>
-                <a:spcPts val="0"/>
-              </a:spcBef>
-              <a:spcAft>
-                <a:spcPts val="0"/>
-              </a:spcAft>
-              <a:buSzPts val="1400"/>
-              <a:buFont typeface="Nunito"/>
-              <a:buChar char="❏"/>
-            </a:pPr>
-            <a:r>
-              <a:rPr lang="en">
-                <a:latin typeface="Nunito"/>
-                <a:ea typeface="Nunito"/>
-                <a:cs typeface="Nunito"/>
-                <a:sym typeface="Nunito"/>
-              </a:rPr>
-              <a:t>1</a:t>
-            </a:r>
-            <a:endParaRPr>
-              <a:latin typeface="Nunito"/>
-              <a:ea typeface="Nunito"/>
-              <a:cs typeface="Nunito"/>
-              <a:sym typeface="Nunito"/>
-            </a:endParaRPr>
-          </a:p>
-          <a:p>
-            <a:pPr indent="-317500" lvl="1" marL="914400" rtl="0" algn="l">
-              <a:spcBef>
-                <a:spcPts val="0"/>
-              </a:spcBef>
-              <a:spcAft>
-                <a:spcPts val="0"/>
-              </a:spcAft>
-              <a:buSzPts val="1400"/>
-              <a:buFont typeface="Nunito"/>
-              <a:buChar char="❏"/>
-            </a:pPr>
-            <a:r>
-              <a:rPr lang="en">
-                <a:latin typeface="Nunito"/>
-                <a:ea typeface="Nunito"/>
-                <a:cs typeface="Nunito"/>
-                <a:sym typeface="Nunito"/>
-              </a:rPr>
-              <a:t>2</a:t>
-            </a:r>
-            <a:endParaRPr>
-              <a:latin typeface="Nunito"/>
-              <a:ea typeface="Nunito"/>
-              <a:cs typeface="Nunito"/>
-              <a:sym typeface="Nunito"/>
-            </a:endParaRPr>
-          </a:p>
-          <a:p>
-            <a:pPr indent="-317500" lvl="1" marL="914400" rtl="0" algn="l">
-              <a:spcBef>
-                <a:spcPts val="0"/>
-              </a:spcBef>
-              <a:spcAft>
-                <a:spcPts val="0"/>
-              </a:spcAft>
-              <a:buSzPts val="1400"/>
-              <a:buFont typeface="Nunito"/>
-              <a:buChar char="❏"/>
-            </a:pPr>
-            <a:r>
-              <a:rPr lang="en">
-                <a:latin typeface="Nunito"/>
-                <a:ea typeface="Nunito"/>
-                <a:cs typeface="Nunito"/>
-                <a:sym typeface="Nunito"/>
-              </a:rPr>
-              <a:t>3</a:t>
-            </a:r>
-            <a:endParaRPr>
-              <a:latin typeface="Nunito"/>
-              <a:ea typeface="Nunito"/>
-              <a:cs typeface="Nunito"/>
-              <a:sym typeface="Nunito"/>
-            </a:endParaRPr>
-          </a:p>
-          <a:p>
-            <a:pPr indent="-317500" lvl="0" marL="457200" rtl="0" algn="l">
-              <a:spcBef>
-                <a:spcPts val="0"/>
-              </a:spcBef>
-              <a:spcAft>
-                <a:spcPts val="0"/>
-              </a:spcAft>
-              <a:buSzPts val="1400"/>
-              <a:buFont typeface="Nunito"/>
-              <a:buChar char="❏"/>
-            </a:pPr>
-            <a:r>
-              <a:rPr lang="en">
-                <a:latin typeface="Nunito"/>
-                <a:ea typeface="Nunito"/>
-                <a:cs typeface="Nunito"/>
-                <a:sym typeface="Nunito"/>
-              </a:rPr>
-              <a:t>Cat 2</a:t>
-            </a:r>
-            <a:endParaRPr>
-              <a:latin typeface="Nunito"/>
-              <a:ea typeface="Nunito"/>
-              <a:cs typeface="Nunito"/>
-              <a:sym typeface="Nunito"/>
-            </a:endParaRPr>
-          </a:p>
-          <a:p>
-            <a:pPr indent="-317500" lvl="0" marL="457200" rtl="0" algn="l">
-              <a:spcBef>
-                <a:spcPts val="0"/>
-              </a:spcBef>
-              <a:spcAft>
-                <a:spcPts val="0"/>
-              </a:spcAft>
-              <a:buSzPts val="1400"/>
-              <a:buFont typeface="Nunito"/>
-              <a:buChar char="❏"/>
-            </a:pPr>
-            <a:r>
-              <a:rPr lang="en">
-                <a:latin typeface="Nunito"/>
-                <a:ea typeface="Nunito"/>
-                <a:cs typeface="Nunito"/>
-                <a:sym typeface="Nunito"/>
-              </a:rPr>
-              <a:t>…</a:t>
-            </a:r>
-            <a:endParaRPr>
-              <a:latin typeface="Nunito"/>
-              <a:ea typeface="Nunito"/>
-              <a:cs typeface="Nunito"/>
-              <a:sym typeface="Nunito"/>
-            </a:endParaRPr>
-          </a:p>
-          <a:p>
-            <a:pPr indent="-317500" lvl="0" marL="457200" rtl="0" algn="l">
-              <a:spcBef>
-                <a:spcPts val="0"/>
-              </a:spcBef>
-              <a:spcAft>
-                <a:spcPts val="0"/>
-              </a:spcAft>
-              <a:buSzPts val="1400"/>
-              <a:buFont typeface="Nunito"/>
-              <a:buChar char="❏"/>
-            </a:pPr>
-            <a:r>
-              <a:rPr lang="en">
-                <a:latin typeface="Nunito"/>
-                <a:ea typeface="Nunito"/>
-                <a:cs typeface="Nunito"/>
-                <a:sym typeface="Nunito"/>
-              </a:rPr>
-              <a:t>…</a:t>
-            </a:r>
-            <a:endParaRPr>
-              <a:latin typeface="Nunito"/>
-              <a:ea typeface="Nunito"/>
-              <a:cs typeface="Nunito"/>
-              <a:sym typeface="Nunito"/>
-            </a:endParaRPr>
-          </a:p>
-          <a:p>
-            <a:pPr indent="-317500" lvl="0" marL="457200" rtl="0" algn="l">
-              <a:spcBef>
-                <a:spcPts val="0"/>
-              </a:spcBef>
-              <a:spcAft>
-                <a:spcPts val="0"/>
-              </a:spcAft>
-              <a:buSzPts val="1400"/>
-              <a:buFont typeface="Nunito"/>
-              <a:buChar char="❏"/>
-            </a:pPr>
-            <a:r>
-              <a:rPr lang="en">
-                <a:latin typeface="Nunito"/>
-                <a:ea typeface="Nunito"/>
-                <a:cs typeface="Nunito"/>
-                <a:sym typeface="Nunito"/>
-              </a:rPr>
-              <a:t>…</a:t>
-            </a:r>
-            <a:endParaRPr>
-              <a:latin typeface="Nunito"/>
-              <a:ea typeface="Nunito"/>
-              <a:cs typeface="Nunito"/>
-              <a:sym typeface="Nunito"/>
-            </a:endParaRPr>
-          </a:p>
-          <a:p>
-            <a:pPr indent="-317500" lvl="0" marL="457200" rtl="0" algn="l">
-              <a:spcBef>
-                <a:spcPts val="0"/>
-              </a:spcBef>
-              <a:spcAft>
-                <a:spcPts val="0"/>
-              </a:spcAft>
-              <a:buSzPts val="1400"/>
-              <a:buFont typeface="Nunito"/>
-              <a:buChar char="❏"/>
-            </a:pPr>
-            <a:r>
-              <a:rPr lang="en">
-                <a:latin typeface="Nunito"/>
-                <a:ea typeface="Nunito"/>
-                <a:cs typeface="Nunito"/>
-                <a:sym typeface="Nunito"/>
-              </a:rPr>
-              <a:t>Cat X</a:t>
-            </a:r>
-            <a:endParaRPr>
-              <a:latin typeface="Nunito"/>
-              <a:ea typeface="Nunito"/>
-              <a:cs typeface="Nunito"/>
-              <a:sym typeface="Nunito"/>
-            </a:endParaRPr>
-          </a:p>
-        </p:txBody>
-      </p:sp>
-      <p:sp>
-        <p:nvSpPr>
-          <p:cNvPr id="385" name="Google Shape;385;p28"/>
-          <p:cNvSpPr txBox="1"/>
-          <p:nvPr/>
-        </p:nvSpPr>
-        <p:spPr>
-          <a:xfrm>
-            <a:off x="7116175" y="1492700"/>
-            <a:ext cx="938700" cy="400200"/>
-          </a:xfrm>
-          <a:prstGeom prst="rect">
-            <a:avLst/>
-          </a:prstGeom>
-          <a:noFill/>
-          <a:ln>
-            <a:noFill/>
-          </a:ln>
-        </p:spPr>
-        <p:txBody>
-          <a:bodyPr anchorCtr="0" anchor="t" bIns="91425" lIns="91425" spcFirstLastPara="1" rIns="91425" wrap="square" tIns="91425">
-            <a:spAutoFit/>
-          </a:bodyPr>
-          <a:lstStyle/>
-          <a:p>
-            <a:pPr indent="0" lvl="0" marL="0" rtl="0" algn="l">
-              <a:spcBef>
-                <a:spcPts val="0"/>
-              </a:spcBef>
-              <a:spcAft>
-                <a:spcPts val="0"/>
-              </a:spcAft>
-              <a:buNone/>
-            </a:pPr>
-            <a:r>
-              <a:rPr lang="en">
-                <a:latin typeface="Nunito"/>
-                <a:ea typeface="Nunito"/>
-                <a:cs typeface="Nunito"/>
-                <a:sym typeface="Nunito"/>
-              </a:rPr>
-              <a:t>Results</a:t>
-            </a:r>
-            <a:endParaRPr>
-              <a:latin typeface="Nunito"/>
-              <a:ea typeface="Nunito"/>
-              <a:cs typeface="Nunito"/>
-              <a:sym typeface="Nunito"/>
-            </a:endParaRPr>
-          </a:p>
-        </p:txBody>
-      </p:sp>
-      <p:sp>
-        <p:nvSpPr>
-          <p:cNvPr id="386" name="Google Shape;386;p28"/>
-          <p:cNvSpPr txBox="1"/>
-          <p:nvPr/>
-        </p:nvSpPr>
-        <p:spPr>
-          <a:xfrm>
-            <a:off x="3581575" y="1990275"/>
-            <a:ext cx="2206200" cy="400200"/>
-          </a:xfrm>
-          <a:prstGeom prst="rect">
-            <a:avLst/>
-          </a:prstGeom>
-          <a:noFill/>
-          <a:ln>
-            <a:noFill/>
-          </a:ln>
-        </p:spPr>
-        <p:txBody>
-          <a:bodyPr anchorCtr="0" anchor="t" bIns="91425" lIns="91425" spcFirstLastPara="1" rIns="91425" wrap="square" tIns="91425">
-            <a:spAutoFit/>
-          </a:bodyPr>
-          <a:lstStyle/>
-          <a:p>
-            <a:pPr indent="0" lvl="0" marL="0" rtl="0" algn="l">
-              <a:spcBef>
-                <a:spcPts val="0"/>
-              </a:spcBef>
-              <a:spcAft>
-                <a:spcPts val="0"/>
-              </a:spcAft>
-              <a:buNone/>
-            </a:pPr>
-            <a:r>
-              <a:rPr lang="en">
-                <a:latin typeface="Nunito"/>
-                <a:ea typeface="Nunito"/>
-                <a:cs typeface="Nunito"/>
-                <a:sym typeface="Nunito"/>
-              </a:rPr>
-              <a:t>Map of United States</a:t>
-            </a:r>
-            <a:endParaRPr>
-              <a:latin typeface="Nunito"/>
-              <a:ea typeface="Nunito"/>
-              <a:cs typeface="Nunito"/>
-              <a:sym typeface="Nunito"/>
-            </a:endParaRPr>
-          </a:p>
-        </p:txBody>
-      </p:sp>
-      <p:sp>
-        <p:nvSpPr>
-          <p:cNvPr id="387" name="Google Shape;387;p28"/>
-          <p:cNvSpPr/>
-          <p:nvPr/>
-        </p:nvSpPr>
-        <p:spPr>
-          <a:xfrm>
-            <a:off x="2713150" y="3436050"/>
-            <a:ext cx="4158900" cy="873000"/>
-          </a:xfrm>
-          <a:prstGeom prst="rect">
-            <a:avLst/>
-          </a:prstGeom>
-          <a:noFill/>
-          <a:ln cap="flat" cmpd="sng" w="19050">
-            <a:solidFill>
-              <a:schemeClr val="lt1"/>
-            </a:solidFill>
-            <a:prstDash val="solid"/>
-            <a:round/>
-            <a:headEnd len="sm" w="sm" type="none"/>
-            <a:tailEnd len="sm" w="sm" type="none"/>
-          </a:ln>
-        </p:spPr>
-        <p:txBody>
-          <a:bodyPr anchorCtr="0" anchor="ctr" bIns="91425" lIns="91425" spcFirstLastPara="1" rIns="91425" wrap="square" tIns="91425">
-            <a:noAutofit/>
-          </a:bodyPr>
-          <a:lstStyle/>
-          <a:p>
-            <a:pPr indent="0" lvl="0" marL="0" rtl="0" algn="l">
-              <a:spcBef>
-                <a:spcPts val="0"/>
-              </a:spcBef>
-              <a:spcAft>
-                <a:spcPts val="0"/>
-              </a:spcAft>
-              <a:buNone/>
-            </a:pPr>
-            <a:r>
-              <a:t/>
-            </a:r>
-            <a:endParaRPr/>
-          </a:p>
-        </p:txBody>
-      </p:sp>
-      <p:sp>
-        <p:nvSpPr>
-          <p:cNvPr id="388" name="Google Shape;388;p28"/>
-          <p:cNvSpPr txBox="1"/>
-          <p:nvPr/>
-        </p:nvSpPr>
-        <p:spPr>
-          <a:xfrm>
-            <a:off x="3511150" y="3670750"/>
-            <a:ext cx="2502000" cy="400200"/>
-          </a:xfrm>
-          <a:prstGeom prst="rect">
-            <a:avLst/>
-          </a:prstGeom>
-          <a:noFill/>
-          <a:ln>
-            <a:noFill/>
-          </a:ln>
-        </p:spPr>
-        <p:txBody>
-          <a:bodyPr anchorCtr="0" anchor="t" bIns="91425" lIns="91425" spcFirstLastPara="1" rIns="91425" wrap="square" tIns="91425">
-            <a:spAutoFit/>
-          </a:bodyPr>
-          <a:lstStyle/>
-          <a:p>
-            <a:pPr indent="0" lvl="0" marL="0" rtl="0" algn="l">
-              <a:spcBef>
-                <a:spcPts val="0"/>
-              </a:spcBef>
-              <a:spcAft>
-                <a:spcPts val="0"/>
-              </a:spcAft>
-              <a:buNone/>
-            </a:pPr>
-            <a:r>
-              <a:rPr lang="en">
-                <a:latin typeface="Nunito"/>
-                <a:ea typeface="Nunito"/>
-                <a:cs typeface="Nunito"/>
-                <a:sym typeface="Nunito"/>
-              </a:rPr>
-              <a:t>Graphs aggregating results</a:t>
-            </a:r>
-            <a:endParaRPr>
-              <a:latin typeface="Nunito"/>
-              <a:ea typeface="Nunito"/>
-              <a:cs typeface="Nunito"/>
-              <a:sym typeface="Nunito"/>
-            </a:endParaRPr>
-          </a:p>
-        </p:txBody>
-      </p:sp>
+      </p:pic>
     </p:spTree>
   </p:cSld>
   <p:clrMapOvr>
@@ -18907,7 +19181,7 @@
   <p:cSld>
     <p:spTree>
       <p:nvGrpSpPr>
-        <p:cNvPr id="392" name="Shape 392"/>
+        <p:cNvPr id="383" name="Shape 383"/>
         <p:cNvGrpSpPr/>
         <p:nvPr/>
       </p:nvGrpSpPr>
@@ -18921,7 +19195,72 @@
       </p:grpSpPr>
       <p:sp>
         <p:nvSpPr>
-          <p:cNvPr id="393" name="Google Shape;393;p29"/>
+          <p:cNvPr id="384" name="Google Shape;384;p29"/>
+          <p:cNvSpPr txBox="1"/>
+          <p:nvPr>
+            <p:ph type="title"/>
+          </p:nvPr>
+        </p:nvSpPr>
+        <p:spPr>
+          <a:xfrm>
+            <a:off x="824000" y="1613825"/>
+            <a:ext cx="5857800" cy="1872900"/>
+          </a:xfrm>
+          <a:prstGeom prst="rect">
+            <a:avLst/>
+          </a:prstGeom>
+        </p:spPr>
+        <p:txBody>
+          <a:bodyPr anchorCtr="0" anchor="ctr" bIns="91425" lIns="91425" spcFirstLastPara="1" rIns="91425" wrap="square" tIns="91425">
+            <a:normAutofit/>
+          </a:bodyPr>
+          <a:lstStyle/>
+          <a:p>
+            <a:pPr indent="0" lvl="0" marL="0" rtl="0" algn="l">
+              <a:spcBef>
+                <a:spcPts val="0"/>
+              </a:spcBef>
+              <a:spcAft>
+                <a:spcPts val="0"/>
+              </a:spcAft>
+              <a:buNone/>
+            </a:pPr>
+            <a:r>
+              <a:rPr lang="en"/>
+              <a:t>The Analysis</a:t>
+            </a:r>
+            <a:endParaRPr/>
+          </a:p>
+        </p:txBody>
+      </p:sp>
+    </p:spTree>
+  </p:cSld>
+  <p:clrMapOvr>
+    <a:masterClrMapping/>
+  </p:clrMapOvr>
+</p:sld>
+</file>
+
+<file path=ppt/slides/slide18.xml><?xml version="1.0" encoding="utf-8"?>
+<p:sld xmlns:a="http://schemas.openxmlformats.org/drawingml/2006/main" xmlns:r="http://schemas.openxmlformats.org/officeDocument/2006/relationships" xmlns:mc="http://schemas.openxmlformats.org/markup-compatibility/2006" xmlns:mv="urn:schemas-microsoft-com:mac:vml" xmlns:p="http://schemas.openxmlformats.org/presentationml/2006/main" xmlns:c="http://schemas.openxmlformats.org/drawingml/2006/chart" xmlns:dgm="http://schemas.openxmlformats.org/drawingml/2006/diagram" xmlns:o="urn:schemas-microsoft-com:office:office" xmlns:v="urn:schemas-microsoft-com:vml" xmlns:pvml="urn:schemas-microsoft-com:office:powerpoint" xmlns:com="http://schemas.openxmlformats.org/drawingml/2006/compatibility" xmlns:p14="http://schemas.microsoft.com/office/powerpoint/2010/main" xmlns:p15="http://schemas.microsoft.com/office/powerpoint/2012/main" xmlns:ahyp="http://schemas.microsoft.com/office/drawing/2018/hyperlinkcolor">
+  <p:cSld>
+    <p:spTree>
+      <p:nvGrpSpPr>
+        <p:cNvPr id="388" name="Shape 388"/>
+        <p:cNvGrpSpPr/>
+        <p:nvPr/>
+      </p:nvGrpSpPr>
+      <p:grpSpPr>
+        <a:xfrm>
+          <a:off x="0" y="0"/>
+          <a:ext cx="0" cy="0"/>
+          <a:chOff x="0" y="0"/>
+          <a:chExt cx="0" cy="0"/>
+        </a:xfrm>
+      </p:grpSpPr>
+      <p:sp>
+        <p:nvSpPr>
+          <p:cNvPr id="389" name="Google Shape;389;p30"/>
           <p:cNvSpPr txBox="1"/>
           <p:nvPr>
             <p:ph type="title"/>
@@ -18953,7 +19292,7 @@
             </a:pPr>
             <a:r>
               <a:rPr lang="en"/>
-              <a:t>Interactive Elements</a:t>
+              <a:t>Deciding which columns to keep</a:t>
             </a:r>
             <a:endParaRPr/>
           </a:p>
@@ -18961,7 +19300,7 @@
       </p:sp>
       <p:sp>
         <p:nvSpPr>
-          <p:cNvPr id="394" name="Google Shape;394;p29"/>
+          <p:cNvPr id="390" name="Google Shape;390;p30"/>
           <p:cNvSpPr txBox="1"/>
           <p:nvPr>
             <p:ph idx="1" type="body"/>
@@ -18969,7 +19308,7 @@
         </p:nvSpPr>
         <p:spPr>
           <a:xfrm>
-            <a:off x="1303800" y="1990050"/>
+            <a:off x="1303800" y="1597875"/>
             <a:ext cx="7030500" cy="2541600"/>
           </a:xfrm>
           <a:prstGeom prst="rect">
@@ -18982,58 +19321,51 @@
           </a:bodyPr>
           <a:lstStyle/>
           <a:p>
-            <a:pPr indent="-311150" lvl="0" marL="457200" rtl="0" algn="l">
-              <a:spcBef>
-                <a:spcPts val="0"/>
-              </a:spcBef>
-              <a:spcAft>
-                <a:spcPts val="0"/>
-              </a:spcAft>
-              <a:buSzPts val="1300"/>
-              <a:buChar char="❏"/>
+            <a:pPr indent="0" lvl="0" marL="0" rtl="0" algn="l">
+              <a:spcBef>
+                <a:spcPts val="0"/>
+              </a:spcBef>
+              <a:spcAft>
+                <a:spcPts val="1200"/>
+              </a:spcAft>
+              <a:buNone/>
             </a:pPr>
             <a:r>
               <a:rPr lang="en"/>
-              <a:t>Searching and selecting a specific university</a:t>
-            </a:r>
-            <a:endParaRPr/>
-          </a:p>
-          <a:p>
-            <a:pPr indent="-311150" lvl="0" marL="457200" rtl="0" algn="l">
-              <a:spcBef>
-                <a:spcPts val="0"/>
-              </a:spcBef>
-              <a:spcAft>
-                <a:spcPts val="0"/>
-              </a:spcAft>
-              <a:buSzPts val="1300"/>
-              <a:buChar char="❏"/>
-            </a:pPr>
-            <a:r>
-              <a:rPr lang="en"/>
-              <a:t>Selecting state to see state outcomes and more details</a:t>
-            </a:r>
-            <a:endParaRPr/>
-          </a:p>
-          <a:p>
-            <a:pPr indent="-311150" lvl="0" marL="457200" rtl="0" algn="l">
-              <a:spcBef>
-                <a:spcPts val="0"/>
-              </a:spcBef>
-              <a:spcAft>
-                <a:spcPts val="0"/>
-              </a:spcAft>
-              <a:buSzPts val="1300"/>
-              <a:buChar char="❏"/>
-            </a:pPr>
-            <a:r>
-              <a:rPr lang="en"/>
-              <a:t>Filtering outcomes and seeing matching universities</a:t>
+              <a:t>We looked at how excluding records containing NaN values in the 1, 5, and 10 year outcome columns affected the data we had remaining.</a:t>
             </a:r>
             <a:endParaRPr/>
           </a:p>
         </p:txBody>
       </p:sp>
+      <p:pic>
+        <p:nvPicPr>
+          <p:cNvPr id="391" name="Google Shape;391;p30"/>
+          <p:cNvPicPr preferRelativeResize="0"/>
+          <p:nvPr/>
+        </p:nvPicPr>
+        <p:blipFill>
+          <a:blip r:embed="rId3">
+            <a:alphaModFix/>
+          </a:blip>
+          <a:stretch>
+            <a:fillRect/>
+          </a:stretch>
+        </p:blipFill>
+        <p:spPr>
+          <a:xfrm>
+            <a:off x="1839413" y="2314475"/>
+            <a:ext cx="5465169" cy="2541600"/>
+          </a:xfrm>
+          <a:prstGeom prst="rect">
+            <a:avLst/>
+          </a:prstGeom>
+          <a:noFill/>
+          <a:ln>
+            <a:noFill/>
+          </a:ln>
+        </p:spPr>
+      </p:pic>
     </p:spTree>
   </p:cSld>
   <p:clrMapOvr>
@@ -19042,12 +19374,12 @@
 </p:sld>
 </file>
 
-<file path=ppt/slides/slide18.xml><?xml version="1.0" encoding="utf-8"?>
+<file path=ppt/slides/slide19.xml><?xml version="1.0" encoding="utf-8"?>
 <p:sld xmlns:a="http://schemas.openxmlformats.org/drawingml/2006/main" xmlns:r="http://schemas.openxmlformats.org/officeDocument/2006/relationships" xmlns:mc="http://schemas.openxmlformats.org/markup-compatibility/2006" xmlns:mv="urn:schemas-microsoft-com:mac:vml" xmlns:p="http://schemas.openxmlformats.org/presentationml/2006/main" xmlns:c="http://schemas.openxmlformats.org/drawingml/2006/chart" xmlns:dgm="http://schemas.openxmlformats.org/drawingml/2006/diagram" xmlns:o="urn:schemas-microsoft-com:office:office" xmlns:v="urn:schemas-microsoft-com:vml" xmlns:pvml="urn:schemas-microsoft-com:office:powerpoint" xmlns:com="http://schemas.openxmlformats.org/drawingml/2006/compatibility" xmlns:p14="http://schemas.microsoft.com/office/powerpoint/2010/main" xmlns:p15="http://schemas.microsoft.com/office/powerpoint/2012/main" xmlns:ahyp="http://schemas.microsoft.com/office/drawing/2018/hyperlinkcolor">
   <p:cSld>
     <p:spTree>
       <p:nvGrpSpPr>
-        <p:cNvPr id="398" name="Shape 398"/>
+        <p:cNvPr id="395" name="Shape 395"/>
         <p:cNvGrpSpPr/>
         <p:nvPr/>
       </p:nvGrpSpPr>
@@ -19061,7 +19393,7 @@
       </p:grpSpPr>
       <p:sp>
         <p:nvSpPr>
-          <p:cNvPr id="399" name="Google Shape;399;p30"/>
+          <p:cNvPr id="396" name="Google Shape;396;p31"/>
           <p:cNvSpPr txBox="1"/>
           <p:nvPr>
             <p:ph type="title"/>
@@ -19093,7 +19425,7 @@
             </a:pPr>
             <a:r>
               <a:rPr lang="en"/>
-              <a:t>What we used</a:t>
+              <a:t>Merging the two datasets</a:t>
             </a:r>
             <a:endParaRPr/>
           </a:p>
@@ -19101,7 +19433,7 @@
       </p:sp>
       <p:sp>
         <p:nvSpPr>
-          <p:cNvPr id="400" name="Google Shape;400;p30"/>
+          <p:cNvPr id="397" name="Google Shape;397;p31"/>
           <p:cNvSpPr txBox="1"/>
           <p:nvPr>
             <p:ph idx="1" type="body"/>
@@ -19127,13 +19459,29 @@
                 <a:spcPts val="0"/>
               </a:spcBef>
               <a:spcAft>
-                <a:spcPts val="1200"/>
+                <a:spcPts val="0"/>
               </a:spcAft>
               <a:buNone/>
             </a:pPr>
             <a:r>
               <a:rPr lang="en"/>
-              <a:t>The dashboard is going to be created using Tableau.</a:t>
+              <a:t>To keep things easier and cleaner we merged the flows and earnings datasets into one dataset.</a:t>
+            </a:r>
+            <a:endParaRPr/>
+          </a:p>
+          <a:p>
+            <a:pPr indent="0" lvl="0" marL="0" rtl="0" algn="l">
+              <a:spcBef>
+                <a:spcPts val="1200"/>
+              </a:spcBef>
+              <a:spcAft>
+                <a:spcPts val="1200"/>
+              </a:spcAft>
+              <a:buNone/>
+            </a:pPr>
+            <a:r>
+              <a:rPr lang="en"/>
+              <a:t>A primary key column was created by merging column values that would uniquely identify each record. </a:t>
             </a:r>
             <a:endParaRPr/>
           </a:p>
@@ -19204,6 +19552,1633 @@
           </a:p>
         </p:txBody>
       </p:sp>
+    </p:spTree>
+  </p:cSld>
+  <p:clrMapOvr>
+    <a:masterClrMapping/>
+  </p:clrMapOvr>
+</p:sld>
+</file>
+
+<file path=ppt/slides/slide20.xml><?xml version="1.0" encoding="utf-8"?>
+<p:sld xmlns:a="http://schemas.openxmlformats.org/drawingml/2006/main" xmlns:r="http://schemas.openxmlformats.org/officeDocument/2006/relationships" xmlns:mc="http://schemas.openxmlformats.org/markup-compatibility/2006" xmlns:mv="urn:schemas-microsoft-com:mac:vml" xmlns:p="http://schemas.openxmlformats.org/presentationml/2006/main" xmlns:c="http://schemas.openxmlformats.org/drawingml/2006/chart" xmlns:dgm="http://schemas.openxmlformats.org/drawingml/2006/diagram" xmlns:o="urn:schemas-microsoft-com:office:office" xmlns:v="urn:schemas-microsoft-com:vml" xmlns:pvml="urn:schemas-microsoft-com:office:powerpoint" xmlns:com="http://schemas.openxmlformats.org/drawingml/2006/compatibility" xmlns:p14="http://schemas.microsoft.com/office/powerpoint/2010/main" xmlns:p15="http://schemas.microsoft.com/office/powerpoint/2012/main" xmlns:ahyp="http://schemas.microsoft.com/office/drawing/2018/hyperlinkcolor">
+  <p:cSld>
+    <p:spTree>
+      <p:nvGrpSpPr>
+        <p:cNvPr id="401" name="Shape 401"/>
+        <p:cNvGrpSpPr/>
+        <p:nvPr/>
+      </p:nvGrpSpPr>
+      <p:grpSpPr>
+        <a:xfrm>
+          <a:off x="0" y="0"/>
+          <a:ext cx="0" cy="0"/>
+          <a:chOff x="0" y="0"/>
+          <a:chExt cx="0" cy="0"/>
+        </a:xfrm>
+      </p:grpSpPr>
+      <p:sp>
+        <p:nvSpPr>
+          <p:cNvPr id="402" name="Google Shape;402;p32"/>
+          <p:cNvSpPr txBox="1"/>
+          <p:nvPr>
+            <p:ph type="title"/>
+          </p:nvPr>
+        </p:nvSpPr>
+        <p:spPr>
+          <a:xfrm>
+            <a:off x="824000" y="1613825"/>
+            <a:ext cx="5857800" cy="1872900"/>
+          </a:xfrm>
+          <a:prstGeom prst="rect">
+            <a:avLst/>
+          </a:prstGeom>
+        </p:spPr>
+        <p:txBody>
+          <a:bodyPr anchorCtr="0" anchor="ctr" bIns="91425" lIns="91425" spcFirstLastPara="1" rIns="91425" wrap="square" tIns="91425">
+            <a:normAutofit/>
+          </a:bodyPr>
+          <a:lstStyle/>
+          <a:p>
+            <a:pPr indent="0" lvl="0" marL="0" rtl="0" algn="l">
+              <a:spcBef>
+                <a:spcPts val="0"/>
+              </a:spcBef>
+              <a:spcAft>
+                <a:spcPts val="0"/>
+              </a:spcAft>
+              <a:buNone/>
+            </a:pPr>
+            <a:r>
+              <a:rPr lang="en"/>
+              <a:t>The Dashboard</a:t>
+            </a:r>
+            <a:endParaRPr/>
+          </a:p>
+        </p:txBody>
+      </p:sp>
+    </p:spTree>
+  </p:cSld>
+  <p:clrMapOvr>
+    <a:masterClrMapping/>
+  </p:clrMapOvr>
+</p:sld>
+</file>
+
+<file path=ppt/slides/slide21.xml><?xml version="1.0" encoding="utf-8"?>
+<p:sld xmlns:a="http://schemas.openxmlformats.org/drawingml/2006/main" xmlns:r="http://schemas.openxmlformats.org/officeDocument/2006/relationships" xmlns:mc="http://schemas.openxmlformats.org/markup-compatibility/2006" xmlns:mv="urn:schemas-microsoft-com:mac:vml" xmlns:p="http://schemas.openxmlformats.org/presentationml/2006/main" xmlns:c="http://schemas.openxmlformats.org/drawingml/2006/chart" xmlns:dgm="http://schemas.openxmlformats.org/drawingml/2006/diagram" xmlns:o="urn:schemas-microsoft-com:office:office" xmlns:v="urn:schemas-microsoft-com:vml" xmlns:pvml="urn:schemas-microsoft-com:office:powerpoint" xmlns:com="http://schemas.openxmlformats.org/drawingml/2006/compatibility" xmlns:p14="http://schemas.microsoft.com/office/powerpoint/2010/main" xmlns:p15="http://schemas.microsoft.com/office/powerpoint/2012/main" xmlns:ahyp="http://schemas.microsoft.com/office/drawing/2018/hyperlinkcolor">
+  <p:cSld>
+    <p:spTree>
+      <p:nvGrpSpPr>
+        <p:cNvPr id="406" name="Shape 406"/>
+        <p:cNvGrpSpPr/>
+        <p:nvPr/>
+      </p:nvGrpSpPr>
+      <p:grpSpPr>
+        <a:xfrm>
+          <a:off x="0" y="0"/>
+          <a:ext cx="0" cy="0"/>
+          <a:chOff x="0" y="0"/>
+          <a:chExt cx="0" cy="0"/>
+        </a:xfrm>
+      </p:grpSpPr>
+      <p:sp>
+        <p:nvSpPr>
+          <p:cNvPr id="407" name="Google Shape;407;p33"/>
+          <p:cNvSpPr/>
+          <p:nvPr/>
+        </p:nvSpPr>
+        <p:spPr>
+          <a:xfrm>
+            <a:off x="779200" y="1182900"/>
+            <a:ext cx="7555200" cy="3229500"/>
+          </a:xfrm>
+          <a:prstGeom prst="rect">
+            <a:avLst/>
+          </a:prstGeom>
+          <a:solidFill>
+            <a:schemeClr val="dk1"/>
+          </a:solidFill>
+          <a:ln cap="flat" cmpd="sng" w="9525">
+            <a:solidFill>
+              <a:schemeClr val="dk2"/>
+            </a:solidFill>
+            <a:prstDash val="solid"/>
+            <a:round/>
+            <a:headEnd len="sm" w="sm" type="none"/>
+            <a:tailEnd len="sm" w="sm" type="none"/>
+          </a:ln>
+        </p:spPr>
+        <p:txBody>
+          <a:bodyPr anchorCtr="0" anchor="ctr" bIns="91425" lIns="91425" spcFirstLastPara="1" rIns="91425" wrap="square" tIns="91425">
+            <a:noAutofit/>
+          </a:bodyPr>
+          <a:lstStyle/>
+          <a:p>
+            <a:pPr indent="0" lvl="0" marL="0" rtl="0" algn="l">
+              <a:spcBef>
+                <a:spcPts val="0"/>
+              </a:spcBef>
+              <a:spcAft>
+                <a:spcPts val="0"/>
+              </a:spcAft>
+              <a:buNone/>
+            </a:pPr>
+            <a:r>
+              <a:t/>
+            </a:r>
+            <a:endParaRPr/>
+          </a:p>
+        </p:txBody>
+      </p:sp>
+      <p:sp>
+        <p:nvSpPr>
+          <p:cNvPr id="408" name="Google Shape;408;p33"/>
+          <p:cNvSpPr/>
+          <p:nvPr/>
+        </p:nvSpPr>
+        <p:spPr>
+          <a:xfrm>
+            <a:off x="2703775" y="1276775"/>
+            <a:ext cx="4158900" cy="2027700"/>
+          </a:xfrm>
+          <a:prstGeom prst="rect">
+            <a:avLst/>
+          </a:prstGeom>
+          <a:noFill/>
+          <a:ln cap="flat" cmpd="sng" w="19050">
+            <a:solidFill>
+              <a:schemeClr val="lt1"/>
+            </a:solidFill>
+            <a:prstDash val="solid"/>
+            <a:round/>
+            <a:headEnd len="sm" w="sm" type="none"/>
+            <a:tailEnd len="sm" w="sm" type="none"/>
+          </a:ln>
+        </p:spPr>
+        <p:txBody>
+          <a:bodyPr anchorCtr="0" anchor="ctr" bIns="91425" lIns="91425" spcFirstLastPara="1" rIns="91425" wrap="square" tIns="91425">
+            <a:noAutofit/>
+          </a:bodyPr>
+          <a:lstStyle/>
+          <a:p>
+            <a:pPr indent="0" lvl="0" marL="0" rtl="0" algn="l">
+              <a:spcBef>
+                <a:spcPts val="0"/>
+              </a:spcBef>
+              <a:spcAft>
+                <a:spcPts val="0"/>
+              </a:spcAft>
+              <a:buNone/>
+            </a:pPr>
+            <a:r>
+              <a:t/>
+            </a:r>
+            <a:endParaRPr/>
+          </a:p>
+        </p:txBody>
+      </p:sp>
+      <p:sp>
+        <p:nvSpPr>
+          <p:cNvPr id="409" name="Google Shape;409;p33"/>
+          <p:cNvSpPr/>
+          <p:nvPr/>
+        </p:nvSpPr>
+        <p:spPr>
+          <a:xfrm>
+            <a:off x="854325" y="1276775"/>
+            <a:ext cx="1746300" cy="3032400"/>
+          </a:xfrm>
+          <a:prstGeom prst="rect">
+            <a:avLst/>
+          </a:prstGeom>
+          <a:noFill/>
+          <a:ln cap="flat" cmpd="sng" w="19050">
+            <a:solidFill>
+              <a:schemeClr val="lt1"/>
+            </a:solidFill>
+            <a:prstDash val="solid"/>
+            <a:round/>
+            <a:headEnd len="sm" w="sm" type="none"/>
+            <a:tailEnd len="sm" w="sm" type="none"/>
+          </a:ln>
+        </p:spPr>
+        <p:txBody>
+          <a:bodyPr anchorCtr="0" anchor="ctr" bIns="91425" lIns="91425" spcFirstLastPara="1" rIns="91425" wrap="square" tIns="91425">
+            <a:noAutofit/>
+          </a:bodyPr>
+          <a:lstStyle/>
+          <a:p>
+            <a:pPr indent="0" lvl="0" marL="0" rtl="0" algn="l">
+              <a:spcBef>
+                <a:spcPts val="0"/>
+              </a:spcBef>
+              <a:spcAft>
+                <a:spcPts val="0"/>
+              </a:spcAft>
+              <a:buNone/>
+            </a:pPr>
+            <a:r>
+              <a:t/>
+            </a:r>
+            <a:endParaRPr/>
+          </a:p>
+        </p:txBody>
+      </p:sp>
+      <p:sp>
+        <p:nvSpPr>
+          <p:cNvPr id="410" name="Google Shape;410;p33"/>
+          <p:cNvSpPr/>
+          <p:nvPr/>
+        </p:nvSpPr>
+        <p:spPr>
+          <a:xfrm>
+            <a:off x="6947175" y="1276775"/>
+            <a:ext cx="1305000" cy="3032400"/>
+          </a:xfrm>
+          <a:prstGeom prst="rect">
+            <a:avLst/>
+          </a:prstGeom>
+          <a:noFill/>
+          <a:ln cap="flat" cmpd="sng" w="19050">
+            <a:solidFill>
+              <a:schemeClr val="lt1"/>
+            </a:solidFill>
+            <a:prstDash val="solid"/>
+            <a:round/>
+            <a:headEnd len="sm" w="sm" type="none"/>
+            <a:tailEnd len="sm" w="sm" type="none"/>
+          </a:ln>
+        </p:spPr>
+        <p:txBody>
+          <a:bodyPr anchorCtr="0" anchor="ctr" bIns="91425" lIns="91425" spcFirstLastPara="1" rIns="91425" wrap="square" tIns="91425">
+            <a:noAutofit/>
+          </a:bodyPr>
+          <a:lstStyle/>
+          <a:p>
+            <a:pPr indent="0" lvl="0" marL="0" rtl="0" algn="l">
+              <a:spcBef>
+                <a:spcPts val="0"/>
+              </a:spcBef>
+              <a:spcAft>
+                <a:spcPts val="0"/>
+              </a:spcAft>
+              <a:buNone/>
+            </a:pPr>
+            <a:r>
+              <a:t/>
+            </a:r>
+            <a:endParaRPr/>
+          </a:p>
+        </p:txBody>
+      </p:sp>
+      <p:sp>
+        <p:nvSpPr>
+          <p:cNvPr id="411" name="Google Shape;411;p33"/>
+          <p:cNvSpPr txBox="1"/>
+          <p:nvPr/>
+        </p:nvSpPr>
+        <p:spPr>
+          <a:xfrm>
+            <a:off x="938800" y="1380050"/>
+            <a:ext cx="1464600" cy="400200"/>
+          </a:xfrm>
+          <a:prstGeom prst="rect">
+            <a:avLst/>
+          </a:prstGeom>
+          <a:noFill/>
+          <a:ln cap="flat" cmpd="sng" w="9525">
+            <a:solidFill>
+              <a:schemeClr val="lt1"/>
+            </a:solidFill>
+            <a:prstDash val="solid"/>
+            <a:round/>
+            <a:headEnd len="sm" w="sm" type="none"/>
+            <a:tailEnd len="sm" w="sm" type="none"/>
+          </a:ln>
+        </p:spPr>
+        <p:txBody>
+          <a:bodyPr anchorCtr="0" anchor="t" bIns="91425" lIns="91425" spcFirstLastPara="1" rIns="91425" wrap="square" tIns="91425">
+            <a:spAutoFit/>
+          </a:bodyPr>
+          <a:lstStyle/>
+          <a:p>
+            <a:pPr indent="0" lvl="0" marL="0" rtl="0" algn="l">
+              <a:spcBef>
+                <a:spcPts val="0"/>
+              </a:spcBef>
+              <a:spcAft>
+                <a:spcPts val="0"/>
+              </a:spcAft>
+              <a:buNone/>
+            </a:pPr>
+            <a:r>
+              <a:rPr lang="en">
+                <a:latin typeface="Nunito"/>
+                <a:ea typeface="Nunito"/>
+                <a:cs typeface="Nunito"/>
+                <a:sym typeface="Nunito"/>
+              </a:rPr>
+              <a:t>Search by name</a:t>
+            </a:r>
+            <a:endParaRPr>
+              <a:latin typeface="Nunito"/>
+              <a:ea typeface="Nunito"/>
+              <a:cs typeface="Nunito"/>
+              <a:sym typeface="Nunito"/>
+            </a:endParaRPr>
+          </a:p>
+        </p:txBody>
+      </p:sp>
+      <p:sp>
+        <p:nvSpPr>
+          <p:cNvPr id="412" name="Google Shape;412;p33"/>
+          <p:cNvSpPr txBox="1"/>
+          <p:nvPr/>
+        </p:nvSpPr>
+        <p:spPr>
+          <a:xfrm>
+            <a:off x="957575" y="1877625"/>
+            <a:ext cx="1464600" cy="2339700"/>
+          </a:xfrm>
+          <a:prstGeom prst="rect">
+            <a:avLst/>
+          </a:prstGeom>
+          <a:noFill/>
+          <a:ln cap="flat" cmpd="sng" w="9525">
+            <a:solidFill>
+              <a:schemeClr val="lt1"/>
+            </a:solidFill>
+            <a:prstDash val="solid"/>
+            <a:round/>
+            <a:headEnd len="sm" w="sm" type="none"/>
+            <a:tailEnd len="sm" w="sm" type="none"/>
+          </a:ln>
+        </p:spPr>
+        <p:txBody>
+          <a:bodyPr anchorCtr="0" anchor="t" bIns="91425" lIns="91425" spcFirstLastPara="1" rIns="91425" wrap="square" tIns="91425">
+            <a:spAutoFit/>
+          </a:bodyPr>
+          <a:lstStyle/>
+          <a:p>
+            <a:pPr indent="0" lvl="0" marL="0" rtl="0" algn="l">
+              <a:spcBef>
+                <a:spcPts val="0"/>
+              </a:spcBef>
+              <a:spcAft>
+                <a:spcPts val="0"/>
+              </a:spcAft>
+              <a:buNone/>
+            </a:pPr>
+            <a:r>
+              <a:rPr lang="en">
+                <a:latin typeface="Nunito"/>
+                <a:ea typeface="Nunito"/>
+                <a:cs typeface="Nunito"/>
+                <a:sym typeface="Nunito"/>
+              </a:rPr>
+              <a:t>Filters</a:t>
+            </a:r>
+            <a:endParaRPr>
+              <a:latin typeface="Nunito"/>
+              <a:ea typeface="Nunito"/>
+              <a:cs typeface="Nunito"/>
+              <a:sym typeface="Nunito"/>
+            </a:endParaRPr>
+          </a:p>
+          <a:p>
+            <a:pPr indent="-317500" lvl="0" marL="457200" rtl="0" algn="l">
+              <a:spcBef>
+                <a:spcPts val="0"/>
+              </a:spcBef>
+              <a:spcAft>
+                <a:spcPts val="0"/>
+              </a:spcAft>
+              <a:buSzPts val="1400"/>
+              <a:buFont typeface="Nunito"/>
+              <a:buChar char="❏"/>
+            </a:pPr>
+            <a:r>
+              <a:rPr lang="en">
+                <a:latin typeface="Nunito"/>
+                <a:ea typeface="Nunito"/>
+                <a:cs typeface="Nunito"/>
+                <a:sym typeface="Nunito"/>
+              </a:rPr>
+              <a:t>Cat 1</a:t>
+            </a:r>
+            <a:endParaRPr>
+              <a:latin typeface="Nunito"/>
+              <a:ea typeface="Nunito"/>
+              <a:cs typeface="Nunito"/>
+              <a:sym typeface="Nunito"/>
+            </a:endParaRPr>
+          </a:p>
+          <a:p>
+            <a:pPr indent="-317500" lvl="1" marL="914400" rtl="0" algn="l">
+              <a:spcBef>
+                <a:spcPts val="0"/>
+              </a:spcBef>
+              <a:spcAft>
+                <a:spcPts val="0"/>
+              </a:spcAft>
+              <a:buSzPts val="1400"/>
+              <a:buFont typeface="Nunito"/>
+              <a:buChar char="❏"/>
+            </a:pPr>
+            <a:r>
+              <a:rPr lang="en">
+                <a:latin typeface="Nunito"/>
+                <a:ea typeface="Nunito"/>
+                <a:cs typeface="Nunito"/>
+                <a:sym typeface="Nunito"/>
+              </a:rPr>
+              <a:t>1</a:t>
+            </a:r>
+            <a:endParaRPr>
+              <a:latin typeface="Nunito"/>
+              <a:ea typeface="Nunito"/>
+              <a:cs typeface="Nunito"/>
+              <a:sym typeface="Nunito"/>
+            </a:endParaRPr>
+          </a:p>
+          <a:p>
+            <a:pPr indent="-317500" lvl="1" marL="914400" rtl="0" algn="l">
+              <a:spcBef>
+                <a:spcPts val="0"/>
+              </a:spcBef>
+              <a:spcAft>
+                <a:spcPts val="0"/>
+              </a:spcAft>
+              <a:buSzPts val="1400"/>
+              <a:buFont typeface="Nunito"/>
+              <a:buChar char="❏"/>
+            </a:pPr>
+            <a:r>
+              <a:rPr lang="en">
+                <a:latin typeface="Nunito"/>
+                <a:ea typeface="Nunito"/>
+                <a:cs typeface="Nunito"/>
+                <a:sym typeface="Nunito"/>
+              </a:rPr>
+              <a:t>2</a:t>
+            </a:r>
+            <a:endParaRPr>
+              <a:latin typeface="Nunito"/>
+              <a:ea typeface="Nunito"/>
+              <a:cs typeface="Nunito"/>
+              <a:sym typeface="Nunito"/>
+            </a:endParaRPr>
+          </a:p>
+          <a:p>
+            <a:pPr indent="-317500" lvl="1" marL="914400" rtl="0" algn="l">
+              <a:spcBef>
+                <a:spcPts val="0"/>
+              </a:spcBef>
+              <a:spcAft>
+                <a:spcPts val="0"/>
+              </a:spcAft>
+              <a:buSzPts val="1400"/>
+              <a:buFont typeface="Nunito"/>
+              <a:buChar char="❏"/>
+            </a:pPr>
+            <a:r>
+              <a:rPr lang="en">
+                <a:latin typeface="Nunito"/>
+                <a:ea typeface="Nunito"/>
+                <a:cs typeface="Nunito"/>
+                <a:sym typeface="Nunito"/>
+              </a:rPr>
+              <a:t>3</a:t>
+            </a:r>
+            <a:endParaRPr>
+              <a:latin typeface="Nunito"/>
+              <a:ea typeface="Nunito"/>
+              <a:cs typeface="Nunito"/>
+              <a:sym typeface="Nunito"/>
+            </a:endParaRPr>
+          </a:p>
+          <a:p>
+            <a:pPr indent="-317500" lvl="0" marL="457200" rtl="0" algn="l">
+              <a:spcBef>
+                <a:spcPts val="0"/>
+              </a:spcBef>
+              <a:spcAft>
+                <a:spcPts val="0"/>
+              </a:spcAft>
+              <a:buSzPts val="1400"/>
+              <a:buFont typeface="Nunito"/>
+              <a:buChar char="❏"/>
+            </a:pPr>
+            <a:r>
+              <a:rPr lang="en">
+                <a:latin typeface="Nunito"/>
+                <a:ea typeface="Nunito"/>
+                <a:cs typeface="Nunito"/>
+                <a:sym typeface="Nunito"/>
+              </a:rPr>
+              <a:t>Cat 2</a:t>
+            </a:r>
+            <a:endParaRPr>
+              <a:latin typeface="Nunito"/>
+              <a:ea typeface="Nunito"/>
+              <a:cs typeface="Nunito"/>
+              <a:sym typeface="Nunito"/>
+            </a:endParaRPr>
+          </a:p>
+          <a:p>
+            <a:pPr indent="-317500" lvl="0" marL="457200" rtl="0" algn="l">
+              <a:spcBef>
+                <a:spcPts val="0"/>
+              </a:spcBef>
+              <a:spcAft>
+                <a:spcPts val="0"/>
+              </a:spcAft>
+              <a:buSzPts val="1400"/>
+              <a:buFont typeface="Nunito"/>
+              <a:buChar char="❏"/>
+            </a:pPr>
+            <a:r>
+              <a:rPr lang="en">
+                <a:latin typeface="Nunito"/>
+                <a:ea typeface="Nunito"/>
+                <a:cs typeface="Nunito"/>
+                <a:sym typeface="Nunito"/>
+              </a:rPr>
+              <a:t>…</a:t>
+            </a:r>
+            <a:endParaRPr>
+              <a:latin typeface="Nunito"/>
+              <a:ea typeface="Nunito"/>
+              <a:cs typeface="Nunito"/>
+              <a:sym typeface="Nunito"/>
+            </a:endParaRPr>
+          </a:p>
+          <a:p>
+            <a:pPr indent="-317500" lvl="0" marL="457200" rtl="0" algn="l">
+              <a:spcBef>
+                <a:spcPts val="0"/>
+              </a:spcBef>
+              <a:spcAft>
+                <a:spcPts val="0"/>
+              </a:spcAft>
+              <a:buSzPts val="1400"/>
+              <a:buFont typeface="Nunito"/>
+              <a:buChar char="❏"/>
+            </a:pPr>
+            <a:r>
+              <a:rPr lang="en">
+                <a:latin typeface="Nunito"/>
+                <a:ea typeface="Nunito"/>
+                <a:cs typeface="Nunito"/>
+                <a:sym typeface="Nunito"/>
+              </a:rPr>
+              <a:t>…</a:t>
+            </a:r>
+            <a:endParaRPr>
+              <a:latin typeface="Nunito"/>
+              <a:ea typeface="Nunito"/>
+              <a:cs typeface="Nunito"/>
+              <a:sym typeface="Nunito"/>
+            </a:endParaRPr>
+          </a:p>
+          <a:p>
+            <a:pPr indent="-317500" lvl="0" marL="457200" rtl="0" algn="l">
+              <a:spcBef>
+                <a:spcPts val="0"/>
+              </a:spcBef>
+              <a:spcAft>
+                <a:spcPts val="0"/>
+              </a:spcAft>
+              <a:buSzPts val="1400"/>
+              <a:buFont typeface="Nunito"/>
+              <a:buChar char="❏"/>
+            </a:pPr>
+            <a:r>
+              <a:rPr lang="en">
+                <a:latin typeface="Nunito"/>
+                <a:ea typeface="Nunito"/>
+                <a:cs typeface="Nunito"/>
+                <a:sym typeface="Nunito"/>
+              </a:rPr>
+              <a:t>…</a:t>
+            </a:r>
+            <a:endParaRPr>
+              <a:latin typeface="Nunito"/>
+              <a:ea typeface="Nunito"/>
+              <a:cs typeface="Nunito"/>
+              <a:sym typeface="Nunito"/>
+            </a:endParaRPr>
+          </a:p>
+          <a:p>
+            <a:pPr indent="-317500" lvl="0" marL="457200" rtl="0" algn="l">
+              <a:spcBef>
+                <a:spcPts val="0"/>
+              </a:spcBef>
+              <a:spcAft>
+                <a:spcPts val="0"/>
+              </a:spcAft>
+              <a:buSzPts val="1400"/>
+              <a:buFont typeface="Nunito"/>
+              <a:buChar char="❏"/>
+            </a:pPr>
+            <a:r>
+              <a:rPr lang="en">
+                <a:latin typeface="Nunito"/>
+                <a:ea typeface="Nunito"/>
+                <a:cs typeface="Nunito"/>
+                <a:sym typeface="Nunito"/>
+              </a:rPr>
+              <a:t>Cat X</a:t>
+            </a:r>
+            <a:endParaRPr>
+              <a:latin typeface="Nunito"/>
+              <a:ea typeface="Nunito"/>
+              <a:cs typeface="Nunito"/>
+              <a:sym typeface="Nunito"/>
+            </a:endParaRPr>
+          </a:p>
+        </p:txBody>
+      </p:sp>
+      <p:sp>
+        <p:nvSpPr>
+          <p:cNvPr id="413" name="Google Shape;413;p33"/>
+          <p:cNvSpPr txBox="1"/>
+          <p:nvPr/>
+        </p:nvSpPr>
+        <p:spPr>
+          <a:xfrm>
+            <a:off x="7116175" y="1492700"/>
+            <a:ext cx="938700" cy="400200"/>
+          </a:xfrm>
+          <a:prstGeom prst="rect">
+            <a:avLst/>
+          </a:prstGeom>
+          <a:noFill/>
+          <a:ln>
+            <a:noFill/>
+          </a:ln>
+        </p:spPr>
+        <p:txBody>
+          <a:bodyPr anchorCtr="0" anchor="t" bIns="91425" lIns="91425" spcFirstLastPara="1" rIns="91425" wrap="square" tIns="91425">
+            <a:spAutoFit/>
+          </a:bodyPr>
+          <a:lstStyle/>
+          <a:p>
+            <a:pPr indent="0" lvl="0" marL="0" rtl="0" algn="l">
+              <a:spcBef>
+                <a:spcPts val="0"/>
+              </a:spcBef>
+              <a:spcAft>
+                <a:spcPts val="0"/>
+              </a:spcAft>
+              <a:buNone/>
+            </a:pPr>
+            <a:r>
+              <a:rPr lang="en">
+                <a:latin typeface="Nunito"/>
+                <a:ea typeface="Nunito"/>
+                <a:cs typeface="Nunito"/>
+                <a:sym typeface="Nunito"/>
+              </a:rPr>
+              <a:t>Results</a:t>
+            </a:r>
+            <a:endParaRPr>
+              <a:latin typeface="Nunito"/>
+              <a:ea typeface="Nunito"/>
+              <a:cs typeface="Nunito"/>
+              <a:sym typeface="Nunito"/>
+            </a:endParaRPr>
+          </a:p>
+        </p:txBody>
+      </p:sp>
+      <p:sp>
+        <p:nvSpPr>
+          <p:cNvPr id="414" name="Google Shape;414;p33"/>
+          <p:cNvSpPr txBox="1"/>
+          <p:nvPr/>
+        </p:nvSpPr>
+        <p:spPr>
+          <a:xfrm>
+            <a:off x="3581575" y="1990275"/>
+            <a:ext cx="2206200" cy="400200"/>
+          </a:xfrm>
+          <a:prstGeom prst="rect">
+            <a:avLst/>
+          </a:prstGeom>
+          <a:noFill/>
+          <a:ln>
+            <a:noFill/>
+          </a:ln>
+        </p:spPr>
+        <p:txBody>
+          <a:bodyPr anchorCtr="0" anchor="t" bIns="91425" lIns="91425" spcFirstLastPara="1" rIns="91425" wrap="square" tIns="91425">
+            <a:spAutoFit/>
+          </a:bodyPr>
+          <a:lstStyle/>
+          <a:p>
+            <a:pPr indent="0" lvl="0" marL="0" rtl="0" algn="l">
+              <a:spcBef>
+                <a:spcPts val="0"/>
+              </a:spcBef>
+              <a:spcAft>
+                <a:spcPts val="0"/>
+              </a:spcAft>
+              <a:buNone/>
+            </a:pPr>
+            <a:r>
+              <a:rPr lang="en">
+                <a:latin typeface="Nunito"/>
+                <a:ea typeface="Nunito"/>
+                <a:cs typeface="Nunito"/>
+                <a:sym typeface="Nunito"/>
+              </a:rPr>
+              <a:t>Map of United States</a:t>
+            </a:r>
+            <a:endParaRPr>
+              <a:latin typeface="Nunito"/>
+              <a:ea typeface="Nunito"/>
+              <a:cs typeface="Nunito"/>
+              <a:sym typeface="Nunito"/>
+            </a:endParaRPr>
+          </a:p>
+        </p:txBody>
+      </p:sp>
+      <p:sp>
+        <p:nvSpPr>
+          <p:cNvPr id="415" name="Google Shape;415;p33"/>
+          <p:cNvSpPr/>
+          <p:nvPr/>
+        </p:nvSpPr>
+        <p:spPr>
+          <a:xfrm>
+            <a:off x="2713150" y="3436050"/>
+            <a:ext cx="4158900" cy="873000"/>
+          </a:xfrm>
+          <a:prstGeom prst="rect">
+            <a:avLst/>
+          </a:prstGeom>
+          <a:noFill/>
+          <a:ln cap="flat" cmpd="sng" w="19050">
+            <a:solidFill>
+              <a:schemeClr val="lt1"/>
+            </a:solidFill>
+            <a:prstDash val="solid"/>
+            <a:round/>
+            <a:headEnd len="sm" w="sm" type="none"/>
+            <a:tailEnd len="sm" w="sm" type="none"/>
+          </a:ln>
+        </p:spPr>
+        <p:txBody>
+          <a:bodyPr anchorCtr="0" anchor="ctr" bIns="91425" lIns="91425" spcFirstLastPara="1" rIns="91425" wrap="square" tIns="91425">
+            <a:noAutofit/>
+          </a:bodyPr>
+          <a:lstStyle/>
+          <a:p>
+            <a:pPr indent="0" lvl="0" marL="0" rtl="0" algn="l">
+              <a:spcBef>
+                <a:spcPts val="0"/>
+              </a:spcBef>
+              <a:spcAft>
+                <a:spcPts val="0"/>
+              </a:spcAft>
+              <a:buNone/>
+            </a:pPr>
+            <a:r>
+              <a:t/>
+            </a:r>
+            <a:endParaRPr/>
+          </a:p>
+        </p:txBody>
+      </p:sp>
+      <p:sp>
+        <p:nvSpPr>
+          <p:cNvPr id="416" name="Google Shape;416;p33"/>
+          <p:cNvSpPr txBox="1"/>
+          <p:nvPr/>
+        </p:nvSpPr>
+        <p:spPr>
+          <a:xfrm>
+            <a:off x="3511150" y="3670750"/>
+            <a:ext cx="2502000" cy="400200"/>
+          </a:xfrm>
+          <a:prstGeom prst="rect">
+            <a:avLst/>
+          </a:prstGeom>
+          <a:noFill/>
+          <a:ln>
+            <a:noFill/>
+          </a:ln>
+        </p:spPr>
+        <p:txBody>
+          <a:bodyPr anchorCtr="0" anchor="t" bIns="91425" lIns="91425" spcFirstLastPara="1" rIns="91425" wrap="square" tIns="91425">
+            <a:spAutoFit/>
+          </a:bodyPr>
+          <a:lstStyle/>
+          <a:p>
+            <a:pPr indent="0" lvl="0" marL="0" rtl="0" algn="l">
+              <a:spcBef>
+                <a:spcPts val="0"/>
+              </a:spcBef>
+              <a:spcAft>
+                <a:spcPts val="0"/>
+              </a:spcAft>
+              <a:buNone/>
+            </a:pPr>
+            <a:r>
+              <a:rPr lang="en">
+                <a:latin typeface="Nunito"/>
+                <a:ea typeface="Nunito"/>
+                <a:cs typeface="Nunito"/>
+                <a:sym typeface="Nunito"/>
+              </a:rPr>
+              <a:t>Graphs aggregating results</a:t>
+            </a:r>
+            <a:endParaRPr>
+              <a:latin typeface="Nunito"/>
+              <a:ea typeface="Nunito"/>
+              <a:cs typeface="Nunito"/>
+              <a:sym typeface="Nunito"/>
+            </a:endParaRPr>
+          </a:p>
+        </p:txBody>
+      </p:sp>
+      <p:pic>
+        <p:nvPicPr>
+          <p:cNvPr id="417" name="Google Shape;417;p33"/>
+          <p:cNvPicPr preferRelativeResize="0"/>
+          <p:nvPr/>
+        </p:nvPicPr>
+        <p:blipFill>
+          <a:blip r:embed="rId3">
+            <a:alphaModFix/>
+          </a:blip>
+          <a:stretch>
+            <a:fillRect/>
+          </a:stretch>
+        </p:blipFill>
+        <p:spPr>
+          <a:xfrm>
+            <a:off x="0" y="0"/>
+            <a:ext cx="9144002" cy="5143501"/>
+          </a:xfrm>
+          <a:prstGeom prst="rect">
+            <a:avLst/>
+          </a:prstGeom>
+          <a:noFill/>
+          <a:ln>
+            <a:noFill/>
+          </a:ln>
+        </p:spPr>
+      </p:pic>
+    </p:spTree>
+  </p:cSld>
+  <p:clrMapOvr>
+    <a:masterClrMapping/>
+  </p:clrMapOvr>
+</p:sld>
+</file>
+
+<file path=ppt/slides/slide22.xml><?xml version="1.0" encoding="utf-8"?>
+<p:sld xmlns:a="http://schemas.openxmlformats.org/drawingml/2006/main" xmlns:r="http://schemas.openxmlformats.org/officeDocument/2006/relationships" xmlns:mc="http://schemas.openxmlformats.org/markup-compatibility/2006" xmlns:mv="urn:schemas-microsoft-com:mac:vml" xmlns:p="http://schemas.openxmlformats.org/presentationml/2006/main" xmlns:c="http://schemas.openxmlformats.org/drawingml/2006/chart" xmlns:dgm="http://schemas.openxmlformats.org/drawingml/2006/diagram" xmlns:o="urn:schemas-microsoft-com:office:office" xmlns:v="urn:schemas-microsoft-com:vml" xmlns:pvml="urn:schemas-microsoft-com:office:powerpoint" xmlns:com="http://schemas.openxmlformats.org/drawingml/2006/compatibility" xmlns:p14="http://schemas.microsoft.com/office/powerpoint/2010/main" xmlns:p15="http://schemas.microsoft.com/office/powerpoint/2012/main" xmlns:ahyp="http://schemas.microsoft.com/office/drawing/2018/hyperlinkcolor">
+  <p:cSld>
+    <p:spTree>
+      <p:nvGrpSpPr>
+        <p:cNvPr id="421" name="Shape 421"/>
+        <p:cNvGrpSpPr/>
+        <p:nvPr/>
+      </p:nvGrpSpPr>
+      <p:grpSpPr>
+        <a:xfrm>
+          <a:off x="0" y="0"/>
+          <a:ext cx="0" cy="0"/>
+          <a:chOff x="0" y="0"/>
+          <a:chExt cx="0" cy="0"/>
+        </a:xfrm>
+      </p:grpSpPr>
+      <p:sp>
+        <p:nvSpPr>
+          <p:cNvPr id="422" name="Google Shape;422;p34"/>
+          <p:cNvSpPr txBox="1"/>
+          <p:nvPr>
+            <p:ph type="title"/>
+          </p:nvPr>
+        </p:nvSpPr>
+        <p:spPr>
+          <a:xfrm>
+            <a:off x="1303800" y="598575"/>
+            <a:ext cx="7030500" cy="999300"/>
+          </a:xfrm>
+          <a:prstGeom prst="rect">
+            <a:avLst/>
+          </a:prstGeom>
+        </p:spPr>
+        <p:txBody>
+          <a:bodyPr anchorCtr="0" anchor="t" bIns="91425" lIns="91425" spcFirstLastPara="1" rIns="91425" wrap="square" tIns="91425">
+            <a:normAutofit/>
+          </a:bodyPr>
+          <a:lstStyle/>
+          <a:p>
+            <a:pPr indent="0" lvl="0" marL="0" rtl="0" algn="l">
+              <a:spcBef>
+                <a:spcPts val="0"/>
+              </a:spcBef>
+              <a:spcAft>
+                <a:spcPts val="0"/>
+              </a:spcAft>
+              <a:buNone/>
+            </a:pPr>
+            <a:r>
+              <a:rPr lang="en"/>
+              <a:t>Tableau Story</a:t>
+            </a:r>
+            <a:endParaRPr/>
+          </a:p>
+        </p:txBody>
+      </p:sp>
+      <p:sp>
+        <p:nvSpPr>
+          <p:cNvPr id="423" name="Google Shape;423;p34"/>
+          <p:cNvSpPr txBox="1"/>
+          <p:nvPr>
+            <p:ph idx="1" type="body"/>
+          </p:nvPr>
+        </p:nvSpPr>
+        <p:spPr>
+          <a:xfrm>
+            <a:off x="1303800" y="1990050"/>
+            <a:ext cx="7030500" cy="819600"/>
+          </a:xfrm>
+          <a:prstGeom prst="rect">
+            <a:avLst/>
+          </a:prstGeom>
+          <a:effectLst>
+            <a:reflection blurRad="0" dir="0" dist="0" endA="0" endPos="89000" fadeDir="5400012" kx="0" rotWithShape="0" algn="bl" stPos="0" sy="-100000" ky="0"/>
+          </a:effectLst>
+        </p:spPr>
+        <p:txBody>
+          <a:bodyPr anchorCtr="0" anchor="t" bIns="91425" lIns="91425" spcFirstLastPara="1" rIns="91425" wrap="square" tIns="91425">
+            <a:normAutofit fontScale="85000" lnSpcReduction="20000"/>
+          </a:bodyPr>
+          <a:lstStyle/>
+          <a:p>
+            <a:pPr indent="0" lvl="0" marL="0" rtl="0" algn="l">
+              <a:spcBef>
+                <a:spcPts val="0"/>
+              </a:spcBef>
+              <a:spcAft>
+                <a:spcPts val="0"/>
+              </a:spcAft>
+              <a:buNone/>
+            </a:pPr>
+            <a:r>
+              <a:rPr lang="en" u="sng">
+                <a:solidFill>
+                  <a:schemeClr val="lt2"/>
+                </a:solidFill>
+                <a:hlinkClick r:id="rId3">
+                  <a:extLst>
+                    <a:ext uri="{A12FA001-AC4F-418D-AE19-62706E023703}">
+                      <ahyp:hlinkClr val="tx"/>
+                    </a:ext>
+                  </a:extLst>
+                </a:hlinkClick>
+              </a:rPr>
+              <a:t>https://public.tableau.com/app/profile/james.liu7227/viz/FinalProjectStory_16530613520890/Story?publish=yes</a:t>
+            </a:r>
+            <a:endParaRPr>
+              <a:solidFill>
+                <a:schemeClr val="lt2"/>
+              </a:solidFill>
+            </a:endParaRPr>
+          </a:p>
+          <a:p>
+            <a:pPr indent="0" lvl="0" marL="0" rtl="0" algn="l">
+              <a:spcBef>
+                <a:spcPts val="1200"/>
+              </a:spcBef>
+              <a:spcAft>
+                <a:spcPts val="1200"/>
+              </a:spcAft>
+              <a:buNone/>
+            </a:pPr>
+            <a:r>
+              <a:t/>
+            </a:r>
+            <a:endParaRPr/>
+          </a:p>
+        </p:txBody>
+      </p:sp>
+    </p:spTree>
+  </p:cSld>
+  <p:clrMapOvr>
+    <a:masterClrMapping/>
+  </p:clrMapOvr>
+</p:sld>
+</file>
+
+<file path=ppt/slides/slide23.xml><?xml version="1.0" encoding="utf-8"?>
+<p:sld xmlns:a="http://schemas.openxmlformats.org/drawingml/2006/main" xmlns:r="http://schemas.openxmlformats.org/officeDocument/2006/relationships" xmlns:mc="http://schemas.openxmlformats.org/markup-compatibility/2006" xmlns:mv="urn:schemas-microsoft-com:mac:vml" xmlns:p="http://schemas.openxmlformats.org/presentationml/2006/main" xmlns:c="http://schemas.openxmlformats.org/drawingml/2006/chart" xmlns:dgm="http://schemas.openxmlformats.org/drawingml/2006/diagram" xmlns:o="urn:schemas-microsoft-com:office:office" xmlns:v="urn:schemas-microsoft-com:vml" xmlns:pvml="urn:schemas-microsoft-com:office:powerpoint" xmlns:com="http://schemas.openxmlformats.org/drawingml/2006/compatibility" xmlns:p14="http://schemas.microsoft.com/office/powerpoint/2010/main" xmlns:p15="http://schemas.microsoft.com/office/powerpoint/2012/main" xmlns:ahyp="http://schemas.microsoft.com/office/drawing/2018/hyperlinkcolor">
+  <p:cSld>
+    <p:spTree>
+      <p:nvGrpSpPr>
+        <p:cNvPr id="427" name="Shape 427"/>
+        <p:cNvGrpSpPr/>
+        <p:nvPr/>
+      </p:nvGrpSpPr>
+      <p:grpSpPr>
+        <a:xfrm>
+          <a:off x="0" y="0"/>
+          <a:ext cx="0" cy="0"/>
+          <a:chOff x="0" y="0"/>
+          <a:chExt cx="0" cy="0"/>
+        </a:xfrm>
+      </p:grpSpPr>
+      <p:sp>
+        <p:nvSpPr>
+          <p:cNvPr id="428" name="Google Shape;428;p35"/>
+          <p:cNvSpPr txBox="1"/>
+          <p:nvPr>
+            <p:ph type="title"/>
+          </p:nvPr>
+        </p:nvSpPr>
+        <p:spPr>
+          <a:xfrm>
+            <a:off x="1303800" y="598575"/>
+            <a:ext cx="7030500" cy="999300"/>
+          </a:xfrm>
+          <a:prstGeom prst="rect">
+            <a:avLst/>
+          </a:prstGeom>
+        </p:spPr>
+        <p:txBody>
+          <a:bodyPr anchorCtr="0" anchor="t" bIns="91425" lIns="91425" spcFirstLastPara="1" rIns="91425" wrap="square" tIns="91425">
+            <a:normAutofit/>
+          </a:bodyPr>
+          <a:lstStyle/>
+          <a:p>
+            <a:pPr indent="0" lvl="0" marL="0" rtl="0" algn="l">
+              <a:spcBef>
+                <a:spcPts val="0"/>
+              </a:spcBef>
+              <a:spcAft>
+                <a:spcPts val="0"/>
+              </a:spcAft>
+              <a:buNone/>
+            </a:pPr>
+            <a:r>
+              <a:rPr lang="en"/>
+              <a:t>Tableau Interactive Page</a:t>
+            </a:r>
+            <a:endParaRPr/>
+          </a:p>
+        </p:txBody>
+      </p:sp>
+      <p:sp>
+        <p:nvSpPr>
+          <p:cNvPr id="429" name="Google Shape;429;p35"/>
+          <p:cNvSpPr txBox="1"/>
+          <p:nvPr>
+            <p:ph idx="1" type="body"/>
+          </p:nvPr>
+        </p:nvSpPr>
+        <p:spPr>
+          <a:xfrm>
+            <a:off x="1303800" y="1990050"/>
+            <a:ext cx="7030500" cy="819600"/>
+          </a:xfrm>
+          <a:prstGeom prst="rect">
+            <a:avLst/>
+          </a:prstGeom>
+          <a:effectLst>
+            <a:reflection blurRad="0" dir="0" dist="0" endA="0" endPos="89000" fadeDir="5400012" kx="0" rotWithShape="0" algn="bl" stPos="0" sy="-100000" ky="0"/>
+          </a:effectLst>
+        </p:spPr>
+        <p:txBody>
+          <a:bodyPr anchorCtr="0" anchor="t" bIns="91425" lIns="91425" spcFirstLastPara="1" rIns="91425" wrap="square" tIns="91425">
+            <a:normAutofit/>
+          </a:bodyPr>
+          <a:lstStyle/>
+          <a:p>
+            <a:pPr indent="0" lvl="0" marL="0" rtl="0" algn="l">
+              <a:spcBef>
+                <a:spcPts val="0"/>
+              </a:spcBef>
+              <a:spcAft>
+                <a:spcPts val="1200"/>
+              </a:spcAft>
+              <a:buNone/>
+            </a:pPr>
+            <a:r>
+              <a:rPr lang="en" u="sng">
+                <a:solidFill>
+                  <a:schemeClr val="lt2"/>
+                </a:solidFill>
+                <a:hlinkClick r:id="rId3">
+                  <a:extLst>
+                    <a:ext uri="{A12FA001-AC4F-418D-AE19-62706E023703}">
+                      <ahyp:hlinkClr val="tx"/>
+                    </a:ext>
+                  </a:extLst>
+                </a:hlinkClick>
+              </a:rPr>
+              <a:t>https://public.tableau.com/app/profile/james.liu7227/viz/FinalProjectIncomeGroupInteractiveElement/HighestAverageEarningGroup?publish=yes</a:t>
+            </a:r>
+            <a:endParaRPr>
+              <a:solidFill>
+                <a:schemeClr val="lt2"/>
+              </a:solidFill>
+            </a:endParaRPr>
+          </a:p>
+        </p:txBody>
+      </p:sp>
+    </p:spTree>
+  </p:cSld>
+  <p:clrMapOvr>
+    <a:masterClrMapping/>
+  </p:clrMapOvr>
+</p:sld>
+</file>
+
+<file path=ppt/slides/slide24.xml><?xml version="1.0" encoding="utf-8"?>
+<p:sld xmlns:a="http://schemas.openxmlformats.org/drawingml/2006/main" xmlns:r="http://schemas.openxmlformats.org/officeDocument/2006/relationships" xmlns:mc="http://schemas.openxmlformats.org/markup-compatibility/2006" xmlns:mv="urn:schemas-microsoft-com:mac:vml" xmlns:p="http://schemas.openxmlformats.org/presentationml/2006/main" xmlns:c="http://schemas.openxmlformats.org/drawingml/2006/chart" xmlns:dgm="http://schemas.openxmlformats.org/drawingml/2006/diagram" xmlns:o="urn:schemas-microsoft-com:office:office" xmlns:v="urn:schemas-microsoft-com:vml" xmlns:pvml="urn:schemas-microsoft-com:office:powerpoint" xmlns:com="http://schemas.openxmlformats.org/drawingml/2006/compatibility" xmlns:p14="http://schemas.microsoft.com/office/powerpoint/2010/main" xmlns:p15="http://schemas.microsoft.com/office/powerpoint/2012/main" xmlns:ahyp="http://schemas.microsoft.com/office/drawing/2018/hyperlinkcolor">
+  <p:cSld>
+    <p:spTree>
+      <p:nvGrpSpPr>
+        <p:cNvPr id="433" name="Shape 433"/>
+        <p:cNvGrpSpPr/>
+        <p:nvPr/>
+      </p:nvGrpSpPr>
+      <p:grpSpPr>
+        <a:xfrm>
+          <a:off x="0" y="0"/>
+          <a:ext cx="0" cy="0"/>
+          <a:chOff x="0" y="0"/>
+          <a:chExt cx="0" cy="0"/>
+        </a:xfrm>
+      </p:grpSpPr>
+      <p:sp>
+        <p:nvSpPr>
+          <p:cNvPr id="434" name="Google Shape;434;p36"/>
+          <p:cNvSpPr txBox="1"/>
+          <p:nvPr>
+            <p:ph type="title"/>
+          </p:nvPr>
+        </p:nvSpPr>
+        <p:spPr>
+          <a:xfrm>
+            <a:off x="824000" y="1613825"/>
+            <a:ext cx="5857800" cy="1872900"/>
+          </a:xfrm>
+          <a:prstGeom prst="rect">
+            <a:avLst/>
+          </a:prstGeom>
+        </p:spPr>
+        <p:txBody>
+          <a:bodyPr anchorCtr="0" anchor="ctr" bIns="91425" lIns="91425" spcFirstLastPara="1" rIns="91425" wrap="square" tIns="91425">
+            <a:normAutofit/>
+          </a:bodyPr>
+          <a:lstStyle/>
+          <a:p>
+            <a:pPr indent="0" lvl="0" marL="0" rtl="0" algn="l">
+              <a:spcBef>
+                <a:spcPts val="0"/>
+              </a:spcBef>
+              <a:spcAft>
+                <a:spcPts val="0"/>
+              </a:spcAft>
+              <a:buNone/>
+            </a:pPr>
+            <a:r>
+              <a:rPr lang="en"/>
+              <a:t>Machine Learning</a:t>
+            </a:r>
+            <a:endParaRPr/>
+          </a:p>
+        </p:txBody>
+      </p:sp>
+    </p:spTree>
+  </p:cSld>
+  <p:clrMapOvr>
+    <a:masterClrMapping/>
+  </p:clrMapOvr>
+</p:sld>
+</file>
+
+<file path=ppt/slides/slide25.xml><?xml version="1.0" encoding="utf-8"?>
+<p:sld xmlns:a="http://schemas.openxmlformats.org/drawingml/2006/main" xmlns:r="http://schemas.openxmlformats.org/officeDocument/2006/relationships" xmlns:mc="http://schemas.openxmlformats.org/markup-compatibility/2006" xmlns:mv="urn:schemas-microsoft-com:mac:vml" xmlns:p="http://schemas.openxmlformats.org/presentationml/2006/main" xmlns:c="http://schemas.openxmlformats.org/drawingml/2006/chart" xmlns:dgm="http://schemas.openxmlformats.org/drawingml/2006/diagram" xmlns:o="urn:schemas-microsoft-com:office:office" xmlns:v="urn:schemas-microsoft-com:vml" xmlns:pvml="urn:schemas-microsoft-com:office:powerpoint" xmlns:com="http://schemas.openxmlformats.org/drawingml/2006/compatibility" xmlns:p14="http://schemas.microsoft.com/office/powerpoint/2010/main" xmlns:p15="http://schemas.microsoft.com/office/powerpoint/2012/main" xmlns:ahyp="http://schemas.microsoft.com/office/drawing/2018/hyperlinkcolor">
+  <p:cSld>
+    <p:spTree>
+      <p:nvGrpSpPr>
+        <p:cNvPr id="438" name="Shape 438"/>
+        <p:cNvGrpSpPr/>
+        <p:nvPr/>
+      </p:nvGrpSpPr>
+      <p:grpSpPr>
+        <a:xfrm>
+          <a:off x="0" y="0"/>
+          <a:ext cx="0" cy="0"/>
+          <a:chOff x="0" y="0"/>
+          <a:chExt cx="0" cy="0"/>
+        </a:xfrm>
+      </p:grpSpPr>
+      <p:sp>
+        <p:nvSpPr>
+          <p:cNvPr id="439" name="Google Shape;439;p37"/>
+          <p:cNvSpPr txBox="1"/>
+          <p:nvPr>
+            <p:ph type="title"/>
+          </p:nvPr>
+        </p:nvSpPr>
+        <p:spPr>
+          <a:xfrm>
+            <a:off x="1303800" y="598575"/>
+            <a:ext cx="7030500" cy="999300"/>
+          </a:xfrm>
+          <a:prstGeom prst="rect">
+            <a:avLst/>
+          </a:prstGeom>
+        </p:spPr>
+        <p:txBody>
+          <a:bodyPr anchorCtr="0" anchor="t" bIns="91425" lIns="91425" spcFirstLastPara="1" rIns="91425" wrap="square" tIns="91425">
+            <a:normAutofit/>
+          </a:bodyPr>
+          <a:lstStyle/>
+          <a:p>
+            <a:pPr indent="0" lvl="0" marL="0" rtl="0" algn="l">
+              <a:spcBef>
+                <a:spcPts val="0"/>
+              </a:spcBef>
+              <a:spcAft>
+                <a:spcPts val="0"/>
+              </a:spcAft>
+              <a:buNone/>
+            </a:pPr>
+            <a:r>
+              <a:rPr lang="en"/>
+              <a:t>Goal</a:t>
+            </a:r>
+            <a:endParaRPr/>
+          </a:p>
+        </p:txBody>
+      </p:sp>
+      <p:sp>
+        <p:nvSpPr>
+          <p:cNvPr id="440" name="Google Shape;440;p37"/>
+          <p:cNvSpPr txBox="1"/>
+          <p:nvPr>
+            <p:ph idx="1" type="body"/>
+          </p:nvPr>
+        </p:nvSpPr>
+        <p:spPr>
+          <a:xfrm>
+            <a:off x="1303800" y="1990050"/>
+            <a:ext cx="7030500" cy="2541600"/>
+          </a:xfrm>
+          <a:prstGeom prst="rect">
+            <a:avLst/>
+          </a:prstGeom>
+        </p:spPr>
+        <p:txBody>
+          <a:bodyPr anchorCtr="0" anchor="t" bIns="91425" lIns="91425" spcFirstLastPara="1" rIns="91425" wrap="square" tIns="91425">
+            <a:normAutofit/>
+          </a:bodyPr>
+          <a:lstStyle/>
+          <a:p>
+            <a:pPr indent="0" lvl="0" marL="0" rtl="0" algn="l">
+              <a:spcBef>
+                <a:spcPts val="0"/>
+              </a:spcBef>
+              <a:spcAft>
+                <a:spcPts val="0"/>
+              </a:spcAft>
+              <a:buNone/>
+            </a:pPr>
+            <a:r>
+              <a:rPr lang="en"/>
+              <a:t>To create a machine learning model that predicts how much new graduates will make</a:t>
+            </a:r>
+            <a:endParaRPr/>
+          </a:p>
+          <a:p>
+            <a:pPr indent="0" lvl="0" marL="0" rtl="0" algn="l">
+              <a:spcBef>
+                <a:spcPts val="1200"/>
+              </a:spcBef>
+              <a:spcAft>
+                <a:spcPts val="1200"/>
+              </a:spcAft>
+              <a:buNone/>
+            </a:pPr>
+            <a:r>
+              <a:rPr lang="en"/>
+              <a:t>The model was used to predict income for both the first and fifth year after leaving school</a:t>
+            </a:r>
+            <a:endParaRPr/>
+          </a:p>
+        </p:txBody>
+      </p:sp>
+    </p:spTree>
+  </p:cSld>
+  <p:clrMapOvr>
+    <a:masterClrMapping/>
+  </p:clrMapOvr>
+</p:sld>
+</file>
+
+<file path=ppt/slides/slide26.xml><?xml version="1.0" encoding="utf-8"?>
+<p:sld xmlns:a="http://schemas.openxmlformats.org/drawingml/2006/main" xmlns:r="http://schemas.openxmlformats.org/officeDocument/2006/relationships" xmlns:mc="http://schemas.openxmlformats.org/markup-compatibility/2006" xmlns:mv="urn:schemas-microsoft-com:mac:vml" xmlns:p="http://schemas.openxmlformats.org/presentationml/2006/main" xmlns:c="http://schemas.openxmlformats.org/drawingml/2006/chart" xmlns:dgm="http://schemas.openxmlformats.org/drawingml/2006/diagram" xmlns:o="urn:schemas-microsoft-com:office:office" xmlns:v="urn:schemas-microsoft-com:vml" xmlns:pvml="urn:schemas-microsoft-com:office:powerpoint" xmlns:com="http://schemas.openxmlformats.org/drawingml/2006/compatibility" xmlns:p14="http://schemas.microsoft.com/office/powerpoint/2010/main" xmlns:p15="http://schemas.microsoft.com/office/powerpoint/2012/main" xmlns:ahyp="http://schemas.microsoft.com/office/drawing/2018/hyperlinkcolor">
+  <p:cSld>
+    <p:spTree>
+      <p:nvGrpSpPr>
+        <p:cNvPr id="444" name="Shape 444"/>
+        <p:cNvGrpSpPr/>
+        <p:nvPr/>
+      </p:nvGrpSpPr>
+      <p:grpSpPr>
+        <a:xfrm>
+          <a:off x="0" y="0"/>
+          <a:ext cx="0" cy="0"/>
+          <a:chOff x="0" y="0"/>
+          <a:chExt cx="0" cy="0"/>
+        </a:xfrm>
+      </p:grpSpPr>
+      <p:sp>
+        <p:nvSpPr>
+          <p:cNvPr id="445" name="Google Shape;445;p38"/>
+          <p:cNvSpPr txBox="1"/>
+          <p:nvPr>
+            <p:ph type="title"/>
+          </p:nvPr>
+        </p:nvSpPr>
+        <p:spPr>
+          <a:xfrm>
+            <a:off x="1303800" y="598575"/>
+            <a:ext cx="7030500" cy="999300"/>
+          </a:xfrm>
+          <a:prstGeom prst="rect">
+            <a:avLst/>
+          </a:prstGeom>
+        </p:spPr>
+        <p:txBody>
+          <a:bodyPr anchorCtr="0" anchor="t" bIns="91425" lIns="91425" spcFirstLastPara="1" rIns="91425" wrap="square" tIns="91425">
+            <a:normAutofit/>
+          </a:bodyPr>
+          <a:lstStyle/>
+          <a:p>
+            <a:pPr indent="0" lvl="0" marL="0" rtl="0" algn="l">
+              <a:spcBef>
+                <a:spcPts val="0"/>
+              </a:spcBef>
+              <a:spcAft>
+                <a:spcPts val="0"/>
+              </a:spcAft>
+              <a:buNone/>
+            </a:pPr>
+            <a:r>
+              <a:rPr lang="en"/>
+              <a:t>The Model</a:t>
+            </a:r>
+            <a:endParaRPr/>
+          </a:p>
+        </p:txBody>
+      </p:sp>
+      <p:sp>
+        <p:nvSpPr>
+          <p:cNvPr id="446" name="Google Shape;446;p38"/>
+          <p:cNvSpPr txBox="1"/>
+          <p:nvPr>
+            <p:ph idx="1" type="body"/>
+          </p:nvPr>
+        </p:nvSpPr>
+        <p:spPr>
+          <a:xfrm>
+            <a:off x="1303800" y="1990050"/>
+            <a:ext cx="7030500" cy="2541600"/>
+          </a:xfrm>
+          <a:prstGeom prst="rect">
+            <a:avLst/>
+          </a:prstGeom>
+        </p:spPr>
+        <p:txBody>
+          <a:bodyPr anchorCtr="0" anchor="t" bIns="91425" lIns="91425" spcFirstLastPara="1" rIns="91425" wrap="square" tIns="91425">
+            <a:normAutofit/>
+          </a:bodyPr>
+          <a:lstStyle/>
+          <a:p>
+            <a:pPr indent="0" lvl="0" marL="0" rtl="0" algn="l">
+              <a:spcBef>
+                <a:spcPts val="0"/>
+              </a:spcBef>
+              <a:spcAft>
+                <a:spcPts val="0"/>
+              </a:spcAft>
+              <a:buNone/>
+            </a:pPr>
+            <a:r>
+              <a:rPr lang="en"/>
+              <a:t>A neural network was used as it was found to be the most accurate for our project</a:t>
+            </a:r>
+            <a:endParaRPr/>
+          </a:p>
+          <a:p>
+            <a:pPr indent="0" lvl="0" marL="0" rtl="0" algn="l">
+              <a:spcBef>
+                <a:spcPts val="1200"/>
+              </a:spcBef>
+              <a:spcAft>
+                <a:spcPts val="0"/>
+              </a:spcAft>
+              <a:buNone/>
+            </a:pPr>
+            <a:r>
+              <a:rPr lang="en"/>
+              <a:t>One iteration of the model attempts to predict income</a:t>
+            </a:r>
+            <a:endParaRPr/>
+          </a:p>
+          <a:p>
+            <a:pPr indent="0" lvl="0" marL="0" rtl="0" algn="l">
+              <a:spcBef>
+                <a:spcPts val="1200"/>
+              </a:spcBef>
+              <a:spcAft>
+                <a:spcPts val="0"/>
+              </a:spcAft>
+              <a:buNone/>
+            </a:pPr>
+            <a:r>
+              <a:rPr lang="en"/>
+              <a:t>The other iteration attempts to predict whether or not your income will be more or less than the median income for that year</a:t>
+            </a:r>
+            <a:endParaRPr/>
+          </a:p>
+          <a:p>
+            <a:pPr indent="0" lvl="0" marL="0" rtl="0" algn="l">
+              <a:spcBef>
+                <a:spcPts val="1200"/>
+              </a:spcBef>
+              <a:spcAft>
+                <a:spcPts val="1200"/>
+              </a:spcAft>
+              <a:buNone/>
+            </a:pPr>
+            <a:r>
+              <a:t/>
+            </a:r>
+            <a:endParaRPr/>
+          </a:p>
+        </p:txBody>
+      </p:sp>
+    </p:spTree>
+  </p:cSld>
+  <p:clrMapOvr>
+    <a:masterClrMapping/>
+  </p:clrMapOvr>
+</p:sld>
+</file>
+
+<file path=ppt/slides/slide27.xml><?xml version="1.0" encoding="utf-8"?>
+<p:sld xmlns:a="http://schemas.openxmlformats.org/drawingml/2006/main" xmlns:r="http://schemas.openxmlformats.org/officeDocument/2006/relationships" xmlns:mc="http://schemas.openxmlformats.org/markup-compatibility/2006" xmlns:mv="urn:schemas-microsoft-com:mac:vml" xmlns:p="http://schemas.openxmlformats.org/presentationml/2006/main" xmlns:c="http://schemas.openxmlformats.org/drawingml/2006/chart" xmlns:dgm="http://schemas.openxmlformats.org/drawingml/2006/diagram" xmlns:o="urn:schemas-microsoft-com:office:office" xmlns:v="urn:schemas-microsoft-com:vml" xmlns:pvml="urn:schemas-microsoft-com:office:powerpoint" xmlns:com="http://schemas.openxmlformats.org/drawingml/2006/compatibility" xmlns:p14="http://schemas.microsoft.com/office/powerpoint/2010/main" xmlns:p15="http://schemas.microsoft.com/office/powerpoint/2012/main" xmlns:ahyp="http://schemas.microsoft.com/office/drawing/2018/hyperlinkcolor">
+  <p:cSld>
+    <p:spTree>
+      <p:nvGrpSpPr>
+        <p:cNvPr id="450" name="Shape 450"/>
+        <p:cNvGrpSpPr/>
+        <p:nvPr/>
+      </p:nvGrpSpPr>
+      <p:grpSpPr>
+        <a:xfrm>
+          <a:off x="0" y="0"/>
+          <a:ext cx="0" cy="0"/>
+          <a:chOff x="0" y="0"/>
+          <a:chExt cx="0" cy="0"/>
+        </a:xfrm>
+      </p:grpSpPr>
+      <p:sp>
+        <p:nvSpPr>
+          <p:cNvPr id="451" name="Google Shape;451;p39"/>
+          <p:cNvSpPr txBox="1"/>
+          <p:nvPr>
+            <p:ph type="title"/>
+          </p:nvPr>
+        </p:nvSpPr>
+        <p:spPr>
+          <a:xfrm>
+            <a:off x="1303800" y="598575"/>
+            <a:ext cx="7030500" cy="999300"/>
+          </a:xfrm>
+          <a:prstGeom prst="rect">
+            <a:avLst/>
+          </a:prstGeom>
+        </p:spPr>
+        <p:txBody>
+          <a:bodyPr anchorCtr="0" anchor="t" bIns="91425" lIns="91425" spcFirstLastPara="1" rIns="91425" wrap="square" tIns="91425">
+            <a:normAutofit/>
+          </a:bodyPr>
+          <a:lstStyle/>
+          <a:p>
+            <a:pPr indent="0" lvl="0" marL="0" rtl="0" algn="l">
+              <a:spcBef>
+                <a:spcPts val="0"/>
+              </a:spcBef>
+              <a:spcAft>
+                <a:spcPts val="0"/>
+              </a:spcAft>
+              <a:buNone/>
+            </a:pPr>
+            <a:r>
+              <a:rPr lang="en"/>
+              <a:t>Results</a:t>
+            </a:r>
+            <a:endParaRPr/>
+          </a:p>
+        </p:txBody>
+      </p:sp>
+      <p:sp>
+        <p:nvSpPr>
+          <p:cNvPr id="452" name="Google Shape;452;p39"/>
+          <p:cNvSpPr txBox="1"/>
+          <p:nvPr>
+            <p:ph idx="1" type="body"/>
+          </p:nvPr>
+        </p:nvSpPr>
+        <p:spPr>
+          <a:xfrm>
+            <a:off x="1303800" y="1990050"/>
+            <a:ext cx="7030500" cy="2541600"/>
+          </a:xfrm>
+          <a:prstGeom prst="rect">
+            <a:avLst/>
+          </a:prstGeom>
+        </p:spPr>
+        <p:txBody>
+          <a:bodyPr anchorCtr="0" anchor="t" bIns="91425" lIns="91425" spcFirstLastPara="1" rIns="91425" wrap="square" tIns="91425">
+            <a:normAutofit/>
+          </a:bodyPr>
+          <a:lstStyle/>
+          <a:p>
+            <a:pPr indent="0" lvl="0" marL="0" rtl="0" algn="l">
+              <a:spcBef>
+                <a:spcPts val="0"/>
+              </a:spcBef>
+              <a:spcAft>
+                <a:spcPts val="0"/>
+              </a:spcAft>
+              <a:buNone/>
+            </a:pPr>
+            <a:r>
+              <a:rPr lang="en"/>
+              <a:t>The model can predict within $6,000 on average what you will make in your first year and within $9,500 for fifth year earnings</a:t>
+            </a:r>
+            <a:endParaRPr/>
+          </a:p>
+          <a:p>
+            <a:pPr indent="0" lvl="0" marL="0" rtl="0" algn="l">
+              <a:spcBef>
+                <a:spcPts val="1200"/>
+              </a:spcBef>
+              <a:spcAft>
+                <a:spcPts val="1200"/>
+              </a:spcAft>
+              <a:buNone/>
+            </a:pPr>
+            <a:r>
+              <a:rPr lang="en"/>
+              <a:t>The model predicts roughly 78.5% of the time if you will make more or less than the median in your first year, and 77.5% of the time for fifth year earnings</a:t>
+            </a:r>
+            <a:endParaRPr/>
+          </a:p>
+        </p:txBody>
+      </p:sp>
+      <p:pic>
+        <p:nvPicPr>
+          <p:cNvPr id="453" name="Google Shape;453;p39"/>
+          <p:cNvPicPr preferRelativeResize="0"/>
+          <p:nvPr/>
+        </p:nvPicPr>
+        <p:blipFill>
+          <a:blip r:embed="rId3">
+            <a:alphaModFix/>
+          </a:blip>
+          <a:stretch>
+            <a:fillRect/>
+          </a:stretch>
+        </p:blipFill>
+        <p:spPr>
+          <a:xfrm>
+            <a:off x="423650" y="3442500"/>
+            <a:ext cx="6932948" cy="407300"/>
+          </a:xfrm>
+          <a:prstGeom prst="rect">
+            <a:avLst/>
+          </a:prstGeom>
+          <a:noFill/>
+          <a:ln>
+            <a:noFill/>
+          </a:ln>
+        </p:spPr>
+      </p:pic>
     </p:spTree>
   </p:cSld>
   <p:clrMapOvr>
@@ -19750,7 +21725,7 @@
             </a:pPr>
             <a:r>
               <a:rPr lang="en"/>
-              <a:t>Can we train a machine learning model on the available data and use that to predict post-secondary employment outcomes for graduates for institutions that haven’t provided that information?</a:t>
+              <a:t>Can we train a machine learning model on the available data and use that to predict post-secondary employment outcomes for graduates depending on their institution and degree type?</a:t>
             </a:r>
             <a:endParaRPr/>
           </a:p>
@@ -19815,7 +21790,7 @@
             </a:pPr>
             <a:r>
               <a:rPr lang="en"/>
-              <a:t>The Exploration</a:t>
+              <a:t>The Database</a:t>
             </a:r>
             <a:endParaRPr/>
           </a:p>
@@ -19857,47 +21832,7 @@
         <p:spPr>
           <a:xfrm>
             <a:off x="1303800" y="598575"/>
-            <a:ext cx="7030500" cy="999300"/>
-          </a:xfrm>
-          <a:prstGeom prst="rect">
-            <a:avLst/>
-          </a:prstGeom>
-        </p:spPr>
-        <p:txBody>
-          <a:bodyPr anchorCtr="0" anchor="t" bIns="91425" lIns="91425" spcFirstLastPara="1" rIns="91425" wrap="square" tIns="91425">
-            <a:normAutofit fontScale="90000"/>
-          </a:bodyPr>
-          <a:lstStyle/>
-          <a:p>
-            <a:pPr indent="0" lvl="0" marL="0" rtl="0" algn="l">
-              <a:spcBef>
-                <a:spcPts val="0"/>
-              </a:spcBef>
-              <a:spcAft>
-                <a:spcPts val="0"/>
-              </a:spcAft>
-              <a:buNone/>
-            </a:pPr>
-            <a:r>
-              <a:rPr lang="en"/>
-              <a:t>Finding out what each column represents</a:t>
-            </a:r>
-            <a:endParaRPr/>
-          </a:p>
-        </p:txBody>
-      </p:sp>
-      <p:sp>
-        <p:nvSpPr>
-          <p:cNvPr id="334" name="Google Shape;334;p21"/>
-          <p:cNvSpPr txBox="1"/>
-          <p:nvPr>
-            <p:ph idx="1" type="body"/>
-          </p:nvPr>
-        </p:nvSpPr>
-        <p:spPr>
-          <a:xfrm>
-            <a:off x="1303800" y="1990050"/>
-            <a:ext cx="7030500" cy="2541600"/>
+            <a:ext cx="7030500" cy="673800"/>
           </a:xfrm>
           <a:prstGeom prst="rect">
             <a:avLst/>
@@ -19914,45 +21849,46 @@
                 <a:spcPts val="0"/>
               </a:spcBef>
               <a:spcAft>
-                <a:spcPts val="1200"/>
+                <a:spcPts val="0"/>
               </a:spcAft>
               <a:buNone/>
             </a:pPr>
             <a:r>
               <a:rPr lang="en"/>
-              <a:t>The names of many columns are vague or unclear. To find out what they stand for we referenced the </a:t>
-            </a:r>
-            <a:r>
-              <a:rPr lang="en" u="sng">
-                <a:solidFill>
-                  <a:schemeClr val="lt2"/>
-                </a:solidFill>
-                <a:hlinkClick r:id="rId3">
-                  <a:extLst>
-                    <a:ext uri="{A12FA001-AC4F-418D-AE19-62706E023703}">
-                      <ahyp:hlinkClr val="tx"/>
-                    </a:ext>
-                  </a:extLst>
-                </a:hlinkClick>
-              </a:rPr>
-              <a:t>LEHD Public Use Data Schema</a:t>
-            </a:r>
-            <a:r>
-              <a:rPr lang="en">
-                <a:solidFill>
-                  <a:schemeClr val="lt2"/>
-                </a:solidFill>
-              </a:rPr>
-              <a:t>.</a:t>
-            </a:r>
-            <a:r>
-              <a:rPr lang="en"/>
-              <a:t> </a:t>
+              <a:t>S3 Bucket</a:t>
             </a:r>
             <a:endParaRPr/>
           </a:p>
         </p:txBody>
       </p:sp>
+      <p:pic>
+        <p:nvPicPr>
+          <p:cNvPr id="334" name="Google Shape;334;p21"/>
+          <p:cNvPicPr preferRelativeResize="0"/>
+          <p:nvPr/>
+        </p:nvPicPr>
+        <p:blipFill>
+          <a:blip r:embed="rId3">
+            <a:alphaModFix/>
+          </a:blip>
+          <a:stretch>
+            <a:fillRect/>
+          </a:stretch>
+        </p:blipFill>
+        <p:spPr>
+          <a:xfrm>
+            <a:off x="152400" y="1756138"/>
+            <a:ext cx="8839198" cy="1631218"/>
+          </a:xfrm>
+          <a:prstGeom prst="rect">
+            <a:avLst/>
+          </a:prstGeom>
+          <a:noFill/>
+          <a:ln>
+            <a:noFill/>
+          </a:ln>
+        </p:spPr>
+      </p:pic>
     </p:spTree>
   </p:cSld>
   <p:clrMapOvr>
@@ -19962,6 +21898,285 @@
 </file>
 
 <file path=ppt/theme/theme1.xml><?xml version="1.0" encoding="utf-8"?>
+<a:theme xmlns:a="http://schemas.openxmlformats.org/drawingml/2006/main" xmlns:r="http://schemas.openxmlformats.org/officeDocument/2006/relationships">
+  <a:themeElements>
+    <a:clrScheme name="Default">
+      <a:dk1>
+        <a:srgbClr val="000000"/>
+      </a:dk1>
+      <a:lt1>
+        <a:srgbClr val="FFFFFF"/>
+      </a:lt1>
+      <a:dk2>
+        <a:srgbClr val="158158"/>
+      </a:dk2>
+      <a:lt2>
+        <a:srgbClr val="F3F3F3"/>
+      </a:lt2>
+      <a:accent1>
+        <a:srgbClr val="058DC7"/>
+      </a:accent1>
+      <a:accent2>
+        <a:srgbClr val="50B432"/>
+      </a:accent2>
+      <a:accent3>
+        <a:srgbClr val="ED561B"/>
+      </a:accent3>
+      <a:accent4>
+        <a:srgbClr val="EDEF00"/>
+      </a:accent4>
+      <a:accent5>
+        <a:srgbClr val="24CBE5"/>
+      </a:accent5>
+      <a:accent6>
+        <a:srgbClr val="64E572"/>
+      </a:accent6>
+      <a:hlink>
+        <a:srgbClr val="2200CC"/>
+      </a:hlink>
+      <a:folHlink>
+        <a:srgbClr val="551A8B"/>
+      </a:folHlink>
+    </a:clrScheme>
+    <a:fontScheme name="Office">
+      <a:majorFont>
+        <a:latin typeface="Arial"/>
+        <a:ea typeface=""/>
+        <a:cs typeface=""/>
+        <a:font script="Jpan" typeface="ＭＳ Ｐゴシック"/>
+        <a:font script="Hang" typeface="맑은 고딕"/>
+        <a:font script="Hans" typeface="宋体"/>
+        <a:font script="Hant" typeface="新細明體"/>
+        <a:font script="Arab" typeface="Times New Roman"/>
+        <a:font script="Hebr" typeface="Times New Roman"/>
+        <a:font script="Thai" typeface="Angsana New"/>
+        <a:font script="Ethi" typeface="Nyala"/>
+        <a:font script="Beng" typeface="Vrinda"/>
+        <a:font script="Gujr" typeface="Shruti"/>
+        <a:font script="Khmr" typeface="MoolBoran"/>
+        <a:font script="Knda" typeface="Tunga"/>
+        <a:font script="Guru" typeface="Raavi"/>
+        <a:font script="Cans" typeface="Euphemia"/>
+        <a:font script="Cher" typeface="Plantagenet Cherokee"/>
+        <a:font script="Yiii" typeface="Microsoft Yi Baiti"/>
+        <a:font script="Tibt" typeface="Microsoft Himalaya"/>
+        <a:font script="Thaa" typeface="MV Boli"/>
+        <a:font script="Deva" typeface="Mangal"/>
+        <a:font script="Telu" typeface="Gautami"/>
+        <a:font script="Taml" typeface="Latha"/>
+        <a:font script="Syrc" typeface="Estrangelo Edessa"/>
+        <a:font script="Orya" typeface="Kalinga"/>
+        <a:font script="Mlym" typeface="Kartika"/>
+        <a:font script="Laoo" typeface="DokChampa"/>
+        <a:font script="Sinh" typeface="Iskoola Pota"/>
+        <a:font script="Mong" typeface="Mongolian Baiti"/>
+        <a:font script="Viet" typeface="Times New Roman"/>
+        <a:font script="Uigh" typeface="Microsoft Uighur"/>
+        <a:font script="Geor" typeface="Sylfaen"/>
+      </a:majorFont>
+      <a:minorFont>
+        <a:latin typeface="Arial"/>
+        <a:ea typeface=""/>
+        <a:cs typeface=""/>
+        <a:font script="Jpan" typeface="ＭＳ Ｐゴシック"/>
+        <a:font script="Hang" typeface="맑은 고딕"/>
+        <a:font script="Hans" typeface="宋体"/>
+        <a:font script="Hant" typeface="新細明體"/>
+        <a:font script="Arab" typeface="Arial"/>
+        <a:font script="Hebr" typeface="Arial"/>
+        <a:font script="Thai" typeface="Cordia New"/>
+        <a:font script="Ethi" typeface="Nyala"/>
+        <a:font script="Beng" typeface="Vrinda"/>
+        <a:font script="Gujr" typeface="Shruti"/>
+        <a:font script="Khmr" typeface="DaunPenh"/>
+        <a:font script="Knda" typeface="Tunga"/>
+        <a:font script="Guru" typeface="Raavi"/>
+        <a:font script="Cans" typeface="Euphemia"/>
+        <a:font script="Cher" typeface="Plantagenet Cherokee"/>
+        <a:font script="Yiii" typeface="Microsoft Yi Baiti"/>
+        <a:font script="Tibt" typeface="Microsoft Himalaya"/>
+        <a:font script="Thaa" typeface="MV Boli"/>
+        <a:font script="Deva" typeface="Mangal"/>
+        <a:font script="Telu" typeface="Gautami"/>
+        <a:font script="Taml" typeface="Latha"/>
+        <a:font script="Syrc" typeface="Estrangelo Edessa"/>
+        <a:font script="Orya" typeface="Kalinga"/>
+        <a:font script="Mlym" typeface="Kartika"/>
+        <a:font script="Laoo" typeface="DokChampa"/>
+        <a:font script="Sinh" typeface="Iskoola Pota"/>
+        <a:font script="Mong" typeface="Mongolian Baiti"/>
+        <a:font script="Viet" typeface="Arial"/>
+        <a:font script="Uigh" typeface="Microsoft Uighur"/>
+        <a:font script="Geor" typeface="Sylfaen"/>
+      </a:minorFont>
+    </a:fontScheme>
+    <a:fmtScheme name="Office">
+      <a:fillStyleLst>
+        <a:solidFill>
+          <a:schemeClr val="phClr"/>
+        </a:solidFill>
+        <a:gradFill rotWithShape="1">
+          <a:gsLst>
+            <a:gs pos="0">
+              <a:schemeClr val="phClr">
+                <a:tint val="50000"/>
+                <a:satMod val="300000"/>
+              </a:schemeClr>
+            </a:gs>
+            <a:gs pos="35000">
+              <a:schemeClr val="phClr">
+                <a:tint val="37000"/>
+                <a:satMod val="300000"/>
+              </a:schemeClr>
+            </a:gs>
+            <a:gs pos="100000">
+              <a:schemeClr val="phClr">
+                <a:tint val="15000"/>
+                <a:satMod val="350000"/>
+              </a:schemeClr>
+            </a:gs>
+          </a:gsLst>
+          <a:lin ang="16200000" scaled="1"/>
+        </a:gradFill>
+        <a:gradFill rotWithShape="1">
+          <a:gsLst>
+            <a:gs pos="0">
+              <a:schemeClr val="phClr">
+                <a:tint val="100000"/>
+                <a:shade val="100000"/>
+                <a:satMod val="130000"/>
+              </a:schemeClr>
+            </a:gs>
+            <a:gs pos="100000">
+              <a:schemeClr val="phClr">
+                <a:tint val="50000"/>
+                <a:shade val="100000"/>
+                <a:satMod val="350000"/>
+              </a:schemeClr>
+            </a:gs>
+          </a:gsLst>
+          <a:lin ang="16200000" scaled="0"/>
+        </a:gradFill>
+      </a:fillStyleLst>
+      <a:lnStyleLst>
+        <a:ln w="9525" cap="flat" cmpd="sng" algn="ctr">
+          <a:solidFill>
+            <a:schemeClr val="phClr">
+              <a:shade val="95000"/>
+              <a:satMod val="105000"/>
+            </a:schemeClr>
+          </a:solidFill>
+          <a:prstDash val="solid"/>
+        </a:ln>
+        <a:ln w="25400" cap="flat" cmpd="sng" algn="ctr">
+          <a:solidFill>
+            <a:schemeClr val="phClr"/>
+          </a:solidFill>
+          <a:prstDash val="solid"/>
+        </a:ln>
+        <a:ln w="38100" cap="flat" cmpd="sng" algn="ctr">
+          <a:solidFill>
+            <a:schemeClr val="phClr"/>
+          </a:solidFill>
+          <a:prstDash val="solid"/>
+        </a:ln>
+      </a:lnStyleLst>
+      <a:effectStyleLst>
+        <a:effectStyle>
+          <a:effectLst>
+            <a:outerShdw blurRad="40000" dist="20000" dir="5400000" rotWithShape="0">
+              <a:srgbClr val="000000">
+                <a:alpha val="38000"/>
+              </a:srgbClr>
+            </a:outerShdw>
+          </a:effectLst>
+        </a:effectStyle>
+        <a:effectStyle>
+          <a:effectLst>
+            <a:outerShdw blurRad="40000" dist="23000" dir="5400000" rotWithShape="0">
+              <a:srgbClr val="000000">
+                <a:alpha val="35000"/>
+              </a:srgbClr>
+            </a:outerShdw>
+          </a:effectLst>
+        </a:effectStyle>
+        <a:effectStyle>
+          <a:effectLst>
+            <a:outerShdw blurRad="40000" dist="23000" dir="5400000" rotWithShape="0">
+              <a:srgbClr val="000000">
+                <a:alpha val="35000"/>
+              </a:srgbClr>
+            </a:outerShdw>
+          </a:effectLst>
+          <a:scene3d>
+            <a:camera prst="orthographicFront">
+              <a:rot lat="0" lon="0" rev="0"/>
+            </a:camera>
+            <a:lightRig rig="threePt" dir="t">
+              <a:rot lat="0" lon="0" rev="1200000"/>
+            </a:lightRig>
+          </a:scene3d>
+          <a:sp3d>
+            <a:bevelT w="63500" h="25400"/>
+          </a:sp3d>
+        </a:effectStyle>
+      </a:effectStyleLst>
+      <a:bgFillStyleLst>
+        <a:solidFill>
+          <a:schemeClr val="phClr"/>
+        </a:solidFill>
+        <a:gradFill rotWithShape="1">
+          <a:gsLst>
+            <a:gs pos="0">
+              <a:schemeClr val="phClr">
+                <a:tint val="40000"/>
+                <a:satMod val="350000"/>
+              </a:schemeClr>
+            </a:gs>
+            <a:gs pos="40000">
+              <a:schemeClr val="phClr">
+                <a:tint val="45000"/>
+                <a:shade val="99000"/>
+                <a:satMod val="350000"/>
+              </a:schemeClr>
+            </a:gs>
+            <a:gs pos="100000">
+              <a:schemeClr val="phClr">
+                <a:shade val="20000"/>
+                <a:satMod val="255000"/>
+              </a:schemeClr>
+            </a:gs>
+          </a:gsLst>
+          <a:path path="circle">
+            <a:fillToRect l="50000" t="-80000" r="50000" b="180000"/>
+          </a:path>
+        </a:gradFill>
+        <a:gradFill rotWithShape="1">
+          <a:gsLst>
+            <a:gs pos="0">
+              <a:schemeClr val="phClr">
+                <a:tint val="80000"/>
+                <a:satMod val="300000"/>
+              </a:schemeClr>
+            </a:gs>
+            <a:gs pos="100000">
+              <a:schemeClr val="phClr">
+                <a:shade val="30000"/>
+                <a:satMod val="200000"/>
+              </a:schemeClr>
+            </a:gs>
+          </a:gsLst>
+          <a:path path="circle">
+            <a:fillToRect l="50000" t="50000" r="50000" b="50000"/>
+          </a:path>
+        </a:gradFill>
+      </a:bgFillStyleLst>
+    </a:fmtScheme>
+  </a:themeElements>
+</a:theme>
+</file>
+
+<file path=ppt/theme/theme2.xml><?xml version="1.0" encoding="utf-8"?>
 <a:theme xmlns:a="http://schemas.openxmlformats.org/drawingml/2006/main" xmlns:r="http://schemas.openxmlformats.org/officeDocument/2006/relationships" name="Inertia">
   <a:themeElements>
     <a:clrScheme name="Momentum">
@@ -20238,283 +22453,4 @@
     </a:fmtScheme>
   </a:themeElements>
 </a:theme>
-</file>
-
-<file path=ppt/theme/theme2.xml><?xml version="1.0" encoding="utf-8"?>
-<a:theme xmlns:a="http://schemas.openxmlformats.org/drawingml/2006/main" xmlns:r="http://schemas.openxmlformats.org/officeDocument/2006/relationships">
-  <a:themeElements>
-    <a:clrScheme name="Default">
-      <a:dk1>
-        <a:srgbClr val="000000"/>
-      </a:dk1>
-      <a:lt1>
-        <a:srgbClr val="FFFFFF"/>
-      </a:lt1>
-      <a:dk2>
-        <a:srgbClr val="158158"/>
-      </a:dk2>
-      <a:lt2>
-        <a:srgbClr val="F3F3F3"/>
-      </a:lt2>
-      <a:accent1>
-        <a:srgbClr val="058DC7"/>
-      </a:accent1>
-      <a:accent2>
-        <a:srgbClr val="50B432"/>
-      </a:accent2>
-      <a:accent3>
-        <a:srgbClr val="ED561B"/>
-      </a:accent3>
-      <a:accent4>
-        <a:srgbClr val="EDEF00"/>
-      </a:accent4>
-      <a:accent5>
-        <a:srgbClr val="24CBE5"/>
-      </a:accent5>
-      <a:accent6>
-        <a:srgbClr val="64E572"/>
-      </a:accent6>
-      <a:hlink>
-        <a:srgbClr val="2200CC"/>
-      </a:hlink>
-      <a:folHlink>
-        <a:srgbClr val="551A8B"/>
-      </a:folHlink>
-    </a:clrScheme>
-    <a:fontScheme name="Office">
-      <a:majorFont>
-        <a:latin typeface="Arial"/>
-        <a:ea typeface=""/>
-        <a:cs typeface=""/>
-        <a:font script="Jpan" typeface="ＭＳ Ｐゴシック"/>
-        <a:font script="Hang" typeface="맑은 고딕"/>
-        <a:font script="Hans" typeface="宋体"/>
-        <a:font script="Hant" typeface="新細明體"/>
-        <a:font script="Arab" typeface="Times New Roman"/>
-        <a:font script="Hebr" typeface="Times New Roman"/>
-        <a:font script="Thai" typeface="Angsana New"/>
-        <a:font script="Ethi" typeface="Nyala"/>
-        <a:font script="Beng" typeface="Vrinda"/>
-        <a:font script="Gujr" typeface="Shruti"/>
-        <a:font script="Khmr" typeface="MoolBoran"/>
-        <a:font script="Knda" typeface="Tunga"/>
-        <a:font script="Guru" typeface="Raavi"/>
-        <a:font script="Cans" typeface="Euphemia"/>
-        <a:font script="Cher" typeface="Plantagenet Cherokee"/>
-        <a:font script="Yiii" typeface="Microsoft Yi Baiti"/>
-        <a:font script="Tibt" typeface="Microsoft Himalaya"/>
-        <a:font script="Thaa" typeface="MV Boli"/>
-        <a:font script="Deva" typeface="Mangal"/>
-        <a:font script="Telu" typeface="Gautami"/>
-        <a:font script="Taml" typeface="Latha"/>
-        <a:font script="Syrc" typeface="Estrangelo Edessa"/>
-        <a:font script="Orya" typeface="Kalinga"/>
-        <a:font script="Mlym" typeface="Kartika"/>
-        <a:font script="Laoo" typeface="DokChampa"/>
-        <a:font script="Sinh" typeface="Iskoola Pota"/>
-        <a:font script="Mong" typeface="Mongolian Baiti"/>
-        <a:font script="Viet" typeface="Times New Roman"/>
-        <a:font script="Uigh" typeface="Microsoft Uighur"/>
-        <a:font script="Geor" typeface="Sylfaen"/>
-      </a:majorFont>
-      <a:minorFont>
-        <a:latin typeface="Arial"/>
-        <a:ea typeface=""/>
-        <a:cs typeface=""/>
-        <a:font script="Jpan" typeface="ＭＳ Ｐゴシック"/>
-        <a:font script="Hang" typeface="맑은 고딕"/>
-        <a:font script="Hans" typeface="宋体"/>
-        <a:font script="Hant" typeface="新細明體"/>
-        <a:font script="Arab" typeface="Arial"/>
-        <a:font script="Hebr" typeface="Arial"/>
-        <a:font script="Thai" typeface="Cordia New"/>
-        <a:font script="Ethi" typeface="Nyala"/>
-        <a:font script="Beng" typeface="Vrinda"/>
-        <a:font script="Gujr" typeface="Shruti"/>
-        <a:font script="Khmr" typeface="DaunPenh"/>
-        <a:font script="Knda" typeface="Tunga"/>
-        <a:font script="Guru" typeface="Raavi"/>
-        <a:font script="Cans" typeface="Euphemia"/>
-        <a:font script="Cher" typeface="Plantagenet Cherokee"/>
-        <a:font script="Yiii" typeface="Microsoft Yi Baiti"/>
-        <a:font script="Tibt" typeface="Microsoft Himalaya"/>
-        <a:font script="Thaa" typeface="MV Boli"/>
-        <a:font script="Deva" typeface="Mangal"/>
-        <a:font script="Telu" typeface="Gautami"/>
-        <a:font script="Taml" typeface="Latha"/>
-        <a:font script="Syrc" typeface="Estrangelo Edessa"/>
-        <a:font script="Orya" typeface="Kalinga"/>
-        <a:font script="Mlym" typeface="Kartika"/>
-        <a:font script="Laoo" typeface="DokChampa"/>
-        <a:font script="Sinh" typeface="Iskoola Pota"/>
-        <a:font script="Mong" typeface="Mongolian Baiti"/>
-        <a:font script="Viet" typeface="Arial"/>
-        <a:font script="Uigh" typeface="Microsoft Uighur"/>
-        <a:font script="Geor" typeface="Sylfaen"/>
-      </a:minorFont>
-    </a:fontScheme>
-    <a:fmtScheme name="Office">
-      <a:fillStyleLst>
-        <a:solidFill>
-          <a:schemeClr val="phClr"/>
-        </a:solidFill>
-        <a:gradFill rotWithShape="1">
-          <a:gsLst>
-            <a:gs pos="0">
-              <a:schemeClr val="phClr">
-                <a:tint val="50000"/>
-                <a:satMod val="300000"/>
-              </a:schemeClr>
-            </a:gs>
-            <a:gs pos="35000">
-              <a:schemeClr val="phClr">
-                <a:tint val="37000"/>
-                <a:satMod val="300000"/>
-              </a:schemeClr>
-            </a:gs>
-            <a:gs pos="100000">
-              <a:schemeClr val="phClr">
-                <a:tint val="15000"/>
-                <a:satMod val="350000"/>
-              </a:schemeClr>
-            </a:gs>
-          </a:gsLst>
-          <a:lin ang="16200000" scaled="1"/>
-        </a:gradFill>
-        <a:gradFill rotWithShape="1">
-          <a:gsLst>
-            <a:gs pos="0">
-              <a:schemeClr val="phClr">
-                <a:tint val="100000"/>
-                <a:shade val="100000"/>
-                <a:satMod val="130000"/>
-              </a:schemeClr>
-            </a:gs>
-            <a:gs pos="100000">
-              <a:schemeClr val="phClr">
-                <a:tint val="50000"/>
-                <a:shade val="100000"/>
-                <a:satMod val="350000"/>
-              </a:schemeClr>
-            </a:gs>
-          </a:gsLst>
-          <a:lin ang="16200000" scaled="0"/>
-        </a:gradFill>
-      </a:fillStyleLst>
-      <a:lnStyleLst>
-        <a:ln w="9525" cap="flat" cmpd="sng" algn="ctr">
-          <a:solidFill>
-            <a:schemeClr val="phClr">
-              <a:shade val="95000"/>
-              <a:satMod val="105000"/>
-            </a:schemeClr>
-          </a:solidFill>
-          <a:prstDash val="solid"/>
-        </a:ln>
-        <a:ln w="25400" cap="flat" cmpd="sng" algn="ctr">
-          <a:solidFill>
-            <a:schemeClr val="phClr"/>
-          </a:solidFill>
-          <a:prstDash val="solid"/>
-        </a:ln>
-        <a:ln w="38100" cap="flat" cmpd="sng" algn="ctr">
-          <a:solidFill>
-            <a:schemeClr val="phClr"/>
-          </a:solidFill>
-          <a:prstDash val="solid"/>
-        </a:ln>
-      </a:lnStyleLst>
-      <a:effectStyleLst>
-        <a:effectStyle>
-          <a:effectLst>
-            <a:outerShdw blurRad="40000" dist="20000" dir="5400000" rotWithShape="0">
-              <a:srgbClr val="000000">
-                <a:alpha val="38000"/>
-              </a:srgbClr>
-            </a:outerShdw>
-          </a:effectLst>
-        </a:effectStyle>
-        <a:effectStyle>
-          <a:effectLst>
-            <a:outerShdw blurRad="40000" dist="23000" dir="5400000" rotWithShape="0">
-              <a:srgbClr val="000000">
-                <a:alpha val="35000"/>
-              </a:srgbClr>
-            </a:outerShdw>
-          </a:effectLst>
-        </a:effectStyle>
-        <a:effectStyle>
-          <a:effectLst>
-            <a:outerShdw blurRad="40000" dist="23000" dir="5400000" rotWithShape="0">
-              <a:srgbClr val="000000">
-                <a:alpha val="35000"/>
-              </a:srgbClr>
-            </a:outerShdw>
-          </a:effectLst>
-          <a:scene3d>
-            <a:camera prst="orthographicFront">
-              <a:rot lat="0" lon="0" rev="0"/>
-            </a:camera>
-            <a:lightRig rig="threePt" dir="t">
-              <a:rot lat="0" lon="0" rev="1200000"/>
-            </a:lightRig>
-          </a:scene3d>
-          <a:sp3d>
-            <a:bevelT w="63500" h="25400"/>
-          </a:sp3d>
-        </a:effectStyle>
-      </a:effectStyleLst>
-      <a:bgFillStyleLst>
-        <a:solidFill>
-          <a:schemeClr val="phClr"/>
-        </a:solidFill>
-        <a:gradFill rotWithShape="1">
-          <a:gsLst>
-            <a:gs pos="0">
-              <a:schemeClr val="phClr">
-                <a:tint val="40000"/>
-                <a:satMod val="350000"/>
-              </a:schemeClr>
-            </a:gs>
-            <a:gs pos="40000">
-              <a:schemeClr val="phClr">
-                <a:tint val="45000"/>
-                <a:shade val="99000"/>
-                <a:satMod val="350000"/>
-              </a:schemeClr>
-            </a:gs>
-            <a:gs pos="100000">
-              <a:schemeClr val="phClr">
-                <a:shade val="20000"/>
-                <a:satMod val="255000"/>
-              </a:schemeClr>
-            </a:gs>
-          </a:gsLst>
-          <a:path path="circle">
-            <a:fillToRect l="50000" t="-80000" r="50000" b="180000"/>
-          </a:path>
-        </a:gradFill>
-        <a:gradFill rotWithShape="1">
-          <a:gsLst>
-            <a:gs pos="0">
-              <a:schemeClr val="phClr">
-                <a:tint val="80000"/>
-                <a:satMod val="300000"/>
-              </a:schemeClr>
-            </a:gs>
-            <a:gs pos="100000">
-              <a:schemeClr val="phClr">
-                <a:shade val="30000"/>
-                <a:satMod val="200000"/>
-              </a:schemeClr>
-            </a:gs>
-          </a:gsLst>
-          <a:path path="circle">
-            <a:fillToRect l="50000" t="50000" r="50000" b="50000"/>
-          </a:path>
-        </a:gradFill>
-      </a:bgFillStyleLst>
-    </a:fmtScheme>
-  </a:themeElements>
-</a:theme>
 </file>
--- a/media/Final Project - Employment Prosepects.pptx
+++ b/media/Final Project - Employment Prosepects.pptx
@@ -35,26 +35,28 @@
     <p:sldId id="280" r:id="rId30"/>
     <p:sldId id="281" r:id="rId31"/>
     <p:sldId id="282" r:id="rId32"/>
+    <p:sldId id="283" r:id="rId33"/>
+    <p:sldId id="284" r:id="rId34"/>
   </p:sldIdLst>
   <p:sldSz cy="5143500" cx="9144000"/>
   <p:notesSz cx="6858000" cy="9144000"/>
   <p:embeddedFontLst>
     <p:embeddedFont>
       <p:font typeface="Nunito"/>
-      <p:regular r:id="rId33"/>
-      <p:bold r:id="rId34"/>
-      <p:italic r:id="rId35"/>
-      <p:boldItalic r:id="rId36"/>
+      <p:regular r:id="rId35"/>
+      <p:bold r:id="rId36"/>
+      <p:italic r:id="rId37"/>
+      <p:boldItalic r:id="rId38"/>
     </p:embeddedFont>
     <p:embeddedFont>
       <p:font typeface="Maven Pro"/>
-      <p:regular r:id="rId37"/>
-      <p:bold r:id="rId38"/>
+      <p:regular r:id="rId39"/>
+      <p:bold r:id="rId40"/>
     </p:embeddedFont>
     <p:embeddedFont>
       <p:font typeface="Comfortaa"/>
-      <p:regular r:id="rId39"/>
-      <p:bold r:id="rId40"/>
+      <p:regular r:id="rId41"/>
+      <p:bold r:id="rId42"/>
     </p:embeddedFont>
   </p:embeddedFontLst>
   <p:defaultTextStyle>
@@ -835,7 +837,7 @@
   <p:cSld>
     <p:spTree>
       <p:nvGrpSpPr>
-        <p:cNvPr id="335" name="Shape 335"/>
+        <p:cNvPr id="336" name="Shape 336"/>
         <p:cNvGrpSpPr/>
         <p:nvPr/>
       </p:nvGrpSpPr>
@@ -849,7 +851,7 @@
       </p:grpSpPr>
       <p:sp>
         <p:nvSpPr>
-          <p:cNvPr id="336" name="Google Shape;336;g12edd4bb9c8_0_10:notes"/>
+          <p:cNvPr id="337" name="Google Shape;337;g12edd4bb9c8_0_17:notes"/>
           <p:cNvSpPr/>
           <p:nvPr>
             <p:ph idx="2" type="sldImg"/>
@@ -884,7 +886,7 @@
       </p:sp>
       <p:sp>
         <p:nvSpPr>
-          <p:cNvPr id="337" name="Google Shape;337;g12edd4bb9c8_0_10:notes"/>
+          <p:cNvPr id="338" name="Google Shape;338;g12edd4bb9c8_0_17:notes"/>
           <p:cNvSpPr txBox="1"/>
           <p:nvPr>
             <p:ph idx="1" type="body"/>
@@ -916,7 +918,7 @@
             </a:pPr>
             <a:r>
               <a:rPr lang="en"/>
-              <a:t>Using AWS RDS, was able to load and upload data to PostgreSQL</a:t>
+              <a:t>After tables were created, data uploaded, we ran a query to make sure everything was correctly done.</a:t>
             </a:r>
             <a:endParaRPr/>
           </a:p>
@@ -949,7 +951,7 @@
       </p:grpSpPr>
       <p:sp>
         <p:nvSpPr>
-          <p:cNvPr id="343" name="Google Shape;343;g12edd4bb9c8_0_17:notes"/>
+          <p:cNvPr id="343" name="Google Shape;343;g12edd4bb9c8_0_24:notes"/>
           <p:cNvSpPr/>
           <p:nvPr>
             <p:ph idx="2" type="sldImg"/>
@@ -984,7 +986,7 @@
       </p:sp>
       <p:sp>
         <p:nvSpPr>
-          <p:cNvPr id="344" name="Google Shape;344;g12edd4bb9c8_0_17:notes"/>
+          <p:cNvPr id="344" name="Google Shape;344;g12edd4bb9c8_0_24:notes"/>
           <p:cNvSpPr txBox="1"/>
           <p:nvPr>
             <p:ph idx="1" type="body"/>
@@ -1016,7 +1018,7 @@
             </a:pPr>
             <a:r>
               <a:rPr lang="en"/>
-              <a:t>After tables were created, data uploaded, we ran a query to make sure everything was correctly done.</a:t>
+              <a:t>Two tables were then joined based on 5 different criteria to ensure the data is joined correctly.</a:t>
             </a:r>
             <a:endParaRPr/>
           </a:p>
@@ -1049,7 +1051,7 @@
       </p:grpSpPr>
       <p:sp>
         <p:nvSpPr>
-          <p:cNvPr id="349" name="Google Shape;349;g12edd4bb9c8_0_24:notes"/>
+          <p:cNvPr id="349" name="Google Shape;349;g129b6330eb3_0_348:notes"/>
           <p:cNvSpPr/>
           <p:nvPr>
             <p:ph idx="2" type="sldImg"/>
@@ -1084,7 +1086,7 @@
       </p:sp>
       <p:sp>
         <p:nvSpPr>
-          <p:cNvPr id="350" name="Google Shape;350;g12edd4bb9c8_0_24:notes"/>
+          <p:cNvPr id="350" name="Google Shape;350;g129b6330eb3_0_348:notes"/>
           <p:cNvSpPr txBox="1"/>
           <p:nvPr>
             <p:ph idx="1" type="body"/>
@@ -1115,8 +1117,7 @@
               <a:buNone/>
             </a:pPr>
             <a:r>
-              <a:rPr lang="en"/>
-              <a:t>Two tables were then joined based on 5 different criteria to ensure the data is joined correctly.</a:t>
+              <a:t/>
             </a:r>
             <a:endParaRPr/>
           </a:p>
@@ -1135,7 +1136,7 @@
   <p:cSld>
     <p:spTree>
       <p:nvGrpSpPr>
-        <p:cNvPr id="354" name="Shape 354"/>
+        <p:cNvPr id="353" name="Shape 353"/>
         <p:cNvGrpSpPr/>
         <p:nvPr/>
       </p:nvGrpSpPr>
@@ -1149,7 +1150,7 @@
       </p:grpSpPr>
       <p:sp>
         <p:nvSpPr>
-          <p:cNvPr id="355" name="Google Shape;355;g129b6330eb3_0_348:notes"/>
+          <p:cNvPr id="354" name="Google Shape;354;g129b6330eb3_0_352:notes"/>
           <p:cNvSpPr/>
           <p:nvPr>
             <p:ph idx="2" type="sldImg"/>
@@ -1184,7 +1185,7 @@
       </p:sp>
       <p:sp>
         <p:nvSpPr>
-          <p:cNvPr id="356" name="Google Shape;356;g129b6330eb3_0_348:notes"/>
+          <p:cNvPr id="355" name="Google Shape;355;g129b6330eb3_0_352:notes"/>
           <p:cNvSpPr txBox="1"/>
           <p:nvPr>
             <p:ph idx="1" type="body"/>
@@ -1248,7 +1249,7 @@
       </p:grpSpPr>
       <p:sp>
         <p:nvSpPr>
-          <p:cNvPr id="360" name="Google Shape;360;g129b6330eb3_0_352:notes"/>
+          <p:cNvPr id="360" name="Google Shape;360;g129c47ed3ce_0_10:notes"/>
           <p:cNvSpPr/>
           <p:nvPr>
             <p:ph idx="2" type="sldImg"/>
@@ -1283,7 +1284,7 @@
       </p:sp>
       <p:sp>
         <p:nvSpPr>
-          <p:cNvPr id="361" name="Google Shape;361;g129b6330eb3_0_352:notes"/>
+          <p:cNvPr id="361" name="Google Shape;361;g129c47ed3ce_0_10:notes"/>
           <p:cNvSpPr txBox="1"/>
           <p:nvPr>
             <p:ph idx="1" type="body"/>
@@ -1314,7 +1315,24 @@
               <a:buNone/>
             </a:pPr>
             <a:r>
-              <a:t/>
+              <a:rPr lang="en"/>
+              <a:t>Here we check for null value counts.</a:t>
+            </a:r>
+            <a:endParaRPr/>
+          </a:p>
+          <a:p>
+            <a:pPr indent="0" lvl="0" marL="0" rtl="0" algn="l">
+              <a:spcBef>
+                <a:spcPts val="0"/>
+              </a:spcBef>
+              <a:spcAft>
+                <a:spcPts val="0"/>
+              </a:spcAft>
+              <a:buNone/>
+            </a:pPr>
+            <a:r>
+              <a:rPr lang="en"/>
+              <a:t>No nulls on certain elements</a:t>
             </a:r>
             <a:endParaRPr/>
           </a:p>
@@ -1333,7 +1351,7 @@
   <p:cSld>
     <p:spTree>
       <p:nvGrpSpPr>
-        <p:cNvPr id="365" name="Shape 365"/>
+        <p:cNvPr id="367" name="Shape 367"/>
         <p:cNvGrpSpPr/>
         <p:nvPr/>
       </p:nvGrpSpPr>
@@ -1347,7 +1365,7 @@
       </p:grpSpPr>
       <p:sp>
         <p:nvSpPr>
-          <p:cNvPr id="366" name="Google Shape;366;g129c47ed3ce_0_10:notes"/>
+          <p:cNvPr id="368" name="Google Shape;368;g129c47ed3ce_0_17:notes"/>
           <p:cNvSpPr/>
           <p:nvPr>
             <p:ph idx="2" type="sldImg"/>
@@ -1382,7 +1400,7 @@
       </p:sp>
       <p:sp>
         <p:nvSpPr>
-          <p:cNvPr id="367" name="Google Shape;367;g129c47ed3ce_0_10:notes"/>
+          <p:cNvPr id="369" name="Google Shape;369;g129c47ed3ce_0_17:notes"/>
           <p:cNvSpPr txBox="1"/>
           <p:nvPr>
             <p:ph idx="1" type="body"/>
@@ -1413,7 +1431,8 @@
               <a:buNone/>
             </a:pPr>
             <a:r>
-              <a:t/>
+              <a:rPr lang="en"/>
+              <a:t>Documentation indicated that aggregation level is unit of analysis.;    Focusing on unit of analysis common to both datasets.;  We found that only four are common, 38, 40, 44, and 46. </a:t>
             </a:r>
             <a:endParaRPr/>
           </a:p>
@@ -1432,7 +1451,7 @@
   <p:cSld>
     <p:spTree>
       <p:nvGrpSpPr>
-        <p:cNvPr id="373" name="Shape 373"/>
+        <p:cNvPr id="374" name="Shape 374"/>
         <p:cNvGrpSpPr/>
         <p:nvPr/>
       </p:nvGrpSpPr>
@@ -1446,7 +1465,7 @@
       </p:grpSpPr>
       <p:sp>
         <p:nvSpPr>
-          <p:cNvPr id="374" name="Google Shape;374;g129c47ed3ce_0_17:notes"/>
+          <p:cNvPr id="375" name="Google Shape;375;g129c47ed3ce_0_24:notes"/>
           <p:cNvSpPr/>
           <p:nvPr>
             <p:ph idx="2" type="sldImg"/>
@@ -1481,7 +1500,7 @@
       </p:sp>
       <p:sp>
         <p:nvSpPr>
-          <p:cNvPr id="375" name="Google Shape;375;g129c47ed3ce_0_17:notes"/>
+          <p:cNvPr id="376" name="Google Shape;376;g129c47ed3ce_0_24:notes"/>
           <p:cNvSpPr txBox="1"/>
           <p:nvPr>
             <p:ph idx="1" type="body"/>
@@ -1512,7 +1531,24 @@
               <a:buNone/>
             </a:pPr>
             <a:r>
-              <a:t/>
+              <a:rPr lang="en"/>
+              <a:t>There were no null values on certain variables.</a:t>
+            </a:r>
+            <a:endParaRPr/>
+          </a:p>
+          <a:p>
+            <a:pPr indent="0" lvl="0" marL="0" rtl="0" algn="l">
+              <a:spcBef>
+                <a:spcPts val="0"/>
+              </a:spcBef>
+              <a:spcAft>
+                <a:spcPts val="0"/>
+              </a:spcAft>
+              <a:buNone/>
+            </a:pPr>
+            <a:r>
+              <a:rPr lang="en"/>
+              <a:t>We use those variable to create a MERGERID primary key on both datasets*.</a:t>
             </a:r>
             <a:endParaRPr/>
           </a:p>
@@ -1531,7 +1567,7 @@
   <p:cSld>
     <p:spTree>
       <p:nvGrpSpPr>
-        <p:cNvPr id="380" name="Shape 380"/>
+        <p:cNvPr id="381" name="Shape 381"/>
         <p:cNvGrpSpPr/>
         <p:nvPr/>
       </p:nvGrpSpPr>
@@ -1545,7 +1581,7 @@
       </p:grpSpPr>
       <p:sp>
         <p:nvSpPr>
-          <p:cNvPr id="381" name="Google Shape;381;g129b6330eb3_0_357:notes"/>
+          <p:cNvPr id="382" name="Google Shape;382;g130c535dbff_0_0:notes"/>
           <p:cNvSpPr/>
           <p:nvPr>
             <p:ph idx="2" type="sldImg"/>
@@ -1580,7 +1616,7 @@
       </p:sp>
       <p:sp>
         <p:nvSpPr>
-          <p:cNvPr id="382" name="Google Shape;382;g129b6330eb3_0_357:notes"/>
+          <p:cNvPr id="383" name="Google Shape;383;g130c535dbff_0_0:notes"/>
           <p:cNvSpPr txBox="1"/>
           <p:nvPr>
             <p:ph idx="1" type="body"/>
@@ -1611,7 +1647,40 @@
               <a:buNone/>
             </a:pPr>
             <a:r>
-              <a:t/>
+              <a:rPr lang="en"/>
+              <a:t>We test null values on data files after mergerID created</a:t>
+            </a:r>
+            <a:endParaRPr/>
+          </a:p>
+          <a:p>
+            <a:pPr indent="0" lvl="0" marL="0" rtl="0" algn="l">
+              <a:spcBef>
+                <a:spcPts val="0"/>
+              </a:spcBef>
+              <a:spcAft>
+                <a:spcPts val="0"/>
+              </a:spcAft>
+              <a:buNone/>
+            </a:pPr>
+            <a:r>
+              <a:rPr lang="en"/>
+              <a:t>There were 80732 non null in PSOF; 80371 in PSOE. </a:t>
+            </a:r>
+            <a:endParaRPr/>
+          </a:p>
+          <a:p>
+            <a:pPr indent="0" lvl="0" marL="0" rtl="0" algn="l">
+              <a:spcBef>
+                <a:spcPts val="0"/>
+              </a:spcBef>
+              <a:spcAft>
+                <a:spcPts val="0"/>
+              </a:spcAft>
+              <a:buNone/>
+            </a:pPr>
+            <a:r>
+              <a:rPr lang="en"/>
+              <a:t>We test by means of subtraction if no duplicates before merger. No duplicates; and merger is successful. </a:t>
             </a:r>
             <a:endParaRPr/>
           </a:p>
@@ -1630,7 +1699,7 @@
   <p:cSld>
     <p:spTree>
       <p:nvGrpSpPr>
-        <p:cNvPr id="385" name="Shape 385"/>
+        <p:cNvPr id="388" name="Shape 388"/>
         <p:cNvGrpSpPr/>
         <p:nvPr/>
       </p:nvGrpSpPr>
@@ -1644,7 +1713,7 @@
       </p:grpSpPr>
       <p:sp>
         <p:nvSpPr>
-          <p:cNvPr id="386" name="Google Shape;386;g129b6330eb3_0_361:notes"/>
+          <p:cNvPr id="389" name="Google Shape;389;g129b6330eb3_0_361:notes"/>
           <p:cNvSpPr/>
           <p:nvPr>
             <p:ph idx="2" type="sldImg"/>
@@ -1679,7 +1748,7 @@
       </p:sp>
       <p:sp>
         <p:nvSpPr>
-          <p:cNvPr id="387" name="Google Shape;387;g129b6330eb3_0_361:notes"/>
+          <p:cNvPr id="390" name="Google Shape;390;g129b6330eb3_0_361:notes"/>
           <p:cNvSpPr txBox="1"/>
           <p:nvPr>
             <p:ph idx="1" type="body"/>
@@ -1710,9 +1779,66 @@
               <a:buNone/>
             </a:pPr>
             <a:r>
-              <a:t/>
+              <a:rPr lang="en" sz="1000">
+                <a:solidFill>
+                  <a:srgbClr val="212121"/>
+                </a:solidFill>
+              </a:rPr>
+              <a:t>Tests on value counts suggests that agg level 40, and 46 will give us most counts of values in analysis: </a:t>
             </a:r>
-            <a:endParaRPr/>
+            <a:endParaRPr sz="1000">
+              <a:solidFill>
+                <a:srgbClr val="212121"/>
+              </a:solidFill>
+            </a:endParaRPr>
+          </a:p>
+          <a:p>
+            <a:pPr indent="0" lvl="0" marL="0" rtl="0" algn="l">
+              <a:spcBef>
+                <a:spcPts val="0"/>
+              </a:spcBef>
+              <a:spcAft>
+                <a:spcPts val="0"/>
+              </a:spcAft>
+              <a:buNone/>
+            </a:pPr>
+            <a:r>
+              <a:rPr lang="en" sz="1000">
+                <a:solidFill>
+                  <a:srgbClr val="212121"/>
+                </a:solidFill>
+              </a:rPr>
+              <a:t>40: 17,822;    46: 55,618.  (46 was selected)</a:t>
+            </a:r>
+            <a:endParaRPr sz="1000">
+              <a:solidFill>
+                <a:srgbClr val="212121"/>
+              </a:solidFill>
+            </a:endParaRPr>
+          </a:p>
+          <a:p>
+            <a:pPr indent="0" lvl="0" marL="0" rtl="0" algn="l">
+              <a:spcBef>
+                <a:spcPts val="0"/>
+              </a:spcBef>
+              <a:spcAft>
+                <a:spcPts val="0"/>
+              </a:spcAft>
+              <a:buNone/>
+            </a:pPr>
+            <a:r>
+              <a:rPr lang="en" sz="1000">
+                <a:solidFill>
+                  <a:srgbClr val="212121"/>
+                </a:solidFill>
+              </a:rPr>
+              <a:t>Iterative tests were done to see which was optimal. </a:t>
+            </a:r>
+            <a:endParaRPr sz="1000">
+              <a:solidFill>
+                <a:srgbClr val="212121"/>
+              </a:solidFill>
+            </a:endParaRPr>
           </a:p>
         </p:txBody>
       </p:sp>
@@ -1729,7 +1855,7 @@
   <p:cSld>
     <p:spTree>
       <p:nvGrpSpPr>
-        <p:cNvPr id="392" name="Shape 392"/>
+        <p:cNvPr id="395" name="Shape 395"/>
         <p:cNvGrpSpPr/>
         <p:nvPr/>
       </p:nvGrpSpPr>
@@ -1743,7 +1869,7 @@
       </p:grpSpPr>
       <p:sp>
         <p:nvSpPr>
-          <p:cNvPr id="393" name="Google Shape;393;g129c47ed3ce_0_24:notes"/>
+          <p:cNvPr id="396" name="Google Shape;396;g129b6330eb3_0_366:notes"/>
           <p:cNvSpPr/>
           <p:nvPr>
             <p:ph idx="2" type="sldImg"/>
@@ -1778,7 +1904,7 @@
       </p:sp>
       <p:sp>
         <p:nvSpPr>
-          <p:cNvPr id="394" name="Google Shape;394;g129c47ed3ce_0_24:notes"/>
+          <p:cNvPr id="397" name="Google Shape;397;g129b6330eb3_0_366:notes"/>
           <p:cNvSpPr txBox="1"/>
           <p:nvPr>
             <p:ph idx="1" type="body"/>
@@ -1927,7 +2053,7 @@
   <p:cSld>
     <p:spTree>
       <p:nvGrpSpPr>
-        <p:cNvPr id="398" name="Shape 398"/>
+        <p:cNvPr id="400" name="Shape 400"/>
         <p:cNvGrpSpPr/>
         <p:nvPr/>
       </p:nvGrpSpPr>
@@ -1941,7 +2067,7 @@
       </p:grpSpPr>
       <p:sp>
         <p:nvSpPr>
-          <p:cNvPr id="399" name="Google Shape;399;g129b6330eb3_0_366:notes"/>
+          <p:cNvPr id="401" name="Google Shape;401;g129b6330eb3_0_370:notes"/>
           <p:cNvSpPr/>
           <p:nvPr>
             <p:ph idx="2" type="sldImg"/>
@@ -1976,7 +2102,7 @@
       </p:sp>
       <p:sp>
         <p:nvSpPr>
-          <p:cNvPr id="400" name="Google Shape;400;g129b6330eb3_0_366:notes"/>
+          <p:cNvPr id="402" name="Google Shape;402;g129b6330eb3_0_370:notes"/>
           <p:cNvSpPr txBox="1"/>
           <p:nvPr>
             <p:ph idx="1" type="body"/>
@@ -2007,7 +2133,12 @@
               <a:buNone/>
             </a:pPr>
             <a:r>
-              <a:t/>
+              <a:rPr lang="en"/>
+              <a:t>After analysis on Tableau, we solidified our theory that the most important factors to one’s earnings are: degree </a:t>
+            </a:r>
+            <a:r>
+              <a:rPr lang="en"/>
+              <a:t>level, institution, and cip-code, all of which are encoded with numbers. Will show you what they are in the next slide. In blue, we have the average earnings of all the groups in the 1st year of employment and in orange, the 5th year of employment. In the degree vs earnings graph you can see that the higher the degree, the higher the average 1st year income. In institution vs earnings, you can see only a handful of institutions can give you an average 1st year income of more than 100k. In cip-code vs earnings, you can see that almost all fields of study are the same except for number 60. Interestingly, we discovered 2 things. 1. If you make more the first year, you are likely to make more the 5th year as well. 2. If you make more than 100k the first year, you income will increase less dramatically than those who make less than 60k the first year.</a:t>
             </a:r>
             <a:endParaRPr/>
           </a:p>
@@ -2026,7 +2157,7 @@
   <p:cSld>
     <p:spTree>
       <p:nvGrpSpPr>
-        <p:cNvPr id="403" name="Shape 403"/>
+        <p:cNvPr id="415" name="Shape 415"/>
         <p:cNvGrpSpPr/>
         <p:nvPr/>
       </p:nvGrpSpPr>
@@ -2040,7 +2171,7 @@
       </p:grpSpPr>
       <p:sp>
         <p:nvSpPr>
-          <p:cNvPr id="404" name="Google Shape;404;g129b6330eb3_0_370:notes"/>
+          <p:cNvPr id="416" name="Google Shape;416;g129c47ed3ce_0_5:notes"/>
           <p:cNvSpPr/>
           <p:nvPr>
             <p:ph idx="2" type="sldImg"/>
@@ -2075,7 +2206,7 @@
       </p:sp>
       <p:sp>
         <p:nvSpPr>
-          <p:cNvPr id="405" name="Google Shape;405;g129b6330eb3_0_370:notes"/>
+          <p:cNvPr id="417" name="Google Shape;417;g129c47ed3ce_0_5:notes"/>
           <p:cNvSpPr txBox="1"/>
           <p:nvPr>
             <p:ph idx="1" type="body"/>
@@ -2107,11 +2238,23 @@
             </a:pPr>
             <a:r>
               <a:rPr lang="en"/>
-              <a:t>After analysis on Tableau, we solidified our theory that the most important factors to one’s earnings are: degree </a:t>
+              <a:t>Did relationship analysis on several features vs earnings: degree level, aggregation level, grad cohort, and institution. Grad cohort and aggregation level along with other features like geography and industry that have only one unique variable had little to no effect on average income. Whether there’s a high or low percentage of students who were employed </a:t>
             </a:r>
             <a:r>
               <a:rPr lang="en"/>
-              <a:t>level, institution, and cip-code, all of which are encoded with numbers. Will show you what they are in the next slide. In blue, we have the average earnings of all the groups in the 1st year of employment and in orange, the 5th year of employment. In the degree vs earnings graph you can see that the higher the degree, the higher the average 1st year income. In institution vs earnings, you can see only a handful of institutions can give you an average 1st year income of more than 100k. In cip-code vs earnings, you can see that almost all fields of study are the same except for number 60. Interestingly, we discovered 2 things. 1. If you make more the first year, you are likely to make more the 5th year as well. 2. If you make more than 100k the first year, you income will increase less dramatically than those who make less than 60k the first year.</a:t>
+              <a:t>in state</a:t>
+            </a:r>
+            <a:r>
+              <a:rPr lang="en"/>
+              <a:t> didn’t seem to matter either.</a:t>
+            </a:r>
+            <a:r>
+              <a:rPr lang="en">
+                <a:solidFill>
+                  <a:schemeClr val="dk1"/>
+                </a:solidFill>
+              </a:rPr>
+              <a:t> Higher the degree, higher the average 1st year income. Only a handful of institutions can produce students with an average income of more than 60k the 1st year. Almost all fields of study are the same except for residency programs with an average 1st year income of $148k. Here again, we see that it’s more common to see an increase in income of more than 30k in groups that make less than 60k the 1st year.</a:t>
             </a:r>
             <a:endParaRPr/>
           </a:p>
@@ -2130,7 +2273,7 @@
   <p:cSld>
     <p:spTree>
       <p:nvGrpSpPr>
-        <p:cNvPr id="418" name="Shape 418"/>
+        <p:cNvPr id="421" name="Shape 421"/>
         <p:cNvGrpSpPr/>
         <p:nvPr/>
       </p:nvGrpSpPr>
@@ -2144,7 +2287,7 @@
       </p:grpSpPr>
       <p:sp>
         <p:nvSpPr>
-          <p:cNvPr id="419" name="Google Shape;419;g129c47ed3ce_0_5:notes"/>
+          <p:cNvPr id="422" name="Google Shape;422;g12edd4bb9c8_0_30:notes"/>
           <p:cNvSpPr/>
           <p:nvPr>
             <p:ph idx="2" type="sldImg"/>
@@ -2179,7 +2322,7 @@
       </p:sp>
       <p:sp>
         <p:nvSpPr>
-          <p:cNvPr id="420" name="Google Shape;420;g129c47ed3ce_0_5:notes"/>
+          <p:cNvPr id="423" name="Google Shape;423;g12edd4bb9c8_0_30:notes"/>
           <p:cNvSpPr txBox="1"/>
           <p:nvPr>
             <p:ph idx="1" type="body"/>
@@ -2211,23 +2354,7 @@
             </a:pPr>
             <a:r>
               <a:rPr lang="en"/>
-              <a:t>Did relationship analysis on several features vs earnings: degree level, aggregation level, grad cohort, and institution. Grad cohort and aggregation level along with other features like geography and industry that have only one unique variable had little to no effect on average income. Whether there’s a high or low percentage of students who were employed </a:t>
-            </a:r>
-            <a:r>
-              <a:rPr lang="en"/>
-              <a:t>in state</a:t>
-            </a:r>
-            <a:r>
-              <a:rPr lang="en"/>
-              <a:t> didn’t seem to matter either.</a:t>
-            </a:r>
-            <a:r>
-              <a:rPr lang="en">
-                <a:solidFill>
-                  <a:schemeClr val="dk1"/>
-                </a:solidFill>
-              </a:rPr>
-              <a:t> Higher the degree, higher the average 1st year income. Only a handful of institutions can produce students with an average income of more than 60k the 1st year. Almost all fields of study are the same except for residency programs with an average 1st year income of $148k. Here again, we see that it’s more common to see an increase in income of more than 30k in groups that make less than 60k the 1st year.</a:t>
+              <a:t>If we take all the highest income groups and mash them together, we get the group who has a masters in a residency program and studied at Texas A&amp;M System Health Science Center with an average 5th year income of $300,000!</a:t>
             </a:r>
             <a:endParaRPr/>
           </a:p>
@@ -2246,7 +2373,7 @@
   <p:cSld>
     <p:spTree>
       <p:nvGrpSpPr>
-        <p:cNvPr id="424" name="Shape 424"/>
+        <p:cNvPr id="427" name="Shape 427"/>
         <p:cNvGrpSpPr/>
         <p:nvPr/>
       </p:nvGrpSpPr>
@@ -2260,7 +2387,7 @@
       </p:grpSpPr>
       <p:sp>
         <p:nvSpPr>
-          <p:cNvPr id="425" name="Google Shape;425;g12edd4bb9c8_0_30:notes"/>
+          <p:cNvPr id="428" name="Google Shape;428;g12cdbbe22b3_0_0:notes"/>
           <p:cNvSpPr/>
           <p:nvPr>
             <p:ph idx="2" type="sldImg"/>
@@ -2295,7 +2422,7 @@
       </p:sp>
       <p:sp>
         <p:nvSpPr>
-          <p:cNvPr id="426" name="Google Shape;426;g12edd4bb9c8_0_30:notes"/>
+          <p:cNvPr id="429" name="Google Shape;429;g12cdbbe22b3_0_0:notes"/>
           <p:cNvSpPr txBox="1"/>
           <p:nvPr>
             <p:ph idx="1" type="body"/>
@@ -2326,8 +2453,7 @@
               <a:buNone/>
             </a:pPr>
             <a:r>
-              <a:rPr lang="en"/>
-              <a:t>If we take all the highest income groups and mash them together, we get the group who has a masters in a residency program and studied at Texas A&amp;M System Health Science Center with an average 5th year income of $300,000!</a:t>
+              <a:t/>
             </a:r>
             <a:endParaRPr/>
           </a:p>
@@ -2346,7 +2472,7 @@
   <p:cSld>
     <p:spTree>
       <p:nvGrpSpPr>
-        <p:cNvPr id="430" name="Shape 430"/>
+        <p:cNvPr id="432" name="Shape 432"/>
         <p:cNvGrpSpPr/>
         <p:nvPr/>
       </p:nvGrpSpPr>
@@ -2360,7 +2486,7 @@
       </p:grpSpPr>
       <p:sp>
         <p:nvSpPr>
-          <p:cNvPr id="431" name="Google Shape;431;g12cdbbe22b3_0_0:notes"/>
+          <p:cNvPr id="433" name="Google Shape;433;g12cdbbe22b3_0_5:notes"/>
           <p:cNvSpPr/>
           <p:nvPr>
             <p:ph idx="2" type="sldImg"/>
@@ -2395,7 +2521,7 @@
       </p:sp>
       <p:sp>
         <p:nvSpPr>
-          <p:cNvPr id="432" name="Google Shape;432;g12cdbbe22b3_0_0:notes"/>
+          <p:cNvPr id="434" name="Google Shape;434;g12cdbbe22b3_0_5:notes"/>
           <p:cNvSpPr txBox="1"/>
           <p:nvPr>
             <p:ph idx="1" type="body"/>
@@ -2445,7 +2571,7 @@
   <p:cSld>
     <p:spTree>
       <p:nvGrpSpPr>
-        <p:cNvPr id="435" name="Shape 435"/>
+        <p:cNvPr id="438" name="Shape 438"/>
         <p:cNvGrpSpPr/>
         <p:nvPr/>
       </p:nvGrpSpPr>
@@ -2459,7 +2585,7 @@
       </p:grpSpPr>
       <p:sp>
         <p:nvSpPr>
-          <p:cNvPr id="436" name="Google Shape;436;g12cdbbe22b3_0_5:notes"/>
+          <p:cNvPr id="439" name="Google Shape;439;g12cdbbe22b3_0_10:notes"/>
           <p:cNvSpPr/>
           <p:nvPr>
             <p:ph idx="2" type="sldImg"/>
@@ -2494,7 +2620,7 @@
       </p:sp>
       <p:sp>
         <p:nvSpPr>
-          <p:cNvPr id="437" name="Google Shape;437;g12cdbbe22b3_0_5:notes"/>
+          <p:cNvPr id="440" name="Google Shape;440;g12cdbbe22b3_0_10:notes"/>
           <p:cNvSpPr txBox="1"/>
           <p:nvPr>
             <p:ph idx="1" type="body"/>
@@ -2544,7 +2670,7 @@
   <p:cSld>
     <p:spTree>
       <p:nvGrpSpPr>
-        <p:cNvPr id="441" name="Shape 441"/>
+        <p:cNvPr id="444" name="Shape 444"/>
         <p:cNvGrpSpPr/>
         <p:nvPr/>
       </p:nvGrpSpPr>
@@ -2558,7 +2684,7 @@
       </p:grpSpPr>
       <p:sp>
         <p:nvSpPr>
-          <p:cNvPr id="442" name="Google Shape;442;g12cdbbe22b3_0_10:notes"/>
+          <p:cNvPr id="445" name="Google Shape;445;g12cdbbe22b3_0_15:notes"/>
           <p:cNvSpPr/>
           <p:nvPr>
             <p:ph idx="2" type="sldImg"/>
@@ -2593,7 +2719,7 @@
       </p:sp>
       <p:sp>
         <p:nvSpPr>
-          <p:cNvPr id="443" name="Google Shape;443;g12cdbbe22b3_0_10:notes"/>
+          <p:cNvPr id="446" name="Google Shape;446;g12cdbbe22b3_0_15:notes"/>
           <p:cNvSpPr txBox="1"/>
           <p:nvPr>
             <p:ph idx="1" type="body"/>
@@ -2643,7 +2769,7 @@
   <p:cSld>
     <p:spTree>
       <p:nvGrpSpPr>
-        <p:cNvPr id="447" name="Shape 447"/>
+        <p:cNvPr id="451" name="Shape 451"/>
         <p:cNvGrpSpPr/>
         <p:nvPr/>
       </p:nvGrpSpPr>
@@ -2657,7 +2783,7 @@
       </p:grpSpPr>
       <p:sp>
         <p:nvSpPr>
-          <p:cNvPr id="448" name="Google Shape;448;g12cdbbe22b3_0_15:notes"/>
+          <p:cNvPr id="452" name="Google Shape;452;g129b6330eb3_0_331:notes"/>
           <p:cNvSpPr/>
           <p:nvPr>
             <p:ph idx="2" type="sldImg"/>
@@ -2692,7 +2818,7 @@
       </p:sp>
       <p:sp>
         <p:nvSpPr>
-          <p:cNvPr id="449" name="Google Shape;449;g12cdbbe22b3_0_15:notes"/>
+          <p:cNvPr id="453" name="Google Shape;453;g129b6330eb3_0_331:notes"/>
           <p:cNvSpPr txBox="1"/>
           <p:nvPr>
             <p:ph idx="1" type="body"/>
@@ -2723,7 +2849,251 @@
               <a:buNone/>
             </a:pPr>
             <a:r>
+              <a:rPr lang="en"/>
+              <a:t>The IPEDS data shows that the vast majority of higher education institutions in the sample population are from TX  and VA. </a:t>
+            </a:r>
+            <a:endParaRPr/>
+          </a:p>
+          <a:p>
+            <a:pPr indent="0" lvl="0" marL="0" rtl="0" algn="l">
+              <a:spcBef>
+                <a:spcPts val="0"/>
+              </a:spcBef>
+              <a:spcAft>
+                <a:spcPts val="0"/>
+              </a:spcAft>
+              <a:buNone/>
+            </a:pPr>
+            <a:r>
+              <a:rPr lang="en"/>
+              <a:t>This is because they are the founders of the </a:t>
+            </a:r>
+            <a:r>
+              <a:rPr lang="en"/>
+              <a:t>initiative.</a:t>
+            </a:r>
+            <a:endParaRPr/>
+          </a:p>
+        </p:txBody>
+      </p:sp>
+    </p:spTree>
+  </p:cSld>
+  <p:clrMapOvr>
+    <a:masterClrMapping/>
+  </p:clrMapOvr>
+</p:notes>
+</file>
+
+<file path=ppt/notesSlides/notesSlide28.xml><?xml version="1.0" encoding="utf-8"?>
+<p:notes xmlns:a="http://schemas.openxmlformats.org/drawingml/2006/main" xmlns:r="http://schemas.openxmlformats.org/officeDocument/2006/relationships" xmlns:mc="http://schemas.openxmlformats.org/markup-compatibility/2006" xmlns:mv="urn:schemas-microsoft-com:mac:vml" xmlns:p="http://schemas.openxmlformats.org/presentationml/2006/main" xmlns:c="http://schemas.openxmlformats.org/drawingml/2006/chart" xmlns:dgm="http://schemas.openxmlformats.org/drawingml/2006/diagram" xmlns:o="urn:schemas-microsoft-com:office:office" xmlns:v="urn:schemas-microsoft-com:vml" xmlns:pvml="urn:schemas-microsoft-com:office:powerpoint" xmlns:com="http://schemas.openxmlformats.org/drawingml/2006/compatibility" xmlns:p14="http://schemas.microsoft.com/office/powerpoint/2010/main" xmlns:p15="http://schemas.microsoft.com/office/powerpoint/2012/main" xmlns:ahyp="http://schemas.microsoft.com/office/drawing/2018/hyperlinkcolor" showMasterPhAnim="0" showMasterSp="0">
+  <p:cSld>
+    <p:spTree>
+      <p:nvGrpSpPr>
+        <p:cNvPr id="460" name="Shape 460"/>
+        <p:cNvGrpSpPr/>
+        <p:nvPr/>
+      </p:nvGrpSpPr>
+      <p:grpSpPr>
+        <a:xfrm>
+          <a:off x="0" y="0"/>
+          <a:ext cx="0" cy="0"/>
+          <a:chOff x="0" y="0"/>
+          <a:chExt cx="0" cy="0"/>
+        </a:xfrm>
+      </p:grpSpPr>
+      <p:sp>
+        <p:nvSpPr>
+          <p:cNvPr id="461" name="Google Shape;461;g130c535dbff_0_22:notes"/>
+          <p:cNvSpPr/>
+          <p:nvPr>
+            <p:ph idx="2" type="sldImg"/>
+          </p:nvPr>
+        </p:nvSpPr>
+        <p:spPr>
+          <a:xfrm>
+            <a:off x="381300" y="685800"/>
+            <a:ext cx="6096000" cy="3429000"/>
+          </a:xfrm>
+          <a:custGeom>
+            <a:rect b="b" l="l" r="r" t="t"/>
+            <a:pathLst>
+              <a:path extrusionOk="0" h="120000" w="120000">
+                <a:moveTo>
+                  <a:pt x="0" y="0"/>
+                </a:moveTo>
+                <a:lnTo>
+                  <a:pt x="120000" y="0"/>
+                </a:lnTo>
+                <a:lnTo>
+                  <a:pt x="120000" y="120000"/>
+                </a:lnTo>
+                <a:lnTo>
+                  <a:pt x="0" y="120000"/>
+                </a:lnTo>
+                <a:close/>
+              </a:path>
+            </a:pathLst>
+          </a:custGeom>
+        </p:spPr>
+      </p:sp>
+      <p:sp>
+        <p:nvSpPr>
+          <p:cNvPr id="462" name="Google Shape;462;g130c535dbff_0_22:notes"/>
+          <p:cNvSpPr txBox="1"/>
+          <p:nvPr>
+            <p:ph idx="1" type="body"/>
+          </p:nvPr>
+        </p:nvSpPr>
+        <p:spPr>
+          <a:xfrm>
+            <a:off x="685800" y="4343400"/>
+            <a:ext cx="5486400" cy="4114800"/>
+          </a:xfrm>
+          <a:prstGeom prst="rect">
+            <a:avLst/>
+          </a:prstGeom>
+        </p:spPr>
+        <p:txBody>
+          <a:bodyPr anchorCtr="0" anchor="t" bIns="91425" lIns="91425" spcFirstLastPara="1" rIns="91425" wrap="square" tIns="91425">
+            <a:noAutofit/>
+          </a:bodyPr>
+          <a:lstStyle/>
+          <a:p>
+            <a:pPr indent="0" lvl="0" marL="0" rtl="0" algn="l">
+              <a:spcBef>
+                <a:spcPts val="0"/>
+              </a:spcBef>
+              <a:spcAft>
+                <a:spcPts val="0"/>
+              </a:spcAft>
+              <a:buNone/>
+            </a:pPr>
+            <a:r>
               <a:t/>
+            </a:r>
+            <a:endParaRPr/>
+          </a:p>
+        </p:txBody>
+      </p:sp>
+    </p:spTree>
+  </p:cSld>
+  <p:clrMapOvr>
+    <a:masterClrMapping/>
+  </p:clrMapOvr>
+</p:notes>
+</file>
+
+<file path=ppt/notesSlides/notesSlide29.xml><?xml version="1.0" encoding="utf-8"?>
+<p:notes xmlns:a="http://schemas.openxmlformats.org/drawingml/2006/main" xmlns:r="http://schemas.openxmlformats.org/officeDocument/2006/relationships" xmlns:mc="http://schemas.openxmlformats.org/markup-compatibility/2006" xmlns:mv="urn:schemas-microsoft-com:mac:vml" xmlns:p="http://schemas.openxmlformats.org/presentationml/2006/main" xmlns:c="http://schemas.openxmlformats.org/drawingml/2006/chart" xmlns:dgm="http://schemas.openxmlformats.org/drawingml/2006/diagram" xmlns:o="urn:schemas-microsoft-com:office:office" xmlns:v="urn:schemas-microsoft-com:vml" xmlns:pvml="urn:schemas-microsoft-com:office:powerpoint" xmlns:com="http://schemas.openxmlformats.org/drawingml/2006/compatibility" xmlns:p14="http://schemas.microsoft.com/office/powerpoint/2010/main" xmlns:p15="http://schemas.microsoft.com/office/powerpoint/2012/main" xmlns:ahyp="http://schemas.microsoft.com/office/drawing/2018/hyperlinkcolor" showMasterPhAnim="0" showMasterSp="0">
+  <p:cSld>
+    <p:spTree>
+      <p:nvGrpSpPr>
+        <p:cNvPr id="469" name="Shape 469"/>
+        <p:cNvGrpSpPr/>
+        <p:nvPr/>
+      </p:nvGrpSpPr>
+      <p:grpSpPr>
+        <a:xfrm>
+          <a:off x="0" y="0"/>
+          <a:ext cx="0" cy="0"/>
+          <a:chOff x="0" y="0"/>
+          <a:chExt cx="0" cy="0"/>
+        </a:xfrm>
+      </p:grpSpPr>
+      <p:sp>
+        <p:nvSpPr>
+          <p:cNvPr id="470" name="Google Shape;470;g130c535dbff_0_34:notes"/>
+          <p:cNvSpPr/>
+          <p:nvPr>
+            <p:ph idx="2" type="sldImg"/>
+          </p:nvPr>
+        </p:nvSpPr>
+        <p:spPr>
+          <a:xfrm>
+            <a:off x="381300" y="685800"/>
+            <a:ext cx="6096000" cy="3429000"/>
+          </a:xfrm>
+          <a:custGeom>
+            <a:rect b="b" l="l" r="r" t="t"/>
+            <a:pathLst>
+              <a:path extrusionOk="0" h="120000" w="120000">
+                <a:moveTo>
+                  <a:pt x="0" y="0"/>
+                </a:moveTo>
+                <a:lnTo>
+                  <a:pt x="120000" y="0"/>
+                </a:lnTo>
+                <a:lnTo>
+                  <a:pt x="120000" y="120000"/>
+                </a:lnTo>
+                <a:lnTo>
+                  <a:pt x="0" y="120000"/>
+                </a:lnTo>
+                <a:close/>
+              </a:path>
+            </a:pathLst>
+          </a:custGeom>
+        </p:spPr>
+      </p:sp>
+      <p:sp>
+        <p:nvSpPr>
+          <p:cNvPr id="471" name="Google Shape;471;g130c535dbff_0_34:notes"/>
+          <p:cNvSpPr txBox="1"/>
+          <p:nvPr>
+            <p:ph idx="1" type="body"/>
+          </p:nvPr>
+        </p:nvSpPr>
+        <p:spPr>
+          <a:xfrm>
+            <a:off x="685800" y="4343400"/>
+            <a:ext cx="5486400" cy="4114800"/>
+          </a:xfrm>
+          <a:prstGeom prst="rect">
+            <a:avLst/>
+          </a:prstGeom>
+        </p:spPr>
+        <p:txBody>
+          <a:bodyPr anchorCtr="0" anchor="t" bIns="91425" lIns="91425" spcFirstLastPara="1" rIns="91425" wrap="square" tIns="91425">
+            <a:noAutofit/>
+          </a:bodyPr>
+          <a:lstStyle/>
+          <a:p>
+            <a:pPr indent="0" lvl="0" marL="0" rtl="0" algn="l">
+              <a:spcBef>
+                <a:spcPts val="0"/>
+              </a:spcBef>
+              <a:spcAft>
+                <a:spcPts val="0"/>
+              </a:spcAft>
+              <a:buNone/>
+            </a:pPr>
+            <a:r>
+              <a:rPr lang="en"/>
+              <a:t>The data includes Local (urban to rural);     </a:t>
+            </a:r>
+            <a:r>
+              <a:rPr lang="en">
+                <a:solidFill>
+                  <a:schemeClr val="dk1"/>
+                </a:solidFill>
+              </a:rPr>
+              <a:t>Undergrad</a:t>
+            </a:r>
+            <a:r>
+              <a:rPr lang="en">
+                <a:solidFill>
+                  <a:schemeClr val="dk1"/>
+                </a:solidFill>
+              </a:rPr>
+              <a:t> offering status (‘1’ is yes ‘0’ is no)</a:t>
+            </a:r>
+            <a:r>
+              <a:rPr lang="en"/>
+              <a:t>;     Graduate </a:t>
+            </a:r>
+            <a:r>
+              <a:rPr lang="en"/>
+              <a:t>offering status (‘1’ is yes ‘0’ is no);    Is public inst is (‘1’ for public‘0’ for private);    INST_SET_CLASS (CARNAGIE classication ordinal variable - lower ranks indicate lower levels of both urbanization and degree levels;    IS_MULTI_CAMPUS (‘1’ has multiple campus sites ‘0’ is only one);    INST_SIZE is continuous for size of study body.;    The statistical sig. Of intercept suggests that additional data points aren’t in this model</a:t>
             </a:r>
             <a:endParaRPr/>
           </a:p>
@@ -3059,7 +3429,7 @@
       </p:grpSpPr>
       <p:sp>
         <p:nvSpPr>
-          <p:cNvPr id="308" name="Google Shape;308;g129b6330eb3_0_331:notes"/>
+          <p:cNvPr id="308" name="Google Shape;308;g129b6330eb3_0_339:notes"/>
           <p:cNvSpPr/>
           <p:nvPr>
             <p:ph idx="2" type="sldImg"/>
@@ -3094,7 +3464,7 @@
       </p:sp>
       <p:sp>
         <p:nvSpPr>
-          <p:cNvPr id="309" name="Google Shape;309;g129b6330eb3_0_331:notes"/>
+          <p:cNvPr id="309" name="Google Shape;309;g129b6330eb3_0_339:notes"/>
           <p:cNvSpPr txBox="1"/>
           <p:nvPr>
             <p:ph idx="1" type="body"/>
@@ -3125,8 +3495,7 @@
               <a:buNone/>
             </a:pPr>
             <a:r>
-              <a:rPr lang="en"/>
-              <a:t>Post Secondary Employment Outcome dataset has minimal information on the Universities and Colleges themselves. IPEDS fills that gap.</a:t>
+              <a:t/>
             </a:r>
             <a:endParaRPr/>
           </a:p>
@@ -3145,7 +3514,7 @@
   <p:cSld>
     <p:spTree>
       <p:nvGrpSpPr>
-        <p:cNvPr id="313" name="Shape 313"/>
+        <p:cNvPr id="312" name="Shape 312"/>
         <p:cNvGrpSpPr/>
         <p:nvPr/>
       </p:nvGrpSpPr>
@@ -3159,7 +3528,7 @@
       </p:grpSpPr>
       <p:sp>
         <p:nvSpPr>
-          <p:cNvPr id="314" name="Google Shape;314;g129b6330eb3_0_339:notes"/>
+          <p:cNvPr id="313" name="Google Shape;313;g129b6330eb3_0_343:notes"/>
           <p:cNvSpPr/>
           <p:nvPr>
             <p:ph idx="2" type="sldImg"/>
@@ -3194,7 +3563,7 @@
       </p:sp>
       <p:sp>
         <p:nvSpPr>
-          <p:cNvPr id="315" name="Google Shape;315;g129b6330eb3_0_339:notes"/>
+          <p:cNvPr id="314" name="Google Shape;314;g129b6330eb3_0_343:notes"/>
           <p:cNvSpPr txBox="1"/>
           <p:nvPr>
             <p:ph idx="1" type="body"/>
@@ -3225,7 +3594,8 @@
               <a:buNone/>
             </a:pPr>
             <a:r>
-              <a:t/>
+              <a:rPr lang="en"/>
+              <a:t>We looked at degree level, type, and institution as predictors of earnings after graduation. </a:t>
             </a:r>
             <a:endParaRPr/>
           </a:p>
@@ -3258,7 +3628,7 @@
       </p:grpSpPr>
       <p:sp>
         <p:nvSpPr>
-          <p:cNvPr id="319" name="Google Shape;319;g129b6330eb3_0_343:notes"/>
+          <p:cNvPr id="319" name="Google Shape;319;g12edd4bb9c8_0_0:notes"/>
           <p:cNvSpPr/>
           <p:nvPr>
             <p:ph idx="2" type="sldImg"/>
@@ -3293,7 +3663,7 @@
       </p:sp>
       <p:sp>
         <p:nvSpPr>
-          <p:cNvPr id="320" name="Google Shape;320;g129b6330eb3_0_343:notes"/>
+          <p:cNvPr id="320" name="Google Shape;320;g12edd4bb9c8_0_0:notes"/>
           <p:cNvSpPr txBox="1"/>
           <p:nvPr>
             <p:ph idx="1" type="body"/>
@@ -3324,8 +3694,7 @@
               <a:buNone/>
             </a:pPr>
             <a:r>
-              <a:rPr lang="en"/>
-              <a:t>We looked at degree level, type, and institution as predictors of earnings after graduation. </a:t>
+              <a:t/>
             </a:r>
             <a:endParaRPr/>
           </a:p>
@@ -3344,7 +3713,7 @@
   <p:cSld>
     <p:spTree>
       <p:nvGrpSpPr>
-        <p:cNvPr id="324" name="Shape 324"/>
+        <p:cNvPr id="323" name="Shape 323"/>
         <p:cNvGrpSpPr/>
         <p:nvPr/>
       </p:nvGrpSpPr>
@@ -3358,7 +3727,7 @@
       </p:grpSpPr>
       <p:sp>
         <p:nvSpPr>
-          <p:cNvPr id="325" name="Google Shape;325;g12edd4bb9c8_0_0:notes"/>
+          <p:cNvPr id="324" name="Google Shape;324;g12edd4bb9c8_0_4:notes"/>
           <p:cNvSpPr/>
           <p:nvPr>
             <p:ph idx="2" type="sldImg"/>
@@ -3393,7 +3762,7 @@
       </p:sp>
       <p:sp>
         <p:nvSpPr>
-          <p:cNvPr id="326" name="Google Shape;326;g12edd4bb9c8_0_0:notes"/>
+          <p:cNvPr id="325" name="Google Shape;325;g12edd4bb9c8_0_4:notes"/>
           <p:cNvSpPr txBox="1"/>
           <p:nvPr>
             <p:ph idx="1" type="body"/>
@@ -3424,7 +3793,12 @@
               <a:buNone/>
             </a:pPr>
             <a:r>
-              <a:t/>
+              <a:rPr lang="en"/>
+              <a:t>Data was too big to easily transfer from one place to another, so decided to use S3 </a:t>
+            </a:r>
+            <a:r>
+              <a:rPr lang="en"/>
+              <a:t>bucket to store.</a:t>
             </a:r>
             <a:endParaRPr/>
           </a:p>
@@ -3457,7 +3831,7 @@
       </p:grpSpPr>
       <p:sp>
         <p:nvSpPr>
-          <p:cNvPr id="330" name="Google Shape;330;g12edd4bb9c8_0_4:notes"/>
+          <p:cNvPr id="330" name="Google Shape;330;g12edd4bb9c8_0_10:notes"/>
           <p:cNvSpPr/>
           <p:nvPr>
             <p:ph idx="2" type="sldImg"/>
@@ -3492,7 +3866,7 @@
       </p:sp>
       <p:sp>
         <p:nvSpPr>
-          <p:cNvPr id="331" name="Google Shape;331;g12edd4bb9c8_0_4:notes"/>
+          <p:cNvPr id="331" name="Google Shape;331;g12edd4bb9c8_0_10:notes"/>
           <p:cNvSpPr txBox="1"/>
           <p:nvPr>
             <p:ph idx="1" type="body"/>
@@ -3524,11 +3898,7 @@
             </a:pPr>
             <a:r>
               <a:rPr lang="en"/>
-              <a:t>Data was too big to easily transfer from one place to another, so decided to use S3 </a:t>
-            </a:r>
-            <a:r>
-              <a:rPr lang="en"/>
-              <a:t>bucket to store.</a:t>
+              <a:t>Using AWS RDS, was able to load and upload data to PostgreSQL</a:t>
             </a:r>
             <a:endParaRPr/>
           </a:p>
@@ -18383,7 +18753,7 @@
   <p:cSld>
     <p:spTree>
       <p:nvGrpSpPr>
-        <p:cNvPr id="338" name="Shape 338"/>
+        <p:cNvPr id="339" name="Shape 339"/>
         <p:cNvGrpSpPr/>
         <p:nvPr/>
       </p:nvGrpSpPr>
@@ -18397,7 +18767,7 @@
       </p:grpSpPr>
       <p:sp>
         <p:nvSpPr>
-          <p:cNvPr id="339" name="Google Shape;339;p22"/>
+          <p:cNvPr id="340" name="Google Shape;340;p22"/>
           <p:cNvSpPr txBox="1"/>
           <p:nvPr>
             <p:ph type="title"/>
@@ -18429,7 +18799,7 @@
             </a:pPr>
             <a:r>
               <a:rPr lang="en"/>
-              <a:t>AWS RDS</a:t>
+              <a:t>SQL</a:t>
             </a:r>
             <a:endParaRPr/>
           </a:p>
@@ -18437,7 +18807,7 @@
       </p:sp>
       <p:pic>
         <p:nvPicPr>
-          <p:cNvPr id="340" name="Google Shape;340;p22"/>
+          <p:cNvPr id="341" name="Google Shape;341;p22"/>
           <p:cNvPicPr preferRelativeResize="0"/>
           <p:nvPr/>
         </p:nvPicPr>
@@ -18451,36 +18821,8 @@
         </p:blipFill>
         <p:spPr>
           <a:xfrm>
-            <a:off x="118400" y="3341575"/>
-            <a:ext cx="8839198" cy="1774703"/>
-          </a:xfrm>
-          <a:prstGeom prst="rect">
-            <a:avLst/>
-          </a:prstGeom>
-          <a:noFill/>
-          <a:ln>
-            <a:noFill/>
-          </a:ln>
-        </p:spPr>
-      </p:pic>
-      <p:pic>
-        <p:nvPicPr>
-          <p:cNvPr id="341" name="Google Shape;341;p22"/>
-          <p:cNvPicPr preferRelativeResize="0"/>
-          <p:nvPr/>
-        </p:nvPicPr>
-        <p:blipFill>
-          <a:blip r:embed="rId4">
-            <a:alphaModFix/>
-          </a:blip>
-          <a:stretch>
-            <a:fillRect/>
-          </a:stretch>
-        </p:blipFill>
-        <p:spPr>
-          <a:xfrm>
-            <a:off x="3330825" y="139750"/>
-            <a:ext cx="5704299" cy="3167825"/>
+            <a:off x="1148888" y="1272375"/>
+            <a:ext cx="6846224" cy="3690001"/>
           </a:xfrm>
           <a:prstGeom prst="rect">
             <a:avLst/>
@@ -18550,7 +18892,7 @@
             </a:pPr>
             <a:r>
               <a:rPr lang="en"/>
-              <a:t>SQL</a:t>
+              <a:t>SQL Join</a:t>
             </a:r>
             <a:endParaRPr/>
           </a:p>
@@ -18572,8 +18914,8 @@
         </p:blipFill>
         <p:spPr>
           <a:xfrm>
-            <a:off x="1148888" y="1272375"/>
-            <a:ext cx="6846224" cy="3690001"/>
+            <a:off x="1174975" y="1272375"/>
+            <a:ext cx="6794049" cy="3660526"/>
           </a:xfrm>
           <a:prstGeom prst="rect">
             <a:avLst/>
@@ -18619,99 +18961,6 @@
         </p:nvSpPr>
         <p:spPr>
           <a:xfrm>
-            <a:off x="1303800" y="598575"/>
-            <a:ext cx="7030500" cy="673800"/>
-          </a:xfrm>
-          <a:prstGeom prst="rect">
-            <a:avLst/>
-          </a:prstGeom>
-        </p:spPr>
-        <p:txBody>
-          <a:bodyPr anchorCtr="0" anchor="t" bIns="91425" lIns="91425" spcFirstLastPara="1" rIns="91425" wrap="square" tIns="91425">
-            <a:normAutofit/>
-          </a:bodyPr>
-          <a:lstStyle/>
-          <a:p>
-            <a:pPr indent="0" lvl="0" marL="0" rtl="0" algn="l">
-              <a:spcBef>
-                <a:spcPts val="0"/>
-              </a:spcBef>
-              <a:spcAft>
-                <a:spcPts val="0"/>
-              </a:spcAft>
-              <a:buNone/>
-            </a:pPr>
-            <a:r>
-              <a:rPr lang="en"/>
-              <a:t>SQL Join</a:t>
-            </a:r>
-            <a:endParaRPr/>
-          </a:p>
-        </p:txBody>
-      </p:sp>
-      <p:pic>
-        <p:nvPicPr>
-          <p:cNvPr id="353" name="Google Shape;353;p24"/>
-          <p:cNvPicPr preferRelativeResize="0"/>
-          <p:nvPr/>
-        </p:nvPicPr>
-        <p:blipFill>
-          <a:blip r:embed="rId3">
-            <a:alphaModFix/>
-          </a:blip>
-          <a:stretch>
-            <a:fillRect/>
-          </a:stretch>
-        </p:blipFill>
-        <p:spPr>
-          <a:xfrm>
-            <a:off x="1174975" y="1272375"/>
-            <a:ext cx="6794049" cy="3660526"/>
-          </a:xfrm>
-          <a:prstGeom prst="rect">
-            <a:avLst/>
-          </a:prstGeom>
-          <a:noFill/>
-          <a:ln>
-            <a:noFill/>
-          </a:ln>
-        </p:spPr>
-      </p:pic>
-    </p:spTree>
-  </p:cSld>
-  <p:clrMapOvr>
-    <a:masterClrMapping/>
-  </p:clrMapOvr>
-</p:sld>
-</file>
-
-<file path=ppt/slides/slide13.xml><?xml version="1.0" encoding="utf-8"?>
-<p:sld xmlns:a="http://schemas.openxmlformats.org/drawingml/2006/main" xmlns:r="http://schemas.openxmlformats.org/officeDocument/2006/relationships" xmlns:mc="http://schemas.openxmlformats.org/markup-compatibility/2006" xmlns:mv="urn:schemas-microsoft-com:mac:vml" xmlns:p="http://schemas.openxmlformats.org/presentationml/2006/main" xmlns:c="http://schemas.openxmlformats.org/drawingml/2006/chart" xmlns:dgm="http://schemas.openxmlformats.org/drawingml/2006/diagram" xmlns:o="urn:schemas-microsoft-com:office:office" xmlns:v="urn:schemas-microsoft-com:vml" xmlns:pvml="urn:schemas-microsoft-com:office:powerpoint" xmlns:com="http://schemas.openxmlformats.org/drawingml/2006/compatibility" xmlns:p14="http://schemas.microsoft.com/office/powerpoint/2010/main" xmlns:p15="http://schemas.microsoft.com/office/powerpoint/2012/main" xmlns:ahyp="http://schemas.microsoft.com/office/drawing/2018/hyperlinkcolor">
-  <p:cSld>
-    <p:spTree>
-      <p:nvGrpSpPr>
-        <p:cNvPr id="357" name="Shape 357"/>
-        <p:cNvGrpSpPr/>
-        <p:nvPr/>
-      </p:nvGrpSpPr>
-      <p:grpSpPr>
-        <a:xfrm>
-          <a:off x="0" y="0"/>
-          <a:ext cx="0" cy="0"/>
-          <a:chOff x="0" y="0"/>
-          <a:chExt cx="0" cy="0"/>
-        </a:xfrm>
-      </p:grpSpPr>
-      <p:sp>
-        <p:nvSpPr>
-          <p:cNvPr id="358" name="Google Shape;358;p25"/>
-          <p:cNvSpPr txBox="1"/>
-          <p:nvPr>
-            <p:ph type="title"/>
-          </p:nvPr>
-        </p:nvSpPr>
-        <p:spPr>
-          <a:xfrm>
             <a:off x="824000" y="1613825"/>
             <a:ext cx="5857800" cy="1872900"/>
           </a:xfrm>
@@ -18736,7 +18985,171 @@
             </a:pPr>
             <a:r>
               <a:rPr lang="en"/>
-              <a:t>The Exploration</a:t>
+              <a:t>Data Exploration and Transformations</a:t>
+            </a:r>
+            <a:endParaRPr/>
+          </a:p>
+        </p:txBody>
+      </p:sp>
+    </p:spTree>
+  </p:cSld>
+  <p:clrMapOvr>
+    <a:masterClrMapping/>
+  </p:clrMapOvr>
+</p:sld>
+</file>
+
+<file path=ppt/slides/slide13.xml><?xml version="1.0" encoding="utf-8"?>
+<p:sld xmlns:a="http://schemas.openxmlformats.org/drawingml/2006/main" xmlns:r="http://schemas.openxmlformats.org/officeDocument/2006/relationships" xmlns:mc="http://schemas.openxmlformats.org/markup-compatibility/2006" xmlns:mv="urn:schemas-microsoft-com:mac:vml" xmlns:p="http://schemas.openxmlformats.org/presentationml/2006/main" xmlns:c="http://schemas.openxmlformats.org/drawingml/2006/chart" xmlns:dgm="http://schemas.openxmlformats.org/drawingml/2006/diagram" xmlns:o="urn:schemas-microsoft-com:office:office" xmlns:v="urn:schemas-microsoft-com:vml" xmlns:pvml="urn:schemas-microsoft-com:office:powerpoint" xmlns:com="http://schemas.openxmlformats.org/drawingml/2006/compatibility" xmlns:p14="http://schemas.microsoft.com/office/powerpoint/2010/main" xmlns:p15="http://schemas.microsoft.com/office/powerpoint/2012/main" xmlns:ahyp="http://schemas.microsoft.com/office/drawing/2018/hyperlinkcolor">
+  <p:cSld>
+    <p:spTree>
+      <p:nvGrpSpPr>
+        <p:cNvPr id="356" name="Shape 356"/>
+        <p:cNvGrpSpPr/>
+        <p:nvPr/>
+      </p:nvGrpSpPr>
+      <p:grpSpPr>
+        <a:xfrm>
+          <a:off x="0" y="0"/>
+          <a:ext cx="0" cy="0"/>
+          <a:chOff x="0" y="0"/>
+          <a:chExt cx="0" cy="0"/>
+        </a:xfrm>
+      </p:grpSpPr>
+      <p:sp>
+        <p:nvSpPr>
+          <p:cNvPr id="357" name="Google Shape;357;p25"/>
+          <p:cNvSpPr txBox="1"/>
+          <p:nvPr>
+            <p:ph type="title"/>
+          </p:nvPr>
+        </p:nvSpPr>
+        <p:spPr>
+          <a:xfrm>
+            <a:off x="1303800" y="598575"/>
+            <a:ext cx="7030500" cy="999300"/>
+          </a:xfrm>
+          <a:prstGeom prst="rect">
+            <a:avLst/>
+          </a:prstGeom>
+        </p:spPr>
+        <p:txBody>
+          <a:bodyPr anchorCtr="0" anchor="t" bIns="91425" lIns="91425" spcFirstLastPara="1" rIns="91425" wrap="square" tIns="91425">
+            <a:normAutofit fontScale="90000"/>
+          </a:bodyPr>
+          <a:lstStyle/>
+          <a:p>
+            <a:pPr indent="0" lvl="0" marL="0" rtl="0" algn="l">
+              <a:spcBef>
+                <a:spcPts val="0"/>
+              </a:spcBef>
+              <a:spcAft>
+                <a:spcPts val="0"/>
+              </a:spcAft>
+              <a:buNone/>
+            </a:pPr>
+            <a:r>
+              <a:rPr lang="en"/>
+              <a:t>Finding out what each column represents</a:t>
+            </a:r>
+            <a:endParaRPr/>
+          </a:p>
+        </p:txBody>
+      </p:sp>
+      <p:sp>
+        <p:nvSpPr>
+          <p:cNvPr id="358" name="Google Shape;358;p25"/>
+          <p:cNvSpPr txBox="1"/>
+          <p:nvPr>
+            <p:ph idx="1" type="body"/>
+          </p:nvPr>
+        </p:nvSpPr>
+        <p:spPr>
+          <a:xfrm>
+            <a:off x="1303800" y="1990050"/>
+            <a:ext cx="7030500" cy="2541600"/>
+          </a:xfrm>
+          <a:prstGeom prst="rect">
+            <a:avLst/>
+          </a:prstGeom>
+        </p:spPr>
+        <p:txBody>
+          <a:bodyPr anchorCtr="0" anchor="t" bIns="91425" lIns="91425" spcFirstLastPara="1" rIns="91425" wrap="square" tIns="91425">
+            <a:normAutofit/>
+          </a:bodyPr>
+          <a:lstStyle/>
+          <a:p>
+            <a:pPr indent="0" lvl="0" marL="0" rtl="0" algn="l">
+              <a:spcBef>
+                <a:spcPts val="0"/>
+              </a:spcBef>
+              <a:spcAft>
+                <a:spcPts val="0"/>
+              </a:spcAft>
+              <a:buNone/>
+            </a:pPr>
+            <a:r>
+              <a:rPr lang="en"/>
+              <a:t>The names of many columns are vague or unclear. To find out what they stand for we referenced the </a:t>
+            </a:r>
+            <a:r>
+              <a:rPr lang="en" u="sng">
+                <a:solidFill>
+                  <a:schemeClr val="lt2"/>
+                </a:solidFill>
+                <a:hlinkClick r:id="rId3">
+                  <a:extLst>
+                    <a:ext uri="{A12FA001-AC4F-418D-AE19-62706E023703}">
+                      <ahyp:hlinkClr val="tx"/>
+                    </a:ext>
+                  </a:extLst>
+                </a:hlinkClick>
+              </a:rPr>
+              <a:t>LEHD Public Use Data Schema</a:t>
+            </a:r>
+            <a:r>
+              <a:rPr lang="en">
+                <a:solidFill>
+                  <a:schemeClr val="lt2"/>
+                </a:solidFill>
+              </a:rPr>
+              <a:t>.</a:t>
+            </a:r>
+            <a:r>
+              <a:rPr lang="en"/>
+              <a:t> </a:t>
+            </a:r>
+            <a:endParaRPr/>
+          </a:p>
+          <a:p>
+            <a:pPr indent="0" lvl="0" marL="0" rtl="0" algn="l">
+              <a:spcBef>
+                <a:spcPts val="1200"/>
+              </a:spcBef>
+              <a:spcAft>
+                <a:spcPts val="1200"/>
+              </a:spcAft>
+              <a:buNone/>
+            </a:pPr>
+            <a:r>
+              <a:rPr lang="en"/>
+              <a:t>One of the key variables </a:t>
+            </a:r>
+            <a:r>
+              <a:rPr lang="en"/>
+              <a:t>reviewed</a:t>
+            </a:r>
+            <a:r>
+              <a:rPr lang="en"/>
+              <a:t> is ‘aggregation level’. This is similar to a unit of analysis and aggregates </a:t>
+            </a:r>
+            <a:r>
+              <a:rPr lang="en"/>
+              <a:t>student</a:t>
+            </a:r>
+            <a:r>
+              <a:rPr lang="en"/>
+              <a:t> outcomes at different levels: </a:t>
             </a:r>
             <a:endParaRPr/>
           </a:p>
@@ -18786,7 +19199,7 @@
         </p:spPr>
         <p:txBody>
           <a:bodyPr anchorCtr="0" anchor="t" bIns="91425" lIns="91425" spcFirstLastPara="1" rIns="91425" wrap="square" tIns="91425">
-            <a:normAutofit fontScale="90000"/>
+            <a:normAutofit/>
           </a:bodyPr>
           <a:lstStyle/>
           <a:p>
@@ -18801,7 +19214,7 @@
             </a:pPr>
             <a:r>
               <a:rPr lang="en"/>
-              <a:t>Finding out what each column represents</a:t>
+              <a:t>Looking for Null Values</a:t>
             </a:r>
             <a:endParaRPr/>
           </a:p>
@@ -18817,8 +19230,8 @@
         </p:nvSpPr>
         <p:spPr>
           <a:xfrm>
-            <a:off x="1303800" y="1990050"/>
-            <a:ext cx="7030500" cy="2541600"/>
+            <a:off x="0" y="1945900"/>
+            <a:ext cx="2760300" cy="2541600"/>
           </a:xfrm>
           <a:prstGeom prst="rect">
             <a:avLst/>
@@ -18826,148 +19239,16 @@
         </p:spPr>
         <p:txBody>
           <a:bodyPr anchorCtr="0" anchor="t" bIns="91425" lIns="91425" spcFirstLastPara="1" rIns="91425" wrap="square" tIns="91425">
-            <a:normAutofit/>
+            <a:normAutofit lnSpcReduction="20000"/>
           </a:bodyPr>
           <a:lstStyle/>
           <a:p>
-            <a:pPr indent="0" lvl="0" marL="0" rtl="0" algn="l">
-              <a:spcBef>
-                <a:spcPts val="0"/>
-              </a:spcBef>
-              <a:spcAft>
-                <a:spcPts val="1200"/>
-              </a:spcAft>
-              <a:buNone/>
-            </a:pPr>
-            <a:r>
-              <a:rPr lang="en"/>
-              <a:t>The names of many columns are vague or unclear. To find out what they stand for we referenced the </a:t>
-            </a:r>
-            <a:r>
-              <a:rPr lang="en" u="sng">
-                <a:solidFill>
-                  <a:schemeClr val="lt2"/>
-                </a:solidFill>
-                <a:hlinkClick r:id="rId3">
-                  <a:extLst>
-                    <a:ext uri="{A12FA001-AC4F-418D-AE19-62706E023703}">
-                      <ahyp:hlinkClr val="tx"/>
-                    </a:ext>
-                  </a:extLst>
-                </a:hlinkClick>
-              </a:rPr>
-              <a:t>LEHD Public Use Data Schema</a:t>
-            </a:r>
-            <a:r>
-              <a:rPr lang="en">
-                <a:solidFill>
-                  <a:schemeClr val="lt2"/>
-                </a:solidFill>
-              </a:rPr>
-              <a:t>.</a:t>
-            </a:r>
-            <a:r>
-              <a:rPr lang="en"/>
-              <a:t> </a:t>
-            </a:r>
-            <a:endParaRPr/>
-          </a:p>
-        </p:txBody>
-      </p:sp>
-    </p:spTree>
-  </p:cSld>
-  <p:clrMapOvr>
-    <a:masterClrMapping/>
-  </p:clrMapOvr>
-</p:sld>
-</file>
-
-<file path=ppt/slides/slide15.xml><?xml version="1.0" encoding="utf-8"?>
-<p:sld xmlns:a="http://schemas.openxmlformats.org/drawingml/2006/main" xmlns:r="http://schemas.openxmlformats.org/officeDocument/2006/relationships" xmlns:mc="http://schemas.openxmlformats.org/markup-compatibility/2006" xmlns:mv="urn:schemas-microsoft-com:mac:vml" xmlns:p="http://schemas.openxmlformats.org/presentationml/2006/main" xmlns:c="http://schemas.openxmlformats.org/drawingml/2006/chart" xmlns:dgm="http://schemas.openxmlformats.org/drawingml/2006/diagram" xmlns:o="urn:schemas-microsoft-com:office:office" xmlns:v="urn:schemas-microsoft-com:vml" xmlns:pvml="urn:schemas-microsoft-com:office:powerpoint" xmlns:com="http://schemas.openxmlformats.org/drawingml/2006/compatibility" xmlns:p14="http://schemas.microsoft.com/office/powerpoint/2010/main" xmlns:p15="http://schemas.microsoft.com/office/powerpoint/2012/main" xmlns:ahyp="http://schemas.microsoft.com/office/drawing/2018/hyperlinkcolor">
-  <p:cSld>
-    <p:spTree>
-      <p:nvGrpSpPr>
-        <p:cNvPr id="368" name="Shape 368"/>
-        <p:cNvGrpSpPr/>
-        <p:nvPr/>
-      </p:nvGrpSpPr>
-      <p:grpSpPr>
-        <a:xfrm>
-          <a:off x="0" y="0"/>
-          <a:ext cx="0" cy="0"/>
-          <a:chOff x="0" y="0"/>
-          <a:chExt cx="0" cy="0"/>
-        </a:xfrm>
-      </p:grpSpPr>
-      <p:sp>
-        <p:nvSpPr>
-          <p:cNvPr id="369" name="Google Shape;369;p27"/>
-          <p:cNvSpPr txBox="1"/>
-          <p:nvPr>
-            <p:ph type="title"/>
-          </p:nvPr>
-        </p:nvSpPr>
-        <p:spPr>
-          <a:xfrm>
-            <a:off x="1303800" y="598575"/>
-            <a:ext cx="7030500" cy="999300"/>
-          </a:xfrm>
-          <a:prstGeom prst="rect">
-            <a:avLst/>
-          </a:prstGeom>
-        </p:spPr>
-        <p:txBody>
-          <a:bodyPr anchorCtr="0" anchor="t" bIns="91425" lIns="91425" spcFirstLastPara="1" rIns="91425" wrap="square" tIns="91425">
-            <a:normAutofit/>
-          </a:bodyPr>
-          <a:lstStyle/>
-          <a:p>
-            <a:pPr indent="0" lvl="0" marL="0" rtl="0" algn="l">
-              <a:spcBef>
-                <a:spcPts val="0"/>
-              </a:spcBef>
-              <a:spcAft>
-                <a:spcPts val="0"/>
-              </a:spcAft>
-              <a:buNone/>
-            </a:pPr>
-            <a:r>
-              <a:rPr lang="en"/>
-              <a:t>Looking for Null Values</a:t>
-            </a:r>
-            <a:endParaRPr/>
-          </a:p>
-        </p:txBody>
-      </p:sp>
-      <p:sp>
-        <p:nvSpPr>
-          <p:cNvPr id="370" name="Google Shape;370;p27"/>
-          <p:cNvSpPr txBox="1"/>
-          <p:nvPr>
-            <p:ph idx="1" type="body"/>
-          </p:nvPr>
-        </p:nvSpPr>
-        <p:spPr>
-          <a:xfrm>
-            <a:off x="674800" y="1945900"/>
-            <a:ext cx="2085300" cy="2541600"/>
-          </a:xfrm>
-          <a:prstGeom prst="rect">
-            <a:avLst/>
-          </a:prstGeom>
-        </p:spPr>
-        <p:txBody>
-          <a:bodyPr anchorCtr="0" anchor="t" bIns="91425" lIns="91425" spcFirstLastPara="1" rIns="91425" wrap="square" tIns="91425">
-            <a:normAutofit/>
-          </a:bodyPr>
-          <a:lstStyle/>
-          <a:p>
-            <a:pPr indent="0" lvl="0" marL="0" rtl="0" algn="l">
-              <a:spcBef>
-                <a:spcPts val="0"/>
-              </a:spcBef>
-              <a:spcAft>
-                <a:spcPts val="1200"/>
+            <a:pPr indent="0" lvl="0" marL="457200" rtl="0" algn="l">
+              <a:spcBef>
+                <a:spcPts val="0"/>
+              </a:spcBef>
+              <a:spcAft>
+                <a:spcPts val="0"/>
               </a:spcAft>
               <a:buNone/>
             </a:pPr>
@@ -18977,11 +19258,42 @@
             </a:r>
             <a:endParaRPr/>
           </a:p>
+          <a:p>
+            <a:pPr indent="0" lvl="0" marL="0" rtl="0" algn="l">
+              <a:spcBef>
+                <a:spcPts val="1200"/>
+              </a:spcBef>
+              <a:spcAft>
+                <a:spcPts val="0"/>
+              </a:spcAft>
+              <a:buNone/>
+            </a:pPr>
+            <a:r>
+              <a:t/>
+            </a:r>
+            <a:endParaRPr/>
+          </a:p>
+          <a:p>
+            <a:pPr indent="0" lvl="0" marL="457200" rtl="0" algn="l">
+              <a:spcBef>
+                <a:spcPts val="1200"/>
+              </a:spcBef>
+              <a:spcAft>
+                <a:spcPts val="1200"/>
+              </a:spcAft>
+              <a:buNone/>
+            </a:pPr>
+            <a:r>
+              <a:rPr lang="en"/>
+              <a:t>A subset of columns common to both datasets contain no null values (aggregation level to industry) </a:t>
+            </a:r>
+            <a:endParaRPr/>
+          </a:p>
         </p:txBody>
       </p:sp>
       <p:pic>
         <p:nvPicPr>
-          <p:cNvPr id="371" name="Google Shape;371;p27"/>
+          <p:cNvPr id="365" name="Google Shape;365;p26"/>
           <p:cNvPicPr preferRelativeResize="0"/>
           <p:nvPr/>
         </p:nvPicPr>
@@ -19009,7 +19321,7 @@
       </p:pic>
       <p:pic>
         <p:nvPicPr>
-          <p:cNvPr id="372" name="Google Shape;372;p27"/>
+          <p:cNvPr id="366" name="Google Shape;366;p26"/>
           <p:cNvPicPr preferRelativeResize="0"/>
           <p:nvPr/>
         </p:nvPicPr>
@@ -19043,12 +19355,12 @@
 </p:sld>
 </file>
 
-<file path=ppt/slides/slide16.xml><?xml version="1.0" encoding="utf-8"?>
+<file path=ppt/slides/slide15.xml><?xml version="1.0" encoding="utf-8"?>
 <p:sld xmlns:a="http://schemas.openxmlformats.org/drawingml/2006/main" xmlns:r="http://schemas.openxmlformats.org/officeDocument/2006/relationships" xmlns:mc="http://schemas.openxmlformats.org/markup-compatibility/2006" xmlns:mv="urn:schemas-microsoft-com:mac:vml" xmlns:p="http://schemas.openxmlformats.org/presentationml/2006/main" xmlns:c="http://schemas.openxmlformats.org/drawingml/2006/chart" xmlns:dgm="http://schemas.openxmlformats.org/drawingml/2006/diagram" xmlns:o="urn:schemas-microsoft-com:office:office" xmlns:v="urn:schemas-microsoft-com:vml" xmlns:pvml="urn:schemas-microsoft-com:office:powerpoint" xmlns:com="http://schemas.openxmlformats.org/drawingml/2006/compatibility" xmlns:p14="http://schemas.microsoft.com/office/powerpoint/2010/main" xmlns:p15="http://schemas.microsoft.com/office/powerpoint/2012/main" xmlns:ahyp="http://schemas.microsoft.com/office/drawing/2018/hyperlinkcolor">
   <p:cSld>
     <p:spTree>
       <p:nvGrpSpPr>
-        <p:cNvPr id="376" name="Shape 376"/>
+        <p:cNvPr id="370" name="Shape 370"/>
         <p:cNvGrpSpPr/>
         <p:nvPr/>
       </p:nvGrpSpPr>
@@ -19062,7 +19374,7 @@
       </p:grpSpPr>
       <p:sp>
         <p:nvSpPr>
-          <p:cNvPr id="377" name="Google Shape;377;p28"/>
+          <p:cNvPr id="371" name="Google Shape;371;p27"/>
           <p:cNvSpPr txBox="1"/>
           <p:nvPr>
             <p:ph type="title"/>
@@ -19094,7 +19406,7 @@
             </a:pPr>
             <a:r>
               <a:rPr lang="en"/>
-              <a:t>Checking Aggregation Levels</a:t>
+              <a:t>Matching Aggregation Levels</a:t>
             </a:r>
             <a:endParaRPr/>
           </a:p>
@@ -19102,7 +19414,7 @@
       </p:sp>
       <p:sp>
         <p:nvSpPr>
-          <p:cNvPr id="378" name="Google Shape;378;p28"/>
+          <p:cNvPr id="372" name="Google Shape;372;p27"/>
           <p:cNvSpPr txBox="1"/>
           <p:nvPr>
             <p:ph idx="1" type="body"/>
@@ -19110,8 +19422,8 @@
         </p:nvSpPr>
         <p:spPr>
           <a:xfrm>
-            <a:off x="1303800" y="2309675"/>
-            <a:ext cx="3312000" cy="2221800"/>
+            <a:off x="82575" y="2309675"/>
+            <a:ext cx="4533300" cy="2221800"/>
           </a:xfrm>
           <a:prstGeom prst="rect">
             <a:avLst/>
@@ -19123,18 +19435,49 @@
           </a:bodyPr>
           <a:lstStyle/>
           <a:p>
-            <a:pPr indent="0" lvl="0" marL="0" rtl="0" algn="l">
-              <a:spcBef>
-                <a:spcPts val="0"/>
-              </a:spcBef>
-              <a:spcAft>
-                <a:spcPts val="1200"/>
+            <a:pPr indent="0" lvl="0" marL="457200" rtl="0" algn="l">
+              <a:spcBef>
+                <a:spcPts val="0"/>
+              </a:spcBef>
+              <a:spcAft>
+                <a:spcPts val="0"/>
               </a:spcAft>
               <a:buNone/>
             </a:pPr>
             <a:r>
               <a:rPr lang="en"/>
-              <a:t>Each record is associated with an aggregation level that signifies the level of detail</a:t>
+              <a:t>The data documentation indicates that each record is associated with an aggregation level. These aggregation levels indicate the ‘unit of analysis. </a:t>
+            </a:r>
+            <a:endParaRPr/>
+          </a:p>
+          <a:p>
+            <a:pPr indent="0" lvl="0" marL="0" rtl="0" algn="l">
+              <a:spcBef>
+                <a:spcPts val="1200"/>
+              </a:spcBef>
+              <a:spcAft>
+                <a:spcPts val="0"/>
+              </a:spcAft>
+              <a:buNone/>
+            </a:pPr>
+            <a:r>
+              <a:t/>
+            </a:r>
+            <a:endParaRPr/>
+          </a:p>
+          <a:p>
+            <a:pPr indent="0" lvl="0" marL="457200" rtl="0" algn="l">
+              <a:spcBef>
+                <a:spcPts val="1200"/>
+              </a:spcBef>
+              <a:spcAft>
+                <a:spcPts val="1200"/>
+              </a:spcAft>
+              <a:buNone/>
+            </a:pPr>
+            <a:r>
+              <a:rPr lang="en"/>
+              <a:t>For our analysis, we must keep only one unit of analysis that matches across the files. </a:t>
             </a:r>
             <a:endParaRPr/>
           </a:p>
@@ -19142,7 +19485,7 @@
       </p:sp>
       <p:pic>
         <p:nvPicPr>
-          <p:cNvPr id="379" name="Google Shape;379;p28"/>
+          <p:cNvPr id="373" name="Google Shape;373;p27"/>
           <p:cNvPicPr preferRelativeResize="0"/>
           <p:nvPr/>
         </p:nvPicPr>
@@ -19156,8 +19499,211 @@
         </p:blipFill>
         <p:spPr>
           <a:xfrm>
-            <a:off x="4758825" y="361738"/>
-            <a:ext cx="4223400" cy="4420036"/>
+            <a:off x="4758825" y="1022375"/>
+            <a:ext cx="4223400" cy="3759400"/>
+          </a:xfrm>
+          <a:prstGeom prst="rect">
+            <a:avLst/>
+          </a:prstGeom>
+          <a:noFill/>
+          <a:ln>
+            <a:noFill/>
+          </a:ln>
+        </p:spPr>
+      </p:pic>
+    </p:spTree>
+  </p:cSld>
+  <p:clrMapOvr>
+    <a:masterClrMapping/>
+  </p:clrMapOvr>
+</p:sld>
+</file>
+
+<file path=ppt/slides/slide16.xml><?xml version="1.0" encoding="utf-8"?>
+<p:sld xmlns:a="http://schemas.openxmlformats.org/drawingml/2006/main" xmlns:r="http://schemas.openxmlformats.org/officeDocument/2006/relationships" xmlns:mc="http://schemas.openxmlformats.org/markup-compatibility/2006" xmlns:mv="urn:schemas-microsoft-com:mac:vml" xmlns:p="http://schemas.openxmlformats.org/presentationml/2006/main" xmlns:c="http://schemas.openxmlformats.org/drawingml/2006/chart" xmlns:dgm="http://schemas.openxmlformats.org/drawingml/2006/diagram" xmlns:o="urn:schemas-microsoft-com:office:office" xmlns:v="urn:schemas-microsoft-com:vml" xmlns:pvml="urn:schemas-microsoft-com:office:powerpoint" xmlns:com="http://schemas.openxmlformats.org/drawingml/2006/compatibility" xmlns:p14="http://schemas.microsoft.com/office/powerpoint/2010/main" xmlns:p15="http://schemas.microsoft.com/office/powerpoint/2012/main" xmlns:ahyp="http://schemas.microsoft.com/office/drawing/2018/hyperlinkcolor">
+  <p:cSld>
+    <p:spTree>
+      <p:nvGrpSpPr>
+        <p:cNvPr id="377" name="Shape 377"/>
+        <p:cNvGrpSpPr/>
+        <p:nvPr/>
+      </p:nvGrpSpPr>
+      <p:grpSpPr>
+        <a:xfrm>
+          <a:off x="0" y="0"/>
+          <a:ext cx="0" cy="0"/>
+          <a:chOff x="0" y="0"/>
+          <a:chExt cx="0" cy="0"/>
+        </a:xfrm>
+      </p:grpSpPr>
+      <p:sp>
+        <p:nvSpPr>
+          <p:cNvPr id="378" name="Google Shape;378;p28"/>
+          <p:cNvSpPr txBox="1"/>
+          <p:nvPr>
+            <p:ph type="title"/>
+          </p:nvPr>
+        </p:nvSpPr>
+        <p:spPr>
+          <a:xfrm>
+            <a:off x="1303800" y="598575"/>
+            <a:ext cx="7030500" cy="999300"/>
+          </a:xfrm>
+          <a:prstGeom prst="rect">
+            <a:avLst/>
+          </a:prstGeom>
+        </p:spPr>
+        <p:txBody>
+          <a:bodyPr anchorCtr="0" anchor="t" bIns="91425" lIns="91425" spcFirstLastPara="1" rIns="91425" wrap="square" tIns="91425">
+            <a:normAutofit/>
+          </a:bodyPr>
+          <a:lstStyle/>
+          <a:p>
+            <a:pPr indent="0" lvl="0" marL="0" rtl="0" algn="l">
+              <a:spcBef>
+                <a:spcPts val="0"/>
+              </a:spcBef>
+              <a:spcAft>
+                <a:spcPts val="0"/>
+              </a:spcAft>
+              <a:buNone/>
+            </a:pPr>
+            <a:r>
+              <a:rPr lang="en"/>
+              <a:t>Creation of Primary Key</a:t>
+            </a:r>
+            <a:endParaRPr/>
+          </a:p>
+        </p:txBody>
+      </p:sp>
+      <p:sp>
+        <p:nvSpPr>
+          <p:cNvPr id="379" name="Google Shape;379;p28"/>
+          <p:cNvSpPr txBox="1"/>
+          <p:nvPr>
+            <p:ph idx="1" type="body"/>
+          </p:nvPr>
+        </p:nvSpPr>
+        <p:spPr>
+          <a:xfrm>
+            <a:off x="280525" y="1630188"/>
+            <a:ext cx="4768200" cy="2541600"/>
+          </a:xfrm>
+          <a:prstGeom prst="rect">
+            <a:avLst/>
+          </a:prstGeom>
+        </p:spPr>
+        <p:txBody>
+          <a:bodyPr anchorCtr="0" anchor="t" bIns="91425" lIns="91425" spcFirstLastPara="1" rIns="91425" wrap="square" tIns="91425">
+            <a:normAutofit lnSpcReduction="20000"/>
+          </a:bodyPr>
+          <a:lstStyle/>
+          <a:p>
+            <a:pPr indent="0" lvl="0" marL="457200" rtl="0" algn="l">
+              <a:spcBef>
+                <a:spcPts val="0"/>
+              </a:spcBef>
+              <a:spcAft>
+                <a:spcPts val="0"/>
+              </a:spcAft>
+              <a:buNone/>
+            </a:pPr>
+            <a:r>
+              <a:rPr lang="en"/>
+              <a:t>To keep things easier and cleaner we merged the flows and earnings datasets into one dataset.</a:t>
+            </a:r>
+            <a:endParaRPr/>
+          </a:p>
+          <a:p>
+            <a:pPr indent="0" lvl="0" marL="0" rtl="0" algn="l">
+              <a:spcBef>
+                <a:spcPts val="1200"/>
+              </a:spcBef>
+              <a:spcAft>
+                <a:spcPts val="0"/>
+              </a:spcAft>
+              <a:buNone/>
+            </a:pPr>
+            <a:r>
+              <a:t/>
+            </a:r>
+            <a:endParaRPr/>
+          </a:p>
+          <a:p>
+            <a:pPr indent="0" lvl="0" marL="457200" rtl="0" algn="l">
+              <a:spcBef>
+                <a:spcPts val="1200"/>
+              </a:spcBef>
+              <a:spcAft>
+                <a:spcPts val="0"/>
+              </a:spcAft>
+              <a:buNone/>
+            </a:pPr>
+            <a:r>
+              <a:rPr lang="en"/>
+              <a:t>Since there is no primary key in the data files, we created one by concatenating column values that </a:t>
+            </a:r>
+            <a:r>
+              <a:rPr lang="en"/>
+              <a:t>satisfied</a:t>
+            </a:r>
+            <a:r>
+              <a:rPr lang="en"/>
+              <a:t> the conditions of having no null values across the data files. </a:t>
+            </a:r>
+            <a:endParaRPr/>
+          </a:p>
+          <a:p>
+            <a:pPr indent="0" lvl="0" marL="0" rtl="0" algn="l">
+              <a:spcBef>
+                <a:spcPts val="1200"/>
+              </a:spcBef>
+              <a:spcAft>
+                <a:spcPts val="0"/>
+              </a:spcAft>
+              <a:buNone/>
+            </a:pPr>
+            <a:r>
+              <a:t/>
+            </a:r>
+            <a:endParaRPr/>
+          </a:p>
+          <a:p>
+            <a:pPr indent="0" lvl="0" marL="457200" rtl="0" algn="l">
+              <a:spcBef>
+                <a:spcPts val="1200"/>
+              </a:spcBef>
+              <a:spcAft>
+                <a:spcPts val="1200"/>
+              </a:spcAft>
+              <a:buNone/>
+            </a:pPr>
+            <a:r>
+              <a:rPr lang="en"/>
+              <a:t>This resulted in a MERGERID variable.</a:t>
+            </a:r>
+            <a:endParaRPr/>
+          </a:p>
+        </p:txBody>
+      </p:sp>
+      <p:pic>
+        <p:nvPicPr>
+          <p:cNvPr id="380" name="Google Shape;380;p28"/>
+          <p:cNvPicPr preferRelativeResize="0"/>
+          <p:nvPr/>
+        </p:nvPicPr>
+        <p:blipFill>
+          <a:blip r:embed="rId3">
+            <a:alphaModFix/>
+          </a:blip>
+          <a:stretch>
+            <a:fillRect/>
+          </a:stretch>
+        </p:blipFill>
+        <p:spPr>
+          <a:xfrm>
+            <a:off x="5238350" y="1249675"/>
+            <a:ext cx="3753250" cy="3661950"/>
           </a:xfrm>
           <a:prstGeom prst="rect">
             <a:avLst/>
@@ -19181,7 +19727,7 @@
   <p:cSld>
     <p:spTree>
       <p:nvGrpSpPr>
-        <p:cNvPr id="383" name="Shape 383"/>
+        <p:cNvPr id="384" name="Shape 384"/>
         <p:cNvGrpSpPr/>
         <p:nvPr/>
       </p:nvGrpSpPr>
@@ -19195,72 +19741,7 @@
       </p:grpSpPr>
       <p:sp>
         <p:nvSpPr>
-          <p:cNvPr id="384" name="Google Shape;384;p29"/>
-          <p:cNvSpPr txBox="1"/>
-          <p:nvPr>
-            <p:ph type="title"/>
-          </p:nvPr>
-        </p:nvSpPr>
-        <p:spPr>
-          <a:xfrm>
-            <a:off x="824000" y="1613825"/>
-            <a:ext cx="5857800" cy="1872900"/>
-          </a:xfrm>
-          <a:prstGeom prst="rect">
-            <a:avLst/>
-          </a:prstGeom>
-        </p:spPr>
-        <p:txBody>
-          <a:bodyPr anchorCtr="0" anchor="ctr" bIns="91425" lIns="91425" spcFirstLastPara="1" rIns="91425" wrap="square" tIns="91425">
-            <a:normAutofit/>
-          </a:bodyPr>
-          <a:lstStyle/>
-          <a:p>
-            <a:pPr indent="0" lvl="0" marL="0" rtl="0" algn="l">
-              <a:spcBef>
-                <a:spcPts val="0"/>
-              </a:spcBef>
-              <a:spcAft>
-                <a:spcPts val="0"/>
-              </a:spcAft>
-              <a:buNone/>
-            </a:pPr>
-            <a:r>
-              <a:rPr lang="en"/>
-              <a:t>The Analysis</a:t>
-            </a:r>
-            <a:endParaRPr/>
-          </a:p>
-        </p:txBody>
-      </p:sp>
-    </p:spTree>
-  </p:cSld>
-  <p:clrMapOvr>
-    <a:masterClrMapping/>
-  </p:clrMapOvr>
-</p:sld>
-</file>
-
-<file path=ppt/slides/slide18.xml><?xml version="1.0" encoding="utf-8"?>
-<p:sld xmlns:a="http://schemas.openxmlformats.org/drawingml/2006/main" xmlns:r="http://schemas.openxmlformats.org/officeDocument/2006/relationships" xmlns:mc="http://schemas.openxmlformats.org/markup-compatibility/2006" xmlns:mv="urn:schemas-microsoft-com:mac:vml" xmlns:p="http://schemas.openxmlformats.org/presentationml/2006/main" xmlns:c="http://schemas.openxmlformats.org/drawingml/2006/chart" xmlns:dgm="http://schemas.openxmlformats.org/drawingml/2006/diagram" xmlns:o="urn:schemas-microsoft-com:office:office" xmlns:v="urn:schemas-microsoft-com:vml" xmlns:pvml="urn:schemas-microsoft-com:office:powerpoint" xmlns:com="http://schemas.openxmlformats.org/drawingml/2006/compatibility" xmlns:p14="http://schemas.microsoft.com/office/powerpoint/2010/main" xmlns:p15="http://schemas.microsoft.com/office/powerpoint/2012/main" xmlns:ahyp="http://schemas.microsoft.com/office/drawing/2018/hyperlinkcolor">
-  <p:cSld>
-    <p:spTree>
-      <p:nvGrpSpPr>
-        <p:cNvPr id="388" name="Shape 388"/>
-        <p:cNvGrpSpPr/>
-        <p:nvPr/>
-      </p:nvGrpSpPr>
-      <p:grpSpPr>
-        <a:xfrm>
-          <a:off x="0" y="0"/>
-          <a:ext cx="0" cy="0"/>
-          <a:chOff x="0" y="0"/>
-          <a:chExt cx="0" cy="0"/>
-        </a:xfrm>
-      </p:grpSpPr>
-      <p:sp>
-        <p:nvSpPr>
-          <p:cNvPr id="389" name="Google Shape;389;p30"/>
+          <p:cNvPr id="385" name="Google Shape;385;p29"/>
           <p:cNvSpPr txBox="1"/>
           <p:nvPr>
             <p:ph type="title"/>
@@ -19292,7 +19773,7 @@
             </a:pPr>
             <a:r>
               <a:rPr lang="en"/>
-              <a:t>Deciding which columns to keep</a:t>
+              <a:t>Duplication tests and Merger </a:t>
             </a:r>
             <a:endParaRPr/>
           </a:p>
@@ -19300,7 +19781,7 @@
       </p:sp>
       <p:sp>
         <p:nvSpPr>
-          <p:cNvPr id="390" name="Google Shape;390;p30"/>
+          <p:cNvPr id="386" name="Google Shape;386;p29"/>
           <p:cNvSpPr txBox="1"/>
           <p:nvPr>
             <p:ph idx="1" type="body"/>
@@ -19308,8 +19789,8 @@
         </p:nvSpPr>
         <p:spPr>
           <a:xfrm>
-            <a:off x="1303800" y="1597875"/>
-            <a:ext cx="7030500" cy="2541600"/>
+            <a:off x="123325" y="1979500"/>
+            <a:ext cx="4651200" cy="2541600"/>
           </a:xfrm>
           <a:prstGeom prst="rect">
             <a:avLst/>
@@ -19317,22 +19798,84 @@
         </p:spPr>
         <p:txBody>
           <a:bodyPr anchorCtr="0" anchor="t" bIns="91425" lIns="91425" spcFirstLastPara="1" rIns="91425" wrap="square" tIns="91425">
-            <a:normAutofit/>
+            <a:normAutofit lnSpcReduction="20000"/>
           </a:bodyPr>
           <a:lstStyle/>
           <a:p>
-            <a:pPr indent="0" lvl="0" marL="0" rtl="0" algn="l">
-              <a:spcBef>
-                <a:spcPts val="0"/>
-              </a:spcBef>
-              <a:spcAft>
-                <a:spcPts val="1200"/>
+            <a:pPr indent="0" lvl="0" marL="457200" rtl="0" algn="l">
+              <a:spcBef>
+                <a:spcPts val="0"/>
+              </a:spcBef>
+              <a:spcAft>
+                <a:spcPts val="0"/>
               </a:spcAft>
               <a:buNone/>
             </a:pPr>
             <a:r>
               <a:rPr lang="en"/>
-              <a:t>We looked at how excluding records containing NaN values in the 1, 5, and 10 year outcome columns affected the data we had remaining.</a:t>
+              <a:t>Tests were conducted to ensure the MERGERID variables were unique across the datafiles prior to the merger. </a:t>
+            </a:r>
+            <a:endParaRPr/>
+          </a:p>
+          <a:p>
+            <a:pPr indent="0" lvl="0" marL="457200" rtl="0" algn="l">
+              <a:spcBef>
+                <a:spcPts val="1200"/>
+              </a:spcBef>
+              <a:spcAft>
+                <a:spcPts val="0"/>
+              </a:spcAft>
+              <a:buNone/>
+            </a:pPr>
+            <a:r>
+              <a:t/>
+            </a:r>
+            <a:endParaRPr/>
+          </a:p>
+          <a:p>
+            <a:pPr indent="0" lvl="0" marL="457200" rtl="0" algn="l">
+              <a:spcBef>
+                <a:spcPts val="1200"/>
+              </a:spcBef>
+              <a:spcAft>
+                <a:spcPts val="0"/>
+              </a:spcAft>
+              <a:buNone/>
+            </a:pPr>
+            <a:r>
+              <a:rPr lang="en"/>
+              <a:t>No duplicates were detected and the merger was executed.</a:t>
+            </a:r>
+            <a:endParaRPr/>
+          </a:p>
+          <a:p>
+            <a:pPr indent="0" lvl="0" marL="0" rtl="0" algn="l">
+              <a:spcBef>
+                <a:spcPts val="1200"/>
+              </a:spcBef>
+              <a:spcAft>
+                <a:spcPts val="0"/>
+              </a:spcAft>
+              <a:buNone/>
+            </a:pPr>
+            <a:r>
+              <a:t/>
+            </a:r>
+            <a:endParaRPr/>
+          </a:p>
+          <a:p>
+            <a:pPr indent="0" lvl="0" marL="457200" rtl="0" algn="l">
+              <a:spcBef>
+                <a:spcPts val="1200"/>
+              </a:spcBef>
+              <a:spcAft>
+                <a:spcPts val="1200"/>
+              </a:spcAft>
+              <a:buNone/>
+            </a:pPr>
+            <a:r>
+              <a:rPr lang="en"/>
+              <a:t>Prior to the merger, columns with data irrelevant to the analysis were dropped.</a:t>
             </a:r>
             <a:endParaRPr/>
           </a:p>
@@ -19340,7 +19883,7 @@
       </p:sp>
       <p:pic>
         <p:nvPicPr>
-          <p:cNvPr id="391" name="Google Shape;391;p30"/>
+          <p:cNvPr id="387" name="Google Shape;387;p29"/>
           <p:cNvPicPr preferRelativeResize="0"/>
           <p:nvPr/>
         </p:nvPicPr>
@@ -19354,8 +19897,189 @@
         </p:blipFill>
         <p:spPr>
           <a:xfrm>
-            <a:off x="1839413" y="2314475"/>
-            <a:ext cx="5465169" cy="2541600"/>
+            <a:off x="4926925" y="1597875"/>
+            <a:ext cx="4064676" cy="3261051"/>
+          </a:xfrm>
+          <a:prstGeom prst="rect">
+            <a:avLst/>
+          </a:prstGeom>
+          <a:noFill/>
+          <a:ln>
+            <a:noFill/>
+          </a:ln>
+        </p:spPr>
+      </p:pic>
+    </p:spTree>
+  </p:cSld>
+  <p:clrMapOvr>
+    <a:masterClrMapping/>
+  </p:clrMapOvr>
+</p:sld>
+</file>
+
+<file path=ppt/slides/slide18.xml><?xml version="1.0" encoding="utf-8"?>
+<p:sld xmlns:a="http://schemas.openxmlformats.org/drawingml/2006/main" xmlns:r="http://schemas.openxmlformats.org/officeDocument/2006/relationships" xmlns:mc="http://schemas.openxmlformats.org/markup-compatibility/2006" xmlns:mv="urn:schemas-microsoft-com:mac:vml" xmlns:p="http://schemas.openxmlformats.org/presentationml/2006/main" xmlns:c="http://schemas.openxmlformats.org/drawingml/2006/chart" xmlns:dgm="http://schemas.openxmlformats.org/drawingml/2006/diagram" xmlns:o="urn:schemas-microsoft-com:office:office" xmlns:v="urn:schemas-microsoft-com:vml" xmlns:pvml="urn:schemas-microsoft-com:office:powerpoint" xmlns:com="http://schemas.openxmlformats.org/drawingml/2006/compatibility" xmlns:p14="http://schemas.microsoft.com/office/powerpoint/2010/main" xmlns:p15="http://schemas.microsoft.com/office/powerpoint/2012/main" xmlns:ahyp="http://schemas.microsoft.com/office/drawing/2018/hyperlinkcolor">
+  <p:cSld>
+    <p:spTree>
+      <p:nvGrpSpPr>
+        <p:cNvPr id="391" name="Shape 391"/>
+        <p:cNvGrpSpPr/>
+        <p:nvPr/>
+      </p:nvGrpSpPr>
+      <p:grpSpPr>
+        <a:xfrm>
+          <a:off x="0" y="0"/>
+          <a:ext cx="0" cy="0"/>
+          <a:chOff x="0" y="0"/>
+          <a:chExt cx="0" cy="0"/>
+        </a:xfrm>
+      </p:grpSpPr>
+      <p:sp>
+        <p:nvSpPr>
+          <p:cNvPr id="392" name="Google Shape;392;p30"/>
+          <p:cNvSpPr txBox="1"/>
+          <p:nvPr>
+            <p:ph type="title"/>
+          </p:nvPr>
+        </p:nvSpPr>
+        <p:spPr>
+          <a:xfrm>
+            <a:off x="1303800" y="598575"/>
+            <a:ext cx="7030500" cy="999300"/>
+          </a:xfrm>
+          <a:prstGeom prst="rect">
+            <a:avLst/>
+          </a:prstGeom>
+        </p:spPr>
+        <p:txBody>
+          <a:bodyPr anchorCtr="0" anchor="t" bIns="91425" lIns="91425" spcFirstLastPara="1" rIns="91425" wrap="square" tIns="91425">
+            <a:normAutofit/>
+          </a:bodyPr>
+          <a:lstStyle/>
+          <a:p>
+            <a:pPr indent="0" lvl="0" marL="0" rtl="0" algn="l">
+              <a:spcBef>
+                <a:spcPts val="0"/>
+              </a:spcBef>
+              <a:spcAft>
+                <a:spcPts val="0"/>
+              </a:spcAft>
+              <a:buNone/>
+            </a:pPr>
+            <a:r>
+              <a:rPr lang="en"/>
+              <a:t>Deciding which columns to keep</a:t>
+            </a:r>
+            <a:endParaRPr/>
+          </a:p>
+        </p:txBody>
+      </p:sp>
+      <p:sp>
+        <p:nvSpPr>
+          <p:cNvPr id="393" name="Google Shape;393;p30"/>
+          <p:cNvSpPr txBox="1"/>
+          <p:nvPr>
+            <p:ph idx="1" type="body"/>
+          </p:nvPr>
+        </p:nvSpPr>
+        <p:spPr>
+          <a:xfrm>
+            <a:off x="1303800" y="1195550"/>
+            <a:ext cx="7030500" cy="2541600"/>
+          </a:xfrm>
+          <a:prstGeom prst="rect">
+            <a:avLst/>
+          </a:prstGeom>
+        </p:spPr>
+        <p:txBody>
+          <a:bodyPr anchorCtr="0" anchor="t" bIns="91425" lIns="91425" spcFirstLastPara="1" rIns="91425" wrap="square" tIns="91425">
+            <a:normAutofit/>
+          </a:bodyPr>
+          <a:lstStyle/>
+          <a:p>
+            <a:pPr indent="0" lvl="0" marL="457200" rtl="0" algn="l">
+              <a:spcBef>
+                <a:spcPts val="0"/>
+              </a:spcBef>
+              <a:spcAft>
+                <a:spcPts val="0"/>
+              </a:spcAft>
+              <a:buNone/>
+            </a:pPr>
+            <a:r>
+              <a:rPr lang="en"/>
+              <a:t>We looked at how excluding records containing NaN values in the 1, 5, and 10 year outcome columns affected the data we had remaining.</a:t>
+            </a:r>
+            <a:endParaRPr/>
+          </a:p>
+          <a:p>
+            <a:pPr indent="0" lvl="0" marL="457200" rtl="0" algn="l">
+              <a:spcBef>
+                <a:spcPts val="1200"/>
+              </a:spcBef>
+              <a:spcAft>
+                <a:spcPts val="0"/>
+              </a:spcAft>
+              <a:buNone/>
+            </a:pPr>
+            <a:r>
+              <a:rPr lang="en"/>
+              <a:t>A series of iterative procedures were calculated to determine how many data values would be lost / retained. </a:t>
+            </a:r>
+            <a:endParaRPr/>
+          </a:p>
+          <a:p>
+            <a:pPr indent="0" lvl="0" marL="457200" rtl="0" algn="l">
+              <a:spcBef>
+                <a:spcPts val="1200"/>
+              </a:spcBef>
+              <a:spcAft>
+                <a:spcPts val="1200"/>
+              </a:spcAft>
+              <a:buNone/>
+            </a:pPr>
+            <a:r>
+              <a:rPr lang="en"/>
+              <a:t>The </a:t>
+            </a:r>
+            <a:r>
+              <a:rPr lang="en"/>
+              <a:t>procedures</a:t>
+            </a:r>
+            <a:r>
+              <a:rPr lang="en"/>
+              <a:t> identified as aggregation level (AKA unit of </a:t>
+            </a:r>
+            <a:r>
+              <a:rPr lang="en"/>
+              <a:t>analysis) </a:t>
+            </a:r>
+            <a:r>
+              <a:rPr lang="en"/>
+              <a:t>46 was optimal.</a:t>
+            </a:r>
+            <a:endParaRPr/>
+          </a:p>
+        </p:txBody>
+      </p:sp>
+      <p:pic>
+        <p:nvPicPr>
+          <p:cNvPr id="394" name="Google Shape;394;p30"/>
+          <p:cNvPicPr preferRelativeResize="0"/>
+          <p:nvPr/>
+        </p:nvPicPr>
+        <p:blipFill>
+          <a:blip r:embed="rId3">
+            <a:alphaModFix/>
+          </a:blip>
+          <a:stretch>
+            <a:fillRect/>
+          </a:stretch>
+        </p:blipFill>
+        <p:spPr>
+          <a:xfrm>
+            <a:off x="2086475" y="2750925"/>
+            <a:ext cx="5465151" cy="2362425"/>
           </a:xfrm>
           <a:prstGeom prst="rect">
             <a:avLst/>
@@ -19379,7 +20103,7 @@
   <p:cSld>
     <p:spTree>
       <p:nvGrpSpPr>
-        <p:cNvPr id="395" name="Shape 395"/>
+        <p:cNvPr id="398" name="Shape 398"/>
         <p:cNvGrpSpPr/>
         <p:nvPr/>
       </p:nvGrpSpPr>
@@ -19393,7 +20117,7 @@
       </p:grpSpPr>
       <p:sp>
         <p:nvSpPr>
-          <p:cNvPr id="396" name="Google Shape;396;p31"/>
+          <p:cNvPr id="399" name="Google Shape;399;p31"/>
           <p:cNvSpPr txBox="1"/>
           <p:nvPr>
             <p:ph type="title"/>
@@ -19401,15 +20125,15 @@
         </p:nvSpPr>
         <p:spPr>
           <a:xfrm>
-            <a:off x="1303800" y="598575"/>
-            <a:ext cx="7030500" cy="999300"/>
+            <a:off x="824000" y="1613825"/>
+            <a:ext cx="5857800" cy="1872900"/>
           </a:xfrm>
           <a:prstGeom prst="rect">
             <a:avLst/>
           </a:prstGeom>
         </p:spPr>
         <p:txBody>
-          <a:bodyPr anchorCtr="0" anchor="t" bIns="91425" lIns="91425" spcFirstLastPara="1" rIns="91425" wrap="square" tIns="91425">
+          <a:bodyPr anchorCtr="0" anchor="ctr" bIns="91425" lIns="91425" spcFirstLastPara="1" rIns="91425" wrap="square" tIns="91425">
             <a:normAutofit/>
           </a:bodyPr>
           <a:lstStyle/>
@@ -19425,63 +20149,7 @@
             </a:pPr>
             <a:r>
               <a:rPr lang="en"/>
-              <a:t>Merging the two datasets</a:t>
-            </a:r>
-            <a:endParaRPr/>
-          </a:p>
-        </p:txBody>
-      </p:sp>
-      <p:sp>
-        <p:nvSpPr>
-          <p:cNvPr id="397" name="Google Shape;397;p31"/>
-          <p:cNvSpPr txBox="1"/>
-          <p:nvPr>
-            <p:ph idx="1" type="body"/>
-          </p:nvPr>
-        </p:nvSpPr>
-        <p:spPr>
-          <a:xfrm>
-            <a:off x="1303800" y="1990050"/>
-            <a:ext cx="7030500" cy="2541600"/>
-          </a:xfrm>
-          <a:prstGeom prst="rect">
-            <a:avLst/>
-          </a:prstGeom>
-        </p:spPr>
-        <p:txBody>
-          <a:bodyPr anchorCtr="0" anchor="t" bIns="91425" lIns="91425" spcFirstLastPara="1" rIns="91425" wrap="square" tIns="91425">
-            <a:normAutofit/>
-          </a:bodyPr>
-          <a:lstStyle/>
-          <a:p>
-            <a:pPr indent="0" lvl="0" marL="0" rtl="0" algn="l">
-              <a:spcBef>
-                <a:spcPts val="0"/>
-              </a:spcBef>
-              <a:spcAft>
-                <a:spcPts val="0"/>
-              </a:spcAft>
-              <a:buNone/>
-            </a:pPr>
-            <a:r>
-              <a:rPr lang="en"/>
-              <a:t>To keep things easier and cleaner we merged the flows and earnings datasets into one dataset.</a:t>
-            </a:r>
-            <a:endParaRPr/>
-          </a:p>
-          <a:p>
-            <a:pPr indent="0" lvl="0" marL="0" rtl="0" algn="l">
-              <a:spcBef>
-                <a:spcPts val="1200"/>
-              </a:spcBef>
-              <a:spcAft>
-                <a:spcPts val="1200"/>
-              </a:spcAft>
-              <a:buNone/>
-            </a:pPr>
-            <a:r>
-              <a:rPr lang="en"/>
-              <a:t>A primary key column was created by merging column values that would uniquely identify each record. </a:t>
+              <a:t>The Dashboard</a:t>
             </a:r>
             <a:endParaRPr/>
           </a:p>
@@ -19565,7 +20233,7 @@
   <p:cSld>
     <p:spTree>
       <p:nvGrpSpPr>
-        <p:cNvPr id="401" name="Shape 401"/>
+        <p:cNvPr id="403" name="Shape 403"/>
         <p:cNvGrpSpPr/>
         <p:nvPr/>
       </p:nvGrpSpPr>
@@ -19579,72 +20247,7 @@
       </p:grpSpPr>
       <p:sp>
         <p:nvSpPr>
-          <p:cNvPr id="402" name="Google Shape;402;p32"/>
-          <p:cNvSpPr txBox="1"/>
-          <p:nvPr>
-            <p:ph type="title"/>
-          </p:nvPr>
-        </p:nvSpPr>
-        <p:spPr>
-          <a:xfrm>
-            <a:off x="824000" y="1613825"/>
-            <a:ext cx="5857800" cy="1872900"/>
-          </a:xfrm>
-          <a:prstGeom prst="rect">
-            <a:avLst/>
-          </a:prstGeom>
-        </p:spPr>
-        <p:txBody>
-          <a:bodyPr anchorCtr="0" anchor="ctr" bIns="91425" lIns="91425" spcFirstLastPara="1" rIns="91425" wrap="square" tIns="91425">
-            <a:normAutofit/>
-          </a:bodyPr>
-          <a:lstStyle/>
-          <a:p>
-            <a:pPr indent="0" lvl="0" marL="0" rtl="0" algn="l">
-              <a:spcBef>
-                <a:spcPts val="0"/>
-              </a:spcBef>
-              <a:spcAft>
-                <a:spcPts val="0"/>
-              </a:spcAft>
-              <a:buNone/>
-            </a:pPr>
-            <a:r>
-              <a:rPr lang="en"/>
-              <a:t>The Dashboard</a:t>
-            </a:r>
-            <a:endParaRPr/>
-          </a:p>
-        </p:txBody>
-      </p:sp>
-    </p:spTree>
-  </p:cSld>
-  <p:clrMapOvr>
-    <a:masterClrMapping/>
-  </p:clrMapOvr>
-</p:sld>
-</file>
-
-<file path=ppt/slides/slide21.xml><?xml version="1.0" encoding="utf-8"?>
-<p:sld xmlns:a="http://schemas.openxmlformats.org/drawingml/2006/main" xmlns:r="http://schemas.openxmlformats.org/officeDocument/2006/relationships" xmlns:mc="http://schemas.openxmlformats.org/markup-compatibility/2006" xmlns:mv="urn:schemas-microsoft-com:mac:vml" xmlns:p="http://schemas.openxmlformats.org/presentationml/2006/main" xmlns:c="http://schemas.openxmlformats.org/drawingml/2006/chart" xmlns:dgm="http://schemas.openxmlformats.org/drawingml/2006/diagram" xmlns:o="urn:schemas-microsoft-com:office:office" xmlns:v="urn:schemas-microsoft-com:vml" xmlns:pvml="urn:schemas-microsoft-com:office:powerpoint" xmlns:com="http://schemas.openxmlformats.org/drawingml/2006/compatibility" xmlns:p14="http://schemas.microsoft.com/office/powerpoint/2010/main" xmlns:p15="http://schemas.microsoft.com/office/powerpoint/2012/main" xmlns:ahyp="http://schemas.microsoft.com/office/drawing/2018/hyperlinkcolor">
-  <p:cSld>
-    <p:spTree>
-      <p:nvGrpSpPr>
-        <p:cNvPr id="406" name="Shape 406"/>
-        <p:cNvGrpSpPr/>
-        <p:nvPr/>
-      </p:nvGrpSpPr>
-      <p:grpSpPr>
-        <a:xfrm>
-          <a:off x="0" y="0"/>
-          <a:ext cx="0" cy="0"/>
-          <a:chOff x="0" y="0"/>
-          <a:chExt cx="0" cy="0"/>
-        </a:xfrm>
-      </p:grpSpPr>
-      <p:sp>
-        <p:nvSpPr>
-          <p:cNvPr id="407" name="Google Shape;407;p33"/>
+          <p:cNvPr id="404" name="Google Shape;404;p32"/>
           <p:cNvSpPr/>
           <p:nvPr/>
         </p:nvSpPr>
@@ -19693,7 +20296,7 @@
       </p:sp>
       <p:sp>
         <p:nvSpPr>
-          <p:cNvPr id="408" name="Google Shape;408;p33"/>
+          <p:cNvPr id="405" name="Google Shape;405;p32"/>
           <p:cNvSpPr/>
           <p:nvPr/>
         </p:nvSpPr>
@@ -19740,7 +20343,7 @@
       </p:sp>
       <p:sp>
         <p:nvSpPr>
-          <p:cNvPr id="409" name="Google Shape;409;p33"/>
+          <p:cNvPr id="406" name="Google Shape;406;p32"/>
           <p:cNvSpPr/>
           <p:nvPr/>
         </p:nvSpPr>
@@ -19787,7 +20390,7 @@
       </p:sp>
       <p:sp>
         <p:nvSpPr>
-          <p:cNvPr id="410" name="Google Shape;410;p33"/>
+          <p:cNvPr id="407" name="Google Shape;407;p32"/>
           <p:cNvSpPr/>
           <p:nvPr/>
         </p:nvSpPr>
@@ -19834,7 +20437,7 @@
       </p:sp>
       <p:sp>
         <p:nvSpPr>
-          <p:cNvPr id="411" name="Google Shape;411;p33"/>
+          <p:cNvPr id="408" name="Google Shape;408;p32"/>
           <p:cNvSpPr txBox="1"/>
           <p:nvPr/>
         </p:nvSpPr>
@@ -19892,7 +20495,7 @@
       </p:sp>
       <p:sp>
         <p:nvSpPr>
-          <p:cNvPr id="412" name="Google Shape;412;p33"/>
+          <p:cNvPr id="409" name="Google Shape;409;p32"/>
           <p:cNvSpPr txBox="1"/>
           <p:nvPr/>
         </p:nvSpPr>
@@ -20202,7 +20805,7 @@
       </p:sp>
       <p:sp>
         <p:nvSpPr>
-          <p:cNvPr id="413" name="Google Shape;413;p33"/>
+          <p:cNvPr id="410" name="Google Shape;410;p32"/>
           <p:cNvSpPr txBox="1"/>
           <p:nvPr/>
         </p:nvSpPr>
@@ -20254,7 +20857,7 @@
       </p:sp>
       <p:sp>
         <p:nvSpPr>
-          <p:cNvPr id="414" name="Google Shape;414;p33"/>
+          <p:cNvPr id="411" name="Google Shape;411;p32"/>
           <p:cNvSpPr txBox="1"/>
           <p:nvPr/>
         </p:nvSpPr>
@@ -20306,7 +20909,7 @@
       </p:sp>
       <p:sp>
         <p:nvSpPr>
-          <p:cNvPr id="415" name="Google Shape;415;p33"/>
+          <p:cNvPr id="412" name="Google Shape;412;p32"/>
           <p:cNvSpPr/>
           <p:nvPr/>
         </p:nvSpPr>
@@ -20353,7 +20956,7 @@
       </p:sp>
       <p:sp>
         <p:nvSpPr>
-          <p:cNvPr id="416" name="Google Shape;416;p33"/>
+          <p:cNvPr id="413" name="Google Shape;413;p32"/>
           <p:cNvSpPr txBox="1"/>
           <p:nvPr/>
         </p:nvSpPr>
@@ -20405,7 +21008,7 @@
       </p:sp>
       <p:pic>
         <p:nvPicPr>
-          <p:cNvPr id="417" name="Google Shape;417;p33"/>
+          <p:cNvPr id="414" name="Google Shape;414;p32"/>
           <p:cNvPicPr preferRelativeResize="0"/>
           <p:nvPr/>
         </p:nvPicPr>
@@ -20439,12 +21042,12 @@
 </p:sld>
 </file>
 
-<file path=ppt/slides/slide22.xml><?xml version="1.0" encoding="utf-8"?>
+<file path=ppt/slides/slide21.xml><?xml version="1.0" encoding="utf-8"?>
 <p:sld xmlns:a="http://schemas.openxmlformats.org/drawingml/2006/main" xmlns:r="http://schemas.openxmlformats.org/officeDocument/2006/relationships" xmlns:mc="http://schemas.openxmlformats.org/markup-compatibility/2006" xmlns:mv="urn:schemas-microsoft-com:mac:vml" xmlns:p="http://schemas.openxmlformats.org/presentationml/2006/main" xmlns:c="http://schemas.openxmlformats.org/drawingml/2006/chart" xmlns:dgm="http://schemas.openxmlformats.org/drawingml/2006/diagram" xmlns:o="urn:schemas-microsoft-com:office:office" xmlns:v="urn:schemas-microsoft-com:vml" xmlns:pvml="urn:schemas-microsoft-com:office:powerpoint" xmlns:com="http://schemas.openxmlformats.org/drawingml/2006/compatibility" xmlns:p14="http://schemas.microsoft.com/office/powerpoint/2010/main" xmlns:p15="http://schemas.microsoft.com/office/powerpoint/2012/main" xmlns:ahyp="http://schemas.microsoft.com/office/drawing/2018/hyperlinkcolor">
   <p:cSld>
     <p:spTree>
       <p:nvGrpSpPr>
-        <p:cNvPr id="421" name="Shape 421"/>
+        <p:cNvPr id="418" name="Shape 418"/>
         <p:cNvGrpSpPr/>
         <p:nvPr/>
       </p:nvGrpSpPr>
@@ -20458,7 +21061,7 @@
       </p:grpSpPr>
       <p:sp>
         <p:nvSpPr>
-          <p:cNvPr id="422" name="Google Shape;422;p34"/>
+          <p:cNvPr id="419" name="Google Shape;419;p33"/>
           <p:cNvSpPr txBox="1"/>
           <p:nvPr>
             <p:ph type="title"/>
@@ -20498,7 +21101,7 @@
       </p:sp>
       <p:sp>
         <p:nvSpPr>
-          <p:cNvPr id="423" name="Google Shape;423;p34"/>
+          <p:cNvPr id="420" name="Google Shape;420;p33"/>
           <p:cNvSpPr txBox="1"/>
           <p:nvPr>
             <p:ph idx="1" type="body"/>
@@ -20577,12 +21180,12 @@
 </p:sld>
 </file>
 
-<file path=ppt/slides/slide23.xml><?xml version="1.0" encoding="utf-8"?>
+<file path=ppt/slides/slide22.xml><?xml version="1.0" encoding="utf-8"?>
 <p:sld xmlns:a="http://schemas.openxmlformats.org/drawingml/2006/main" xmlns:r="http://schemas.openxmlformats.org/officeDocument/2006/relationships" xmlns:mc="http://schemas.openxmlformats.org/markup-compatibility/2006" xmlns:mv="urn:schemas-microsoft-com:mac:vml" xmlns:p="http://schemas.openxmlformats.org/presentationml/2006/main" xmlns:c="http://schemas.openxmlformats.org/drawingml/2006/chart" xmlns:dgm="http://schemas.openxmlformats.org/drawingml/2006/diagram" xmlns:o="urn:schemas-microsoft-com:office:office" xmlns:v="urn:schemas-microsoft-com:vml" xmlns:pvml="urn:schemas-microsoft-com:office:powerpoint" xmlns:com="http://schemas.openxmlformats.org/drawingml/2006/compatibility" xmlns:p14="http://schemas.microsoft.com/office/powerpoint/2010/main" xmlns:p15="http://schemas.microsoft.com/office/powerpoint/2012/main" xmlns:ahyp="http://schemas.microsoft.com/office/drawing/2018/hyperlinkcolor">
   <p:cSld>
     <p:spTree>
       <p:nvGrpSpPr>
-        <p:cNvPr id="427" name="Shape 427"/>
+        <p:cNvPr id="424" name="Shape 424"/>
         <p:cNvGrpSpPr/>
         <p:nvPr/>
       </p:nvGrpSpPr>
@@ -20596,7 +21199,7 @@
       </p:grpSpPr>
       <p:sp>
         <p:nvSpPr>
-          <p:cNvPr id="428" name="Google Shape;428;p35"/>
+          <p:cNvPr id="425" name="Google Shape;425;p34"/>
           <p:cNvSpPr txBox="1"/>
           <p:nvPr>
             <p:ph type="title"/>
@@ -20628,7 +21231,7 @@
             </a:pPr>
             <a:r>
               <a:rPr lang="en"/>
-              <a:t>Tableau Interactive Page</a:t>
+              <a:t>Highest Average Income Group</a:t>
             </a:r>
             <a:endParaRPr/>
           </a:p>
@@ -20636,7 +21239,7 @@
       </p:sp>
       <p:sp>
         <p:nvSpPr>
-          <p:cNvPr id="429" name="Google Shape;429;p35"/>
+          <p:cNvPr id="426" name="Google Shape;426;p34"/>
           <p:cNvSpPr txBox="1"/>
           <p:nvPr>
             <p:ph idx="1" type="body"/>
@@ -20700,12 +21303,12 @@
 </p:sld>
 </file>
 
-<file path=ppt/slides/slide24.xml><?xml version="1.0" encoding="utf-8"?>
+<file path=ppt/slides/slide23.xml><?xml version="1.0" encoding="utf-8"?>
 <p:sld xmlns:a="http://schemas.openxmlformats.org/drawingml/2006/main" xmlns:r="http://schemas.openxmlformats.org/officeDocument/2006/relationships" xmlns:mc="http://schemas.openxmlformats.org/markup-compatibility/2006" xmlns:mv="urn:schemas-microsoft-com:mac:vml" xmlns:p="http://schemas.openxmlformats.org/presentationml/2006/main" xmlns:c="http://schemas.openxmlformats.org/drawingml/2006/chart" xmlns:dgm="http://schemas.openxmlformats.org/drawingml/2006/diagram" xmlns:o="urn:schemas-microsoft-com:office:office" xmlns:v="urn:schemas-microsoft-com:vml" xmlns:pvml="urn:schemas-microsoft-com:office:powerpoint" xmlns:com="http://schemas.openxmlformats.org/drawingml/2006/compatibility" xmlns:p14="http://schemas.microsoft.com/office/powerpoint/2010/main" xmlns:p15="http://schemas.microsoft.com/office/powerpoint/2012/main" xmlns:ahyp="http://schemas.microsoft.com/office/drawing/2018/hyperlinkcolor">
   <p:cSld>
     <p:spTree>
       <p:nvGrpSpPr>
-        <p:cNvPr id="433" name="Shape 433"/>
+        <p:cNvPr id="430" name="Shape 430"/>
         <p:cNvGrpSpPr/>
         <p:nvPr/>
       </p:nvGrpSpPr>
@@ -20719,7 +21322,7 @@
       </p:grpSpPr>
       <p:sp>
         <p:nvSpPr>
-          <p:cNvPr id="434" name="Google Shape;434;p36"/>
+          <p:cNvPr id="431" name="Google Shape;431;p35"/>
           <p:cNvSpPr txBox="1"/>
           <p:nvPr>
             <p:ph type="title"/>
@@ -20765,12 +21368,12 @@
 </p:sld>
 </file>
 
-<file path=ppt/slides/slide25.xml><?xml version="1.0" encoding="utf-8"?>
+<file path=ppt/slides/slide24.xml><?xml version="1.0" encoding="utf-8"?>
 <p:sld xmlns:a="http://schemas.openxmlformats.org/drawingml/2006/main" xmlns:r="http://schemas.openxmlformats.org/officeDocument/2006/relationships" xmlns:mc="http://schemas.openxmlformats.org/markup-compatibility/2006" xmlns:mv="urn:schemas-microsoft-com:mac:vml" xmlns:p="http://schemas.openxmlformats.org/presentationml/2006/main" xmlns:c="http://schemas.openxmlformats.org/drawingml/2006/chart" xmlns:dgm="http://schemas.openxmlformats.org/drawingml/2006/diagram" xmlns:o="urn:schemas-microsoft-com:office:office" xmlns:v="urn:schemas-microsoft-com:vml" xmlns:pvml="urn:schemas-microsoft-com:office:powerpoint" xmlns:com="http://schemas.openxmlformats.org/drawingml/2006/compatibility" xmlns:p14="http://schemas.microsoft.com/office/powerpoint/2010/main" xmlns:p15="http://schemas.microsoft.com/office/powerpoint/2012/main" xmlns:ahyp="http://schemas.microsoft.com/office/drawing/2018/hyperlinkcolor">
   <p:cSld>
     <p:spTree>
       <p:nvGrpSpPr>
-        <p:cNvPr id="438" name="Shape 438"/>
+        <p:cNvPr id="435" name="Shape 435"/>
         <p:cNvGrpSpPr/>
         <p:nvPr/>
       </p:nvGrpSpPr>
@@ -20784,7 +21387,7 @@
       </p:grpSpPr>
       <p:sp>
         <p:nvSpPr>
-          <p:cNvPr id="439" name="Google Shape;439;p37"/>
+          <p:cNvPr id="436" name="Google Shape;436;p36"/>
           <p:cNvSpPr txBox="1"/>
           <p:nvPr>
             <p:ph type="title"/>
@@ -20824,7 +21427,7 @@
       </p:sp>
       <p:sp>
         <p:nvSpPr>
-          <p:cNvPr id="440" name="Google Shape;440;p37"/>
+          <p:cNvPr id="437" name="Google Shape;437;p36"/>
           <p:cNvSpPr txBox="1"/>
           <p:nvPr>
             <p:ph idx="1" type="body"/>
@@ -20886,12 +21489,12 @@
 </p:sld>
 </file>
 
-<file path=ppt/slides/slide26.xml><?xml version="1.0" encoding="utf-8"?>
+<file path=ppt/slides/slide25.xml><?xml version="1.0" encoding="utf-8"?>
 <p:sld xmlns:a="http://schemas.openxmlformats.org/drawingml/2006/main" xmlns:r="http://schemas.openxmlformats.org/officeDocument/2006/relationships" xmlns:mc="http://schemas.openxmlformats.org/markup-compatibility/2006" xmlns:mv="urn:schemas-microsoft-com:mac:vml" xmlns:p="http://schemas.openxmlformats.org/presentationml/2006/main" xmlns:c="http://schemas.openxmlformats.org/drawingml/2006/chart" xmlns:dgm="http://schemas.openxmlformats.org/drawingml/2006/diagram" xmlns:o="urn:schemas-microsoft-com:office:office" xmlns:v="urn:schemas-microsoft-com:vml" xmlns:pvml="urn:schemas-microsoft-com:office:powerpoint" xmlns:com="http://schemas.openxmlformats.org/drawingml/2006/compatibility" xmlns:p14="http://schemas.microsoft.com/office/powerpoint/2010/main" xmlns:p15="http://schemas.microsoft.com/office/powerpoint/2012/main" xmlns:ahyp="http://schemas.microsoft.com/office/drawing/2018/hyperlinkcolor">
   <p:cSld>
     <p:spTree>
       <p:nvGrpSpPr>
-        <p:cNvPr id="444" name="Shape 444"/>
+        <p:cNvPr id="441" name="Shape 441"/>
         <p:cNvGrpSpPr/>
         <p:nvPr/>
       </p:nvGrpSpPr>
@@ -20905,7 +21508,7 @@
       </p:grpSpPr>
       <p:sp>
         <p:nvSpPr>
-          <p:cNvPr id="445" name="Google Shape;445;p38"/>
+          <p:cNvPr id="442" name="Google Shape;442;p37"/>
           <p:cNvSpPr txBox="1"/>
           <p:nvPr>
             <p:ph type="title"/>
@@ -20945,7 +21548,7 @@
       </p:sp>
       <p:sp>
         <p:nvSpPr>
-          <p:cNvPr id="446" name="Google Shape;446;p38"/>
+          <p:cNvPr id="443" name="Google Shape;443;p37"/>
           <p:cNvSpPr txBox="1"/>
           <p:nvPr>
             <p:ph idx="1" type="body"/>
@@ -21038,12 +21641,12 @@
 </p:sld>
 </file>
 
-<file path=ppt/slides/slide27.xml><?xml version="1.0" encoding="utf-8"?>
+<file path=ppt/slides/slide26.xml><?xml version="1.0" encoding="utf-8"?>
 <p:sld xmlns:a="http://schemas.openxmlformats.org/drawingml/2006/main" xmlns:r="http://schemas.openxmlformats.org/officeDocument/2006/relationships" xmlns:mc="http://schemas.openxmlformats.org/markup-compatibility/2006" xmlns:mv="urn:schemas-microsoft-com:mac:vml" xmlns:p="http://schemas.openxmlformats.org/presentationml/2006/main" xmlns:c="http://schemas.openxmlformats.org/drawingml/2006/chart" xmlns:dgm="http://schemas.openxmlformats.org/drawingml/2006/diagram" xmlns:o="urn:schemas-microsoft-com:office:office" xmlns:v="urn:schemas-microsoft-com:vml" xmlns:pvml="urn:schemas-microsoft-com:office:powerpoint" xmlns:com="http://schemas.openxmlformats.org/drawingml/2006/compatibility" xmlns:p14="http://schemas.microsoft.com/office/powerpoint/2010/main" xmlns:p15="http://schemas.microsoft.com/office/powerpoint/2012/main" xmlns:ahyp="http://schemas.microsoft.com/office/drawing/2018/hyperlinkcolor">
   <p:cSld>
     <p:spTree>
       <p:nvGrpSpPr>
-        <p:cNvPr id="450" name="Shape 450"/>
+        <p:cNvPr id="447" name="Shape 447"/>
         <p:cNvGrpSpPr/>
         <p:nvPr/>
       </p:nvGrpSpPr>
@@ -21057,7 +21660,7 @@
       </p:grpSpPr>
       <p:sp>
         <p:nvSpPr>
-          <p:cNvPr id="451" name="Google Shape;451;p39"/>
+          <p:cNvPr id="448" name="Google Shape;448;p38"/>
           <p:cNvSpPr txBox="1"/>
           <p:nvPr>
             <p:ph type="title"/>
@@ -21097,7 +21700,7 @@
       </p:sp>
       <p:sp>
         <p:nvSpPr>
-          <p:cNvPr id="452" name="Google Shape;452;p39"/>
+          <p:cNvPr id="449" name="Google Shape;449;p38"/>
           <p:cNvSpPr txBox="1"/>
           <p:nvPr>
             <p:ph idx="1" type="body"/>
@@ -21153,7 +21756,7 @@
       </p:sp>
       <p:pic>
         <p:nvPicPr>
-          <p:cNvPr id="453" name="Google Shape;453;p39"/>
+          <p:cNvPr id="450" name="Google Shape;450;p38"/>
           <p:cNvPicPr preferRelativeResize="0"/>
           <p:nvPr/>
         </p:nvPicPr>
@@ -21169,6 +21772,824 @@
           <a:xfrm>
             <a:off x="423650" y="3442500"/>
             <a:ext cx="6932948" cy="407300"/>
+          </a:xfrm>
+          <a:prstGeom prst="rect">
+            <a:avLst/>
+          </a:prstGeom>
+          <a:noFill/>
+          <a:ln>
+            <a:noFill/>
+          </a:ln>
+        </p:spPr>
+      </p:pic>
+    </p:spTree>
+  </p:cSld>
+  <p:clrMapOvr>
+    <a:masterClrMapping/>
+  </p:clrMapOvr>
+</p:sld>
+</file>
+
+<file path=ppt/slides/slide27.xml><?xml version="1.0" encoding="utf-8"?>
+<p:sld xmlns:a="http://schemas.openxmlformats.org/drawingml/2006/main" xmlns:r="http://schemas.openxmlformats.org/officeDocument/2006/relationships" xmlns:mc="http://schemas.openxmlformats.org/markup-compatibility/2006" xmlns:mv="urn:schemas-microsoft-com:mac:vml" xmlns:p="http://schemas.openxmlformats.org/presentationml/2006/main" xmlns:c="http://schemas.openxmlformats.org/drawingml/2006/chart" xmlns:dgm="http://schemas.openxmlformats.org/drawingml/2006/diagram" xmlns:o="urn:schemas-microsoft-com:office:office" xmlns:v="urn:schemas-microsoft-com:vml" xmlns:pvml="urn:schemas-microsoft-com:office:powerpoint" xmlns:com="http://schemas.openxmlformats.org/drawingml/2006/compatibility" xmlns:p14="http://schemas.microsoft.com/office/powerpoint/2010/main" xmlns:p15="http://schemas.microsoft.com/office/powerpoint/2012/main" xmlns:ahyp="http://schemas.microsoft.com/office/drawing/2018/hyperlinkcolor">
+  <p:cSld>
+    <p:spTree>
+      <p:nvGrpSpPr>
+        <p:cNvPr id="454" name="Shape 454"/>
+        <p:cNvGrpSpPr/>
+        <p:nvPr/>
+      </p:nvGrpSpPr>
+      <p:grpSpPr>
+        <a:xfrm>
+          <a:off x="0" y="0"/>
+          <a:ext cx="0" cy="0"/>
+          <a:chOff x="0" y="0"/>
+          <a:chExt cx="0" cy="0"/>
+        </a:xfrm>
+      </p:grpSpPr>
+      <p:sp>
+        <p:nvSpPr>
+          <p:cNvPr id="455" name="Google Shape;455;p39"/>
+          <p:cNvSpPr txBox="1"/>
+          <p:nvPr>
+            <p:ph type="title"/>
+          </p:nvPr>
+        </p:nvSpPr>
+        <p:spPr>
+          <a:xfrm>
+            <a:off x="1303800" y="598575"/>
+            <a:ext cx="7030500" cy="999300"/>
+          </a:xfrm>
+          <a:prstGeom prst="rect">
+            <a:avLst/>
+          </a:prstGeom>
+        </p:spPr>
+        <p:txBody>
+          <a:bodyPr anchorCtr="0" anchor="t" bIns="91425" lIns="91425" spcFirstLastPara="1" rIns="91425" wrap="square" tIns="91425">
+            <a:normAutofit/>
+          </a:bodyPr>
+          <a:lstStyle/>
+          <a:p>
+            <a:pPr indent="0" lvl="0" marL="0" rtl="0" algn="l">
+              <a:spcBef>
+                <a:spcPts val="0"/>
+              </a:spcBef>
+              <a:spcAft>
+                <a:spcPts val="0"/>
+              </a:spcAft>
+              <a:buNone/>
+            </a:pPr>
+            <a:r>
+              <a:rPr lang="en"/>
+              <a:t>Future Analysis</a:t>
+            </a:r>
+            <a:endParaRPr/>
+          </a:p>
+        </p:txBody>
+      </p:sp>
+      <p:sp>
+        <p:nvSpPr>
+          <p:cNvPr id="456" name="Google Shape;456;p39"/>
+          <p:cNvSpPr txBox="1"/>
+          <p:nvPr>
+            <p:ph idx="1" type="body"/>
+          </p:nvPr>
+        </p:nvSpPr>
+        <p:spPr>
+          <a:xfrm>
+            <a:off x="1303800" y="1300950"/>
+            <a:ext cx="5842200" cy="2541600"/>
+          </a:xfrm>
+          <a:prstGeom prst="rect">
+            <a:avLst/>
+          </a:prstGeom>
+        </p:spPr>
+        <p:txBody>
+          <a:bodyPr anchorCtr="0" anchor="t" bIns="91425" lIns="91425" spcFirstLastPara="1" rIns="91425" wrap="square" tIns="91425">
+            <a:normAutofit/>
+          </a:bodyPr>
+          <a:lstStyle/>
+          <a:p>
+            <a:pPr indent="0" lvl="0" marL="0" rtl="0" algn="l">
+              <a:spcBef>
+                <a:spcPts val="0"/>
+              </a:spcBef>
+              <a:spcAft>
+                <a:spcPts val="1200"/>
+              </a:spcAft>
+              <a:buNone/>
+            </a:pPr>
+            <a:r>
+              <a:rPr lang="en"/>
+              <a:t>There were several limitations in our analysis that could be corrected with additional data elements:</a:t>
+            </a:r>
+            <a:endParaRPr/>
+          </a:p>
+        </p:txBody>
+      </p:sp>
+      <p:pic>
+        <p:nvPicPr>
+          <p:cNvPr id="457" name="Google Shape;457;p39"/>
+          <p:cNvPicPr preferRelativeResize="0"/>
+          <p:nvPr/>
+        </p:nvPicPr>
+        <p:blipFill>
+          <a:blip r:embed="rId3">
+            <a:alphaModFix/>
+          </a:blip>
+          <a:stretch>
+            <a:fillRect/>
+          </a:stretch>
+        </p:blipFill>
+        <p:spPr>
+          <a:xfrm>
+            <a:off x="5199851" y="1871625"/>
+            <a:ext cx="3534154" cy="2713600"/>
+          </a:xfrm>
+          <a:prstGeom prst="rect">
+            <a:avLst/>
+          </a:prstGeom>
+          <a:noFill/>
+          <a:ln>
+            <a:noFill/>
+          </a:ln>
+        </p:spPr>
+      </p:pic>
+      <p:sp>
+        <p:nvSpPr>
+          <p:cNvPr id="458" name="Google Shape;458;p39"/>
+          <p:cNvSpPr txBox="1"/>
+          <p:nvPr>
+            <p:ph idx="1" type="body"/>
+          </p:nvPr>
+        </p:nvSpPr>
+        <p:spPr>
+          <a:xfrm>
+            <a:off x="201950" y="2043625"/>
+            <a:ext cx="4656900" cy="2541600"/>
+          </a:xfrm>
+          <a:prstGeom prst="rect">
+            <a:avLst/>
+          </a:prstGeom>
+        </p:spPr>
+        <p:txBody>
+          <a:bodyPr anchorCtr="0" anchor="t" bIns="91425" lIns="91425" spcFirstLastPara="1" rIns="91425" wrap="square" tIns="91425">
+            <a:normAutofit lnSpcReduction="10000"/>
+          </a:bodyPr>
+          <a:lstStyle/>
+          <a:p>
+            <a:pPr indent="0" lvl="0" marL="457200" rtl="0" algn="l">
+              <a:spcBef>
+                <a:spcPts val="0"/>
+              </a:spcBef>
+              <a:spcAft>
+                <a:spcPts val="0"/>
+              </a:spcAft>
+              <a:buNone/>
+            </a:pPr>
+            <a:r>
+              <a:rPr b="1" lang="en"/>
+              <a:t>1) biased sampling: </a:t>
+            </a:r>
+            <a:endParaRPr b="1"/>
+          </a:p>
+          <a:p>
+            <a:pPr indent="0" lvl="0" marL="457200" rtl="0" algn="l">
+              <a:spcBef>
+                <a:spcPts val="1200"/>
+              </a:spcBef>
+              <a:spcAft>
+                <a:spcPts val="0"/>
+              </a:spcAft>
+              <a:buNone/>
+            </a:pPr>
+            <a:r>
+              <a:t/>
+            </a:r>
+            <a:endParaRPr/>
+          </a:p>
+          <a:p>
+            <a:pPr indent="0" lvl="0" marL="457200" rtl="0" algn="l">
+              <a:spcBef>
+                <a:spcPts val="1200"/>
+              </a:spcBef>
+              <a:spcAft>
+                <a:spcPts val="0"/>
+              </a:spcAft>
+              <a:buNone/>
+            </a:pPr>
+            <a:r>
+              <a:rPr lang="en"/>
+              <a:t>Participation in the data sharing partnership used to produce the PSOE and PSEOF files is voluntary. </a:t>
+            </a:r>
+            <a:endParaRPr/>
+          </a:p>
+          <a:p>
+            <a:pPr indent="0" lvl="0" marL="457200" rtl="0" algn="l">
+              <a:spcBef>
+                <a:spcPts val="1200"/>
+              </a:spcBef>
+              <a:spcAft>
+                <a:spcPts val="0"/>
+              </a:spcAft>
+              <a:buNone/>
+            </a:pPr>
+            <a:r>
+              <a:t/>
+            </a:r>
+            <a:endParaRPr/>
+          </a:p>
+          <a:p>
+            <a:pPr indent="0" lvl="0" marL="457200" rtl="0" algn="l">
+              <a:spcBef>
+                <a:spcPts val="1200"/>
+              </a:spcBef>
+              <a:spcAft>
+                <a:spcPts val="1200"/>
+              </a:spcAft>
+              <a:buNone/>
+            </a:pPr>
+            <a:r>
+              <a:rPr lang="en"/>
+              <a:t>Fewer than 20 states were represented in the underlying files and participation was heavily skewed towards Texas.</a:t>
+            </a:r>
+            <a:endParaRPr/>
+          </a:p>
+        </p:txBody>
+      </p:sp>
+      <p:sp>
+        <p:nvSpPr>
+          <p:cNvPr id="459" name="Google Shape;459;p39"/>
+          <p:cNvSpPr txBox="1"/>
+          <p:nvPr>
+            <p:ph idx="1" type="body"/>
+          </p:nvPr>
+        </p:nvSpPr>
+        <p:spPr>
+          <a:xfrm>
+            <a:off x="5199850" y="4539295"/>
+            <a:ext cx="2474100" cy="339600"/>
+          </a:xfrm>
+          <a:prstGeom prst="rect">
+            <a:avLst/>
+          </a:prstGeom>
+        </p:spPr>
+        <p:txBody>
+          <a:bodyPr anchorCtr="0" anchor="t" bIns="91425" lIns="91425" spcFirstLastPara="1" rIns="91425" wrap="square" tIns="91425">
+            <a:normAutofit fontScale="77500"/>
+          </a:bodyPr>
+          <a:lstStyle/>
+          <a:p>
+            <a:pPr indent="0" lvl="0" marL="0" rtl="0" algn="l">
+              <a:spcBef>
+                <a:spcPts val="0"/>
+              </a:spcBef>
+              <a:spcAft>
+                <a:spcPts val="1200"/>
+              </a:spcAft>
+              <a:buNone/>
+            </a:pPr>
+            <a:r>
+              <a:rPr i="1" lang="en"/>
+              <a:t>Frequency of representation by State</a:t>
+            </a:r>
+            <a:endParaRPr i="1"/>
+          </a:p>
+        </p:txBody>
+      </p:sp>
+    </p:spTree>
+  </p:cSld>
+  <p:clrMapOvr>
+    <a:masterClrMapping/>
+  </p:clrMapOvr>
+</p:sld>
+</file>
+
+<file path=ppt/slides/slide28.xml><?xml version="1.0" encoding="utf-8"?>
+<p:sld xmlns:a="http://schemas.openxmlformats.org/drawingml/2006/main" xmlns:r="http://schemas.openxmlformats.org/officeDocument/2006/relationships" xmlns:mc="http://schemas.openxmlformats.org/markup-compatibility/2006" xmlns:mv="urn:schemas-microsoft-com:mac:vml" xmlns:p="http://schemas.openxmlformats.org/presentationml/2006/main" xmlns:c="http://schemas.openxmlformats.org/drawingml/2006/chart" xmlns:dgm="http://schemas.openxmlformats.org/drawingml/2006/diagram" xmlns:o="urn:schemas-microsoft-com:office:office" xmlns:v="urn:schemas-microsoft-com:vml" xmlns:pvml="urn:schemas-microsoft-com:office:powerpoint" xmlns:com="http://schemas.openxmlformats.org/drawingml/2006/compatibility" xmlns:p14="http://schemas.microsoft.com/office/powerpoint/2010/main" xmlns:p15="http://schemas.microsoft.com/office/powerpoint/2012/main" xmlns:ahyp="http://schemas.microsoft.com/office/drawing/2018/hyperlinkcolor">
+  <p:cSld>
+    <p:spTree>
+      <p:nvGrpSpPr>
+        <p:cNvPr id="463" name="Shape 463"/>
+        <p:cNvGrpSpPr/>
+        <p:nvPr/>
+      </p:nvGrpSpPr>
+      <p:grpSpPr>
+        <a:xfrm>
+          <a:off x="0" y="0"/>
+          <a:ext cx="0" cy="0"/>
+          <a:chOff x="0" y="0"/>
+          <a:chExt cx="0" cy="0"/>
+        </a:xfrm>
+      </p:grpSpPr>
+      <p:sp>
+        <p:nvSpPr>
+          <p:cNvPr id="464" name="Google Shape;464;p40"/>
+          <p:cNvSpPr txBox="1"/>
+          <p:nvPr>
+            <p:ph type="title"/>
+          </p:nvPr>
+        </p:nvSpPr>
+        <p:spPr>
+          <a:xfrm>
+            <a:off x="1303800" y="598575"/>
+            <a:ext cx="7030500" cy="999300"/>
+          </a:xfrm>
+          <a:prstGeom prst="rect">
+            <a:avLst/>
+          </a:prstGeom>
+        </p:spPr>
+        <p:txBody>
+          <a:bodyPr anchorCtr="0" anchor="t" bIns="91425" lIns="91425" spcFirstLastPara="1" rIns="91425" wrap="square" tIns="91425">
+            <a:normAutofit/>
+          </a:bodyPr>
+          <a:lstStyle/>
+          <a:p>
+            <a:pPr indent="0" lvl="0" marL="0" rtl="0" algn="l">
+              <a:spcBef>
+                <a:spcPts val="0"/>
+              </a:spcBef>
+              <a:spcAft>
+                <a:spcPts val="0"/>
+              </a:spcAft>
+              <a:buNone/>
+            </a:pPr>
+            <a:r>
+              <a:rPr lang="en"/>
+              <a:t>Future Analysis</a:t>
+            </a:r>
+            <a:endParaRPr/>
+          </a:p>
+        </p:txBody>
+      </p:sp>
+      <p:sp>
+        <p:nvSpPr>
+          <p:cNvPr id="465" name="Google Shape;465;p40"/>
+          <p:cNvSpPr txBox="1"/>
+          <p:nvPr>
+            <p:ph idx="1" type="body"/>
+          </p:nvPr>
+        </p:nvSpPr>
+        <p:spPr>
+          <a:xfrm>
+            <a:off x="1303800" y="1300950"/>
+            <a:ext cx="5842200" cy="2541600"/>
+          </a:xfrm>
+          <a:prstGeom prst="rect">
+            <a:avLst/>
+          </a:prstGeom>
+        </p:spPr>
+        <p:txBody>
+          <a:bodyPr anchorCtr="0" anchor="t" bIns="91425" lIns="91425" spcFirstLastPara="1" rIns="91425" wrap="square" tIns="91425">
+            <a:normAutofit/>
+          </a:bodyPr>
+          <a:lstStyle/>
+          <a:p>
+            <a:pPr indent="0" lvl="0" marL="0" rtl="0" algn="l">
+              <a:spcBef>
+                <a:spcPts val="0"/>
+              </a:spcBef>
+              <a:spcAft>
+                <a:spcPts val="1200"/>
+              </a:spcAft>
+              <a:buNone/>
+            </a:pPr>
+            <a:r>
+              <a:rPr lang="en"/>
+              <a:t>There were several limitations in our analysis that could be corrected with additional data elements:</a:t>
+            </a:r>
+            <a:endParaRPr/>
+          </a:p>
+        </p:txBody>
+      </p:sp>
+      <p:sp>
+        <p:nvSpPr>
+          <p:cNvPr id="466" name="Google Shape;466;p40"/>
+          <p:cNvSpPr txBox="1"/>
+          <p:nvPr>
+            <p:ph idx="1" type="body"/>
+          </p:nvPr>
+        </p:nvSpPr>
+        <p:spPr>
+          <a:xfrm>
+            <a:off x="96550" y="2064700"/>
+            <a:ext cx="4699200" cy="2814300"/>
+          </a:xfrm>
+          <a:prstGeom prst="rect">
+            <a:avLst/>
+          </a:prstGeom>
+        </p:spPr>
+        <p:txBody>
+          <a:bodyPr anchorCtr="0" anchor="t" bIns="91425" lIns="91425" spcFirstLastPara="1" rIns="91425" wrap="square" tIns="91425">
+            <a:normAutofit lnSpcReduction="20000"/>
+          </a:bodyPr>
+          <a:lstStyle/>
+          <a:p>
+            <a:pPr indent="0" lvl="0" marL="457200" rtl="0" algn="l">
+              <a:spcBef>
+                <a:spcPts val="0"/>
+              </a:spcBef>
+              <a:spcAft>
+                <a:spcPts val="0"/>
+              </a:spcAft>
+              <a:buNone/>
+            </a:pPr>
+            <a:r>
+              <a:rPr b="1" lang="en"/>
+              <a:t>2</a:t>
+            </a:r>
+            <a:r>
+              <a:rPr b="1" lang="en"/>
+              <a:t>) Lack of Key Variables</a:t>
+            </a:r>
+            <a:endParaRPr b="1"/>
+          </a:p>
+          <a:p>
+            <a:pPr indent="0" lvl="0" marL="0" rtl="0" algn="l">
+              <a:spcBef>
+                <a:spcPts val="1200"/>
+              </a:spcBef>
+              <a:spcAft>
+                <a:spcPts val="0"/>
+              </a:spcAft>
+              <a:buNone/>
+            </a:pPr>
+            <a:r>
+              <a:t/>
+            </a:r>
+            <a:endParaRPr b="1"/>
+          </a:p>
+          <a:p>
+            <a:pPr indent="0" lvl="0" marL="457200" rtl="0" algn="l">
+              <a:spcBef>
+                <a:spcPts val="1200"/>
+              </a:spcBef>
+              <a:spcAft>
+                <a:spcPts val="0"/>
+              </a:spcAft>
+              <a:buNone/>
+            </a:pPr>
+            <a:r>
+              <a:rPr lang="en"/>
+              <a:t>The visual shows that some students who received non-degree certificates earned more than those who graduated with a Baccalaureate Degree. </a:t>
+            </a:r>
+            <a:endParaRPr/>
+          </a:p>
+          <a:p>
+            <a:pPr indent="0" lvl="0" marL="457200" rtl="0" algn="l">
+              <a:spcBef>
+                <a:spcPts val="1200"/>
+              </a:spcBef>
+              <a:spcAft>
+                <a:spcPts val="0"/>
+              </a:spcAft>
+              <a:buNone/>
+            </a:pPr>
+            <a:r>
+              <a:t/>
+            </a:r>
+            <a:endParaRPr/>
+          </a:p>
+          <a:p>
+            <a:pPr indent="0" lvl="0" marL="457200" rtl="0" algn="l">
+              <a:spcBef>
+                <a:spcPts val="1200"/>
+              </a:spcBef>
+              <a:spcAft>
+                <a:spcPts val="1200"/>
+              </a:spcAft>
+              <a:buNone/>
+            </a:pPr>
+            <a:r>
+              <a:rPr lang="en"/>
+              <a:t>It is likely that students in the certificate cohorts are on average older than those graduating at the baccalaureate level. They may be further along in their career. </a:t>
+            </a:r>
+            <a:endParaRPr/>
+          </a:p>
+        </p:txBody>
+      </p:sp>
+      <p:sp>
+        <p:nvSpPr>
+          <p:cNvPr id="467" name="Google Shape;467;p40"/>
+          <p:cNvSpPr txBox="1"/>
+          <p:nvPr>
+            <p:ph idx="1" type="body"/>
+          </p:nvPr>
+        </p:nvSpPr>
+        <p:spPr>
+          <a:xfrm>
+            <a:off x="5199850" y="4539300"/>
+            <a:ext cx="3453300" cy="339600"/>
+          </a:xfrm>
+          <a:prstGeom prst="rect">
+            <a:avLst/>
+          </a:prstGeom>
+        </p:spPr>
+        <p:txBody>
+          <a:bodyPr anchorCtr="0" anchor="t" bIns="91425" lIns="91425" spcFirstLastPara="1" rIns="91425" wrap="square" tIns="91425">
+            <a:normAutofit fontScale="70000"/>
+          </a:bodyPr>
+          <a:lstStyle/>
+          <a:p>
+            <a:pPr indent="0" lvl="0" marL="0" rtl="0" algn="l">
+              <a:spcBef>
+                <a:spcPts val="0"/>
+              </a:spcBef>
+              <a:spcAft>
+                <a:spcPts val="1200"/>
+              </a:spcAft>
+              <a:buNone/>
+            </a:pPr>
+            <a:r>
+              <a:rPr i="1" lang="en"/>
+              <a:t>AVG earnings by Degree Level 50% quartile after 1st year</a:t>
+            </a:r>
+            <a:endParaRPr i="1"/>
+          </a:p>
+        </p:txBody>
+      </p:sp>
+      <p:pic>
+        <p:nvPicPr>
+          <p:cNvPr id="468" name="Google Shape;468;p40"/>
+          <p:cNvPicPr preferRelativeResize="0"/>
+          <p:nvPr/>
+        </p:nvPicPr>
+        <p:blipFill rotWithShape="1">
+          <a:blip r:embed="rId3">
+            <a:alphaModFix/>
+          </a:blip>
+          <a:srcRect b="32933" l="2142" r="34280" t="33533"/>
+          <a:stretch/>
+        </p:blipFill>
+        <p:spPr>
+          <a:xfrm>
+            <a:off x="4795675" y="1918275"/>
+            <a:ext cx="4205450" cy="2621025"/>
+          </a:xfrm>
+          <a:prstGeom prst="rect">
+            <a:avLst/>
+          </a:prstGeom>
+          <a:noFill/>
+          <a:ln>
+            <a:noFill/>
+          </a:ln>
+        </p:spPr>
+      </p:pic>
+    </p:spTree>
+  </p:cSld>
+  <p:clrMapOvr>
+    <a:masterClrMapping/>
+  </p:clrMapOvr>
+</p:sld>
+</file>
+
+<file path=ppt/slides/slide29.xml><?xml version="1.0" encoding="utf-8"?>
+<p:sld xmlns:a="http://schemas.openxmlformats.org/drawingml/2006/main" xmlns:r="http://schemas.openxmlformats.org/officeDocument/2006/relationships" xmlns:mc="http://schemas.openxmlformats.org/markup-compatibility/2006" xmlns:mv="urn:schemas-microsoft-com:mac:vml" xmlns:p="http://schemas.openxmlformats.org/presentationml/2006/main" xmlns:c="http://schemas.openxmlformats.org/drawingml/2006/chart" xmlns:dgm="http://schemas.openxmlformats.org/drawingml/2006/diagram" xmlns:o="urn:schemas-microsoft-com:office:office" xmlns:v="urn:schemas-microsoft-com:vml" xmlns:pvml="urn:schemas-microsoft-com:office:powerpoint" xmlns:com="http://schemas.openxmlformats.org/drawingml/2006/compatibility" xmlns:p14="http://schemas.microsoft.com/office/powerpoint/2010/main" xmlns:p15="http://schemas.microsoft.com/office/powerpoint/2012/main" xmlns:ahyp="http://schemas.microsoft.com/office/drawing/2018/hyperlinkcolor">
+  <p:cSld>
+    <p:spTree>
+      <p:nvGrpSpPr>
+        <p:cNvPr id="472" name="Shape 472"/>
+        <p:cNvGrpSpPr/>
+        <p:nvPr/>
+      </p:nvGrpSpPr>
+      <p:grpSpPr>
+        <a:xfrm>
+          <a:off x="0" y="0"/>
+          <a:ext cx="0" cy="0"/>
+          <a:chOff x="0" y="0"/>
+          <a:chExt cx="0" cy="0"/>
+        </a:xfrm>
+      </p:grpSpPr>
+      <p:sp>
+        <p:nvSpPr>
+          <p:cNvPr id="473" name="Google Shape;473;p41"/>
+          <p:cNvSpPr txBox="1"/>
+          <p:nvPr>
+            <p:ph type="title"/>
+          </p:nvPr>
+        </p:nvSpPr>
+        <p:spPr>
+          <a:xfrm>
+            <a:off x="1303800" y="598575"/>
+            <a:ext cx="7030500" cy="999300"/>
+          </a:xfrm>
+          <a:prstGeom prst="rect">
+            <a:avLst/>
+          </a:prstGeom>
+        </p:spPr>
+        <p:txBody>
+          <a:bodyPr anchorCtr="0" anchor="t" bIns="91425" lIns="91425" spcFirstLastPara="1" rIns="91425" wrap="square" tIns="91425">
+            <a:normAutofit/>
+          </a:bodyPr>
+          <a:lstStyle/>
+          <a:p>
+            <a:pPr indent="0" lvl="0" marL="0" rtl="0" algn="l">
+              <a:spcBef>
+                <a:spcPts val="0"/>
+              </a:spcBef>
+              <a:spcAft>
+                <a:spcPts val="0"/>
+              </a:spcAft>
+              <a:buNone/>
+            </a:pPr>
+            <a:r>
+              <a:rPr lang="en"/>
+              <a:t>Future Analysis</a:t>
+            </a:r>
+            <a:endParaRPr/>
+          </a:p>
+        </p:txBody>
+      </p:sp>
+      <p:sp>
+        <p:nvSpPr>
+          <p:cNvPr id="474" name="Google Shape;474;p41"/>
+          <p:cNvSpPr txBox="1"/>
+          <p:nvPr>
+            <p:ph idx="1" type="body"/>
+          </p:nvPr>
+        </p:nvSpPr>
+        <p:spPr>
+          <a:xfrm>
+            <a:off x="1303800" y="1300950"/>
+            <a:ext cx="5842200" cy="2541600"/>
+          </a:xfrm>
+          <a:prstGeom prst="rect">
+            <a:avLst/>
+          </a:prstGeom>
+        </p:spPr>
+        <p:txBody>
+          <a:bodyPr anchorCtr="0" anchor="t" bIns="91425" lIns="91425" spcFirstLastPara="1" rIns="91425" wrap="square" tIns="91425">
+            <a:normAutofit/>
+          </a:bodyPr>
+          <a:lstStyle/>
+          <a:p>
+            <a:pPr indent="0" lvl="0" marL="0" rtl="0" algn="l">
+              <a:spcBef>
+                <a:spcPts val="0"/>
+              </a:spcBef>
+              <a:spcAft>
+                <a:spcPts val="1200"/>
+              </a:spcAft>
+              <a:buNone/>
+            </a:pPr>
+            <a:r>
+              <a:rPr lang="en"/>
+              <a:t>There were several limitations in our analysis that could be corrected with additional data elements:</a:t>
+            </a:r>
+            <a:endParaRPr/>
+          </a:p>
+        </p:txBody>
+      </p:sp>
+      <p:sp>
+        <p:nvSpPr>
+          <p:cNvPr id="475" name="Google Shape;475;p41"/>
+          <p:cNvSpPr txBox="1"/>
+          <p:nvPr>
+            <p:ph idx="1" type="body"/>
+          </p:nvPr>
+        </p:nvSpPr>
+        <p:spPr>
+          <a:xfrm>
+            <a:off x="96550" y="2064700"/>
+            <a:ext cx="4699200" cy="2814300"/>
+          </a:xfrm>
+          <a:prstGeom prst="rect">
+            <a:avLst/>
+          </a:prstGeom>
+        </p:spPr>
+        <p:txBody>
+          <a:bodyPr anchorCtr="0" anchor="t" bIns="91425" lIns="91425" spcFirstLastPara="1" rIns="91425" wrap="square" tIns="91425">
+            <a:normAutofit fontScale="92500" lnSpcReduction="10000"/>
+          </a:bodyPr>
+          <a:lstStyle/>
+          <a:p>
+            <a:pPr indent="0" lvl="0" marL="457200" rtl="0" algn="l">
+              <a:spcBef>
+                <a:spcPts val="0"/>
+              </a:spcBef>
+              <a:spcAft>
+                <a:spcPts val="0"/>
+              </a:spcAft>
+              <a:buNone/>
+            </a:pPr>
+            <a:r>
+              <a:rPr b="1" lang="en"/>
+              <a:t>3</a:t>
+            </a:r>
+            <a:r>
+              <a:rPr b="1" lang="en"/>
+              <a:t>) Inclusion of Institutional Characteristics</a:t>
+            </a:r>
+            <a:endParaRPr b="1"/>
+          </a:p>
+          <a:p>
+            <a:pPr indent="0" lvl="0" marL="457200" rtl="0" algn="l">
+              <a:spcBef>
+                <a:spcPts val="1200"/>
+              </a:spcBef>
+              <a:spcAft>
+                <a:spcPts val="0"/>
+              </a:spcAft>
+              <a:buNone/>
+            </a:pPr>
+            <a:r>
+              <a:rPr lang="en"/>
+              <a:t>Integrated Postsecondary Education Data System (IPEDS) is a collection of data elements on institutions in the US. Data elements include measures of institutional characteristics, Institutional prices / tuition, Admissions, Finances, and others.</a:t>
+            </a:r>
+            <a:endParaRPr/>
+          </a:p>
+          <a:p>
+            <a:pPr indent="0" lvl="0" marL="457200" rtl="0" algn="l">
+              <a:spcBef>
+                <a:spcPts val="1200"/>
+              </a:spcBef>
+              <a:spcAft>
+                <a:spcPts val="0"/>
+              </a:spcAft>
+              <a:buNone/>
+            </a:pPr>
+            <a:r>
+              <a:rPr lang="en"/>
+              <a:t>Inclusion of these data elements may improve our model. </a:t>
+            </a:r>
+            <a:endParaRPr/>
+          </a:p>
+          <a:p>
+            <a:pPr indent="0" lvl="0" marL="457200" rtl="0" algn="l">
+              <a:spcBef>
+                <a:spcPts val="1200"/>
+              </a:spcBef>
+              <a:spcAft>
+                <a:spcPts val="1200"/>
+              </a:spcAft>
+              <a:buNone/>
+            </a:pPr>
+            <a:r>
+              <a:rPr lang="en"/>
+              <a:t>A preliminary analysis shows that level of urbanity (urban to rural), institution control type (public vs private), and variables associated with institutional size were all strongly associated with income earnings. </a:t>
+            </a:r>
+            <a:endParaRPr/>
+          </a:p>
+        </p:txBody>
+      </p:sp>
+      <p:sp>
+        <p:nvSpPr>
+          <p:cNvPr id="476" name="Google Shape;476;p41"/>
+          <p:cNvSpPr txBox="1"/>
+          <p:nvPr>
+            <p:ph idx="1" type="body"/>
+          </p:nvPr>
+        </p:nvSpPr>
+        <p:spPr>
+          <a:xfrm>
+            <a:off x="5199850" y="4539300"/>
+            <a:ext cx="3888900" cy="498900"/>
+          </a:xfrm>
+          <a:prstGeom prst="rect">
+            <a:avLst/>
+          </a:prstGeom>
+        </p:spPr>
+        <p:txBody>
+          <a:bodyPr anchorCtr="0" anchor="t" bIns="91425" lIns="91425" spcFirstLastPara="1" rIns="91425" wrap="square" tIns="91425">
+            <a:normAutofit fontScale="77500" lnSpcReduction="10000"/>
+          </a:bodyPr>
+          <a:lstStyle/>
+          <a:p>
+            <a:pPr indent="0" lvl="0" marL="0" rtl="0" algn="l">
+              <a:spcBef>
+                <a:spcPts val="0"/>
+              </a:spcBef>
+              <a:spcAft>
+                <a:spcPts val="1200"/>
+              </a:spcAft>
+              <a:buNone/>
+            </a:pPr>
+            <a:r>
+              <a:rPr i="1" lang="en"/>
+              <a:t>Multivariate linear regression of institutional characteristics on income earnings</a:t>
+            </a:r>
+            <a:endParaRPr i="1"/>
+          </a:p>
+        </p:txBody>
+      </p:sp>
+      <p:pic>
+        <p:nvPicPr>
+          <p:cNvPr id="477" name="Google Shape;477;p41"/>
+          <p:cNvPicPr preferRelativeResize="0"/>
+          <p:nvPr/>
+        </p:nvPicPr>
+        <p:blipFill>
+          <a:blip r:embed="rId3">
+            <a:alphaModFix/>
+          </a:blip>
+          <a:stretch>
+            <a:fillRect/>
+          </a:stretch>
+        </p:blipFill>
+        <p:spPr>
+          <a:xfrm>
+            <a:off x="5095800" y="2064700"/>
+            <a:ext cx="3993050" cy="2482450"/>
           </a:xfrm>
           <a:prstGeom prst="rect">
             <a:avLst/>
@@ -21475,6 +22896,71 @@
         </p:nvSpPr>
         <p:spPr>
           <a:xfrm>
+            <a:off x="824000" y="1613825"/>
+            <a:ext cx="5857800" cy="1872900"/>
+          </a:xfrm>
+          <a:prstGeom prst="rect">
+            <a:avLst/>
+          </a:prstGeom>
+        </p:spPr>
+        <p:txBody>
+          <a:bodyPr anchorCtr="0" anchor="ctr" bIns="91425" lIns="91425" spcFirstLastPara="1" rIns="91425" wrap="square" tIns="91425">
+            <a:normAutofit/>
+          </a:bodyPr>
+          <a:lstStyle/>
+          <a:p>
+            <a:pPr indent="0" lvl="0" marL="0" rtl="0" algn="l">
+              <a:spcBef>
+                <a:spcPts val="0"/>
+              </a:spcBef>
+              <a:spcAft>
+                <a:spcPts val="0"/>
+              </a:spcAft>
+              <a:buNone/>
+            </a:pPr>
+            <a:r>
+              <a:rPr lang="en"/>
+              <a:t>The Question</a:t>
+            </a:r>
+            <a:endParaRPr/>
+          </a:p>
+        </p:txBody>
+      </p:sp>
+    </p:spTree>
+  </p:cSld>
+  <p:clrMapOvr>
+    <a:masterClrMapping/>
+  </p:clrMapOvr>
+</p:sld>
+</file>
+
+<file path=ppt/slides/slide6.xml><?xml version="1.0" encoding="utf-8"?>
+<p:sld xmlns:a="http://schemas.openxmlformats.org/drawingml/2006/main" xmlns:r="http://schemas.openxmlformats.org/officeDocument/2006/relationships" xmlns:mc="http://schemas.openxmlformats.org/markup-compatibility/2006" xmlns:mv="urn:schemas-microsoft-com:mac:vml" xmlns:p="http://schemas.openxmlformats.org/presentationml/2006/main" xmlns:c="http://schemas.openxmlformats.org/drawingml/2006/chart" xmlns:dgm="http://schemas.openxmlformats.org/drawingml/2006/diagram" xmlns:o="urn:schemas-microsoft-com:office:office" xmlns:v="urn:schemas-microsoft-com:vml" xmlns:pvml="urn:schemas-microsoft-com:office:powerpoint" xmlns:com="http://schemas.openxmlformats.org/drawingml/2006/compatibility" xmlns:p14="http://schemas.microsoft.com/office/powerpoint/2010/main" xmlns:p15="http://schemas.microsoft.com/office/powerpoint/2012/main" xmlns:ahyp="http://schemas.microsoft.com/office/drawing/2018/hyperlinkcolor">
+  <p:cSld>
+    <p:spTree>
+      <p:nvGrpSpPr>
+        <p:cNvPr id="315" name="Shape 315"/>
+        <p:cNvGrpSpPr/>
+        <p:nvPr/>
+      </p:nvGrpSpPr>
+      <p:grpSpPr>
+        <a:xfrm>
+          <a:off x="0" y="0"/>
+          <a:ext cx="0" cy="0"/>
+          <a:chOff x="0" y="0"/>
+          <a:chExt cx="0" cy="0"/>
+        </a:xfrm>
+      </p:grpSpPr>
+      <p:sp>
+        <p:nvSpPr>
+          <p:cNvPr id="316" name="Google Shape;316;p18"/>
+          <p:cNvSpPr txBox="1"/>
+          <p:nvPr>
+            <p:ph type="title"/>
+          </p:nvPr>
+        </p:nvSpPr>
+        <p:spPr>
+          <a:xfrm>
             <a:off x="1303800" y="598575"/>
             <a:ext cx="7030500" cy="999300"/>
           </a:xfrm>
@@ -21484,7 +22970,7 @@
         </p:spPr>
         <p:txBody>
           <a:bodyPr anchorCtr="0" anchor="t" bIns="91425" lIns="91425" spcFirstLastPara="1" rIns="91425" wrap="square" tIns="91425">
-            <a:normAutofit fontScale="90000"/>
+            <a:normAutofit/>
           </a:bodyPr>
           <a:lstStyle/>
           <a:p>
@@ -21499,7 +22985,7 @@
             </a:pPr>
             <a:r>
               <a:rPr lang="en"/>
-              <a:t>Integrated Postsecondary Education Data System (IPEDS)</a:t>
+              <a:t>With all this data, what can we do?</a:t>
             </a:r>
             <a:endParaRPr/>
           </a:p>
@@ -21507,7 +22993,7 @@
       </p:sp>
       <p:sp>
         <p:nvSpPr>
-          <p:cNvPr id="312" name="Google Shape;312;p17"/>
+          <p:cNvPr id="317" name="Google Shape;317;p18"/>
           <p:cNvSpPr txBox="1"/>
           <p:nvPr>
             <p:ph idx="1" type="body"/>
@@ -21533,94 +23019,13 @@
                 <a:spcPts val="0"/>
               </a:spcBef>
               <a:spcAft>
-                <a:spcPts val="0"/>
+                <a:spcPts val="1200"/>
               </a:spcAft>
               <a:buNone/>
             </a:pPr>
             <a:r>
               <a:rPr lang="en"/>
-              <a:t>The Integrated Postsecondary Education Data System (IPEDS) is a collection of data elements collected for every postsecondary education institution in the US on a diverse range of areas including the following: Institutional characteristics, Institutional prices / tuition, Admissions, Finances, and others.</a:t>
-            </a:r>
-            <a:endParaRPr/>
-          </a:p>
-          <a:p>
-            <a:pPr indent="0" lvl="0" marL="0" rtl="0" algn="l">
-              <a:spcBef>
-                <a:spcPts val="1200"/>
-              </a:spcBef>
-              <a:spcAft>
-                <a:spcPts val="1200"/>
-              </a:spcAft>
-              <a:buNone/>
-            </a:pPr>
-            <a:r>
-              <a:rPr lang="en"/>
-              <a:t>We are interested in institutional characteristics such as as tuition and fees, room and board, institutional category (public vs private), degree of rurality (urban vs fringe), size of the institution (large vs small) as predictors of student post-graduate outcomes.</a:t>
-            </a:r>
-            <a:endParaRPr/>
-          </a:p>
-        </p:txBody>
-      </p:sp>
-    </p:spTree>
-  </p:cSld>
-  <p:clrMapOvr>
-    <a:masterClrMapping/>
-  </p:clrMapOvr>
-</p:sld>
-</file>
-
-<file path=ppt/slides/slide6.xml><?xml version="1.0" encoding="utf-8"?>
-<p:sld xmlns:a="http://schemas.openxmlformats.org/drawingml/2006/main" xmlns:r="http://schemas.openxmlformats.org/officeDocument/2006/relationships" xmlns:mc="http://schemas.openxmlformats.org/markup-compatibility/2006" xmlns:mv="urn:schemas-microsoft-com:mac:vml" xmlns:p="http://schemas.openxmlformats.org/presentationml/2006/main" xmlns:c="http://schemas.openxmlformats.org/drawingml/2006/chart" xmlns:dgm="http://schemas.openxmlformats.org/drawingml/2006/diagram" xmlns:o="urn:schemas-microsoft-com:office:office" xmlns:v="urn:schemas-microsoft-com:vml" xmlns:pvml="urn:schemas-microsoft-com:office:powerpoint" xmlns:com="http://schemas.openxmlformats.org/drawingml/2006/compatibility" xmlns:p14="http://schemas.microsoft.com/office/powerpoint/2010/main" xmlns:p15="http://schemas.microsoft.com/office/powerpoint/2012/main" xmlns:ahyp="http://schemas.microsoft.com/office/drawing/2018/hyperlinkcolor">
-  <p:cSld>
-    <p:spTree>
-      <p:nvGrpSpPr>
-        <p:cNvPr id="316" name="Shape 316"/>
-        <p:cNvGrpSpPr/>
-        <p:nvPr/>
-      </p:nvGrpSpPr>
-      <p:grpSpPr>
-        <a:xfrm>
-          <a:off x="0" y="0"/>
-          <a:ext cx="0" cy="0"/>
-          <a:chOff x="0" y="0"/>
-          <a:chExt cx="0" cy="0"/>
-        </a:xfrm>
-      </p:grpSpPr>
-      <p:sp>
-        <p:nvSpPr>
-          <p:cNvPr id="317" name="Google Shape;317;p18"/>
-          <p:cNvSpPr txBox="1"/>
-          <p:nvPr>
-            <p:ph type="title"/>
-          </p:nvPr>
-        </p:nvSpPr>
-        <p:spPr>
-          <a:xfrm>
-            <a:off x="824000" y="1613825"/>
-            <a:ext cx="5857800" cy="1872900"/>
-          </a:xfrm>
-          <a:prstGeom prst="rect">
-            <a:avLst/>
-          </a:prstGeom>
-        </p:spPr>
-        <p:txBody>
-          <a:bodyPr anchorCtr="0" anchor="ctr" bIns="91425" lIns="91425" spcFirstLastPara="1" rIns="91425" wrap="square" tIns="91425">
-            <a:normAutofit/>
-          </a:bodyPr>
-          <a:lstStyle/>
-          <a:p>
-            <a:pPr indent="0" lvl="0" marL="0" rtl="0" algn="l">
-              <a:spcBef>
-                <a:spcPts val="0"/>
-              </a:spcBef>
-              <a:spcAft>
-                <a:spcPts val="0"/>
-              </a:spcAft>
-              <a:buNone/>
-            </a:pPr>
-            <a:r>
-              <a:rPr lang="en"/>
-              <a:t>The Question</a:t>
+              <a:t>Can we train a machine learning model on the available data and use that to predict post-secondary employment outcomes for graduates depending on their institution and degree type?</a:t>
             </a:r>
             <a:endParaRPr/>
           </a:p>
@@ -21661,15 +23066,15 @@
         </p:nvSpPr>
         <p:spPr>
           <a:xfrm>
-            <a:off x="1303800" y="598575"/>
-            <a:ext cx="7030500" cy="999300"/>
+            <a:off x="824000" y="1613825"/>
+            <a:ext cx="5857800" cy="1872900"/>
           </a:xfrm>
           <a:prstGeom prst="rect">
             <a:avLst/>
           </a:prstGeom>
         </p:spPr>
         <p:txBody>
-          <a:bodyPr anchorCtr="0" anchor="t" bIns="91425" lIns="91425" spcFirstLastPara="1" rIns="91425" wrap="square" tIns="91425">
+          <a:bodyPr anchorCtr="0" anchor="ctr" bIns="91425" lIns="91425" spcFirstLastPara="1" rIns="91425" wrap="square" tIns="91425">
             <a:normAutofit/>
           </a:bodyPr>
           <a:lstStyle/>
@@ -21685,47 +23090,7 @@
             </a:pPr>
             <a:r>
               <a:rPr lang="en"/>
-              <a:t>With all this data, what can we do?</a:t>
-            </a:r>
-            <a:endParaRPr/>
-          </a:p>
-        </p:txBody>
-      </p:sp>
-      <p:sp>
-        <p:nvSpPr>
-          <p:cNvPr id="323" name="Google Shape;323;p19"/>
-          <p:cNvSpPr txBox="1"/>
-          <p:nvPr>
-            <p:ph idx="1" type="body"/>
-          </p:nvPr>
-        </p:nvSpPr>
-        <p:spPr>
-          <a:xfrm>
-            <a:off x="1303800" y="1990050"/>
-            <a:ext cx="7030500" cy="2541600"/>
-          </a:xfrm>
-          <a:prstGeom prst="rect">
-            <a:avLst/>
-          </a:prstGeom>
-        </p:spPr>
-        <p:txBody>
-          <a:bodyPr anchorCtr="0" anchor="t" bIns="91425" lIns="91425" spcFirstLastPara="1" rIns="91425" wrap="square" tIns="91425">
-            <a:normAutofit/>
-          </a:bodyPr>
-          <a:lstStyle/>
-          <a:p>
-            <a:pPr indent="0" lvl="0" marL="0" rtl="0" algn="l">
-              <a:spcBef>
-                <a:spcPts val="0"/>
-              </a:spcBef>
-              <a:spcAft>
-                <a:spcPts val="1200"/>
-              </a:spcAft>
-              <a:buNone/>
-            </a:pPr>
-            <a:r>
-              <a:rPr lang="en"/>
-              <a:t>Can we train a machine learning model on the available data and use that to predict post-secondary employment outcomes for graduates depending on their institution and degree type?</a:t>
+              <a:t>The Database</a:t>
             </a:r>
             <a:endParaRPr/>
           </a:p>
@@ -21744,7 +23109,7 @@
   <p:cSld>
     <p:spTree>
       <p:nvGrpSpPr>
-        <p:cNvPr id="327" name="Shape 327"/>
+        <p:cNvPr id="326" name="Shape 326"/>
         <p:cNvGrpSpPr/>
         <p:nvPr/>
       </p:nvGrpSpPr>
@@ -21758,7 +23123,7 @@
       </p:grpSpPr>
       <p:sp>
         <p:nvSpPr>
-          <p:cNvPr id="328" name="Google Shape;328;p20"/>
+          <p:cNvPr id="327" name="Google Shape;327;p20"/>
           <p:cNvSpPr txBox="1"/>
           <p:nvPr>
             <p:ph type="title"/>
@@ -21766,15 +23131,15 @@
         </p:nvSpPr>
         <p:spPr>
           <a:xfrm>
-            <a:off x="824000" y="1613825"/>
-            <a:ext cx="5857800" cy="1872900"/>
+            <a:off x="1303800" y="598575"/>
+            <a:ext cx="7030500" cy="673800"/>
           </a:xfrm>
           <a:prstGeom prst="rect">
             <a:avLst/>
           </a:prstGeom>
         </p:spPr>
         <p:txBody>
-          <a:bodyPr anchorCtr="0" anchor="ctr" bIns="91425" lIns="91425" spcFirstLastPara="1" rIns="91425" wrap="square" tIns="91425">
+          <a:bodyPr anchorCtr="0" anchor="t" bIns="91425" lIns="91425" spcFirstLastPara="1" rIns="91425" wrap="square" tIns="91425">
             <a:normAutofit/>
           </a:bodyPr>
           <a:lstStyle/>
@@ -21790,12 +23155,40 @@
             </a:pPr>
             <a:r>
               <a:rPr lang="en"/>
-              <a:t>The Database</a:t>
+              <a:t>S3 Bucket</a:t>
             </a:r>
             <a:endParaRPr/>
           </a:p>
         </p:txBody>
       </p:sp>
+      <p:pic>
+        <p:nvPicPr>
+          <p:cNvPr id="328" name="Google Shape;328;p20"/>
+          <p:cNvPicPr preferRelativeResize="0"/>
+          <p:nvPr/>
+        </p:nvPicPr>
+        <p:blipFill>
+          <a:blip r:embed="rId3">
+            <a:alphaModFix/>
+          </a:blip>
+          <a:stretch>
+            <a:fillRect/>
+          </a:stretch>
+        </p:blipFill>
+        <p:spPr>
+          <a:xfrm>
+            <a:off x="152400" y="1756138"/>
+            <a:ext cx="8839198" cy="1631218"/>
+          </a:xfrm>
+          <a:prstGeom prst="rect">
+            <a:avLst/>
+          </a:prstGeom>
+          <a:noFill/>
+          <a:ln>
+            <a:noFill/>
+          </a:ln>
+        </p:spPr>
+      </p:pic>
     </p:spTree>
   </p:cSld>
   <p:clrMapOvr>
@@ -21855,7 +23248,7 @@
             </a:pPr>
             <a:r>
               <a:rPr lang="en"/>
-              <a:t>S3 Bucket</a:t>
+              <a:t>AWS RDS</a:t>
             </a:r>
             <a:endParaRPr/>
           </a:p>
@@ -21877,8 +23270,36 @@
         </p:blipFill>
         <p:spPr>
           <a:xfrm>
-            <a:off x="152400" y="1756138"/>
-            <a:ext cx="8839198" cy="1631218"/>
+            <a:off x="118400" y="3341575"/>
+            <a:ext cx="8839198" cy="1774703"/>
+          </a:xfrm>
+          <a:prstGeom prst="rect">
+            <a:avLst/>
+          </a:prstGeom>
+          <a:noFill/>
+          <a:ln>
+            <a:noFill/>
+          </a:ln>
+        </p:spPr>
+      </p:pic>
+      <p:pic>
+        <p:nvPicPr>
+          <p:cNvPr id="335" name="Google Shape;335;p21"/>
+          <p:cNvPicPr preferRelativeResize="0"/>
+          <p:nvPr/>
+        </p:nvPicPr>
+        <p:blipFill>
+          <a:blip r:embed="rId4">
+            <a:alphaModFix/>
+          </a:blip>
+          <a:stretch>
+            <a:fillRect/>
+          </a:stretch>
+        </p:blipFill>
+        <p:spPr>
+          <a:xfrm>
+            <a:off x="3330825" y="139750"/>
+            <a:ext cx="5704299" cy="3167825"/>
           </a:xfrm>
           <a:prstGeom prst="rect">
             <a:avLst/>
